--- a/Module-4.pptx
+++ b/Module-4.pptx
@@ -5543,6 +5543,1173 @@
           <a:chExt cx="0" cy="0"/>
         </a:xfrm>
       </p:grpSpPr>
+      <p:sp>
+        <p:nvSpPr>
+          <p:cNvPr id="2" name="TextBox 1"/>
+          <p:cNvSpPr txBox="1"/>
+          <p:nvPr/>
+        </p:nvSpPr>
+        <p:spPr>
+          <a:xfrm>
+            <a:off x="178118" y="1676400"/>
+            <a:ext cx="8878393" cy="2308324"/>
+          </a:xfrm>
+          <a:prstGeom prst="rect">
+            <a:avLst/>
+          </a:prstGeom>
+          <a:noFill/>
+        </p:spPr>
+        <p:txBody>
+          <a:bodyPr wrap="none" rtlCol="0">
+            <a:spAutoFit/>
+          </a:bodyPr>
+          <a:lstStyle/>
+          <a:p>
+            <a:pPr>
+              <a:buFont typeface="Arial" pitchFamily="34" charset="0"/>
+              <a:buChar char="•"/>
+            </a:pPr>
+            <a:r>
+              <a:rPr lang="en-US" dirty="0" smtClean="0"/>
+              <a:t>The </a:t>
+            </a:r>
+            <a:r>
+              <a:rPr lang="en-US" dirty="0" smtClean="0"/>
+              <a:t>Cortex M4 uses </a:t>
+            </a:r>
+            <a:r>
+              <a:rPr lang="en-US" dirty="0" smtClean="0"/>
+              <a:t>a full descending stack. This means the stack pointer holds the </a:t>
+            </a:r>
+            <a:endParaRPr lang="en-US" dirty="0" smtClean="0"/>
+          </a:p>
+          <a:p>
+            <a:r>
+              <a:rPr lang="en-US" dirty="0" smtClean="0"/>
+              <a:t>  address of the </a:t>
+            </a:r>
+            <a:r>
+              <a:rPr lang="en-US" dirty="0" smtClean="0"/>
+              <a:t>last stacked item in memory. </a:t>
+            </a:r>
+            <a:endParaRPr lang="en-US" dirty="0" smtClean="0"/>
+          </a:p>
+          <a:p>
+            <a:pPr>
+              <a:buFont typeface="Arial" pitchFamily="34" charset="0"/>
+              <a:buChar char="•"/>
+            </a:pPr>
+            <a:endParaRPr lang="en-US" dirty="0" smtClean="0"/>
+          </a:p>
+          <a:p>
+            <a:pPr>
+              <a:buFont typeface="Arial" pitchFamily="34" charset="0"/>
+              <a:buChar char="•"/>
+            </a:pPr>
+            <a:r>
+              <a:rPr lang="en-US" dirty="0" smtClean="0"/>
+              <a:t>The processor implements two stacks, the </a:t>
+            </a:r>
+            <a:r>
+              <a:rPr lang="en-US" i="1" dirty="0" smtClean="0"/>
+              <a:t>main stack and the process </a:t>
+            </a:r>
+            <a:r>
+              <a:rPr lang="en-US" i="1" dirty="0" smtClean="0"/>
+              <a:t/>
+            </a:r>
+            <a:br>
+              <a:rPr lang="en-US" i="1" dirty="0" smtClean="0"/>
+            </a:br>
+            <a:r>
+              <a:rPr lang="en-US" i="1" dirty="0" smtClean="0"/>
+              <a:t>stack</a:t>
+            </a:r>
+            <a:r>
+              <a:rPr lang="en-US" i="1" dirty="0" smtClean="0"/>
+              <a:t>, with a pointer for </a:t>
+            </a:r>
+            <a:r>
+              <a:rPr lang="en-US" i="1" dirty="0" smtClean="0"/>
+              <a:t>each </a:t>
+            </a:r>
+            <a:r>
+              <a:rPr lang="en-US" dirty="0" smtClean="0"/>
+              <a:t>held </a:t>
+            </a:r>
+            <a:r>
+              <a:rPr lang="en-US" dirty="0" smtClean="0"/>
+              <a:t>in independent registers</a:t>
+            </a:r>
+            <a:r>
+              <a:rPr lang="en-US" dirty="0" smtClean="0"/>
+              <a:t>,</a:t>
+            </a:r>
+          </a:p>
+          <a:p>
+            <a:pPr>
+              <a:buFont typeface="Arial" pitchFamily="34" charset="0"/>
+              <a:buChar char="•"/>
+            </a:pPr>
+            <a:endParaRPr lang="en-US" dirty="0" smtClean="0"/>
+          </a:p>
+          <a:p>
+            <a:pPr>
+              <a:buFont typeface="Arial" pitchFamily="34" charset="0"/>
+              <a:buChar char="•"/>
+            </a:pPr>
+            <a:endParaRPr lang="en-US" dirty="0" smtClean="0"/>
+          </a:p>
+          <a:p>
+            <a:endParaRPr lang="en-US" dirty="0"/>
+          </a:p>
+        </p:txBody>
+      </p:sp>
+      <p:sp>
+        <p:nvSpPr>
+          <p:cNvPr id="3" name="Title 48"/>
+          <p:cNvSpPr txBox="1">
+            <a:spLocks/>
+          </p:cNvSpPr>
+          <p:nvPr/>
+        </p:nvSpPr>
+        <p:spPr>
+          <a:xfrm>
+            <a:off x="76200" y="213360"/>
+            <a:ext cx="4800600" cy="777240"/>
+          </a:xfrm>
+          <a:prstGeom prst="rect">
+            <a:avLst/>
+          </a:prstGeom>
+        </p:spPr>
+        <p:txBody>
+          <a:bodyPr/>
+          <a:lstStyle/>
+          <a:p>
+            <a:pPr marL="0" marR="0" lvl="0" indent="0" defTabSz="914400" rtl="0" eaLnBrk="1" fontAlgn="auto" latinLnBrk="0" hangingPunct="1">
+              <a:lnSpc>
+                <a:spcPct val="100000"/>
+              </a:lnSpc>
+              <a:spcBef>
+                <a:spcPct val="0"/>
+              </a:spcBef>
+              <a:spcAft>
+                <a:spcPts val="0"/>
+              </a:spcAft>
+              <a:buClrTx/>
+              <a:buSzTx/>
+              <a:buFontTx/>
+              <a:buNone/>
+              <a:tabLst/>
+              <a:defRPr/>
+            </a:pPr>
+            <a:r>
+              <a:rPr kumimoji="0" lang="en-US" sz="4400" b="0" i="0" u="none" strike="noStrike" kern="1200" cap="none" spc="0" normalizeH="0" baseline="0" noProof="0" dirty="0" smtClean="0">
+                <a:ln>
+                  <a:noFill/>
+                </a:ln>
+                <a:solidFill>
+                  <a:schemeClr val="tx1"/>
+                </a:solidFill>
+                <a:effectLst/>
+                <a:uLnTx/>
+                <a:uFillTx/>
+                <a:latin typeface="+mj-lt"/>
+                <a:ea typeface="+mj-ea"/>
+                <a:cs typeface="+mj-cs"/>
+              </a:rPr>
+              <a:t>Stack</a:t>
+            </a:r>
+            <a:r>
+              <a:rPr kumimoji="0" lang="en-US" sz="4400" b="0" i="0" u="none" strike="noStrike" kern="1200" cap="none" spc="0" normalizeH="0" noProof="0" dirty="0" smtClean="0">
+                <a:ln>
+                  <a:noFill/>
+                </a:ln>
+                <a:solidFill>
+                  <a:schemeClr val="tx1"/>
+                </a:solidFill>
+                <a:effectLst/>
+                <a:uLnTx/>
+                <a:uFillTx/>
+                <a:latin typeface="+mj-lt"/>
+                <a:ea typeface="+mj-ea"/>
+                <a:cs typeface="+mj-cs"/>
+              </a:rPr>
+              <a:t> on Cortex M4</a:t>
+            </a:r>
+            <a:endParaRPr kumimoji="0" lang="en-US" sz="4400" b="0" i="0" u="none" strike="noStrike" kern="1200" cap="none" spc="0" normalizeH="0" baseline="0" noProof="0" dirty="0">
+              <a:ln>
+                <a:noFill/>
+              </a:ln>
+              <a:solidFill>
+                <a:schemeClr val="tx1"/>
+              </a:solidFill>
+              <a:effectLst/>
+              <a:uLnTx/>
+              <a:uFillTx/>
+              <a:latin typeface="+mj-lt"/>
+              <a:ea typeface="+mj-ea"/>
+              <a:cs typeface="+mj-cs"/>
+            </a:endParaRPr>
+          </a:p>
+        </p:txBody>
+      </p:sp>
+      <p:graphicFrame>
+        <p:nvGraphicFramePr>
+          <p:cNvPr id="4" name="Table 3"/>
+          <p:cNvGraphicFramePr>
+            <a:graphicFrameLocks noGrp="1"/>
+          </p:cNvGraphicFramePr>
+          <p:nvPr/>
+        </p:nvGraphicFramePr>
+        <p:xfrm>
+          <a:off x="457200" y="3429000"/>
+          <a:ext cx="8229600" cy="2895600"/>
+        </p:xfrm>
+        <a:graphic>
+          <a:graphicData uri="http://schemas.openxmlformats.org/drawingml/2006/table">
+            <a:tbl>
+              <a:tblPr firstRow="1" bandRow="1">
+                <a:tableStyleId>{5C22544A-7EE6-4342-B048-85BDC9FD1C3A}</a:tableStyleId>
+              </a:tblPr>
+              <a:tblGrid>
+                <a:gridCol w="1204332"/>
+                <a:gridCol w="2377068"/>
+                <a:gridCol w="1838093"/>
+                <a:gridCol w="2810107"/>
+              </a:tblGrid>
+              <a:tr h="965200">
+                <a:tc>
+                  <a:txBody>
+                    <a:bodyPr/>
+                    <a:lstStyle/>
+                    <a:p>
+                      <a:r>
+                        <a:rPr lang="en-US" dirty="0" smtClean="0"/>
+                        <a:t>Processor</a:t>
+                      </a:r>
+                    </a:p>
+                    <a:p>
+                      <a:r>
+                        <a:rPr lang="en-US" dirty="0" smtClean="0"/>
+                        <a:t>Mode</a:t>
+                      </a:r>
+                      <a:endParaRPr lang="en-US" dirty="0"/>
+                    </a:p>
+                  </a:txBody>
+                  <a:tcPr/>
+                </a:tc>
+                <a:tc>
+                  <a:txBody>
+                    <a:bodyPr/>
+                    <a:lstStyle/>
+                    <a:p>
+                      <a:r>
+                        <a:rPr lang="en-US" dirty="0" smtClean="0"/>
+                        <a:t>Used to execute</a:t>
+                      </a:r>
+                      <a:endParaRPr lang="en-US" dirty="0"/>
+                    </a:p>
+                  </a:txBody>
+                  <a:tcPr/>
+                </a:tc>
+                <a:tc>
+                  <a:txBody>
+                    <a:bodyPr/>
+                    <a:lstStyle/>
+                    <a:p>
+                      <a:r>
+                        <a:rPr lang="en-US" dirty="0" smtClean="0"/>
+                        <a:t>Privilege</a:t>
+                      </a:r>
+                      <a:r>
+                        <a:rPr lang="en-US" baseline="0" dirty="0" smtClean="0"/>
+                        <a:t> level</a:t>
+                      </a:r>
+                      <a:endParaRPr lang="en-US" dirty="0"/>
+                    </a:p>
+                  </a:txBody>
+                  <a:tcPr/>
+                </a:tc>
+                <a:tc>
+                  <a:txBody>
+                    <a:bodyPr/>
+                    <a:lstStyle/>
+                    <a:p>
+                      <a:r>
+                        <a:rPr lang="en-US" dirty="0" smtClean="0"/>
+                        <a:t>STACK</a:t>
+                      </a:r>
+                      <a:r>
+                        <a:rPr lang="en-US" baseline="0" dirty="0" smtClean="0"/>
+                        <a:t> USED</a:t>
+                      </a:r>
+                      <a:endParaRPr lang="en-US" dirty="0"/>
+                    </a:p>
+                  </a:txBody>
+                  <a:tcPr/>
+                </a:tc>
+              </a:tr>
+              <a:tr h="965200">
+                <a:tc>
+                  <a:txBody>
+                    <a:bodyPr/>
+                    <a:lstStyle/>
+                    <a:p>
+                      <a:r>
+                        <a:rPr lang="en-US" dirty="0" smtClean="0"/>
+                        <a:t>Thread</a:t>
+                      </a:r>
+                      <a:endParaRPr lang="en-US" dirty="0"/>
+                    </a:p>
+                  </a:txBody>
+                  <a:tcPr/>
+                </a:tc>
+                <a:tc>
+                  <a:txBody>
+                    <a:bodyPr/>
+                    <a:lstStyle/>
+                    <a:p>
+                      <a:r>
+                        <a:rPr lang="en-US" dirty="0" smtClean="0"/>
+                        <a:t>Applications</a:t>
+                      </a:r>
+                      <a:endParaRPr lang="en-US" dirty="0"/>
+                    </a:p>
+                  </a:txBody>
+                  <a:tcPr/>
+                </a:tc>
+                <a:tc>
+                  <a:txBody>
+                    <a:bodyPr/>
+                    <a:lstStyle/>
+                    <a:p>
+                      <a:r>
+                        <a:rPr lang="en-US" dirty="0" smtClean="0"/>
+                        <a:t>Privileged</a:t>
+                      </a:r>
+                      <a:r>
+                        <a:rPr lang="en-US" baseline="0" dirty="0" smtClean="0"/>
+                        <a:t> or Un privileged</a:t>
+                      </a:r>
+                      <a:endParaRPr lang="en-US" dirty="0"/>
+                    </a:p>
+                  </a:txBody>
+                  <a:tcPr/>
+                </a:tc>
+                <a:tc>
+                  <a:txBody>
+                    <a:bodyPr/>
+                    <a:lstStyle/>
+                    <a:p>
+                      <a:r>
+                        <a:rPr lang="en-US" dirty="0" smtClean="0"/>
+                        <a:t>Process stack or Main stack</a:t>
+                      </a:r>
+                    </a:p>
+                    <a:p>
+                      <a:r>
+                        <a:rPr lang="en-US" dirty="0" smtClean="0"/>
+                        <a:t>Based</a:t>
+                      </a:r>
+                      <a:r>
+                        <a:rPr lang="en-US" baseline="0" dirty="0" smtClean="0"/>
+                        <a:t> on CONTROL Register</a:t>
+                      </a:r>
+                      <a:endParaRPr lang="en-US" dirty="0"/>
+                    </a:p>
+                  </a:txBody>
+                  <a:tcPr/>
+                </a:tc>
+              </a:tr>
+              <a:tr h="965200">
+                <a:tc>
+                  <a:txBody>
+                    <a:bodyPr/>
+                    <a:lstStyle/>
+                    <a:p>
+                      <a:r>
+                        <a:rPr lang="en-US" dirty="0" smtClean="0"/>
+                        <a:t>Handler</a:t>
+                      </a:r>
+                      <a:endParaRPr lang="en-US" dirty="0"/>
+                    </a:p>
+                  </a:txBody>
+                  <a:tcPr/>
+                </a:tc>
+                <a:tc>
+                  <a:txBody>
+                    <a:bodyPr/>
+                    <a:lstStyle/>
+                    <a:p>
+                      <a:r>
+                        <a:rPr lang="en-US" dirty="0" smtClean="0"/>
+                        <a:t>Exceptions</a:t>
+                      </a:r>
+                      <a:endParaRPr lang="en-US" dirty="0"/>
+                    </a:p>
+                  </a:txBody>
+                  <a:tcPr/>
+                </a:tc>
+                <a:tc>
+                  <a:txBody>
+                    <a:bodyPr/>
+                    <a:lstStyle/>
+                    <a:p>
+                      <a:r>
+                        <a:rPr lang="en-US" dirty="0" smtClean="0"/>
+                        <a:t>Always</a:t>
+                      </a:r>
+                      <a:r>
+                        <a:rPr lang="en-US" baseline="0" dirty="0" smtClean="0"/>
+                        <a:t> Privileged</a:t>
+                      </a:r>
+                      <a:endParaRPr lang="en-US" dirty="0"/>
+                    </a:p>
+                  </a:txBody>
+                  <a:tcPr/>
+                </a:tc>
+                <a:tc>
+                  <a:txBody>
+                    <a:bodyPr/>
+                    <a:lstStyle/>
+                    <a:p>
+                      <a:r>
+                        <a:rPr lang="en-US" dirty="0" smtClean="0"/>
+                        <a:t>Main Stack</a:t>
+                      </a:r>
+                      <a:endParaRPr lang="en-US" dirty="0"/>
+                    </a:p>
+                  </a:txBody>
+                  <a:tcPr/>
+                </a:tc>
+              </a:tr>
+            </a:tbl>
+          </a:graphicData>
+        </a:graphic>
+      </p:graphicFrame>
+      <p:sp>
+        <p:nvSpPr>
+          <p:cNvPr id="5" name="Rectangle 4"/>
+          <p:cNvSpPr/>
+          <p:nvPr/>
+        </p:nvSpPr>
+        <p:spPr>
+          <a:xfrm>
+            <a:off x="4713567" y="1301674"/>
+            <a:ext cx="990600" cy="304800"/>
+          </a:xfrm>
+          <a:prstGeom prst="rect">
+            <a:avLst/>
+          </a:prstGeom>
+          <a:gradFill>
+            <a:gsLst>
+              <a:gs pos="0">
+                <a:srgbClr val="FF0066">
+                  <a:alpha val="61961"/>
+                </a:srgbClr>
+              </a:gs>
+              <a:gs pos="50000">
+                <a:schemeClr val="accent1">
+                  <a:tint val="44500"/>
+                  <a:satMod val="160000"/>
+                </a:schemeClr>
+              </a:gs>
+              <a:gs pos="100000">
+                <a:schemeClr val="accent1">
+                  <a:tint val="23500"/>
+                  <a:satMod val="160000"/>
+                </a:schemeClr>
+              </a:gs>
+            </a:gsLst>
+            <a:path path="circle">
+              <a:fillToRect l="50000" t="50000" r="50000" b="50000"/>
+            </a:path>
+          </a:gradFill>
+        </p:spPr>
+        <p:style>
+          <a:lnRef idx="2">
+            <a:schemeClr val="accent1">
+              <a:shade val="50000"/>
+            </a:schemeClr>
+          </a:lnRef>
+          <a:fillRef idx="1">
+            <a:schemeClr val="accent1"/>
+          </a:fillRef>
+          <a:effectRef idx="0">
+            <a:schemeClr val="accent1"/>
+          </a:effectRef>
+          <a:fontRef idx="minor">
+            <a:schemeClr val="lt1"/>
+          </a:fontRef>
+        </p:style>
+        <p:txBody>
+          <a:bodyPr rtlCol="0" anchor="ctr"/>
+          <a:lstStyle/>
+          <a:p>
+            <a:pPr algn="ctr"/>
+            <a:r>
+              <a:rPr lang="en-US" dirty="0" smtClean="0">
+                <a:solidFill>
+                  <a:schemeClr val="tx1"/>
+                </a:solidFill>
+              </a:rPr>
+              <a:t>R13(SP)</a:t>
+            </a:r>
+            <a:endParaRPr lang="en-US" dirty="0">
+              <a:solidFill>
+                <a:schemeClr val="tx1"/>
+              </a:solidFill>
+            </a:endParaRPr>
+          </a:p>
+        </p:txBody>
+      </p:sp>
+      <p:sp>
+        <p:nvSpPr>
+          <p:cNvPr id="6" name="Rectangle 5"/>
+          <p:cNvSpPr/>
+          <p:nvPr/>
+        </p:nvSpPr>
+        <p:spPr>
+          <a:xfrm>
+            <a:off x="6248400" y="1298986"/>
+            <a:ext cx="990600" cy="304800"/>
+          </a:xfrm>
+          <a:prstGeom prst="rect">
+            <a:avLst/>
+          </a:prstGeom>
+          <a:gradFill>
+            <a:gsLst>
+              <a:gs pos="0">
+                <a:srgbClr val="FF0066">
+                  <a:alpha val="61961"/>
+                </a:srgbClr>
+              </a:gs>
+              <a:gs pos="50000">
+                <a:schemeClr val="accent1">
+                  <a:tint val="44500"/>
+                  <a:satMod val="160000"/>
+                </a:schemeClr>
+              </a:gs>
+              <a:gs pos="100000">
+                <a:schemeClr val="accent1">
+                  <a:tint val="23500"/>
+                  <a:satMod val="160000"/>
+                </a:schemeClr>
+              </a:gs>
+            </a:gsLst>
+            <a:path path="circle">
+              <a:fillToRect l="50000" t="50000" r="50000" b="50000"/>
+            </a:path>
+          </a:gradFill>
+        </p:spPr>
+        <p:style>
+          <a:lnRef idx="2">
+            <a:schemeClr val="accent1">
+              <a:shade val="50000"/>
+            </a:schemeClr>
+          </a:lnRef>
+          <a:fillRef idx="1">
+            <a:schemeClr val="accent1"/>
+          </a:fillRef>
+          <a:effectRef idx="0">
+            <a:schemeClr val="accent1"/>
+          </a:effectRef>
+          <a:fontRef idx="minor">
+            <a:schemeClr val="lt1"/>
+          </a:fontRef>
+        </p:style>
+        <p:txBody>
+          <a:bodyPr rtlCol="0" anchor="ctr"/>
+          <a:lstStyle/>
+          <a:p>
+            <a:pPr algn="ctr"/>
+            <a:r>
+              <a:rPr lang="en-US" dirty="0" smtClean="0">
+                <a:solidFill>
+                  <a:schemeClr val="tx1"/>
+                </a:solidFill>
+              </a:rPr>
+              <a:t>MSP</a:t>
+            </a:r>
+            <a:endParaRPr lang="en-US" dirty="0">
+              <a:solidFill>
+                <a:schemeClr val="tx1"/>
+              </a:solidFill>
+            </a:endParaRPr>
+          </a:p>
+        </p:txBody>
+      </p:sp>
+      <p:sp>
+        <p:nvSpPr>
+          <p:cNvPr id="7" name="Rectangle 6"/>
+          <p:cNvSpPr/>
+          <p:nvPr/>
+        </p:nvSpPr>
+        <p:spPr>
+          <a:xfrm>
+            <a:off x="7696200" y="1295400"/>
+            <a:ext cx="990600" cy="304800"/>
+          </a:xfrm>
+          <a:prstGeom prst="rect">
+            <a:avLst/>
+          </a:prstGeom>
+          <a:gradFill>
+            <a:gsLst>
+              <a:gs pos="0">
+                <a:srgbClr val="FF0066">
+                  <a:alpha val="61961"/>
+                </a:srgbClr>
+              </a:gs>
+              <a:gs pos="50000">
+                <a:schemeClr val="accent1">
+                  <a:tint val="44500"/>
+                  <a:satMod val="160000"/>
+                </a:schemeClr>
+              </a:gs>
+              <a:gs pos="100000">
+                <a:schemeClr val="accent1">
+                  <a:tint val="23500"/>
+                  <a:satMod val="160000"/>
+                </a:schemeClr>
+              </a:gs>
+            </a:gsLst>
+            <a:path path="circle">
+              <a:fillToRect l="50000" t="50000" r="50000" b="50000"/>
+            </a:path>
+          </a:gradFill>
+        </p:spPr>
+        <p:style>
+          <a:lnRef idx="2">
+            <a:schemeClr val="accent1">
+              <a:shade val="50000"/>
+            </a:schemeClr>
+          </a:lnRef>
+          <a:fillRef idx="1">
+            <a:schemeClr val="accent1"/>
+          </a:fillRef>
+          <a:effectRef idx="0">
+            <a:schemeClr val="accent1"/>
+          </a:effectRef>
+          <a:fontRef idx="minor">
+            <a:schemeClr val="lt1"/>
+          </a:fontRef>
+        </p:style>
+        <p:txBody>
+          <a:bodyPr rtlCol="0" anchor="ctr"/>
+          <a:lstStyle/>
+          <a:p>
+            <a:pPr algn="ctr"/>
+            <a:r>
+              <a:rPr lang="en-US" dirty="0" smtClean="0">
+                <a:solidFill>
+                  <a:schemeClr val="tx1"/>
+                </a:solidFill>
+              </a:rPr>
+              <a:t>PSP</a:t>
+            </a:r>
+            <a:endParaRPr lang="en-US" dirty="0">
+              <a:solidFill>
+                <a:schemeClr val="tx1"/>
+              </a:solidFill>
+            </a:endParaRPr>
+          </a:p>
+        </p:txBody>
+      </p:sp>
+      <p:sp>
+        <p:nvSpPr>
+          <p:cNvPr id="8" name="Rectangle 7"/>
+          <p:cNvSpPr/>
+          <p:nvPr/>
+        </p:nvSpPr>
+        <p:spPr>
+          <a:xfrm>
+            <a:off x="5791200" y="838200"/>
+            <a:ext cx="990600" cy="228600"/>
+          </a:xfrm>
+          <a:prstGeom prst="rect">
+            <a:avLst/>
+          </a:prstGeom>
+          <a:noFill/>
+        </p:spPr>
+        <p:style>
+          <a:lnRef idx="2">
+            <a:schemeClr val="accent1">
+              <a:shade val="50000"/>
+            </a:schemeClr>
+          </a:lnRef>
+          <a:fillRef idx="1">
+            <a:schemeClr val="accent1"/>
+          </a:fillRef>
+          <a:effectRef idx="0">
+            <a:schemeClr val="accent1"/>
+          </a:effectRef>
+          <a:fontRef idx="minor">
+            <a:schemeClr val="lt1"/>
+          </a:fontRef>
+        </p:style>
+        <p:txBody>
+          <a:bodyPr rtlCol="0" anchor="ctr"/>
+          <a:lstStyle/>
+          <a:p>
+            <a:pPr algn="ctr"/>
+            <a:endParaRPr lang="en-US" dirty="0">
+              <a:solidFill>
+                <a:schemeClr val="tx1"/>
+              </a:solidFill>
+            </a:endParaRPr>
+          </a:p>
+        </p:txBody>
+      </p:sp>
+      <p:sp>
+        <p:nvSpPr>
+          <p:cNvPr id="9" name="Rectangle 8"/>
+          <p:cNvSpPr/>
+          <p:nvPr/>
+        </p:nvSpPr>
+        <p:spPr>
+          <a:xfrm>
+            <a:off x="8001000" y="838200"/>
+            <a:ext cx="990600" cy="228600"/>
+          </a:xfrm>
+          <a:prstGeom prst="rect">
+            <a:avLst/>
+          </a:prstGeom>
+          <a:noFill/>
+        </p:spPr>
+        <p:style>
+          <a:lnRef idx="2">
+            <a:schemeClr val="accent1">
+              <a:shade val="50000"/>
+            </a:schemeClr>
+          </a:lnRef>
+          <a:fillRef idx="1">
+            <a:schemeClr val="accent1"/>
+          </a:fillRef>
+          <a:effectRef idx="0">
+            <a:schemeClr val="accent1"/>
+          </a:effectRef>
+          <a:fontRef idx="minor">
+            <a:schemeClr val="lt1"/>
+          </a:fontRef>
+        </p:style>
+        <p:txBody>
+          <a:bodyPr rtlCol="0" anchor="ctr"/>
+          <a:lstStyle/>
+          <a:p>
+            <a:pPr algn="ctr"/>
+            <a:endParaRPr lang="en-US" dirty="0">
+              <a:solidFill>
+                <a:schemeClr val="tx1"/>
+              </a:solidFill>
+            </a:endParaRPr>
+          </a:p>
+        </p:txBody>
+      </p:sp>
+      <p:sp>
+        <p:nvSpPr>
+          <p:cNvPr id="10" name="Rectangle 9"/>
+          <p:cNvSpPr/>
+          <p:nvPr/>
+        </p:nvSpPr>
+        <p:spPr>
+          <a:xfrm>
+            <a:off x="8001000" y="609600"/>
+            <a:ext cx="990600" cy="228600"/>
+          </a:xfrm>
+          <a:prstGeom prst="rect">
+            <a:avLst/>
+          </a:prstGeom>
+          <a:noFill/>
+        </p:spPr>
+        <p:style>
+          <a:lnRef idx="2">
+            <a:schemeClr val="accent1">
+              <a:shade val="50000"/>
+            </a:schemeClr>
+          </a:lnRef>
+          <a:fillRef idx="1">
+            <a:schemeClr val="accent1"/>
+          </a:fillRef>
+          <a:effectRef idx="0">
+            <a:schemeClr val="accent1"/>
+          </a:effectRef>
+          <a:fontRef idx="minor">
+            <a:schemeClr val="lt1"/>
+          </a:fontRef>
+        </p:style>
+        <p:txBody>
+          <a:bodyPr rtlCol="0" anchor="ctr"/>
+          <a:lstStyle/>
+          <a:p>
+            <a:pPr algn="ctr"/>
+            <a:endParaRPr lang="en-US" dirty="0">
+              <a:solidFill>
+                <a:schemeClr val="tx1"/>
+              </a:solidFill>
+            </a:endParaRPr>
+          </a:p>
+        </p:txBody>
+      </p:sp>
+      <p:sp>
+        <p:nvSpPr>
+          <p:cNvPr id="11" name="Rectangle 10"/>
+          <p:cNvSpPr/>
+          <p:nvPr/>
+        </p:nvSpPr>
+        <p:spPr>
+          <a:xfrm>
+            <a:off x="8001000" y="381000"/>
+            <a:ext cx="990600" cy="228600"/>
+          </a:xfrm>
+          <a:prstGeom prst="rect">
+            <a:avLst/>
+          </a:prstGeom>
+          <a:noFill/>
+        </p:spPr>
+        <p:style>
+          <a:lnRef idx="2">
+            <a:schemeClr val="accent1">
+              <a:shade val="50000"/>
+            </a:schemeClr>
+          </a:lnRef>
+          <a:fillRef idx="1">
+            <a:schemeClr val="accent1"/>
+          </a:fillRef>
+          <a:effectRef idx="0">
+            <a:schemeClr val="accent1"/>
+          </a:effectRef>
+          <a:fontRef idx="minor">
+            <a:schemeClr val="lt1"/>
+          </a:fontRef>
+        </p:style>
+        <p:txBody>
+          <a:bodyPr rtlCol="0" anchor="ctr"/>
+          <a:lstStyle/>
+          <a:p>
+            <a:pPr algn="ctr"/>
+            <a:endParaRPr lang="en-US" dirty="0">
+              <a:solidFill>
+                <a:schemeClr val="tx1"/>
+              </a:solidFill>
+            </a:endParaRPr>
+          </a:p>
+        </p:txBody>
+      </p:sp>
+      <p:sp>
+        <p:nvSpPr>
+          <p:cNvPr id="12" name="Rectangle 11"/>
+          <p:cNvSpPr/>
+          <p:nvPr/>
+        </p:nvSpPr>
+        <p:spPr>
+          <a:xfrm>
+            <a:off x="5791200" y="609600"/>
+            <a:ext cx="990600" cy="228600"/>
+          </a:xfrm>
+          <a:prstGeom prst="rect">
+            <a:avLst/>
+          </a:prstGeom>
+          <a:noFill/>
+        </p:spPr>
+        <p:style>
+          <a:lnRef idx="2">
+            <a:schemeClr val="accent1">
+              <a:shade val="50000"/>
+            </a:schemeClr>
+          </a:lnRef>
+          <a:fillRef idx="1">
+            <a:schemeClr val="accent1"/>
+          </a:fillRef>
+          <a:effectRef idx="0">
+            <a:schemeClr val="accent1"/>
+          </a:effectRef>
+          <a:fontRef idx="minor">
+            <a:schemeClr val="lt1"/>
+          </a:fontRef>
+        </p:style>
+        <p:txBody>
+          <a:bodyPr rtlCol="0" anchor="ctr"/>
+          <a:lstStyle/>
+          <a:p>
+            <a:pPr algn="ctr"/>
+            <a:endParaRPr lang="en-US" dirty="0">
+              <a:solidFill>
+                <a:schemeClr val="tx1"/>
+              </a:solidFill>
+            </a:endParaRPr>
+          </a:p>
+        </p:txBody>
+      </p:sp>
+      <p:sp>
+        <p:nvSpPr>
+          <p:cNvPr id="13" name="Rectangle 12"/>
+          <p:cNvSpPr/>
+          <p:nvPr/>
+        </p:nvSpPr>
+        <p:spPr>
+          <a:xfrm>
+            <a:off x="5791200" y="381000"/>
+            <a:ext cx="990600" cy="228600"/>
+          </a:xfrm>
+          <a:prstGeom prst="rect">
+            <a:avLst/>
+          </a:prstGeom>
+          <a:noFill/>
+        </p:spPr>
+        <p:style>
+          <a:lnRef idx="2">
+            <a:schemeClr val="accent1">
+              <a:shade val="50000"/>
+            </a:schemeClr>
+          </a:lnRef>
+          <a:fillRef idx="1">
+            <a:schemeClr val="accent1"/>
+          </a:fillRef>
+          <a:effectRef idx="0">
+            <a:schemeClr val="accent1"/>
+          </a:effectRef>
+          <a:fontRef idx="minor">
+            <a:schemeClr val="lt1"/>
+          </a:fontRef>
+        </p:style>
+        <p:txBody>
+          <a:bodyPr rtlCol="0" anchor="ctr"/>
+          <a:lstStyle/>
+          <a:p>
+            <a:pPr algn="ctr"/>
+            <a:endParaRPr lang="en-US" dirty="0">
+              <a:solidFill>
+                <a:schemeClr val="tx1"/>
+              </a:solidFill>
+            </a:endParaRPr>
+          </a:p>
+        </p:txBody>
+      </p:sp>
+      <p:cxnSp>
+        <p:nvCxnSpPr>
+          <p:cNvPr id="15" name="Straight Connector 14"/>
+          <p:cNvCxnSpPr/>
+          <p:nvPr/>
+        </p:nvCxnSpPr>
+        <p:spPr>
+          <a:xfrm flipV="1">
+            <a:off x="7772400" y="533400"/>
+            <a:ext cx="0" cy="762000"/>
+          </a:xfrm>
+          <a:prstGeom prst="line">
+            <a:avLst/>
+          </a:prstGeom>
+        </p:spPr>
+        <p:style>
+          <a:lnRef idx="1">
+            <a:schemeClr val="accent1"/>
+          </a:lnRef>
+          <a:fillRef idx="0">
+            <a:schemeClr val="accent1"/>
+          </a:fillRef>
+          <a:effectRef idx="0">
+            <a:schemeClr val="accent1"/>
+          </a:effectRef>
+          <a:fontRef idx="minor">
+            <a:schemeClr val="tx1"/>
+          </a:fontRef>
+        </p:style>
+      </p:cxnSp>
+      <p:cxnSp>
+        <p:nvCxnSpPr>
+          <p:cNvPr id="17" name="Straight Arrow Connector 16"/>
+          <p:cNvCxnSpPr>
+            <a:endCxn id="11" idx="1"/>
+          </p:cNvCxnSpPr>
+          <p:nvPr/>
+        </p:nvCxnSpPr>
+        <p:spPr>
+          <a:xfrm flipV="1">
+            <a:off x="7772400" y="495300"/>
+            <a:ext cx="228600" cy="38100"/>
+          </a:xfrm>
+          <a:prstGeom prst="straightConnector1">
+            <a:avLst/>
+          </a:prstGeom>
+          <a:ln>
+            <a:tailEnd type="arrow"/>
+          </a:ln>
+        </p:spPr>
+        <p:style>
+          <a:lnRef idx="1">
+            <a:schemeClr val="accent1"/>
+          </a:lnRef>
+          <a:fillRef idx="0">
+            <a:schemeClr val="accent1"/>
+          </a:fillRef>
+          <a:effectRef idx="0">
+            <a:schemeClr val="accent1"/>
+          </a:effectRef>
+          <a:fontRef idx="minor">
+            <a:schemeClr val="tx1"/>
+          </a:fontRef>
+        </p:style>
+      </p:cxnSp>
+      <p:cxnSp>
+        <p:nvCxnSpPr>
+          <p:cNvPr id="25" name="Straight Arrow Connector 24"/>
+          <p:cNvCxnSpPr>
+            <a:endCxn id="13" idx="3"/>
+          </p:cNvCxnSpPr>
+          <p:nvPr/>
+        </p:nvCxnSpPr>
+        <p:spPr>
+          <a:xfrm flipH="1">
+            <a:off x="6781800" y="457200"/>
+            <a:ext cx="228600" cy="38100"/>
+          </a:xfrm>
+          <a:prstGeom prst="straightConnector1">
+            <a:avLst/>
+          </a:prstGeom>
+          <a:ln>
+            <a:tailEnd type="arrow"/>
+          </a:ln>
+        </p:spPr>
+        <p:style>
+          <a:lnRef idx="1">
+            <a:schemeClr val="accent1"/>
+          </a:lnRef>
+          <a:fillRef idx="0">
+            <a:schemeClr val="accent1"/>
+          </a:fillRef>
+          <a:effectRef idx="0">
+            <a:schemeClr val="accent1"/>
+          </a:effectRef>
+          <a:fontRef idx="minor">
+            <a:schemeClr val="tx1"/>
+          </a:fontRef>
+        </p:style>
+      </p:cxnSp>
+      <p:cxnSp>
+        <p:nvCxnSpPr>
+          <p:cNvPr id="28" name="Straight Connector 27"/>
+          <p:cNvCxnSpPr/>
+          <p:nvPr/>
+        </p:nvCxnSpPr>
+        <p:spPr>
+          <a:xfrm>
+            <a:off x="7010400" y="457200"/>
+            <a:ext cx="0" cy="838200"/>
+          </a:xfrm>
+          <a:prstGeom prst="line">
+            <a:avLst/>
+          </a:prstGeom>
+        </p:spPr>
+        <p:style>
+          <a:lnRef idx="1">
+            <a:schemeClr val="accent1"/>
+          </a:lnRef>
+          <a:fillRef idx="0">
+            <a:schemeClr val="accent1"/>
+          </a:fillRef>
+          <a:effectRef idx="0">
+            <a:schemeClr val="accent1"/>
+          </a:effectRef>
+          <a:fontRef idx="minor">
+            <a:schemeClr val="tx1"/>
+          </a:fontRef>
+        </p:style>
+      </p:cxnSp>
+      <p:sp>
+        <p:nvSpPr>
+          <p:cNvPr id="29" name="TextBox 28"/>
+          <p:cNvSpPr txBox="1"/>
+          <p:nvPr/>
+        </p:nvSpPr>
+        <p:spPr>
+          <a:xfrm>
+            <a:off x="6019800" y="152400"/>
+            <a:ext cx="705642" cy="276999"/>
+          </a:xfrm>
+          <a:prstGeom prst="rect">
+            <a:avLst/>
+          </a:prstGeom>
+          <a:noFill/>
+        </p:spPr>
+        <p:txBody>
+          <a:bodyPr wrap="none" rtlCol="0">
+            <a:spAutoFit/>
+          </a:bodyPr>
+          <a:lstStyle/>
+          <a:p>
+            <a:r>
+              <a:rPr lang="en-US" sz="1200" dirty="0" smtClean="0"/>
+              <a:t>Stack-1</a:t>
+            </a:r>
+            <a:endParaRPr lang="en-US" sz="1200" dirty="0"/>
+          </a:p>
+        </p:txBody>
+      </p:sp>
+      <p:sp>
+        <p:nvSpPr>
+          <p:cNvPr id="30" name="TextBox 29"/>
+          <p:cNvSpPr txBox="1"/>
+          <p:nvPr/>
+        </p:nvSpPr>
+        <p:spPr>
+          <a:xfrm>
+            <a:off x="8133558" y="76200"/>
+            <a:ext cx="705642" cy="276999"/>
+          </a:xfrm>
+          <a:prstGeom prst="rect">
+            <a:avLst/>
+          </a:prstGeom>
+          <a:noFill/>
+        </p:spPr>
+        <p:txBody>
+          <a:bodyPr wrap="none" rtlCol="0">
+            <a:spAutoFit/>
+          </a:bodyPr>
+          <a:lstStyle/>
+          <a:p>
+            <a:r>
+              <a:rPr lang="en-US" sz="1200" dirty="0" smtClean="0"/>
+              <a:t>Stack-2</a:t>
+            </a:r>
+            <a:endParaRPr lang="en-US" sz="1200" dirty="0"/>
+          </a:p>
+        </p:txBody>
+      </p:sp>
+      <p:cxnSp>
+        <p:nvCxnSpPr>
+          <p:cNvPr id="32" name="Straight Arrow Connector 31"/>
+          <p:cNvCxnSpPr/>
+          <p:nvPr/>
+        </p:nvCxnSpPr>
+        <p:spPr>
+          <a:xfrm>
+            <a:off x="5715000" y="1447800"/>
+            <a:ext cx="457200" cy="0"/>
+          </a:xfrm>
+          <a:prstGeom prst="straightConnector1">
+            <a:avLst/>
+          </a:prstGeom>
+          <a:ln>
+            <a:headEnd type="arrow"/>
+            <a:tailEnd type="arrow"/>
+          </a:ln>
+        </p:spPr>
+        <p:style>
+          <a:lnRef idx="1">
+            <a:schemeClr val="accent1"/>
+          </a:lnRef>
+          <a:fillRef idx="0">
+            <a:schemeClr val="accent1"/>
+          </a:fillRef>
+          <a:effectRef idx="0">
+            <a:schemeClr val="accent1"/>
+          </a:effectRef>
+          <a:fontRef idx="minor">
+            <a:schemeClr val="tx1"/>
+          </a:fontRef>
+        </p:style>
+      </p:cxnSp>
     </p:spTree>
   </p:cSld>
   <p:clrMapOvr>
@@ -5575,6 +6742,357 @@
           <a:chExt cx="0" cy="0"/>
         </a:xfrm>
       </p:grpSpPr>
+      <p:sp>
+        <p:nvSpPr>
+          <p:cNvPr id="2" name="Title 48"/>
+          <p:cNvSpPr txBox="1">
+            <a:spLocks/>
+          </p:cNvSpPr>
+          <p:nvPr/>
+        </p:nvSpPr>
+        <p:spPr>
+          <a:xfrm>
+            <a:off x="457200" y="213360"/>
+            <a:ext cx="8229600" cy="1143000"/>
+          </a:xfrm>
+          <a:prstGeom prst="rect">
+            <a:avLst/>
+          </a:prstGeom>
+        </p:spPr>
+        <p:txBody>
+          <a:bodyPr/>
+          <a:lstStyle/>
+          <a:p>
+            <a:pPr marL="0" marR="0" lvl="0" indent="0" algn="ctr" defTabSz="914400" rtl="0" eaLnBrk="1" fontAlgn="auto" latinLnBrk="0" hangingPunct="1">
+              <a:lnSpc>
+                <a:spcPct val="100000"/>
+              </a:lnSpc>
+              <a:spcBef>
+                <a:spcPct val="0"/>
+              </a:spcBef>
+              <a:spcAft>
+                <a:spcPts val="0"/>
+              </a:spcAft>
+              <a:buClrTx/>
+              <a:buSzTx/>
+              <a:buFontTx/>
+              <a:buNone/>
+              <a:tabLst/>
+              <a:defRPr/>
+            </a:pPr>
+            <a:r>
+              <a:rPr lang="en-US" sz="4400" dirty="0" smtClean="0">
+                <a:latin typeface="+mj-lt"/>
+                <a:ea typeface="+mj-ea"/>
+                <a:cs typeface="+mj-cs"/>
+              </a:rPr>
+              <a:t>CONTROL Register</a:t>
+            </a:r>
+            <a:endParaRPr kumimoji="0" lang="en-US" sz="4400" b="0" i="0" u="none" strike="noStrike" kern="1200" cap="none" spc="0" normalizeH="0" baseline="0" noProof="0" dirty="0">
+              <a:ln>
+                <a:noFill/>
+              </a:ln>
+              <a:solidFill>
+                <a:schemeClr val="tx1"/>
+              </a:solidFill>
+              <a:effectLst/>
+              <a:uLnTx/>
+              <a:uFillTx/>
+              <a:latin typeface="+mj-lt"/>
+              <a:ea typeface="+mj-ea"/>
+              <a:cs typeface="+mj-cs"/>
+            </a:endParaRPr>
+          </a:p>
+        </p:txBody>
+      </p:sp>
+      <p:sp>
+        <p:nvSpPr>
+          <p:cNvPr id="3" name="Rectangle 2"/>
+          <p:cNvSpPr/>
+          <p:nvPr/>
+        </p:nvSpPr>
+        <p:spPr>
+          <a:xfrm>
+            <a:off x="7848600" y="152400"/>
+            <a:ext cx="990600" cy="304800"/>
+          </a:xfrm>
+          <a:prstGeom prst="rect">
+            <a:avLst/>
+          </a:prstGeom>
+          <a:noFill/>
+        </p:spPr>
+        <p:style>
+          <a:lnRef idx="2">
+            <a:schemeClr val="accent1">
+              <a:shade val="50000"/>
+            </a:schemeClr>
+          </a:lnRef>
+          <a:fillRef idx="1">
+            <a:schemeClr val="accent1"/>
+          </a:fillRef>
+          <a:effectRef idx="0">
+            <a:schemeClr val="accent1"/>
+          </a:effectRef>
+          <a:fontRef idx="minor">
+            <a:schemeClr val="lt1"/>
+          </a:fontRef>
+        </p:style>
+        <p:txBody>
+          <a:bodyPr rtlCol="0" anchor="ctr"/>
+          <a:lstStyle/>
+          <a:p>
+            <a:pPr algn="ctr"/>
+            <a:r>
+              <a:rPr lang="en-US" sz="1400" dirty="0" smtClean="0">
+                <a:solidFill>
+                  <a:schemeClr val="tx1"/>
+                </a:solidFill>
+              </a:rPr>
+              <a:t>PSR</a:t>
+            </a:r>
+            <a:endParaRPr lang="en-US" sz="1400" dirty="0">
+              <a:solidFill>
+                <a:schemeClr val="tx1"/>
+              </a:solidFill>
+            </a:endParaRPr>
+          </a:p>
+        </p:txBody>
+      </p:sp>
+      <p:sp>
+        <p:nvSpPr>
+          <p:cNvPr id="4" name="Rectangle 3"/>
+          <p:cNvSpPr/>
+          <p:nvPr/>
+        </p:nvSpPr>
+        <p:spPr>
+          <a:xfrm>
+            <a:off x="7845018" y="454305"/>
+            <a:ext cx="990600" cy="304800"/>
+          </a:xfrm>
+          <a:prstGeom prst="rect">
+            <a:avLst/>
+          </a:prstGeom>
+          <a:noFill/>
+        </p:spPr>
+        <p:style>
+          <a:lnRef idx="2">
+            <a:schemeClr val="accent1">
+              <a:shade val="50000"/>
+            </a:schemeClr>
+          </a:lnRef>
+          <a:fillRef idx="1">
+            <a:schemeClr val="accent1"/>
+          </a:fillRef>
+          <a:effectRef idx="0">
+            <a:schemeClr val="accent1"/>
+          </a:effectRef>
+          <a:fontRef idx="minor">
+            <a:schemeClr val="lt1"/>
+          </a:fontRef>
+        </p:style>
+        <p:txBody>
+          <a:bodyPr rtlCol="0" anchor="ctr"/>
+          <a:lstStyle/>
+          <a:p>
+            <a:pPr algn="ctr"/>
+            <a:r>
+              <a:rPr lang="en-US" sz="1400" dirty="0" smtClean="0">
+                <a:solidFill>
+                  <a:schemeClr val="tx1"/>
+                </a:solidFill>
+              </a:rPr>
+              <a:t>PRIMASK</a:t>
+            </a:r>
+            <a:endParaRPr lang="en-US" sz="1400" dirty="0">
+              <a:solidFill>
+                <a:schemeClr val="tx1"/>
+              </a:solidFill>
+            </a:endParaRPr>
+          </a:p>
+        </p:txBody>
+      </p:sp>
+      <p:sp>
+        <p:nvSpPr>
+          <p:cNvPr id="5" name="Rectangle 4"/>
+          <p:cNvSpPr/>
+          <p:nvPr/>
+        </p:nvSpPr>
+        <p:spPr>
+          <a:xfrm>
+            <a:off x="7844972" y="754156"/>
+            <a:ext cx="990600" cy="304800"/>
+          </a:xfrm>
+          <a:prstGeom prst="rect">
+            <a:avLst/>
+          </a:prstGeom>
+          <a:noFill/>
+        </p:spPr>
+        <p:style>
+          <a:lnRef idx="2">
+            <a:schemeClr val="accent1">
+              <a:shade val="50000"/>
+            </a:schemeClr>
+          </a:lnRef>
+          <a:fillRef idx="1">
+            <a:schemeClr val="accent1"/>
+          </a:fillRef>
+          <a:effectRef idx="0">
+            <a:schemeClr val="accent1"/>
+          </a:effectRef>
+          <a:fontRef idx="minor">
+            <a:schemeClr val="lt1"/>
+          </a:fontRef>
+        </p:style>
+        <p:txBody>
+          <a:bodyPr rtlCol="0" anchor="ctr"/>
+          <a:lstStyle/>
+          <a:p>
+            <a:pPr algn="ctr"/>
+            <a:r>
+              <a:rPr lang="en-US" sz="1200" dirty="0" smtClean="0">
+                <a:solidFill>
+                  <a:schemeClr val="tx1"/>
+                </a:solidFill>
+              </a:rPr>
+              <a:t>FAULTMASK</a:t>
+            </a:r>
+            <a:endParaRPr lang="en-US" sz="1200" dirty="0">
+              <a:solidFill>
+                <a:schemeClr val="tx1"/>
+              </a:solidFill>
+            </a:endParaRPr>
+          </a:p>
+        </p:txBody>
+      </p:sp>
+      <p:sp>
+        <p:nvSpPr>
+          <p:cNvPr id="6" name="Rectangle 5"/>
+          <p:cNvSpPr/>
+          <p:nvPr/>
+        </p:nvSpPr>
+        <p:spPr>
+          <a:xfrm>
+            <a:off x="7847228" y="1066800"/>
+            <a:ext cx="990600" cy="304800"/>
+          </a:xfrm>
+          <a:prstGeom prst="rect">
+            <a:avLst/>
+          </a:prstGeom>
+          <a:noFill/>
+        </p:spPr>
+        <p:style>
+          <a:lnRef idx="2">
+            <a:schemeClr val="accent1">
+              <a:shade val="50000"/>
+            </a:schemeClr>
+          </a:lnRef>
+          <a:fillRef idx="1">
+            <a:schemeClr val="accent1"/>
+          </a:fillRef>
+          <a:effectRef idx="0">
+            <a:schemeClr val="accent1"/>
+          </a:effectRef>
+          <a:fontRef idx="minor">
+            <a:schemeClr val="lt1"/>
+          </a:fontRef>
+        </p:style>
+        <p:txBody>
+          <a:bodyPr rtlCol="0" anchor="ctr"/>
+          <a:lstStyle/>
+          <a:p>
+            <a:pPr algn="ctr"/>
+            <a:r>
+              <a:rPr lang="en-US" sz="1400" dirty="0" smtClean="0">
+                <a:solidFill>
+                  <a:schemeClr val="tx1"/>
+                </a:solidFill>
+              </a:rPr>
+              <a:t>BASEPRI</a:t>
+            </a:r>
+            <a:endParaRPr lang="en-US" sz="1400" dirty="0">
+              <a:solidFill>
+                <a:schemeClr val="tx1"/>
+              </a:solidFill>
+            </a:endParaRPr>
+          </a:p>
+        </p:txBody>
+      </p:sp>
+      <p:sp>
+        <p:nvSpPr>
+          <p:cNvPr id="7" name="Rectangle 6"/>
+          <p:cNvSpPr/>
+          <p:nvPr/>
+        </p:nvSpPr>
+        <p:spPr>
+          <a:xfrm>
+            <a:off x="7844553" y="1371600"/>
+            <a:ext cx="990600" cy="304800"/>
+          </a:xfrm>
+          <a:prstGeom prst="rect">
+            <a:avLst/>
+          </a:prstGeom>
+          <a:gradFill>
+            <a:gsLst>
+              <a:gs pos="0">
+                <a:srgbClr val="FF0066">
+                  <a:alpha val="61961"/>
+                </a:srgbClr>
+              </a:gs>
+              <a:gs pos="50000">
+                <a:schemeClr val="accent1">
+                  <a:tint val="44500"/>
+                  <a:satMod val="160000"/>
+                </a:schemeClr>
+              </a:gs>
+              <a:gs pos="100000">
+                <a:schemeClr val="accent1">
+                  <a:tint val="23500"/>
+                  <a:satMod val="160000"/>
+                </a:schemeClr>
+              </a:gs>
+            </a:gsLst>
+            <a:path path="circle">
+              <a:fillToRect l="50000" t="50000" r="50000" b="50000"/>
+            </a:path>
+          </a:gradFill>
+        </p:spPr>
+        <p:style>
+          <a:lnRef idx="2">
+            <a:schemeClr val="accent1">
+              <a:shade val="50000"/>
+            </a:schemeClr>
+          </a:lnRef>
+          <a:fillRef idx="1">
+            <a:schemeClr val="accent1"/>
+          </a:fillRef>
+          <a:effectRef idx="0">
+            <a:schemeClr val="accent1"/>
+          </a:effectRef>
+          <a:fontRef idx="minor">
+            <a:schemeClr val="lt1"/>
+          </a:fontRef>
+        </p:style>
+        <p:txBody>
+          <a:bodyPr rtlCol="0" anchor="ctr"/>
+          <a:lstStyle/>
+          <a:p>
+            <a:pPr algn="ctr"/>
+            <a:r>
+              <a:rPr lang="en-US" sz="1200" dirty="0" smtClean="0">
+                <a:solidFill>
+                  <a:schemeClr val="tx1"/>
+                </a:solidFill>
+              </a:rPr>
+              <a:t>CONTROL</a:t>
+            </a:r>
+            <a:endParaRPr lang="en-US" sz="1200" dirty="0">
+              <a:solidFill>
+                <a:schemeClr val="tx1"/>
+              </a:solidFill>
+            </a:endParaRPr>
+          </a:p>
+        </p:txBody>
+      </p:sp>
     </p:spTree>
   </p:cSld>
   <p:clrMapOvr>
@@ -5607,6 +7125,374 @@
           <a:chExt cx="0" cy="0"/>
         </a:xfrm>
       </p:grpSpPr>
+      <p:sp>
+        <p:nvSpPr>
+          <p:cNvPr id="2" name="Title 48"/>
+          <p:cNvSpPr txBox="1">
+            <a:spLocks/>
+          </p:cNvSpPr>
+          <p:nvPr/>
+        </p:nvSpPr>
+        <p:spPr>
+          <a:xfrm>
+            <a:off x="457200" y="213360"/>
+            <a:ext cx="8229600" cy="1310640"/>
+          </a:xfrm>
+          <a:prstGeom prst="rect">
+            <a:avLst/>
+          </a:prstGeom>
+        </p:spPr>
+        <p:txBody>
+          <a:bodyPr/>
+          <a:lstStyle/>
+          <a:p>
+            <a:pPr marL="0" marR="0" lvl="0" indent="0" algn="ctr" defTabSz="914400" rtl="0" eaLnBrk="1" fontAlgn="auto" latinLnBrk="0" hangingPunct="1">
+              <a:lnSpc>
+                <a:spcPct val="100000"/>
+              </a:lnSpc>
+              <a:spcBef>
+                <a:spcPct val="0"/>
+              </a:spcBef>
+              <a:spcAft>
+                <a:spcPts val="0"/>
+              </a:spcAft>
+              <a:buClrTx/>
+              <a:buSzTx/>
+              <a:buFontTx/>
+              <a:buNone/>
+              <a:tabLst/>
+              <a:defRPr/>
+            </a:pPr>
+            <a:r>
+              <a:rPr lang="en-US" sz="4400" noProof="0" dirty="0" smtClean="0">
+                <a:latin typeface="+mj-lt"/>
+                <a:ea typeface="+mj-ea"/>
+                <a:cs typeface="+mj-cs"/>
+              </a:rPr>
+              <a:t>Program Status Register (PSR) </a:t>
+            </a:r>
+            <a:r>
+              <a:rPr kumimoji="0" lang="en-US" sz="4400" b="0" i="0" u="none" strike="noStrike" kern="1200" cap="none" spc="0" normalizeH="0" noProof="0" dirty="0" smtClean="0">
+                <a:ln>
+                  <a:noFill/>
+                </a:ln>
+                <a:solidFill>
+                  <a:schemeClr val="tx1"/>
+                </a:solidFill>
+                <a:effectLst/>
+                <a:uLnTx/>
+                <a:uFillTx/>
+                <a:latin typeface="+mj-lt"/>
+                <a:ea typeface="+mj-ea"/>
+                <a:cs typeface="+mj-cs"/>
+              </a:rPr>
+              <a:t>Cortex M4</a:t>
+            </a:r>
+            <a:endParaRPr kumimoji="0" lang="en-US" sz="4400" b="0" i="0" u="none" strike="noStrike" kern="1200" cap="none" spc="0" normalizeH="0" baseline="0" noProof="0" dirty="0">
+              <a:ln>
+                <a:noFill/>
+              </a:ln>
+              <a:solidFill>
+                <a:schemeClr val="tx1"/>
+              </a:solidFill>
+              <a:effectLst/>
+              <a:uLnTx/>
+              <a:uFillTx/>
+              <a:latin typeface="+mj-lt"/>
+              <a:ea typeface="+mj-ea"/>
+              <a:cs typeface="+mj-cs"/>
+            </a:endParaRPr>
+          </a:p>
+        </p:txBody>
+      </p:sp>
+      <p:sp>
+        <p:nvSpPr>
+          <p:cNvPr id="3" name="Rectangle 2"/>
+          <p:cNvSpPr/>
+          <p:nvPr/>
+        </p:nvSpPr>
+        <p:spPr>
+          <a:xfrm>
+            <a:off x="8005047" y="152400"/>
+            <a:ext cx="990600" cy="304800"/>
+          </a:xfrm>
+          <a:prstGeom prst="rect">
+            <a:avLst/>
+          </a:prstGeom>
+          <a:gradFill>
+            <a:gsLst>
+              <a:gs pos="0">
+                <a:srgbClr val="FF0066">
+                  <a:alpha val="61961"/>
+                </a:srgbClr>
+              </a:gs>
+              <a:gs pos="50000">
+                <a:schemeClr val="accent1">
+                  <a:tint val="44500"/>
+                  <a:satMod val="160000"/>
+                </a:schemeClr>
+              </a:gs>
+              <a:gs pos="100000">
+                <a:schemeClr val="accent1">
+                  <a:tint val="23500"/>
+                  <a:satMod val="160000"/>
+                </a:schemeClr>
+              </a:gs>
+            </a:gsLst>
+            <a:path path="circle">
+              <a:fillToRect l="50000" t="50000" r="50000" b="50000"/>
+            </a:path>
+          </a:gradFill>
+        </p:spPr>
+        <p:style>
+          <a:lnRef idx="2">
+            <a:schemeClr val="accent1">
+              <a:shade val="50000"/>
+            </a:schemeClr>
+          </a:lnRef>
+          <a:fillRef idx="1">
+            <a:schemeClr val="accent1"/>
+          </a:fillRef>
+          <a:effectRef idx="0">
+            <a:schemeClr val="accent1"/>
+          </a:effectRef>
+          <a:fontRef idx="minor">
+            <a:schemeClr val="lt1"/>
+          </a:fontRef>
+        </p:style>
+        <p:txBody>
+          <a:bodyPr rtlCol="0" anchor="ctr"/>
+          <a:lstStyle/>
+          <a:p>
+            <a:pPr algn="ctr"/>
+            <a:r>
+              <a:rPr lang="en-US" sz="1400" dirty="0" smtClean="0">
+                <a:solidFill>
+                  <a:schemeClr val="tx1"/>
+                </a:solidFill>
+              </a:rPr>
+              <a:t>PSR</a:t>
+            </a:r>
+            <a:endParaRPr lang="en-US" sz="1400" dirty="0">
+              <a:solidFill>
+                <a:schemeClr val="tx1"/>
+              </a:solidFill>
+            </a:endParaRPr>
+          </a:p>
+        </p:txBody>
+      </p:sp>
+      <p:sp>
+        <p:nvSpPr>
+          <p:cNvPr id="4" name="Rectangle 3"/>
+          <p:cNvSpPr/>
+          <p:nvPr/>
+        </p:nvSpPr>
+        <p:spPr>
+          <a:xfrm>
+            <a:off x="8001465" y="454305"/>
+            <a:ext cx="990600" cy="304800"/>
+          </a:xfrm>
+          <a:prstGeom prst="rect">
+            <a:avLst/>
+          </a:prstGeom>
+          <a:noFill/>
+        </p:spPr>
+        <p:style>
+          <a:lnRef idx="2">
+            <a:schemeClr val="accent1">
+              <a:shade val="50000"/>
+            </a:schemeClr>
+          </a:lnRef>
+          <a:fillRef idx="1">
+            <a:schemeClr val="accent1"/>
+          </a:fillRef>
+          <a:effectRef idx="0">
+            <a:schemeClr val="accent1"/>
+          </a:effectRef>
+          <a:fontRef idx="minor">
+            <a:schemeClr val="lt1"/>
+          </a:fontRef>
+        </p:style>
+        <p:txBody>
+          <a:bodyPr rtlCol="0" anchor="ctr"/>
+          <a:lstStyle/>
+          <a:p>
+            <a:pPr algn="ctr"/>
+            <a:r>
+              <a:rPr lang="en-US" sz="1400" dirty="0" smtClean="0">
+                <a:solidFill>
+                  <a:schemeClr val="tx1"/>
+                </a:solidFill>
+              </a:rPr>
+              <a:t>PRIMASK</a:t>
+            </a:r>
+            <a:endParaRPr lang="en-US" sz="1400" dirty="0">
+              <a:solidFill>
+                <a:schemeClr val="tx1"/>
+              </a:solidFill>
+            </a:endParaRPr>
+          </a:p>
+        </p:txBody>
+      </p:sp>
+      <p:sp>
+        <p:nvSpPr>
+          <p:cNvPr id="5" name="Rectangle 4"/>
+          <p:cNvSpPr/>
+          <p:nvPr/>
+        </p:nvSpPr>
+        <p:spPr>
+          <a:xfrm>
+            <a:off x="8001419" y="754156"/>
+            <a:ext cx="990600" cy="304800"/>
+          </a:xfrm>
+          <a:prstGeom prst="rect">
+            <a:avLst/>
+          </a:prstGeom>
+          <a:noFill/>
+        </p:spPr>
+        <p:style>
+          <a:lnRef idx="2">
+            <a:schemeClr val="accent1">
+              <a:shade val="50000"/>
+            </a:schemeClr>
+          </a:lnRef>
+          <a:fillRef idx="1">
+            <a:schemeClr val="accent1"/>
+          </a:fillRef>
+          <a:effectRef idx="0">
+            <a:schemeClr val="accent1"/>
+          </a:effectRef>
+          <a:fontRef idx="minor">
+            <a:schemeClr val="lt1"/>
+          </a:fontRef>
+        </p:style>
+        <p:txBody>
+          <a:bodyPr rtlCol="0" anchor="ctr"/>
+          <a:lstStyle/>
+          <a:p>
+            <a:pPr algn="ctr"/>
+            <a:r>
+              <a:rPr lang="en-US" sz="1200" dirty="0" smtClean="0">
+                <a:solidFill>
+                  <a:schemeClr val="tx1"/>
+                </a:solidFill>
+              </a:rPr>
+              <a:t>FAULTMASK</a:t>
+            </a:r>
+            <a:endParaRPr lang="en-US" sz="1200" dirty="0">
+              <a:solidFill>
+                <a:schemeClr val="tx1"/>
+              </a:solidFill>
+            </a:endParaRPr>
+          </a:p>
+        </p:txBody>
+      </p:sp>
+      <p:sp>
+        <p:nvSpPr>
+          <p:cNvPr id="6" name="Rectangle 5"/>
+          <p:cNvSpPr/>
+          <p:nvPr/>
+        </p:nvSpPr>
+        <p:spPr>
+          <a:xfrm>
+            <a:off x="8003675" y="1066800"/>
+            <a:ext cx="990600" cy="304800"/>
+          </a:xfrm>
+          <a:prstGeom prst="rect">
+            <a:avLst/>
+          </a:prstGeom>
+          <a:noFill/>
+        </p:spPr>
+        <p:style>
+          <a:lnRef idx="2">
+            <a:schemeClr val="accent1">
+              <a:shade val="50000"/>
+            </a:schemeClr>
+          </a:lnRef>
+          <a:fillRef idx="1">
+            <a:schemeClr val="accent1"/>
+          </a:fillRef>
+          <a:effectRef idx="0">
+            <a:schemeClr val="accent1"/>
+          </a:effectRef>
+          <a:fontRef idx="minor">
+            <a:schemeClr val="lt1"/>
+          </a:fontRef>
+        </p:style>
+        <p:txBody>
+          <a:bodyPr rtlCol="0" anchor="ctr"/>
+          <a:lstStyle/>
+          <a:p>
+            <a:pPr algn="ctr"/>
+            <a:r>
+              <a:rPr lang="en-US" sz="1400" dirty="0" smtClean="0">
+                <a:solidFill>
+                  <a:schemeClr val="tx1"/>
+                </a:solidFill>
+              </a:rPr>
+              <a:t>BASEPRI</a:t>
+            </a:r>
+            <a:endParaRPr lang="en-US" sz="1400" dirty="0">
+              <a:solidFill>
+                <a:schemeClr val="tx1"/>
+              </a:solidFill>
+            </a:endParaRPr>
+          </a:p>
+        </p:txBody>
+      </p:sp>
+      <p:sp>
+        <p:nvSpPr>
+          <p:cNvPr id="7" name="Rectangle 6"/>
+          <p:cNvSpPr/>
+          <p:nvPr/>
+        </p:nvSpPr>
+        <p:spPr>
+          <a:xfrm>
+            <a:off x="8001000" y="1371600"/>
+            <a:ext cx="990600" cy="304800"/>
+          </a:xfrm>
+          <a:prstGeom prst="rect">
+            <a:avLst/>
+          </a:prstGeom>
+          <a:noFill/>
+        </p:spPr>
+        <p:style>
+          <a:lnRef idx="2">
+            <a:schemeClr val="accent1">
+              <a:shade val="50000"/>
+            </a:schemeClr>
+          </a:lnRef>
+          <a:fillRef idx="1">
+            <a:schemeClr val="accent1"/>
+          </a:fillRef>
+          <a:effectRef idx="0">
+            <a:schemeClr val="accent1"/>
+          </a:effectRef>
+          <a:fontRef idx="minor">
+            <a:schemeClr val="lt1"/>
+          </a:fontRef>
+        </p:style>
+        <p:txBody>
+          <a:bodyPr rtlCol="0" anchor="ctr"/>
+          <a:lstStyle/>
+          <a:p>
+            <a:pPr algn="ctr"/>
+            <a:r>
+              <a:rPr lang="en-US" sz="1200" dirty="0" smtClean="0">
+                <a:solidFill>
+                  <a:schemeClr val="tx1"/>
+                </a:solidFill>
+              </a:rPr>
+              <a:t>CONTROL</a:t>
+            </a:r>
+            <a:endParaRPr lang="en-US" sz="1200" dirty="0">
+              <a:solidFill>
+                <a:schemeClr val="tx1"/>
+              </a:solidFill>
+            </a:endParaRPr>
+          </a:p>
+        </p:txBody>
+      </p:sp>
     </p:spTree>
   </p:cSld>
   <p:clrMapOvr>
@@ -5639,6 +7525,431 @@
           <a:chExt cx="0" cy="0"/>
         </a:xfrm>
       </p:grpSpPr>
+      <p:sp>
+        <p:nvSpPr>
+          <p:cNvPr id="2" name="Title 48"/>
+          <p:cNvSpPr txBox="1">
+            <a:spLocks/>
+          </p:cNvSpPr>
+          <p:nvPr/>
+        </p:nvSpPr>
+        <p:spPr>
+          <a:xfrm>
+            <a:off x="457200" y="2819400"/>
+            <a:ext cx="8229600" cy="1310640"/>
+          </a:xfrm>
+          <a:prstGeom prst="rect">
+            <a:avLst/>
+          </a:prstGeom>
+        </p:spPr>
+        <p:txBody>
+          <a:bodyPr/>
+          <a:lstStyle/>
+          <a:p>
+            <a:pPr marL="0" marR="0" lvl="0" indent="0" algn="ctr" defTabSz="914400" rtl="0" eaLnBrk="1" fontAlgn="auto" latinLnBrk="0" hangingPunct="1">
+              <a:lnSpc>
+                <a:spcPct val="100000"/>
+              </a:lnSpc>
+              <a:spcBef>
+                <a:spcPct val="0"/>
+              </a:spcBef>
+              <a:spcAft>
+                <a:spcPts val="0"/>
+              </a:spcAft>
+              <a:buClrTx/>
+              <a:buSzTx/>
+              <a:buFontTx/>
+              <a:buNone/>
+              <a:tabLst/>
+              <a:defRPr/>
+            </a:pPr>
+            <a:r>
+              <a:rPr lang="en-US" sz="4400" dirty="0" smtClean="0">
+                <a:latin typeface="+mj-lt"/>
+                <a:ea typeface="+mj-ea"/>
+                <a:cs typeface="+mj-cs"/>
+              </a:rPr>
+              <a:t>Exception Registers </a:t>
+            </a:r>
+            <a:r>
+              <a:rPr lang="en-US" sz="4400" noProof="0" dirty="0" smtClean="0">
+                <a:latin typeface="+mj-lt"/>
+                <a:ea typeface="+mj-ea"/>
+                <a:cs typeface="+mj-cs"/>
+              </a:rPr>
+              <a:t> </a:t>
+            </a:r>
+            <a:r>
+              <a:rPr kumimoji="0" lang="en-US" sz="4400" b="0" i="0" u="none" strike="noStrike" kern="1200" cap="none" spc="0" normalizeH="0" noProof="0" dirty="0" smtClean="0">
+                <a:ln>
+                  <a:noFill/>
+                </a:ln>
+                <a:solidFill>
+                  <a:schemeClr val="tx1"/>
+                </a:solidFill>
+                <a:effectLst/>
+                <a:uLnTx/>
+                <a:uFillTx/>
+                <a:latin typeface="+mj-lt"/>
+                <a:ea typeface="+mj-ea"/>
+                <a:cs typeface="+mj-cs"/>
+              </a:rPr>
+              <a:t>Cortex M4</a:t>
+            </a:r>
+            <a:endParaRPr kumimoji="0" lang="en-US" sz="4400" b="0" i="0" u="none" strike="noStrike" kern="1200" cap="none" spc="0" normalizeH="0" baseline="0" noProof="0" dirty="0">
+              <a:ln>
+                <a:noFill/>
+              </a:ln>
+              <a:solidFill>
+                <a:schemeClr val="tx1"/>
+              </a:solidFill>
+              <a:effectLst/>
+              <a:uLnTx/>
+              <a:uFillTx/>
+              <a:latin typeface="+mj-lt"/>
+              <a:ea typeface="+mj-ea"/>
+              <a:cs typeface="+mj-cs"/>
+            </a:endParaRPr>
+          </a:p>
+        </p:txBody>
+      </p:sp>
+      <p:sp>
+        <p:nvSpPr>
+          <p:cNvPr id="3" name="Rectangle 2"/>
+          <p:cNvSpPr/>
+          <p:nvPr/>
+        </p:nvSpPr>
+        <p:spPr>
+          <a:xfrm>
+            <a:off x="4118847" y="4343400"/>
+            <a:ext cx="990600" cy="304800"/>
+          </a:xfrm>
+          <a:prstGeom prst="rect">
+            <a:avLst/>
+          </a:prstGeom>
+          <a:noFill/>
+        </p:spPr>
+        <p:style>
+          <a:lnRef idx="2">
+            <a:schemeClr val="accent1">
+              <a:shade val="50000"/>
+            </a:schemeClr>
+          </a:lnRef>
+          <a:fillRef idx="1">
+            <a:schemeClr val="accent1"/>
+          </a:fillRef>
+          <a:effectRef idx="0">
+            <a:schemeClr val="accent1"/>
+          </a:effectRef>
+          <a:fontRef idx="minor">
+            <a:schemeClr val="lt1"/>
+          </a:fontRef>
+        </p:style>
+        <p:txBody>
+          <a:bodyPr rtlCol="0" anchor="ctr"/>
+          <a:lstStyle/>
+          <a:p>
+            <a:pPr algn="ctr"/>
+            <a:r>
+              <a:rPr lang="en-US" sz="1400" dirty="0" smtClean="0">
+                <a:solidFill>
+                  <a:schemeClr val="tx1"/>
+                </a:solidFill>
+              </a:rPr>
+              <a:t>PSR</a:t>
+            </a:r>
+            <a:endParaRPr lang="en-US" sz="1400" dirty="0">
+              <a:solidFill>
+                <a:schemeClr val="tx1"/>
+              </a:solidFill>
+            </a:endParaRPr>
+          </a:p>
+        </p:txBody>
+      </p:sp>
+      <p:sp>
+        <p:nvSpPr>
+          <p:cNvPr id="4" name="Rectangle 3"/>
+          <p:cNvSpPr/>
+          <p:nvPr/>
+        </p:nvSpPr>
+        <p:spPr>
+          <a:xfrm>
+            <a:off x="4115265" y="4645305"/>
+            <a:ext cx="990600" cy="304800"/>
+          </a:xfrm>
+          <a:prstGeom prst="rect">
+            <a:avLst/>
+          </a:prstGeom>
+          <a:gradFill flip="none" rotWithShape="1">
+            <a:gsLst>
+              <a:gs pos="0">
+                <a:srgbClr val="FF0066">
+                  <a:alpha val="61961"/>
+                </a:srgbClr>
+              </a:gs>
+              <a:gs pos="50000">
+                <a:schemeClr val="accent1">
+                  <a:tint val="44500"/>
+                  <a:satMod val="160000"/>
+                </a:schemeClr>
+              </a:gs>
+              <a:gs pos="100000">
+                <a:schemeClr val="accent1">
+                  <a:tint val="23500"/>
+                  <a:satMod val="160000"/>
+                </a:schemeClr>
+              </a:gs>
+            </a:gsLst>
+            <a:path path="circle">
+              <a:fillToRect l="50000" t="50000" r="50000" b="50000"/>
+            </a:path>
+            <a:tileRect/>
+          </a:gradFill>
+        </p:spPr>
+        <p:style>
+          <a:lnRef idx="2">
+            <a:schemeClr val="accent1">
+              <a:shade val="50000"/>
+            </a:schemeClr>
+          </a:lnRef>
+          <a:fillRef idx="1">
+            <a:schemeClr val="accent1"/>
+          </a:fillRef>
+          <a:effectRef idx="0">
+            <a:schemeClr val="accent1"/>
+          </a:effectRef>
+          <a:fontRef idx="minor">
+            <a:schemeClr val="lt1"/>
+          </a:fontRef>
+        </p:style>
+        <p:txBody>
+          <a:bodyPr rtlCol="0" anchor="ctr"/>
+          <a:lstStyle/>
+          <a:p>
+            <a:pPr algn="ctr"/>
+            <a:r>
+              <a:rPr lang="en-US" sz="1400" dirty="0" smtClean="0">
+                <a:solidFill>
+                  <a:schemeClr val="tx1"/>
+                </a:solidFill>
+              </a:rPr>
+              <a:t>PRIMASK</a:t>
+            </a:r>
+            <a:endParaRPr lang="en-US" sz="1400" dirty="0">
+              <a:solidFill>
+                <a:schemeClr val="tx1"/>
+              </a:solidFill>
+            </a:endParaRPr>
+          </a:p>
+        </p:txBody>
+      </p:sp>
+      <p:sp>
+        <p:nvSpPr>
+          <p:cNvPr id="5" name="Rectangle 4"/>
+          <p:cNvSpPr/>
+          <p:nvPr/>
+        </p:nvSpPr>
+        <p:spPr>
+          <a:xfrm>
+            <a:off x="4115219" y="4945156"/>
+            <a:ext cx="990600" cy="304800"/>
+          </a:xfrm>
+          <a:prstGeom prst="rect">
+            <a:avLst/>
+          </a:prstGeom>
+          <a:gradFill flip="none" rotWithShape="1">
+            <a:gsLst>
+              <a:gs pos="0">
+                <a:srgbClr val="FF0066">
+                  <a:alpha val="61961"/>
+                </a:srgbClr>
+              </a:gs>
+              <a:gs pos="50000">
+                <a:schemeClr val="accent1">
+                  <a:tint val="44500"/>
+                  <a:satMod val="160000"/>
+                </a:schemeClr>
+              </a:gs>
+              <a:gs pos="100000">
+                <a:schemeClr val="accent1">
+                  <a:tint val="23500"/>
+                  <a:satMod val="160000"/>
+                </a:schemeClr>
+              </a:gs>
+            </a:gsLst>
+            <a:path path="circle">
+              <a:fillToRect l="50000" t="50000" r="50000" b="50000"/>
+            </a:path>
+            <a:tileRect/>
+          </a:gradFill>
+        </p:spPr>
+        <p:style>
+          <a:lnRef idx="2">
+            <a:schemeClr val="accent1">
+              <a:shade val="50000"/>
+            </a:schemeClr>
+          </a:lnRef>
+          <a:fillRef idx="1">
+            <a:schemeClr val="accent1"/>
+          </a:fillRef>
+          <a:effectRef idx="0">
+            <a:schemeClr val="accent1"/>
+          </a:effectRef>
+          <a:fontRef idx="minor">
+            <a:schemeClr val="lt1"/>
+          </a:fontRef>
+        </p:style>
+        <p:txBody>
+          <a:bodyPr rtlCol="0" anchor="ctr"/>
+          <a:lstStyle/>
+          <a:p>
+            <a:pPr algn="ctr"/>
+            <a:r>
+              <a:rPr lang="en-US" sz="1200" dirty="0" smtClean="0">
+                <a:solidFill>
+                  <a:schemeClr val="tx1"/>
+                </a:solidFill>
+              </a:rPr>
+              <a:t>FAULTMASK</a:t>
+            </a:r>
+            <a:endParaRPr lang="en-US" sz="1200" dirty="0">
+              <a:solidFill>
+                <a:schemeClr val="tx1"/>
+              </a:solidFill>
+            </a:endParaRPr>
+          </a:p>
+        </p:txBody>
+      </p:sp>
+      <p:sp>
+        <p:nvSpPr>
+          <p:cNvPr id="6" name="Rectangle 5"/>
+          <p:cNvSpPr/>
+          <p:nvPr/>
+        </p:nvSpPr>
+        <p:spPr>
+          <a:xfrm>
+            <a:off x="4117475" y="5257800"/>
+            <a:ext cx="990600" cy="304800"/>
+          </a:xfrm>
+          <a:prstGeom prst="rect">
+            <a:avLst/>
+          </a:prstGeom>
+          <a:gradFill flip="none" rotWithShape="1">
+            <a:gsLst>
+              <a:gs pos="0">
+                <a:srgbClr val="FF0066">
+                  <a:alpha val="61961"/>
+                </a:srgbClr>
+              </a:gs>
+              <a:gs pos="50000">
+                <a:schemeClr val="accent1">
+                  <a:tint val="44500"/>
+                  <a:satMod val="160000"/>
+                </a:schemeClr>
+              </a:gs>
+              <a:gs pos="100000">
+                <a:schemeClr val="accent1">
+                  <a:tint val="23500"/>
+                  <a:satMod val="160000"/>
+                </a:schemeClr>
+              </a:gs>
+            </a:gsLst>
+            <a:path path="circle">
+              <a:fillToRect l="50000" t="50000" r="50000" b="50000"/>
+            </a:path>
+            <a:tileRect/>
+          </a:gradFill>
+        </p:spPr>
+        <p:style>
+          <a:lnRef idx="2">
+            <a:schemeClr val="accent1">
+              <a:shade val="50000"/>
+            </a:schemeClr>
+          </a:lnRef>
+          <a:fillRef idx="1">
+            <a:schemeClr val="accent1"/>
+          </a:fillRef>
+          <a:effectRef idx="0">
+            <a:schemeClr val="accent1"/>
+          </a:effectRef>
+          <a:fontRef idx="minor">
+            <a:schemeClr val="lt1"/>
+          </a:fontRef>
+        </p:style>
+        <p:txBody>
+          <a:bodyPr rtlCol="0" anchor="ctr"/>
+          <a:lstStyle/>
+          <a:p>
+            <a:pPr algn="ctr"/>
+            <a:r>
+              <a:rPr lang="en-US" sz="1400" dirty="0" smtClean="0">
+                <a:solidFill>
+                  <a:schemeClr val="tx1"/>
+                </a:solidFill>
+              </a:rPr>
+              <a:t>BASEPRI</a:t>
+            </a:r>
+            <a:endParaRPr lang="en-US" sz="1400" dirty="0">
+              <a:solidFill>
+                <a:schemeClr val="tx1"/>
+              </a:solidFill>
+            </a:endParaRPr>
+          </a:p>
+        </p:txBody>
+      </p:sp>
+      <p:sp>
+        <p:nvSpPr>
+          <p:cNvPr id="7" name="Rectangle 6"/>
+          <p:cNvSpPr/>
+          <p:nvPr/>
+        </p:nvSpPr>
+        <p:spPr>
+          <a:xfrm>
+            <a:off x="4114800" y="5562600"/>
+            <a:ext cx="990600" cy="304800"/>
+          </a:xfrm>
+          <a:prstGeom prst="rect">
+            <a:avLst/>
+          </a:prstGeom>
+          <a:noFill/>
+        </p:spPr>
+        <p:style>
+          <a:lnRef idx="2">
+            <a:schemeClr val="accent1">
+              <a:shade val="50000"/>
+            </a:schemeClr>
+          </a:lnRef>
+          <a:fillRef idx="1">
+            <a:schemeClr val="accent1"/>
+          </a:fillRef>
+          <a:effectRef idx="0">
+            <a:schemeClr val="accent1"/>
+          </a:effectRef>
+          <a:fontRef idx="minor">
+            <a:schemeClr val="lt1"/>
+          </a:fontRef>
+        </p:style>
+        <p:txBody>
+          <a:bodyPr rtlCol="0" anchor="ctr"/>
+          <a:lstStyle/>
+          <a:p>
+            <a:pPr algn="ctr"/>
+            <a:r>
+              <a:rPr lang="en-US" sz="1200" dirty="0" smtClean="0">
+                <a:solidFill>
+                  <a:schemeClr val="tx1"/>
+                </a:solidFill>
+              </a:rPr>
+              <a:t>CONTROL</a:t>
+            </a:r>
+            <a:endParaRPr lang="en-US" sz="1200" dirty="0">
+              <a:solidFill>
+                <a:schemeClr val="tx1"/>
+              </a:solidFill>
+            </a:endParaRPr>
+          </a:p>
+        </p:txBody>
+      </p:sp>
     </p:spTree>
   </p:cSld>
   <p:clrMapOvr>
@@ -5681,12 +7992,312 @@
             <p:ph type="title"/>
           </p:nvPr>
         </p:nvSpPr>
-        <p:spPr/>
-        <p:txBody>
-          <a:bodyPr/>
+        <p:spPr>
+          <a:xfrm>
+            <a:off x="457200" y="274638"/>
+            <a:ext cx="8229600" cy="715962"/>
+          </a:xfrm>
+        </p:spPr>
+        <p:txBody>
+          <a:bodyPr>
+            <a:normAutofit fontScale="90000"/>
+          </a:bodyPr>
           <a:lstStyle/>
           <a:p>
-            <a:endParaRPr lang="en-US"/>
+            <a:r>
+              <a:rPr lang="en-US" dirty="0" smtClean="0"/>
+              <a:t>PRIMASK</a:t>
+            </a:r>
+            <a:endParaRPr lang="en-US" dirty="0"/>
+          </a:p>
+        </p:txBody>
+      </p:sp>
+      <p:sp>
+        <p:nvSpPr>
+          <p:cNvPr id="3" name="Rectangle 2"/>
+          <p:cNvSpPr/>
+          <p:nvPr/>
+        </p:nvSpPr>
+        <p:spPr>
+          <a:xfrm>
+            <a:off x="7848600" y="152400"/>
+            <a:ext cx="990600" cy="304800"/>
+          </a:xfrm>
+          <a:prstGeom prst="rect">
+            <a:avLst/>
+          </a:prstGeom>
+          <a:noFill/>
+        </p:spPr>
+        <p:style>
+          <a:lnRef idx="2">
+            <a:schemeClr val="accent1">
+              <a:shade val="50000"/>
+            </a:schemeClr>
+          </a:lnRef>
+          <a:fillRef idx="1">
+            <a:schemeClr val="accent1"/>
+          </a:fillRef>
+          <a:effectRef idx="0">
+            <a:schemeClr val="accent1"/>
+          </a:effectRef>
+          <a:fontRef idx="minor">
+            <a:schemeClr val="lt1"/>
+          </a:fontRef>
+        </p:style>
+        <p:txBody>
+          <a:bodyPr rtlCol="0" anchor="ctr"/>
+          <a:lstStyle/>
+          <a:p>
+            <a:pPr algn="ctr"/>
+            <a:r>
+              <a:rPr lang="en-US" sz="1400" dirty="0" smtClean="0">
+                <a:solidFill>
+                  <a:schemeClr val="tx1"/>
+                </a:solidFill>
+              </a:rPr>
+              <a:t>PSR</a:t>
+            </a:r>
+            <a:endParaRPr lang="en-US" sz="1400" dirty="0">
+              <a:solidFill>
+                <a:schemeClr val="tx1"/>
+              </a:solidFill>
+            </a:endParaRPr>
+          </a:p>
+        </p:txBody>
+      </p:sp>
+      <p:sp>
+        <p:nvSpPr>
+          <p:cNvPr id="4" name="Rectangle 3"/>
+          <p:cNvSpPr/>
+          <p:nvPr/>
+        </p:nvSpPr>
+        <p:spPr>
+          <a:xfrm>
+            <a:off x="7845018" y="454305"/>
+            <a:ext cx="990600" cy="304800"/>
+          </a:xfrm>
+          <a:prstGeom prst="rect">
+            <a:avLst/>
+          </a:prstGeom>
+          <a:gradFill flip="none" rotWithShape="1">
+            <a:gsLst>
+              <a:gs pos="0">
+                <a:srgbClr val="FF0066">
+                  <a:alpha val="61961"/>
+                </a:srgbClr>
+              </a:gs>
+              <a:gs pos="50000">
+                <a:schemeClr val="accent1">
+                  <a:tint val="44500"/>
+                  <a:satMod val="160000"/>
+                </a:schemeClr>
+              </a:gs>
+              <a:gs pos="100000">
+                <a:schemeClr val="accent1">
+                  <a:tint val="23500"/>
+                  <a:satMod val="160000"/>
+                </a:schemeClr>
+              </a:gs>
+            </a:gsLst>
+            <a:path path="circle">
+              <a:fillToRect l="50000" t="50000" r="50000" b="50000"/>
+            </a:path>
+            <a:tileRect/>
+          </a:gradFill>
+        </p:spPr>
+        <p:style>
+          <a:lnRef idx="2">
+            <a:schemeClr val="accent1">
+              <a:shade val="50000"/>
+            </a:schemeClr>
+          </a:lnRef>
+          <a:fillRef idx="1">
+            <a:schemeClr val="accent1"/>
+          </a:fillRef>
+          <a:effectRef idx="0">
+            <a:schemeClr val="accent1"/>
+          </a:effectRef>
+          <a:fontRef idx="minor">
+            <a:schemeClr val="lt1"/>
+          </a:fontRef>
+        </p:style>
+        <p:txBody>
+          <a:bodyPr rtlCol="0" anchor="ctr"/>
+          <a:lstStyle/>
+          <a:p>
+            <a:pPr algn="ctr"/>
+            <a:r>
+              <a:rPr lang="en-US" sz="1400" dirty="0" smtClean="0">
+                <a:solidFill>
+                  <a:schemeClr val="tx1"/>
+                </a:solidFill>
+              </a:rPr>
+              <a:t>PRIMASK</a:t>
+            </a:r>
+            <a:endParaRPr lang="en-US" sz="1400" dirty="0">
+              <a:solidFill>
+                <a:schemeClr val="tx1"/>
+              </a:solidFill>
+            </a:endParaRPr>
+          </a:p>
+        </p:txBody>
+      </p:sp>
+      <p:sp>
+        <p:nvSpPr>
+          <p:cNvPr id="5" name="Rectangle 4"/>
+          <p:cNvSpPr/>
+          <p:nvPr/>
+        </p:nvSpPr>
+        <p:spPr>
+          <a:xfrm>
+            <a:off x="7844972" y="754156"/>
+            <a:ext cx="990600" cy="304800"/>
+          </a:xfrm>
+          <a:prstGeom prst="rect">
+            <a:avLst/>
+          </a:prstGeom>
+          <a:noFill/>
+        </p:spPr>
+        <p:style>
+          <a:lnRef idx="2">
+            <a:schemeClr val="accent1">
+              <a:shade val="50000"/>
+            </a:schemeClr>
+          </a:lnRef>
+          <a:fillRef idx="1">
+            <a:schemeClr val="accent1"/>
+          </a:fillRef>
+          <a:effectRef idx="0">
+            <a:schemeClr val="accent1"/>
+          </a:effectRef>
+          <a:fontRef idx="minor">
+            <a:schemeClr val="lt1"/>
+          </a:fontRef>
+        </p:style>
+        <p:txBody>
+          <a:bodyPr rtlCol="0" anchor="ctr"/>
+          <a:lstStyle/>
+          <a:p>
+            <a:pPr algn="ctr"/>
+            <a:r>
+              <a:rPr lang="en-US" sz="1200" dirty="0" smtClean="0">
+                <a:solidFill>
+                  <a:schemeClr val="tx1"/>
+                </a:solidFill>
+              </a:rPr>
+              <a:t>FAULTMASK</a:t>
+            </a:r>
+            <a:endParaRPr lang="en-US" sz="1200" dirty="0">
+              <a:solidFill>
+                <a:schemeClr val="tx1"/>
+              </a:solidFill>
+            </a:endParaRPr>
+          </a:p>
+        </p:txBody>
+      </p:sp>
+      <p:sp>
+        <p:nvSpPr>
+          <p:cNvPr id="7" name="Rectangle 6"/>
+          <p:cNvSpPr/>
+          <p:nvPr/>
+        </p:nvSpPr>
+        <p:spPr>
+          <a:xfrm>
+            <a:off x="7847228" y="1066800"/>
+            <a:ext cx="990600" cy="304800"/>
+          </a:xfrm>
+          <a:prstGeom prst="rect">
+            <a:avLst/>
+          </a:prstGeom>
+          <a:noFill/>
+        </p:spPr>
+        <p:style>
+          <a:lnRef idx="2">
+            <a:schemeClr val="accent1">
+              <a:shade val="50000"/>
+            </a:schemeClr>
+          </a:lnRef>
+          <a:fillRef idx="1">
+            <a:schemeClr val="accent1"/>
+          </a:fillRef>
+          <a:effectRef idx="0">
+            <a:schemeClr val="accent1"/>
+          </a:effectRef>
+          <a:fontRef idx="minor">
+            <a:schemeClr val="lt1"/>
+          </a:fontRef>
+        </p:style>
+        <p:txBody>
+          <a:bodyPr rtlCol="0" anchor="ctr"/>
+          <a:lstStyle/>
+          <a:p>
+            <a:pPr algn="ctr"/>
+            <a:r>
+              <a:rPr lang="en-US" sz="1400" dirty="0" smtClean="0">
+                <a:solidFill>
+                  <a:schemeClr val="tx1"/>
+                </a:solidFill>
+              </a:rPr>
+              <a:t>BASEPRI</a:t>
+            </a:r>
+            <a:endParaRPr lang="en-US" sz="1400" dirty="0">
+              <a:solidFill>
+                <a:schemeClr val="tx1"/>
+              </a:solidFill>
+            </a:endParaRPr>
+          </a:p>
+        </p:txBody>
+      </p:sp>
+      <p:sp>
+        <p:nvSpPr>
+          <p:cNvPr id="8" name="Rectangle 7"/>
+          <p:cNvSpPr/>
+          <p:nvPr/>
+        </p:nvSpPr>
+        <p:spPr>
+          <a:xfrm>
+            <a:off x="7844553" y="1371600"/>
+            <a:ext cx="990600" cy="304800"/>
+          </a:xfrm>
+          <a:prstGeom prst="rect">
+            <a:avLst/>
+          </a:prstGeom>
+          <a:noFill/>
+        </p:spPr>
+        <p:style>
+          <a:lnRef idx="2">
+            <a:schemeClr val="accent1">
+              <a:shade val="50000"/>
+            </a:schemeClr>
+          </a:lnRef>
+          <a:fillRef idx="1">
+            <a:schemeClr val="accent1"/>
+          </a:fillRef>
+          <a:effectRef idx="0">
+            <a:schemeClr val="accent1"/>
+          </a:effectRef>
+          <a:fontRef idx="minor">
+            <a:schemeClr val="lt1"/>
+          </a:fontRef>
+        </p:style>
+        <p:txBody>
+          <a:bodyPr rtlCol="0" anchor="ctr"/>
+          <a:lstStyle/>
+          <a:p>
+            <a:pPr algn="ctr"/>
+            <a:r>
+              <a:rPr lang="en-US" sz="1200" dirty="0" smtClean="0">
+                <a:solidFill>
+                  <a:schemeClr val="tx1"/>
+                </a:solidFill>
+              </a:rPr>
+              <a:t>CONTROL</a:t>
+            </a:r>
+            <a:endParaRPr lang="en-US" sz="1200" dirty="0">
+              <a:solidFill>
+                <a:schemeClr val="tx1"/>
+              </a:solidFill>
+            </a:endParaRPr>
           </a:p>
         </p:txBody>
       </p:sp>
@@ -5732,12 +8343,310 @@
             <p:ph type="title"/>
           </p:nvPr>
         </p:nvSpPr>
-        <p:spPr/>
+        <p:spPr>
+          <a:xfrm>
+            <a:off x="457200" y="152400"/>
+            <a:ext cx="8229600" cy="990600"/>
+          </a:xfrm>
+        </p:spPr>
         <p:txBody>
           <a:bodyPr/>
           <a:lstStyle/>
           <a:p>
-            <a:endParaRPr lang="en-US"/>
+            <a:r>
+              <a:rPr lang="en-US" dirty="0" smtClean="0"/>
+              <a:t>FAULT MASK</a:t>
+            </a:r>
+            <a:endParaRPr lang="en-US" dirty="0"/>
+          </a:p>
+        </p:txBody>
+      </p:sp>
+      <p:sp>
+        <p:nvSpPr>
+          <p:cNvPr id="3" name="Rectangle 2"/>
+          <p:cNvSpPr/>
+          <p:nvPr/>
+        </p:nvSpPr>
+        <p:spPr>
+          <a:xfrm>
+            <a:off x="7928847" y="152400"/>
+            <a:ext cx="990600" cy="304800"/>
+          </a:xfrm>
+          <a:prstGeom prst="rect">
+            <a:avLst/>
+          </a:prstGeom>
+          <a:noFill/>
+        </p:spPr>
+        <p:style>
+          <a:lnRef idx="2">
+            <a:schemeClr val="accent1">
+              <a:shade val="50000"/>
+            </a:schemeClr>
+          </a:lnRef>
+          <a:fillRef idx="1">
+            <a:schemeClr val="accent1"/>
+          </a:fillRef>
+          <a:effectRef idx="0">
+            <a:schemeClr val="accent1"/>
+          </a:effectRef>
+          <a:fontRef idx="minor">
+            <a:schemeClr val="lt1"/>
+          </a:fontRef>
+        </p:style>
+        <p:txBody>
+          <a:bodyPr rtlCol="0" anchor="ctr"/>
+          <a:lstStyle/>
+          <a:p>
+            <a:pPr algn="ctr"/>
+            <a:r>
+              <a:rPr lang="en-US" sz="1400" dirty="0" smtClean="0">
+                <a:solidFill>
+                  <a:schemeClr val="tx1"/>
+                </a:solidFill>
+              </a:rPr>
+              <a:t>PSR</a:t>
+            </a:r>
+            <a:endParaRPr lang="en-US" sz="1400" dirty="0">
+              <a:solidFill>
+                <a:schemeClr val="tx1"/>
+              </a:solidFill>
+            </a:endParaRPr>
+          </a:p>
+        </p:txBody>
+      </p:sp>
+      <p:sp>
+        <p:nvSpPr>
+          <p:cNvPr id="5" name="Rectangle 4"/>
+          <p:cNvSpPr/>
+          <p:nvPr/>
+        </p:nvSpPr>
+        <p:spPr>
+          <a:xfrm>
+            <a:off x="7925265" y="454305"/>
+            <a:ext cx="990600" cy="304800"/>
+          </a:xfrm>
+          <a:prstGeom prst="rect">
+            <a:avLst/>
+          </a:prstGeom>
+          <a:noFill/>
+        </p:spPr>
+        <p:style>
+          <a:lnRef idx="2">
+            <a:schemeClr val="accent1">
+              <a:shade val="50000"/>
+            </a:schemeClr>
+          </a:lnRef>
+          <a:fillRef idx="1">
+            <a:schemeClr val="accent1"/>
+          </a:fillRef>
+          <a:effectRef idx="0">
+            <a:schemeClr val="accent1"/>
+          </a:effectRef>
+          <a:fontRef idx="minor">
+            <a:schemeClr val="lt1"/>
+          </a:fontRef>
+        </p:style>
+        <p:txBody>
+          <a:bodyPr rtlCol="0" anchor="ctr"/>
+          <a:lstStyle/>
+          <a:p>
+            <a:pPr algn="ctr"/>
+            <a:r>
+              <a:rPr lang="en-US" sz="1400" dirty="0" smtClean="0">
+                <a:solidFill>
+                  <a:schemeClr val="tx1"/>
+                </a:solidFill>
+              </a:rPr>
+              <a:t>PRIMASK</a:t>
+            </a:r>
+            <a:endParaRPr lang="en-US" sz="1400" dirty="0">
+              <a:solidFill>
+                <a:schemeClr val="tx1"/>
+              </a:solidFill>
+            </a:endParaRPr>
+          </a:p>
+        </p:txBody>
+      </p:sp>
+      <p:sp>
+        <p:nvSpPr>
+          <p:cNvPr id="6" name="Rectangle 5"/>
+          <p:cNvSpPr/>
+          <p:nvPr/>
+        </p:nvSpPr>
+        <p:spPr>
+          <a:xfrm>
+            <a:off x="7925219" y="754156"/>
+            <a:ext cx="990600" cy="304800"/>
+          </a:xfrm>
+          <a:prstGeom prst="rect">
+            <a:avLst/>
+          </a:prstGeom>
+          <a:gradFill flip="none" rotWithShape="1">
+            <a:gsLst>
+              <a:gs pos="0">
+                <a:srgbClr val="FF0066">
+                  <a:alpha val="61961"/>
+                </a:srgbClr>
+              </a:gs>
+              <a:gs pos="50000">
+                <a:schemeClr val="accent1">
+                  <a:tint val="44500"/>
+                  <a:satMod val="160000"/>
+                </a:schemeClr>
+              </a:gs>
+              <a:gs pos="100000">
+                <a:schemeClr val="accent1">
+                  <a:tint val="23500"/>
+                  <a:satMod val="160000"/>
+                </a:schemeClr>
+              </a:gs>
+            </a:gsLst>
+            <a:path path="circle">
+              <a:fillToRect l="50000" t="50000" r="50000" b="50000"/>
+            </a:path>
+            <a:tileRect/>
+          </a:gradFill>
+        </p:spPr>
+        <p:style>
+          <a:lnRef idx="2">
+            <a:schemeClr val="accent1">
+              <a:shade val="50000"/>
+            </a:schemeClr>
+          </a:lnRef>
+          <a:fillRef idx="1">
+            <a:schemeClr val="accent1"/>
+          </a:fillRef>
+          <a:effectRef idx="0">
+            <a:schemeClr val="accent1"/>
+          </a:effectRef>
+          <a:fontRef idx="minor">
+            <a:schemeClr val="lt1"/>
+          </a:fontRef>
+        </p:style>
+        <p:txBody>
+          <a:bodyPr rtlCol="0" anchor="ctr"/>
+          <a:lstStyle/>
+          <a:p>
+            <a:pPr algn="ctr"/>
+            <a:r>
+              <a:rPr lang="en-US" sz="1200" dirty="0" smtClean="0">
+                <a:solidFill>
+                  <a:schemeClr val="tx1"/>
+                </a:solidFill>
+              </a:rPr>
+              <a:t>FAULTMASK</a:t>
+            </a:r>
+            <a:endParaRPr lang="en-US" sz="1200" dirty="0">
+              <a:solidFill>
+                <a:schemeClr val="tx1"/>
+              </a:solidFill>
+            </a:endParaRPr>
+          </a:p>
+        </p:txBody>
+      </p:sp>
+      <p:sp>
+        <p:nvSpPr>
+          <p:cNvPr id="7" name="Rectangle 6"/>
+          <p:cNvSpPr/>
+          <p:nvPr/>
+        </p:nvSpPr>
+        <p:spPr>
+          <a:xfrm>
+            <a:off x="7927475" y="1066800"/>
+            <a:ext cx="990600" cy="304800"/>
+          </a:xfrm>
+          <a:prstGeom prst="rect">
+            <a:avLst/>
+          </a:prstGeom>
+          <a:noFill/>
+        </p:spPr>
+        <p:style>
+          <a:lnRef idx="2">
+            <a:schemeClr val="accent1">
+              <a:shade val="50000"/>
+            </a:schemeClr>
+          </a:lnRef>
+          <a:fillRef idx="1">
+            <a:schemeClr val="accent1"/>
+          </a:fillRef>
+          <a:effectRef idx="0">
+            <a:schemeClr val="accent1"/>
+          </a:effectRef>
+          <a:fontRef idx="minor">
+            <a:schemeClr val="lt1"/>
+          </a:fontRef>
+        </p:style>
+        <p:txBody>
+          <a:bodyPr rtlCol="0" anchor="ctr"/>
+          <a:lstStyle/>
+          <a:p>
+            <a:pPr algn="ctr"/>
+            <a:r>
+              <a:rPr lang="en-US" sz="1400" dirty="0" smtClean="0">
+                <a:solidFill>
+                  <a:schemeClr val="tx1"/>
+                </a:solidFill>
+              </a:rPr>
+              <a:t>BASEPRI</a:t>
+            </a:r>
+            <a:endParaRPr lang="en-US" sz="1400" dirty="0">
+              <a:solidFill>
+                <a:schemeClr val="tx1"/>
+              </a:solidFill>
+            </a:endParaRPr>
+          </a:p>
+        </p:txBody>
+      </p:sp>
+      <p:sp>
+        <p:nvSpPr>
+          <p:cNvPr id="8" name="Rectangle 7"/>
+          <p:cNvSpPr/>
+          <p:nvPr/>
+        </p:nvSpPr>
+        <p:spPr>
+          <a:xfrm>
+            <a:off x="7924800" y="1371600"/>
+            <a:ext cx="990600" cy="304800"/>
+          </a:xfrm>
+          <a:prstGeom prst="rect">
+            <a:avLst/>
+          </a:prstGeom>
+          <a:noFill/>
+        </p:spPr>
+        <p:style>
+          <a:lnRef idx="2">
+            <a:schemeClr val="accent1">
+              <a:shade val="50000"/>
+            </a:schemeClr>
+          </a:lnRef>
+          <a:fillRef idx="1">
+            <a:schemeClr val="accent1"/>
+          </a:fillRef>
+          <a:effectRef idx="0">
+            <a:schemeClr val="accent1"/>
+          </a:effectRef>
+          <a:fontRef idx="minor">
+            <a:schemeClr val="lt1"/>
+          </a:fontRef>
+        </p:style>
+        <p:txBody>
+          <a:bodyPr rtlCol="0" anchor="ctr"/>
+          <a:lstStyle/>
+          <a:p>
+            <a:pPr algn="ctr"/>
+            <a:r>
+              <a:rPr lang="en-US" sz="1200" dirty="0" smtClean="0">
+                <a:solidFill>
+                  <a:schemeClr val="tx1"/>
+                </a:solidFill>
+              </a:rPr>
+              <a:t>CONTROL</a:t>
+            </a:r>
+            <a:endParaRPr lang="en-US" sz="1200" dirty="0">
+              <a:solidFill>
+                <a:schemeClr val="tx1"/>
+              </a:solidFill>
+            </a:endParaRPr>
           </a:p>
         </p:txBody>
       </p:sp>
@@ -5773,6 +8682,358 @@
           <a:chExt cx="0" cy="0"/>
         </a:xfrm>
       </p:grpSpPr>
+      <p:sp>
+        <p:nvSpPr>
+          <p:cNvPr id="2" name="Title 3"/>
+          <p:cNvSpPr txBox="1">
+            <a:spLocks/>
+          </p:cNvSpPr>
+          <p:nvPr/>
+        </p:nvSpPr>
+        <p:spPr>
+          <a:xfrm>
+            <a:off x="457200" y="274638"/>
+            <a:ext cx="8229600" cy="715962"/>
+          </a:xfrm>
+          <a:prstGeom prst="rect">
+            <a:avLst/>
+          </a:prstGeom>
+        </p:spPr>
+        <p:txBody>
+          <a:bodyPr/>
+          <a:lstStyle/>
+          <a:p>
+            <a:pPr marL="0" marR="0" lvl="0" indent="0" algn="ctr" defTabSz="914400" rtl="0" eaLnBrk="1" fontAlgn="auto" latinLnBrk="0" hangingPunct="1">
+              <a:lnSpc>
+                <a:spcPct val="100000"/>
+              </a:lnSpc>
+              <a:spcBef>
+                <a:spcPct val="0"/>
+              </a:spcBef>
+              <a:spcAft>
+                <a:spcPts val="0"/>
+              </a:spcAft>
+              <a:buClrTx/>
+              <a:buSzTx/>
+              <a:buFontTx/>
+              <a:buNone/>
+              <a:tabLst/>
+              <a:defRPr/>
+            </a:pPr>
+            <a:r>
+              <a:rPr lang="en-US" sz="4400" dirty="0" smtClean="0">
+                <a:latin typeface="+mj-lt"/>
+                <a:ea typeface="+mj-ea"/>
+                <a:cs typeface="+mj-cs"/>
+              </a:rPr>
+              <a:t>BASEPRI</a:t>
+            </a:r>
+            <a:endParaRPr kumimoji="0" lang="en-US" sz="4400" b="0" i="0" u="none" strike="noStrike" kern="1200" cap="none" spc="0" normalizeH="0" baseline="0" noProof="0" dirty="0">
+              <a:ln>
+                <a:noFill/>
+              </a:ln>
+              <a:solidFill>
+                <a:schemeClr val="tx1"/>
+              </a:solidFill>
+              <a:effectLst/>
+              <a:uLnTx/>
+              <a:uFillTx/>
+              <a:latin typeface="+mj-lt"/>
+              <a:ea typeface="+mj-ea"/>
+              <a:cs typeface="+mj-cs"/>
+            </a:endParaRPr>
+          </a:p>
+        </p:txBody>
+      </p:sp>
+      <p:sp>
+        <p:nvSpPr>
+          <p:cNvPr id="3" name="Rectangle 2"/>
+          <p:cNvSpPr/>
+          <p:nvPr/>
+        </p:nvSpPr>
+        <p:spPr>
+          <a:xfrm>
+            <a:off x="7924800" y="152400"/>
+            <a:ext cx="990600" cy="304800"/>
+          </a:xfrm>
+          <a:prstGeom prst="rect">
+            <a:avLst/>
+          </a:prstGeom>
+          <a:noFill/>
+        </p:spPr>
+        <p:style>
+          <a:lnRef idx="2">
+            <a:schemeClr val="accent1">
+              <a:shade val="50000"/>
+            </a:schemeClr>
+          </a:lnRef>
+          <a:fillRef idx="1">
+            <a:schemeClr val="accent1"/>
+          </a:fillRef>
+          <a:effectRef idx="0">
+            <a:schemeClr val="accent1"/>
+          </a:effectRef>
+          <a:fontRef idx="minor">
+            <a:schemeClr val="lt1"/>
+          </a:fontRef>
+        </p:style>
+        <p:txBody>
+          <a:bodyPr rtlCol="0" anchor="ctr"/>
+          <a:lstStyle/>
+          <a:p>
+            <a:pPr algn="ctr"/>
+            <a:r>
+              <a:rPr lang="en-US" sz="1400" dirty="0" smtClean="0">
+                <a:solidFill>
+                  <a:schemeClr val="tx1"/>
+                </a:solidFill>
+              </a:rPr>
+              <a:t>PSR</a:t>
+            </a:r>
+            <a:endParaRPr lang="en-US" sz="1400" dirty="0">
+              <a:solidFill>
+                <a:schemeClr val="tx1"/>
+              </a:solidFill>
+            </a:endParaRPr>
+          </a:p>
+        </p:txBody>
+      </p:sp>
+      <p:sp>
+        <p:nvSpPr>
+          <p:cNvPr id="4" name="Rectangle 3"/>
+          <p:cNvSpPr/>
+          <p:nvPr/>
+        </p:nvSpPr>
+        <p:spPr>
+          <a:xfrm>
+            <a:off x="7921218" y="454305"/>
+            <a:ext cx="990600" cy="304800"/>
+          </a:xfrm>
+          <a:prstGeom prst="rect">
+            <a:avLst/>
+          </a:prstGeom>
+          <a:noFill/>
+        </p:spPr>
+        <p:style>
+          <a:lnRef idx="2">
+            <a:schemeClr val="accent1">
+              <a:shade val="50000"/>
+            </a:schemeClr>
+          </a:lnRef>
+          <a:fillRef idx="1">
+            <a:schemeClr val="accent1"/>
+          </a:fillRef>
+          <a:effectRef idx="0">
+            <a:schemeClr val="accent1"/>
+          </a:effectRef>
+          <a:fontRef idx="minor">
+            <a:schemeClr val="lt1"/>
+          </a:fontRef>
+        </p:style>
+        <p:txBody>
+          <a:bodyPr rtlCol="0" anchor="ctr"/>
+          <a:lstStyle/>
+          <a:p>
+            <a:pPr algn="ctr"/>
+            <a:r>
+              <a:rPr lang="en-US" sz="1400" dirty="0" smtClean="0">
+                <a:solidFill>
+                  <a:schemeClr val="tx1"/>
+                </a:solidFill>
+              </a:rPr>
+              <a:t>PRIMASK</a:t>
+            </a:r>
+            <a:endParaRPr lang="en-US" sz="1400" dirty="0">
+              <a:solidFill>
+                <a:schemeClr val="tx1"/>
+              </a:solidFill>
+            </a:endParaRPr>
+          </a:p>
+        </p:txBody>
+      </p:sp>
+      <p:sp>
+        <p:nvSpPr>
+          <p:cNvPr id="5" name="Rectangle 4"/>
+          <p:cNvSpPr/>
+          <p:nvPr/>
+        </p:nvSpPr>
+        <p:spPr>
+          <a:xfrm>
+            <a:off x="7921172" y="754156"/>
+            <a:ext cx="990600" cy="304800"/>
+          </a:xfrm>
+          <a:prstGeom prst="rect">
+            <a:avLst/>
+          </a:prstGeom>
+          <a:noFill/>
+        </p:spPr>
+        <p:style>
+          <a:lnRef idx="2">
+            <a:schemeClr val="accent1">
+              <a:shade val="50000"/>
+            </a:schemeClr>
+          </a:lnRef>
+          <a:fillRef idx="1">
+            <a:schemeClr val="accent1"/>
+          </a:fillRef>
+          <a:effectRef idx="0">
+            <a:schemeClr val="accent1"/>
+          </a:effectRef>
+          <a:fontRef idx="minor">
+            <a:schemeClr val="lt1"/>
+          </a:fontRef>
+        </p:style>
+        <p:txBody>
+          <a:bodyPr rtlCol="0" anchor="ctr"/>
+          <a:lstStyle/>
+          <a:p>
+            <a:pPr algn="ctr"/>
+            <a:r>
+              <a:rPr lang="en-US" sz="1200" dirty="0" smtClean="0">
+                <a:solidFill>
+                  <a:schemeClr val="tx1"/>
+                </a:solidFill>
+              </a:rPr>
+              <a:t>FAULTMASK</a:t>
+            </a:r>
+            <a:endParaRPr lang="en-US" sz="1200" dirty="0">
+              <a:solidFill>
+                <a:schemeClr val="tx1"/>
+              </a:solidFill>
+            </a:endParaRPr>
+          </a:p>
+        </p:txBody>
+      </p:sp>
+      <p:sp>
+        <p:nvSpPr>
+          <p:cNvPr id="6" name="Rectangle 5"/>
+          <p:cNvSpPr/>
+          <p:nvPr/>
+        </p:nvSpPr>
+        <p:spPr>
+          <a:xfrm>
+            <a:off x="7923428" y="1066800"/>
+            <a:ext cx="990600" cy="304800"/>
+          </a:xfrm>
+          <a:prstGeom prst="rect">
+            <a:avLst/>
+          </a:prstGeom>
+          <a:gradFill flip="none" rotWithShape="1">
+            <a:gsLst>
+              <a:gs pos="0">
+                <a:srgbClr val="FF0066">
+                  <a:alpha val="61961"/>
+                </a:srgbClr>
+              </a:gs>
+              <a:gs pos="50000">
+                <a:schemeClr val="accent1">
+                  <a:tint val="44500"/>
+                  <a:satMod val="160000"/>
+                </a:schemeClr>
+              </a:gs>
+              <a:gs pos="100000">
+                <a:schemeClr val="accent1">
+                  <a:tint val="23500"/>
+                  <a:satMod val="160000"/>
+                </a:schemeClr>
+              </a:gs>
+            </a:gsLst>
+            <a:path path="circle">
+              <a:fillToRect l="50000" t="50000" r="50000" b="50000"/>
+            </a:path>
+            <a:tileRect/>
+          </a:gradFill>
+        </p:spPr>
+        <p:style>
+          <a:lnRef idx="2">
+            <a:schemeClr val="accent1">
+              <a:shade val="50000"/>
+            </a:schemeClr>
+          </a:lnRef>
+          <a:fillRef idx="1">
+            <a:schemeClr val="accent1"/>
+          </a:fillRef>
+          <a:effectRef idx="0">
+            <a:schemeClr val="accent1"/>
+          </a:effectRef>
+          <a:fontRef idx="minor">
+            <a:schemeClr val="lt1"/>
+          </a:fontRef>
+        </p:style>
+        <p:txBody>
+          <a:bodyPr rtlCol="0" anchor="ctr"/>
+          <a:lstStyle/>
+          <a:p>
+            <a:pPr algn="ctr"/>
+            <a:r>
+              <a:rPr lang="en-US" sz="1400" dirty="0" smtClean="0">
+                <a:solidFill>
+                  <a:schemeClr val="tx1"/>
+                </a:solidFill>
+              </a:rPr>
+              <a:t>BASEPRI</a:t>
+            </a:r>
+            <a:endParaRPr lang="en-US" sz="1400" dirty="0">
+              <a:solidFill>
+                <a:schemeClr val="tx1"/>
+              </a:solidFill>
+            </a:endParaRPr>
+          </a:p>
+        </p:txBody>
+      </p:sp>
+      <p:sp>
+        <p:nvSpPr>
+          <p:cNvPr id="7" name="Rectangle 6"/>
+          <p:cNvSpPr/>
+          <p:nvPr/>
+        </p:nvSpPr>
+        <p:spPr>
+          <a:xfrm>
+            <a:off x="7920753" y="1371600"/>
+            <a:ext cx="990600" cy="304800"/>
+          </a:xfrm>
+          <a:prstGeom prst="rect">
+            <a:avLst/>
+          </a:prstGeom>
+          <a:noFill/>
+        </p:spPr>
+        <p:style>
+          <a:lnRef idx="2">
+            <a:schemeClr val="accent1">
+              <a:shade val="50000"/>
+            </a:schemeClr>
+          </a:lnRef>
+          <a:fillRef idx="1">
+            <a:schemeClr val="accent1"/>
+          </a:fillRef>
+          <a:effectRef idx="0">
+            <a:schemeClr val="accent1"/>
+          </a:effectRef>
+          <a:fontRef idx="minor">
+            <a:schemeClr val="lt1"/>
+          </a:fontRef>
+        </p:style>
+        <p:txBody>
+          <a:bodyPr rtlCol="0" anchor="ctr"/>
+          <a:lstStyle/>
+          <a:p>
+            <a:pPr algn="ctr"/>
+            <a:r>
+              <a:rPr lang="en-US" sz="1200" dirty="0" smtClean="0">
+                <a:solidFill>
+                  <a:schemeClr val="tx1"/>
+                </a:solidFill>
+              </a:rPr>
+              <a:t>CONTROL</a:t>
+            </a:r>
+            <a:endParaRPr lang="en-US" sz="1200" dirty="0">
+              <a:solidFill>
+                <a:schemeClr val="tx1"/>
+              </a:solidFill>
+            </a:endParaRPr>
+          </a:p>
+        </p:txBody>
+      </p:sp>
     </p:spTree>
   </p:cSld>
   <p:clrMapOvr>
@@ -5805,6 +9066,69 @@
           <a:chExt cx="0" cy="0"/>
         </a:xfrm>
       </p:grpSpPr>
+      <p:sp>
+        <p:nvSpPr>
+          <p:cNvPr id="2" name="Title 3"/>
+          <p:cNvSpPr txBox="1">
+            <a:spLocks/>
+          </p:cNvSpPr>
+          <p:nvPr/>
+        </p:nvSpPr>
+        <p:spPr>
+          <a:xfrm>
+            <a:off x="457200" y="274638"/>
+            <a:ext cx="8229600" cy="715962"/>
+          </a:xfrm>
+          <a:prstGeom prst="rect">
+            <a:avLst/>
+          </a:prstGeom>
+        </p:spPr>
+        <p:txBody>
+          <a:bodyPr/>
+          <a:lstStyle/>
+          <a:p>
+            <a:pPr marL="0" marR="0" lvl="0" indent="0" algn="ctr" defTabSz="914400" rtl="0" eaLnBrk="1" fontAlgn="auto" latinLnBrk="0" hangingPunct="1">
+              <a:lnSpc>
+                <a:spcPct val="100000"/>
+              </a:lnSpc>
+              <a:spcBef>
+                <a:spcPct val="0"/>
+              </a:spcBef>
+              <a:spcAft>
+                <a:spcPts val="0"/>
+              </a:spcAft>
+              <a:buClrTx/>
+              <a:buSzTx/>
+              <a:buFontTx/>
+              <a:buNone/>
+              <a:tabLst/>
+              <a:defRPr/>
+            </a:pPr>
+            <a:r>
+              <a:rPr lang="en-US" sz="4400" dirty="0" smtClean="0">
+                <a:latin typeface="+mj-lt"/>
+                <a:ea typeface="+mj-ea"/>
+                <a:cs typeface="+mj-cs"/>
+              </a:rPr>
+              <a:t>Floating Point Processing</a:t>
+            </a:r>
+            <a:endParaRPr kumimoji="0" lang="en-US" sz="4400" b="0" i="0" u="none" strike="noStrike" kern="1200" cap="none" spc="0" normalizeH="0" baseline="0" noProof="0" dirty="0">
+              <a:ln>
+                <a:noFill/>
+              </a:ln>
+              <a:solidFill>
+                <a:schemeClr val="tx1"/>
+              </a:solidFill>
+              <a:effectLst/>
+              <a:uLnTx/>
+              <a:uFillTx/>
+              <a:latin typeface="+mj-lt"/>
+              <a:ea typeface="+mj-ea"/>
+              <a:cs typeface="+mj-cs"/>
+            </a:endParaRPr>
+          </a:p>
+        </p:txBody>
+      </p:sp>
     </p:spTree>
   </p:cSld>
   <p:clrMapOvr>
@@ -5852,7 +9176,11 @@
           <a:bodyPr/>
           <a:lstStyle/>
           <a:p>
-            <a:endParaRPr lang="en-US"/>
+            <a:r>
+              <a:rPr lang="en-US" dirty="0" smtClean="0"/>
+              <a:t>Vector Table</a:t>
+            </a:r>
+            <a:endParaRPr lang="en-US" dirty="0"/>
           </a:p>
         </p:txBody>
       </p:sp>
@@ -11228,7 +14556,7 @@
         <p:spPr>
           <a:xfrm>
             <a:off x="5105400" y="4495800"/>
-            <a:ext cx="2108269" cy="369332"/>
+            <a:ext cx="3159839" cy="369332"/>
           </a:xfrm>
           <a:prstGeom prst="rect">
             <a:avLst/>
@@ -11243,7 +14571,7 @@
           <a:p>
             <a:r>
               <a:rPr lang="en-US" b="1" u="sng" dirty="0" smtClean="0"/>
-              <a:t>Special Registers</a:t>
+              <a:t>Special  Purpose Registers</a:t>
             </a:r>
             <a:endParaRPr lang="en-US" b="1" u="sng" dirty="0"/>
           </a:p>
@@ -13207,12 +16535,21 @@
             <p:ph type="title"/>
           </p:nvPr>
         </p:nvSpPr>
-        <p:spPr/>
+        <p:spPr>
+          <a:xfrm>
+            <a:off x="533400" y="2438400"/>
+            <a:ext cx="8229600" cy="1143000"/>
+          </a:xfrm>
+        </p:spPr>
         <p:txBody>
           <a:bodyPr/>
           <a:lstStyle/>
           <a:p>
-            <a:endParaRPr lang="en-US"/>
+            <a:r>
+              <a:rPr lang="en-US" dirty="0" smtClean="0"/>
+              <a:t>Stacks in ARM processor</a:t>
+            </a:r>
+            <a:endParaRPr lang="en-US" dirty="0"/>
           </a:p>
         </p:txBody>
       </p:sp>
@@ -13258,15 +16595,866 @@
             <p:ph type="title"/>
           </p:nvPr>
         </p:nvSpPr>
-        <p:spPr/>
+        <p:spPr>
+          <a:gradFill flip="none" rotWithShape="1">
+            <a:gsLst>
+              <a:gs pos="0">
+                <a:schemeClr val="accent1">
+                  <a:tint val="66000"/>
+                  <a:satMod val="160000"/>
+                </a:schemeClr>
+              </a:gs>
+              <a:gs pos="50000">
+                <a:schemeClr val="accent1">
+                  <a:tint val="44500"/>
+                  <a:satMod val="160000"/>
+                </a:schemeClr>
+              </a:gs>
+              <a:gs pos="100000">
+                <a:schemeClr val="accent1">
+                  <a:tint val="23500"/>
+                  <a:satMod val="160000"/>
+                </a:schemeClr>
+              </a:gs>
+            </a:gsLst>
+            <a:lin ang="5400000" scaled="1"/>
+            <a:tileRect/>
+          </a:gradFill>
+          <a:ln>
+            <a:solidFill>
+              <a:schemeClr val="accent1">
+                <a:shade val="50000"/>
+              </a:schemeClr>
+            </a:solidFill>
+          </a:ln>
+        </p:spPr>
         <p:txBody>
           <a:bodyPr/>
           <a:lstStyle/>
           <a:p>
-            <a:endParaRPr lang="en-US"/>
-          </a:p>
-        </p:txBody>
-      </p:sp>
+            <a:r>
+              <a:rPr lang="en-US" dirty="0" smtClean="0"/>
+              <a:t>Types of Stack</a:t>
+            </a:r>
+            <a:endParaRPr lang="en-US" dirty="0"/>
+          </a:p>
+        </p:txBody>
+      </p:sp>
+      <p:sp>
+        <p:nvSpPr>
+          <p:cNvPr id="3" name="Rectangle 2"/>
+          <p:cNvSpPr/>
+          <p:nvPr/>
+        </p:nvSpPr>
+        <p:spPr>
+          <a:xfrm>
+            <a:off x="609600" y="2133600"/>
+            <a:ext cx="3657600" cy="1447800"/>
+          </a:xfrm>
+          <a:prstGeom prst="rect">
+            <a:avLst/>
+          </a:prstGeom>
+          <a:gradFill flip="none" rotWithShape="1">
+            <a:gsLst>
+              <a:gs pos="0">
+                <a:schemeClr val="accent1">
+                  <a:tint val="66000"/>
+                  <a:satMod val="160000"/>
+                </a:schemeClr>
+              </a:gs>
+              <a:gs pos="50000">
+                <a:schemeClr val="accent1">
+                  <a:tint val="44500"/>
+                  <a:satMod val="160000"/>
+                </a:schemeClr>
+              </a:gs>
+              <a:gs pos="100000">
+                <a:schemeClr val="accent1">
+                  <a:tint val="23500"/>
+                  <a:satMod val="160000"/>
+                </a:schemeClr>
+              </a:gs>
+            </a:gsLst>
+            <a:lin ang="5400000" scaled="1"/>
+            <a:tileRect/>
+          </a:gradFill>
+        </p:spPr>
+        <p:style>
+          <a:lnRef idx="2">
+            <a:schemeClr val="accent1">
+              <a:shade val="50000"/>
+            </a:schemeClr>
+          </a:lnRef>
+          <a:fillRef idx="1">
+            <a:schemeClr val="accent1"/>
+          </a:fillRef>
+          <a:effectRef idx="0">
+            <a:schemeClr val="accent1"/>
+          </a:effectRef>
+          <a:fontRef idx="minor">
+            <a:schemeClr val="lt1"/>
+          </a:fontRef>
+        </p:style>
+        <p:txBody>
+          <a:bodyPr rtlCol="0" anchor="ctr"/>
+          <a:lstStyle/>
+          <a:p>
+            <a:pPr algn="ctr"/>
+            <a:r>
+              <a:rPr lang="en-US" b="1" u="sng" dirty="0" smtClean="0">
+                <a:solidFill>
+                  <a:schemeClr val="tx1"/>
+                </a:solidFill>
+              </a:rPr>
+              <a:t>Ascending Stack:</a:t>
+            </a:r>
+          </a:p>
+          <a:p>
+            <a:pPr algn="ctr"/>
+            <a:r>
+              <a:rPr lang="en-US" dirty="0" smtClean="0">
+                <a:solidFill>
+                  <a:schemeClr val="tx1"/>
+                </a:solidFill>
+              </a:rPr>
+              <a:t>In a push the stack pointer is incremented, </a:t>
+            </a:r>
+            <a:r>
+              <a:rPr lang="en-US" dirty="0" err="1" smtClean="0">
+                <a:solidFill>
+                  <a:schemeClr val="tx1"/>
+                </a:solidFill>
+              </a:rPr>
+              <a:t>i.e</a:t>
+            </a:r>
+            <a:r>
+              <a:rPr lang="en-US" dirty="0" smtClean="0">
+                <a:solidFill>
+                  <a:schemeClr val="tx1"/>
+                </a:solidFill>
+              </a:rPr>
+              <a:t> the stack grows towards higher address.</a:t>
+            </a:r>
+            <a:endParaRPr lang="en-US" dirty="0">
+              <a:solidFill>
+                <a:schemeClr val="tx1"/>
+              </a:solidFill>
+            </a:endParaRPr>
+          </a:p>
+        </p:txBody>
+      </p:sp>
+      <p:sp>
+        <p:nvSpPr>
+          <p:cNvPr id="4" name="Rectangle 3"/>
+          <p:cNvSpPr/>
+          <p:nvPr/>
+        </p:nvSpPr>
+        <p:spPr>
+          <a:xfrm>
+            <a:off x="4876800" y="2133600"/>
+            <a:ext cx="3657600" cy="1447800"/>
+          </a:xfrm>
+          <a:prstGeom prst="rect">
+            <a:avLst/>
+          </a:prstGeom>
+          <a:gradFill flip="none" rotWithShape="1">
+            <a:gsLst>
+              <a:gs pos="0">
+                <a:schemeClr val="accent1">
+                  <a:tint val="66000"/>
+                  <a:satMod val="160000"/>
+                </a:schemeClr>
+              </a:gs>
+              <a:gs pos="50000">
+                <a:schemeClr val="accent1">
+                  <a:tint val="44500"/>
+                  <a:satMod val="160000"/>
+                </a:schemeClr>
+              </a:gs>
+              <a:gs pos="100000">
+                <a:schemeClr val="accent1">
+                  <a:tint val="23500"/>
+                  <a:satMod val="160000"/>
+                </a:schemeClr>
+              </a:gs>
+            </a:gsLst>
+            <a:lin ang="5400000" scaled="1"/>
+            <a:tileRect/>
+          </a:gradFill>
+        </p:spPr>
+        <p:style>
+          <a:lnRef idx="2">
+            <a:schemeClr val="accent1">
+              <a:shade val="50000"/>
+            </a:schemeClr>
+          </a:lnRef>
+          <a:fillRef idx="1">
+            <a:schemeClr val="accent1"/>
+          </a:fillRef>
+          <a:effectRef idx="0">
+            <a:schemeClr val="accent1"/>
+          </a:effectRef>
+          <a:fontRef idx="minor">
+            <a:schemeClr val="lt1"/>
+          </a:fontRef>
+        </p:style>
+        <p:txBody>
+          <a:bodyPr rtlCol="0" anchor="ctr"/>
+          <a:lstStyle/>
+          <a:p>
+            <a:pPr algn="ctr"/>
+            <a:r>
+              <a:rPr lang="en-US" b="1" u="sng" dirty="0" smtClean="0">
+                <a:solidFill>
+                  <a:schemeClr val="tx1"/>
+                </a:solidFill>
+              </a:rPr>
+              <a:t>Descending </a:t>
+            </a:r>
+            <a:r>
+              <a:rPr lang="en-US" b="1" u="sng" dirty="0" smtClean="0">
+                <a:solidFill>
+                  <a:schemeClr val="tx1"/>
+                </a:solidFill>
+              </a:rPr>
+              <a:t>Stack:</a:t>
+            </a:r>
+          </a:p>
+          <a:p>
+            <a:pPr algn="ctr"/>
+            <a:r>
+              <a:rPr lang="en-US" dirty="0" smtClean="0">
+                <a:solidFill>
+                  <a:schemeClr val="tx1"/>
+                </a:solidFill>
+              </a:rPr>
+              <a:t>In </a:t>
+            </a:r>
+            <a:r>
+              <a:rPr lang="en-US" dirty="0" smtClean="0">
+                <a:solidFill>
+                  <a:schemeClr val="tx1"/>
+                </a:solidFill>
+              </a:rPr>
+              <a:t>a push the stack pointer is decremented, </a:t>
+            </a:r>
+            <a:r>
+              <a:rPr lang="en-US" dirty="0" err="1" smtClean="0">
+                <a:solidFill>
+                  <a:schemeClr val="tx1"/>
+                </a:solidFill>
+              </a:rPr>
+              <a:t>i.e</a:t>
+            </a:r>
+            <a:r>
+              <a:rPr lang="en-US" dirty="0" smtClean="0">
+                <a:solidFill>
+                  <a:schemeClr val="tx1"/>
+                </a:solidFill>
+              </a:rPr>
+              <a:t> the stack grows towards lower address.</a:t>
+            </a:r>
+            <a:endParaRPr lang="en-US" dirty="0" smtClean="0">
+              <a:solidFill>
+                <a:schemeClr val="tx1"/>
+              </a:solidFill>
+            </a:endParaRPr>
+          </a:p>
+          <a:p>
+            <a:pPr algn="ctr"/>
+            <a:endParaRPr lang="en-US" dirty="0"/>
+          </a:p>
+        </p:txBody>
+      </p:sp>
+      <p:cxnSp>
+        <p:nvCxnSpPr>
+          <p:cNvPr id="7" name="Straight Arrow Connector 6"/>
+          <p:cNvCxnSpPr>
+            <a:stCxn id="6" idx="2"/>
+            <a:endCxn id="3" idx="0"/>
+          </p:cNvCxnSpPr>
+          <p:nvPr/>
+        </p:nvCxnSpPr>
+        <p:spPr>
+          <a:xfrm flipH="1">
+            <a:off x="2438400" y="1417638"/>
+            <a:ext cx="2133600" cy="715962"/>
+          </a:xfrm>
+          <a:prstGeom prst="straightConnector1">
+            <a:avLst/>
+          </a:prstGeom>
+          <a:ln>
+            <a:tailEnd type="arrow"/>
+          </a:ln>
+        </p:spPr>
+        <p:style>
+          <a:lnRef idx="1">
+            <a:schemeClr val="accent1"/>
+          </a:lnRef>
+          <a:fillRef idx="0">
+            <a:schemeClr val="accent1"/>
+          </a:fillRef>
+          <a:effectRef idx="0">
+            <a:schemeClr val="accent1"/>
+          </a:effectRef>
+          <a:fontRef idx="minor">
+            <a:schemeClr val="tx1"/>
+          </a:fontRef>
+        </p:style>
+      </p:cxnSp>
+      <p:cxnSp>
+        <p:nvCxnSpPr>
+          <p:cNvPr id="9" name="Straight Arrow Connector 8"/>
+          <p:cNvCxnSpPr>
+            <a:stCxn id="6" idx="2"/>
+            <a:endCxn id="4" idx="0"/>
+          </p:cNvCxnSpPr>
+          <p:nvPr/>
+        </p:nvCxnSpPr>
+        <p:spPr>
+          <a:xfrm>
+            <a:off x="4572000" y="1417638"/>
+            <a:ext cx="2133600" cy="715962"/>
+          </a:xfrm>
+          <a:prstGeom prst="straightConnector1">
+            <a:avLst/>
+          </a:prstGeom>
+          <a:ln>
+            <a:tailEnd type="arrow"/>
+          </a:ln>
+        </p:spPr>
+        <p:style>
+          <a:lnRef idx="1">
+            <a:schemeClr val="accent1"/>
+          </a:lnRef>
+          <a:fillRef idx="0">
+            <a:schemeClr val="accent1"/>
+          </a:fillRef>
+          <a:effectRef idx="0">
+            <a:schemeClr val="accent1"/>
+          </a:effectRef>
+          <a:fontRef idx="minor">
+            <a:schemeClr val="tx1"/>
+          </a:fontRef>
+        </p:style>
+      </p:cxnSp>
+      <p:sp>
+        <p:nvSpPr>
+          <p:cNvPr id="10" name="Rectangle 9"/>
+          <p:cNvSpPr/>
+          <p:nvPr/>
+        </p:nvSpPr>
+        <p:spPr>
+          <a:xfrm>
+            <a:off x="381000" y="4038600"/>
+            <a:ext cx="1752600" cy="2590800"/>
+          </a:xfrm>
+          <a:prstGeom prst="rect">
+            <a:avLst/>
+          </a:prstGeom>
+          <a:gradFill flip="none" rotWithShape="1">
+            <a:gsLst>
+              <a:gs pos="29000">
+                <a:srgbClr val="FFFF00"/>
+              </a:gs>
+              <a:gs pos="68000">
+                <a:schemeClr val="accent1">
+                  <a:lumMod val="60000"/>
+                  <a:lumOff val="40000"/>
+                </a:schemeClr>
+              </a:gs>
+              <a:gs pos="100000">
+                <a:schemeClr val="accent1">
+                  <a:tint val="23500"/>
+                  <a:satMod val="160000"/>
+                </a:schemeClr>
+              </a:gs>
+            </a:gsLst>
+            <a:lin ang="5400000" scaled="1"/>
+            <a:tileRect/>
+          </a:gradFill>
+        </p:spPr>
+        <p:style>
+          <a:lnRef idx="2">
+            <a:schemeClr val="accent1">
+              <a:shade val="50000"/>
+            </a:schemeClr>
+          </a:lnRef>
+          <a:fillRef idx="1">
+            <a:schemeClr val="accent1"/>
+          </a:fillRef>
+          <a:effectRef idx="0">
+            <a:schemeClr val="accent1"/>
+          </a:effectRef>
+          <a:fontRef idx="minor">
+            <a:schemeClr val="lt1"/>
+          </a:fontRef>
+        </p:style>
+        <p:txBody>
+          <a:bodyPr rtlCol="0" anchor="ctr"/>
+          <a:lstStyle/>
+          <a:p>
+            <a:pPr algn="ctr"/>
+            <a:r>
+              <a:rPr lang="en-US" sz="1400" b="1" u="sng" dirty="0" smtClean="0">
+                <a:solidFill>
+                  <a:schemeClr val="tx1"/>
+                </a:solidFill>
+              </a:rPr>
+              <a:t>Ascending Empty </a:t>
+            </a:r>
+            <a:r>
+              <a:rPr lang="en-US" sz="1400" b="1" u="sng" dirty="0" smtClean="0">
+                <a:solidFill>
+                  <a:schemeClr val="tx1"/>
+                </a:solidFill>
+              </a:rPr>
+              <a:t>stack</a:t>
+            </a:r>
+          </a:p>
+          <a:p>
+            <a:pPr algn="ctr"/>
+            <a:r>
+              <a:rPr lang="en-US" sz="1400" dirty="0" smtClean="0">
+                <a:solidFill>
+                  <a:schemeClr val="tx1"/>
+                </a:solidFill>
+              </a:rPr>
+              <a:t>Stack pointer points to the location in which the next item will be stored. A push will store the value, and increment the stack pointer.</a:t>
+            </a:r>
+          </a:p>
+          <a:p>
+            <a:pPr algn="ctr"/>
+            <a:endParaRPr lang="en-US" sz="1400" dirty="0" smtClean="0">
+              <a:solidFill>
+                <a:schemeClr val="tx1"/>
+              </a:solidFill>
+            </a:endParaRPr>
+          </a:p>
+        </p:txBody>
+      </p:sp>
+      <p:sp>
+        <p:nvSpPr>
+          <p:cNvPr id="11" name="Rectangle 10"/>
+          <p:cNvSpPr/>
+          <p:nvPr/>
+        </p:nvSpPr>
+        <p:spPr>
+          <a:xfrm>
+            <a:off x="2514600" y="4038600"/>
+            <a:ext cx="1752600" cy="2590800"/>
+          </a:xfrm>
+          <a:prstGeom prst="rect">
+            <a:avLst/>
+          </a:prstGeom>
+          <a:gradFill flip="none" rotWithShape="1">
+            <a:gsLst>
+              <a:gs pos="43000">
+                <a:schemeClr val="accent6">
+                  <a:lumMod val="40000"/>
+                  <a:lumOff val="60000"/>
+                  <a:alpha val="62000"/>
+                </a:schemeClr>
+              </a:gs>
+              <a:gs pos="50000">
+                <a:schemeClr val="accent1">
+                  <a:tint val="44500"/>
+                  <a:satMod val="160000"/>
+                </a:schemeClr>
+              </a:gs>
+              <a:gs pos="100000">
+                <a:schemeClr val="accent1">
+                  <a:tint val="23500"/>
+                  <a:satMod val="160000"/>
+                </a:schemeClr>
+              </a:gs>
+            </a:gsLst>
+            <a:lin ang="5400000" scaled="1"/>
+            <a:tileRect/>
+          </a:gradFill>
+        </p:spPr>
+        <p:style>
+          <a:lnRef idx="2">
+            <a:schemeClr val="accent1">
+              <a:shade val="50000"/>
+            </a:schemeClr>
+          </a:lnRef>
+          <a:fillRef idx="1">
+            <a:schemeClr val="accent1"/>
+          </a:fillRef>
+          <a:effectRef idx="0">
+            <a:schemeClr val="accent1"/>
+          </a:effectRef>
+          <a:fontRef idx="minor">
+            <a:schemeClr val="lt1"/>
+          </a:fontRef>
+        </p:style>
+        <p:txBody>
+          <a:bodyPr rtlCol="0" anchor="ctr"/>
+          <a:lstStyle/>
+          <a:p>
+            <a:pPr algn="ctr"/>
+            <a:r>
+              <a:rPr lang="en-US" sz="1600" b="1" u="sng" dirty="0" smtClean="0">
+                <a:solidFill>
+                  <a:schemeClr val="tx1"/>
+                </a:solidFill>
+              </a:rPr>
+              <a:t>Ascending Full Stack</a:t>
+            </a:r>
+          </a:p>
+          <a:p>
+            <a:pPr algn="ctr"/>
+            <a:r>
+              <a:rPr lang="en-US" sz="1600" dirty="0" smtClean="0">
+                <a:solidFill>
+                  <a:schemeClr val="tx1"/>
+                </a:solidFill>
+              </a:rPr>
+              <a:t>Stack </a:t>
+            </a:r>
+            <a:r>
+              <a:rPr lang="en-US" sz="1600" dirty="0" smtClean="0">
+                <a:solidFill>
+                  <a:schemeClr val="tx1"/>
+                </a:solidFill>
+              </a:rPr>
+              <a:t>pointer points to the location in which the last item was stored. A push will increment the stack pointer and store the value.</a:t>
+            </a:r>
+            <a:endParaRPr lang="en-US" sz="1600" dirty="0" smtClean="0">
+              <a:solidFill>
+                <a:schemeClr val="tx1"/>
+              </a:solidFill>
+            </a:endParaRPr>
+          </a:p>
+        </p:txBody>
+      </p:sp>
+      <p:sp>
+        <p:nvSpPr>
+          <p:cNvPr id="12" name="Rectangle 11"/>
+          <p:cNvSpPr/>
+          <p:nvPr/>
+        </p:nvSpPr>
+        <p:spPr>
+          <a:xfrm>
+            <a:off x="4953000" y="4038600"/>
+            <a:ext cx="1752600" cy="2590800"/>
+          </a:xfrm>
+          <a:prstGeom prst="rect">
+            <a:avLst/>
+          </a:prstGeom>
+          <a:gradFill flip="none" rotWithShape="1">
+            <a:gsLst>
+              <a:gs pos="29000">
+                <a:srgbClr val="FFFF00"/>
+              </a:gs>
+              <a:gs pos="68000">
+                <a:schemeClr val="accent1">
+                  <a:lumMod val="60000"/>
+                  <a:lumOff val="40000"/>
+                </a:schemeClr>
+              </a:gs>
+              <a:gs pos="100000">
+                <a:schemeClr val="accent1">
+                  <a:tint val="23500"/>
+                  <a:satMod val="160000"/>
+                </a:schemeClr>
+              </a:gs>
+            </a:gsLst>
+            <a:lin ang="5400000" scaled="1"/>
+            <a:tileRect/>
+          </a:gradFill>
+        </p:spPr>
+        <p:style>
+          <a:lnRef idx="2">
+            <a:schemeClr val="accent1">
+              <a:shade val="50000"/>
+            </a:schemeClr>
+          </a:lnRef>
+          <a:fillRef idx="1">
+            <a:schemeClr val="accent1"/>
+          </a:fillRef>
+          <a:effectRef idx="0">
+            <a:schemeClr val="accent1"/>
+          </a:effectRef>
+          <a:fontRef idx="minor">
+            <a:schemeClr val="lt1"/>
+          </a:fontRef>
+        </p:style>
+        <p:txBody>
+          <a:bodyPr rtlCol="0" anchor="ctr"/>
+          <a:lstStyle/>
+          <a:p>
+            <a:pPr algn="ctr"/>
+            <a:r>
+              <a:rPr lang="en-US" sz="1400" b="1" u="sng" dirty="0" smtClean="0">
+                <a:solidFill>
+                  <a:srgbClr val="FF0000"/>
+                </a:solidFill>
+              </a:rPr>
+              <a:t>Descending  </a:t>
+            </a:r>
+            <a:r>
+              <a:rPr lang="en-US" sz="1400" b="1" u="sng" dirty="0" smtClean="0">
+                <a:solidFill>
+                  <a:srgbClr val="FF0000"/>
+                </a:solidFill>
+              </a:rPr>
+              <a:t>Empty stack</a:t>
+            </a:r>
+          </a:p>
+          <a:p>
+            <a:pPr algn="ctr"/>
+            <a:r>
+              <a:rPr lang="en-US" sz="1400" dirty="0" smtClean="0">
+                <a:solidFill>
+                  <a:schemeClr val="tx1"/>
+                </a:solidFill>
+              </a:rPr>
+              <a:t>Stack pointer points to the location in which the next item will be stored. A push will store the value, and increment the stack pointer.</a:t>
+            </a:r>
+          </a:p>
+          <a:p>
+            <a:pPr algn="ctr"/>
+            <a:r>
+              <a:rPr lang="en-US" sz="1400" dirty="0" smtClean="0">
+                <a:solidFill>
+                  <a:schemeClr val="tx1"/>
+                </a:solidFill>
+              </a:rPr>
+              <a:t>Full stack</a:t>
+            </a:r>
+          </a:p>
+        </p:txBody>
+      </p:sp>
+      <p:sp>
+        <p:nvSpPr>
+          <p:cNvPr id="13" name="Rectangle 12"/>
+          <p:cNvSpPr/>
+          <p:nvPr/>
+        </p:nvSpPr>
+        <p:spPr>
+          <a:xfrm>
+            <a:off x="7010400" y="4038600"/>
+            <a:ext cx="1752600" cy="2590800"/>
+          </a:xfrm>
+          <a:prstGeom prst="rect">
+            <a:avLst/>
+          </a:prstGeom>
+          <a:gradFill flip="none" rotWithShape="1">
+            <a:gsLst>
+              <a:gs pos="43000">
+                <a:schemeClr val="accent6">
+                  <a:lumMod val="40000"/>
+                  <a:lumOff val="60000"/>
+                  <a:alpha val="62000"/>
+                </a:schemeClr>
+              </a:gs>
+              <a:gs pos="50000">
+                <a:schemeClr val="accent1">
+                  <a:tint val="44500"/>
+                  <a:satMod val="160000"/>
+                </a:schemeClr>
+              </a:gs>
+              <a:gs pos="100000">
+                <a:schemeClr val="accent1">
+                  <a:tint val="23500"/>
+                  <a:satMod val="160000"/>
+                </a:schemeClr>
+              </a:gs>
+            </a:gsLst>
+            <a:lin ang="5400000" scaled="1"/>
+            <a:tileRect/>
+          </a:gradFill>
+        </p:spPr>
+        <p:style>
+          <a:lnRef idx="2">
+            <a:schemeClr val="accent1">
+              <a:shade val="50000"/>
+            </a:schemeClr>
+          </a:lnRef>
+          <a:fillRef idx="1">
+            <a:schemeClr val="accent1"/>
+          </a:fillRef>
+          <a:effectRef idx="0">
+            <a:schemeClr val="accent1"/>
+          </a:effectRef>
+          <a:fontRef idx="minor">
+            <a:schemeClr val="lt1"/>
+          </a:fontRef>
+        </p:style>
+        <p:txBody>
+          <a:bodyPr rtlCol="0" anchor="ctr"/>
+          <a:lstStyle/>
+          <a:p>
+            <a:pPr algn="ctr"/>
+            <a:r>
+              <a:rPr lang="en-US" sz="1600" b="1" u="sng" dirty="0" smtClean="0">
+                <a:solidFill>
+                  <a:schemeClr val="tx1"/>
+                </a:solidFill>
+              </a:rPr>
+              <a:t>Descending </a:t>
+            </a:r>
+            <a:r>
+              <a:rPr lang="en-US" sz="1600" b="1" u="sng" dirty="0" smtClean="0">
+                <a:solidFill>
+                  <a:schemeClr val="tx1"/>
+                </a:solidFill>
+              </a:rPr>
+              <a:t>Full Stack</a:t>
+            </a:r>
+          </a:p>
+          <a:p>
+            <a:pPr algn="ctr"/>
+            <a:r>
+              <a:rPr lang="en-US" sz="1600" dirty="0" smtClean="0">
+                <a:solidFill>
+                  <a:schemeClr val="tx1"/>
+                </a:solidFill>
+              </a:rPr>
+              <a:t>Stack pointer points to the location in which the last item was stored. A push will increment the stack pointer and store the value</a:t>
+            </a:r>
+            <a:endParaRPr lang="en-US" sz="1600" b="1" u="sng" dirty="0" smtClean="0"/>
+          </a:p>
+        </p:txBody>
+      </p:sp>
+      <p:cxnSp>
+        <p:nvCxnSpPr>
+          <p:cNvPr id="15" name="Straight Arrow Connector 14"/>
+          <p:cNvCxnSpPr>
+            <a:stCxn id="3" idx="2"/>
+          </p:cNvCxnSpPr>
+          <p:nvPr/>
+        </p:nvCxnSpPr>
+        <p:spPr>
+          <a:xfrm flipH="1">
+            <a:off x="1295400" y="3581400"/>
+            <a:ext cx="1143000" cy="381000"/>
+          </a:xfrm>
+          <a:prstGeom prst="straightConnector1">
+            <a:avLst/>
+          </a:prstGeom>
+          <a:ln>
+            <a:tailEnd type="arrow"/>
+          </a:ln>
+        </p:spPr>
+        <p:style>
+          <a:lnRef idx="1">
+            <a:schemeClr val="accent1"/>
+          </a:lnRef>
+          <a:fillRef idx="0">
+            <a:schemeClr val="accent1"/>
+          </a:fillRef>
+          <a:effectRef idx="0">
+            <a:schemeClr val="accent1"/>
+          </a:effectRef>
+          <a:fontRef idx="minor">
+            <a:schemeClr val="tx1"/>
+          </a:fontRef>
+        </p:style>
+      </p:cxnSp>
+      <p:cxnSp>
+        <p:nvCxnSpPr>
+          <p:cNvPr id="18" name="Straight Arrow Connector 17"/>
+          <p:cNvCxnSpPr/>
+          <p:nvPr/>
+        </p:nvCxnSpPr>
+        <p:spPr>
+          <a:xfrm flipH="1">
+            <a:off x="5562600" y="3581400"/>
+            <a:ext cx="1143000" cy="381000"/>
+          </a:xfrm>
+          <a:prstGeom prst="straightConnector1">
+            <a:avLst/>
+          </a:prstGeom>
+          <a:ln>
+            <a:tailEnd type="arrow"/>
+          </a:ln>
+        </p:spPr>
+        <p:style>
+          <a:lnRef idx="1">
+            <a:schemeClr val="accent1"/>
+          </a:lnRef>
+          <a:fillRef idx="0">
+            <a:schemeClr val="accent1"/>
+          </a:fillRef>
+          <a:effectRef idx="0">
+            <a:schemeClr val="accent1"/>
+          </a:effectRef>
+          <a:fontRef idx="minor">
+            <a:schemeClr val="tx1"/>
+          </a:fontRef>
+        </p:style>
+      </p:cxnSp>
+      <p:cxnSp>
+        <p:nvCxnSpPr>
+          <p:cNvPr id="20" name="Straight Arrow Connector 19"/>
+          <p:cNvCxnSpPr>
+            <a:stCxn id="3" idx="2"/>
+          </p:cNvCxnSpPr>
+          <p:nvPr/>
+        </p:nvCxnSpPr>
+        <p:spPr>
+          <a:xfrm>
+            <a:off x="2438400" y="3581400"/>
+            <a:ext cx="914400" cy="381000"/>
+          </a:xfrm>
+          <a:prstGeom prst="straightConnector1">
+            <a:avLst/>
+          </a:prstGeom>
+          <a:ln>
+            <a:tailEnd type="arrow"/>
+          </a:ln>
+        </p:spPr>
+        <p:style>
+          <a:lnRef idx="1">
+            <a:schemeClr val="accent1"/>
+          </a:lnRef>
+          <a:fillRef idx="0">
+            <a:schemeClr val="accent1"/>
+          </a:fillRef>
+          <a:effectRef idx="0">
+            <a:schemeClr val="accent1"/>
+          </a:effectRef>
+          <a:fontRef idx="minor">
+            <a:schemeClr val="tx1"/>
+          </a:fontRef>
+        </p:style>
+      </p:cxnSp>
+      <p:cxnSp>
+        <p:nvCxnSpPr>
+          <p:cNvPr id="21" name="Straight Arrow Connector 20"/>
+          <p:cNvCxnSpPr/>
+          <p:nvPr/>
+        </p:nvCxnSpPr>
+        <p:spPr>
+          <a:xfrm>
+            <a:off x="6858000" y="3581400"/>
+            <a:ext cx="914400" cy="381000"/>
+          </a:xfrm>
+          <a:prstGeom prst="straightConnector1">
+            <a:avLst/>
+          </a:prstGeom>
+          <a:ln>
+            <a:tailEnd type="arrow"/>
+          </a:ln>
+        </p:spPr>
+        <p:style>
+          <a:lnRef idx="1">
+            <a:schemeClr val="accent1"/>
+          </a:lnRef>
+          <a:fillRef idx="0">
+            <a:schemeClr val="accent1"/>
+          </a:fillRef>
+          <a:effectRef idx="0">
+            <a:schemeClr val="accent1"/>
+          </a:effectRef>
+          <a:fontRef idx="minor">
+            <a:schemeClr val="tx1"/>
+          </a:fontRef>
+        </p:style>
+      </p:cxnSp>
     </p:spTree>
   </p:cSld>
   <p:clrMapOvr>

--- a/Module-4.pptx
+++ b/Module-4.pptx
@@ -5,7 +5,7 @@
     <p:sldMasterId id="2147483923" r:id="rId1"/>
   </p:sldMasterIdLst>
   <p:notesMasterIdLst>
-    <p:notesMasterId r:id="rId43"/>
+    <p:notesMasterId r:id="rId45"/>
   </p:notesMasterIdLst>
   <p:sldIdLst>
     <p:sldId id="256" r:id="rId2"/>
@@ -20,35 +20,37 @@
     <p:sldId id="274" r:id="rId11"/>
     <p:sldId id="275" r:id="rId12"/>
     <p:sldId id="276" r:id="rId13"/>
-    <p:sldId id="277" r:id="rId14"/>
-    <p:sldId id="268" r:id="rId15"/>
-    <p:sldId id="278" r:id="rId16"/>
-    <p:sldId id="279" r:id="rId17"/>
-    <p:sldId id="280" r:id="rId18"/>
-    <p:sldId id="261" r:id="rId19"/>
-    <p:sldId id="283" r:id="rId20"/>
-    <p:sldId id="281" r:id="rId21"/>
-    <p:sldId id="282" r:id="rId22"/>
-    <p:sldId id="284" r:id="rId23"/>
-    <p:sldId id="265" r:id="rId24"/>
-    <p:sldId id="285" r:id="rId25"/>
-    <p:sldId id="286" r:id="rId26"/>
-    <p:sldId id="287" r:id="rId27"/>
-    <p:sldId id="288" r:id="rId28"/>
-    <p:sldId id="289" r:id="rId29"/>
-    <p:sldId id="290" r:id="rId30"/>
-    <p:sldId id="291" r:id="rId31"/>
-    <p:sldId id="292" r:id="rId32"/>
-    <p:sldId id="293" r:id="rId33"/>
-    <p:sldId id="294" r:id="rId34"/>
-    <p:sldId id="295" r:id="rId35"/>
-    <p:sldId id="296" r:id="rId36"/>
-    <p:sldId id="297" r:id="rId37"/>
-    <p:sldId id="298" r:id="rId38"/>
-    <p:sldId id="299" r:id="rId39"/>
-    <p:sldId id="300" r:id="rId40"/>
-    <p:sldId id="262" r:id="rId41"/>
-    <p:sldId id="267" r:id="rId42"/>
+    <p:sldId id="301" r:id="rId14"/>
+    <p:sldId id="302" r:id="rId15"/>
+    <p:sldId id="277" r:id="rId16"/>
+    <p:sldId id="268" r:id="rId17"/>
+    <p:sldId id="278" r:id="rId18"/>
+    <p:sldId id="279" r:id="rId19"/>
+    <p:sldId id="280" r:id="rId20"/>
+    <p:sldId id="261" r:id="rId21"/>
+    <p:sldId id="283" r:id="rId22"/>
+    <p:sldId id="281" r:id="rId23"/>
+    <p:sldId id="282" r:id="rId24"/>
+    <p:sldId id="284" r:id="rId25"/>
+    <p:sldId id="265" r:id="rId26"/>
+    <p:sldId id="285" r:id="rId27"/>
+    <p:sldId id="286" r:id="rId28"/>
+    <p:sldId id="287" r:id="rId29"/>
+    <p:sldId id="288" r:id="rId30"/>
+    <p:sldId id="289" r:id="rId31"/>
+    <p:sldId id="290" r:id="rId32"/>
+    <p:sldId id="291" r:id="rId33"/>
+    <p:sldId id="292" r:id="rId34"/>
+    <p:sldId id="293" r:id="rId35"/>
+    <p:sldId id="294" r:id="rId36"/>
+    <p:sldId id="295" r:id="rId37"/>
+    <p:sldId id="296" r:id="rId38"/>
+    <p:sldId id="297" r:id="rId39"/>
+    <p:sldId id="298" r:id="rId40"/>
+    <p:sldId id="299" r:id="rId41"/>
+    <p:sldId id="300" r:id="rId42"/>
+    <p:sldId id="262" r:id="rId43"/>
+    <p:sldId id="267" r:id="rId44"/>
   </p:sldIdLst>
   <p:sldSz cx="9144000" cy="6858000" type="screen4x3"/>
   <p:notesSz cx="6997700" cy="9283700"/>
@@ -1172,7 +1174,7 @@
             <a:fld id="{2934886E-53AA-4CEE-913A-D801D6ABEC5E}" type="slidenum">
               <a:rPr lang="en-US" smtClean="0"/>
               <a:pPr/>
-              <a:t>21</a:t>
+              <a:t>23</a:t>
             </a:fld>
             <a:endParaRPr lang="en-US"/>
           </a:p>
@@ -7093,6 +7095,460 @@
           </a:p>
         </p:txBody>
       </p:sp>
+      <p:sp>
+        <p:nvSpPr>
+          <p:cNvPr id="8" name="TextBox 7"/>
+          <p:cNvSpPr txBox="1"/>
+          <p:nvPr/>
+        </p:nvSpPr>
+        <p:spPr>
+          <a:xfrm>
+            <a:off x="377506" y="1508760"/>
+            <a:ext cx="7288214" cy="1200329"/>
+          </a:xfrm>
+          <a:prstGeom prst="rect">
+            <a:avLst/>
+          </a:prstGeom>
+          <a:noFill/>
+          <a:ln>
+            <a:solidFill>
+              <a:schemeClr val="accent1">
+                <a:shade val="50000"/>
+              </a:schemeClr>
+            </a:solidFill>
+          </a:ln>
+        </p:spPr>
+        <p:txBody>
+          <a:bodyPr wrap="none" rtlCol="0">
+            <a:spAutoFit/>
+          </a:bodyPr>
+          <a:lstStyle/>
+          <a:p>
+            <a:r>
+              <a:rPr lang="en-US" b="1" dirty="0" smtClean="0"/>
+              <a:t>The </a:t>
+            </a:r>
+            <a:r>
+              <a:rPr lang="en-US" b="1" dirty="0" smtClean="0"/>
+              <a:t>CONTROL is a 32 bit  register, that  </a:t>
+            </a:r>
+            <a:r>
+              <a:rPr lang="en-US" b="1" dirty="0" smtClean="0"/>
+              <a:t>controls the </a:t>
+            </a:r>
+          </a:p>
+          <a:p>
+            <a:pPr>
+              <a:buFont typeface="Wingdings" pitchFamily="2" charset="2"/>
+              <a:buChar char="Ø"/>
+            </a:pPr>
+            <a:r>
+              <a:rPr lang="en-US" dirty="0" smtClean="0"/>
+              <a:t>Which stack </a:t>
+            </a:r>
+            <a:r>
+              <a:rPr lang="en-US" dirty="0" smtClean="0"/>
+              <a:t>used </a:t>
+            </a:r>
+            <a:r>
+              <a:rPr lang="en-US" dirty="0" smtClean="0"/>
+              <a:t> at a given time</a:t>
+            </a:r>
+          </a:p>
+          <a:p>
+            <a:pPr>
+              <a:buFont typeface="Wingdings" pitchFamily="2" charset="2"/>
+              <a:buChar char="Ø"/>
+            </a:pPr>
+            <a:r>
+              <a:rPr lang="en-US" dirty="0" smtClean="0"/>
+              <a:t>When </a:t>
+            </a:r>
+            <a:r>
+              <a:rPr lang="en-US" dirty="0" smtClean="0"/>
+              <a:t>the processor is in Thread mode </a:t>
+            </a:r>
+            <a:r>
+              <a:rPr lang="en-US" dirty="0" smtClean="0"/>
+              <a:t> it decides the </a:t>
+            </a:r>
+            <a:r>
+              <a:rPr lang="en-US" dirty="0" smtClean="0"/>
+              <a:t>privilege </a:t>
+            </a:r>
+            <a:r>
+              <a:rPr lang="en-US" dirty="0" smtClean="0"/>
+              <a:t>level</a:t>
+            </a:r>
+          </a:p>
+          <a:p>
+            <a:pPr>
+              <a:buFont typeface="Wingdings" pitchFamily="2" charset="2"/>
+              <a:buChar char="Ø"/>
+            </a:pPr>
+            <a:r>
+              <a:rPr lang="en-US" dirty="0" smtClean="0"/>
+              <a:t>I</a:t>
+            </a:r>
+            <a:r>
+              <a:rPr lang="en-US" dirty="0" smtClean="0"/>
+              <a:t>ndicates </a:t>
+            </a:r>
+            <a:r>
+              <a:rPr lang="en-US" dirty="0" smtClean="0"/>
+              <a:t>whether the </a:t>
+            </a:r>
+            <a:r>
+              <a:rPr lang="en-US" dirty="0" smtClean="0"/>
+              <a:t>Floating point Unit  is  active</a:t>
+            </a:r>
+            <a:endParaRPr lang="en-US" dirty="0"/>
+          </a:p>
+        </p:txBody>
+      </p:sp>
+      <p:graphicFrame>
+        <p:nvGraphicFramePr>
+          <p:cNvPr id="9" name="Table 8"/>
+          <p:cNvGraphicFramePr>
+            <a:graphicFrameLocks noGrp="1"/>
+          </p:cNvGraphicFramePr>
+          <p:nvPr/>
+        </p:nvGraphicFramePr>
+        <p:xfrm>
+          <a:off x="457200" y="3032760"/>
+          <a:ext cx="8153400" cy="3444240"/>
+        </p:xfrm>
+        <a:graphic>
+          <a:graphicData uri="http://schemas.openxmlformats.org/drawingml/2006/table">
+            <a:tbl>
+              <a:tblPr firstRow="1" bandRow="1">
+                <a:tableStyleId>{5C22544A-7EE6-4342-B048-85BDC9FD1C3A}</a:tableStyleId>
+              </a:tblPr>
+              <a:tblGrid>
+                <a:gridCol w="1752600"/>
+                <a:gridCol w="1371600"/>
+                <a:gridCol w="5029200"/>
+              </a:tblGrid>
+              <a:tr h="624840">
+                <a:tc>
+                  <a:txBody>
+                    <a:bodyPr/>
+                    <a:lstStyle/>
+                    <a:p>
+                      <a:pPr algn="ctr"/>
+                      <a:r>
+                        <a:rPr lang="en-US" dirty="0" smtClean="0"/>
+                        <a:t>BITS</a:t>
+                      </a:r>
+                      <a:r>
+                        <a:rPr lang="en-US" baseline="0" dirty="0" smtClean="0"/>
+                        <a:t> </a:t>
+                      </a:r>
+                      <a:endParaRPr lang="en-US" dirty="0"/>
+                    </a:p>
+                  </a:txBody>
+                  <a:tcPr/>
+                </a:tc>
+                <a:tc>
+                  <a:txBody>
+                    <a:bodyPr/>
+                    <a:lstStyle/>
+                    <a:p>
+                      <a:pPr algn="ctr"/>
+                      <a:r>
+                        <a:rPr lang="en-US" dirty="0" smtClean="0"/>
+                        <a:t>Name </a:t>
+                      </a:r>
+                      <a:endParaRPr lang="en-US" dirty="0"/>
+                    </a:p>
+                  </a:txBody>
+                  <a:tcPr/>
+                </a:tc>
+                <a:tc>
+                  <a:txBody>
+                    <a:bodyPr/>
+                    <a:lstStyle/>
+                    <a:p>
+                      <a:pPr algn="ctr"/>
+                      <a:r>
+                        <a:rPr lang="en-US" dirty="0" smtClean="0"/>
+                        <a:t>Function</a:t>
+                      </a:r>
+                      <a:endParaRPr lang="en-US" dirty="0"/>
+                    </a:p>
+                  </a:txBody>
+                  <a:tcPr/>
+                </a:tc>
+              </a:tr>
+              <a:tr h="624840">
+                <a:tc>
+                  <a:txBody>
+                    <a:bodyPr/>
+                    <a:lstStyle/>
+                    <a:p>
+                      <a:pPr algn="ctr"/>
+                      <a:r>
+                        <a:rPr lang="en-US" dirty="0" smtClean="0"/>
+                        <a:t>31 …… 3</a:t>
+                      </a:r>
+                      <a:r>
+                        <a:rPr lang="en-US" baseline="0" dirty="0" smtClean="0"/>
+                        <a:t> Bits</a:t>
+                      </a:r>
+                      <a:endParaRPr lang="en-US" dirty="0"/>
+                    </a:p>
+                  </a:txBody>
+                  <a:tcPr/>
+                </a:tc>
+                <a:tc>
+                  <a:txBody>
+                    <a:bodyPr/>
+                    <a:lstStyle/>
+                    <a:p>
+                      <a:pPr algn="ctr"/>
+                      <a:r>
+                        <a:rPr lang="en-US" dirty="0" smtClean="0"/>
+                        <a:t>No</a:t>
+                      </a:r>
+                      <a:r>
+                        <a:rPr lang="en-US" baseline="0" dirty="0" smtClean="0"/>
+                        <a:t> name</a:t>
+                      </a:r>
+                      <a:endParaRPr lang="en-US" dirty="0"/>
+                    </a:p>
+                  </a:txBody>
+                  <a:tcPr/>
+                </a:tc>
+                <a:tc>
+                  <a:txBody>
+                    <a:bodyPr/>
+                    <a:lstStyle/>
+                    <a:p>
+                      <a:r>
+                        <a:rPr lang="en-US" dirty="0" smtClean="0"/>
+                        <a:t> Reserved</a:t>
+                      </a:r>
+                      <a:endParaRPr lang="en-US" dirty="0"/>
+                    </a:p>
+                  </a:txBody>
+                  <a:tcPr/>
+                </a:tc>
+              </a:tr>
+              <a:tr h="624840">
+                <a:tc>
+                  <a:txBody>
+                    <a:bodyPr/>
+                    <a:lstStyle/>
+                    <a:p>
+                      <a:pPr algn="ctr"/>
+                      <a:r>
+                        <a:rPr lang="en-US" dirty="0" smtClean="0"/>
+                        <a:t>2</a:t>
+                      </a:r>
+                      <a:endParaRPr lang="en-US" dirty="0"/>
+                    </a:p>
+                  </a:txBody>
+                  <a:tcPr/>
+                </a:tc>
+                <a:tc>
+                  <a:txBody>
+                    <a:bodyPr/>
+                    <a:lstStyle/>
+                    <a:p>
+                      <a:pPr algn="ctr"/>
+                      <a:r>
+                        <a:rPr lang="en-US" dirty="0" smtClean="0"/>
+                        <a:t>FPCA</a:t>
+                      </a:r>
+                      <a:endParaRPr lang="en-US" dirty="0"/>
+                    </a:p>
+                  </a:txBody>
+                  <a:tcPr/>
+                </a:tc>
+                <a:tc>
+                  <a:txBody>
+                    <a:bodyPr/>
+                    <a:lstStyle/>
+                    <a:p>
+                      <a:r>
+                        <a:rPr lang="en-US" sz="1800" kern="1200" baseline="0" dirty="0" smtClean="0">
+                          <a:solidFill>
+                            <a:schemeClr val="dk1"/>
+                          </a:solidFill>
+                          <a:latin typeface="+mn-lt"/>
+                          <a:ea typeface="+mn-ea"/>
+                          <a:cs typeface="+mn-cs"/>
+                        </a:rPr>
+                        <a:t>0 = no floating-point context active</a:t>
+                      </a:r>
+                    </a:p>
+                    <a:p>
+                      <a:r>
+                        <a:rPr lang="en-US" sz="1800" kern="1200" baseline="0" dirty="0" smtClean="0">
+                          <a:solidFill>
+                            <a:schemeClr val="dk1"/>
+                          </a:solidFill>
+                          <a:latin typeface="+mn-lt"/>
+                          <a:ea typeface="+mn-ea"/>
+                          <a:cs typeface="+mn-cs"/>
+                        </a:rPr>
+                        <a:t>1 = floating-point context active.</a:t>
+                      </a:r>
+                      <a:endParaRPr lang="en-US" dirty="0"/>
+                    </a:p>
+                  </a:txBody>
+                  <a:tcPr/>
+                </a:tc>
+              </a:tr>
+              <a:tr h="624840">
+                <a:tc>
+                  <a:txBody>
+                    <a:bodyPr/>
+                    <a:lstStyle/>
+                    <a:p>
+                      <a:pPr algn="ctr"/>
+                      <a:r>
+                        <a:rPr lang="en-US" dirty="0" smtClean="0"/>
+                        <a:t>1</a:t>
+                      </a:r>
+                      <a:endParaRPr lang="en-US" dirty="0"/>
+                    </a:p>
+                  </a:txBody>
+                  <a:tcPr/>
+                </a:tc>
+                <a:tc>
+                  <a:txBody>
+                    <a:bodyPr/>
+                    <a:lstStyle/>
+                    <a:p>
+                      <a:pPr algn="ctr"/>
+                      <a:r>
+                        <a:rPr lang="en-US" dirty="0" smtClean="0"/>
+                        <a:t>SPSEL</a:t>
+                      </a:r>
+                      <a:endParaRPr lang="en-US" dirty="0"/>
+                    </a:p>
+                  </a:txBody>
+                  <a:tcPr/>
+                </a:tc>
+                <a:tc>
+                  <a:txBody>
+                    <a:bodyPr/>
+                    <a:lstStyle/>
+                    <a:p>
+                      <a:r>
+                        <a:rPr lang="en-US" sz="1800" kern="1200" baseline="0" dirty="0" smtClean="0">
+                          <a:solidFill>
+                            <a:schemeClr val="dk1"/>
+                          </a:solidFill>
+                          <a:latin typeface="+mn-lt"/>
+                          <a:ea typeface="+mn-ea"/>
+                          <a:cs typeface="+mn-cs"/>
+                        </a:rPr>
+                        <a:t>0 = MSP is the current stack pointer</a:t>
+                      </a:r>
+                    </a:p>
+                    <a:p>
+                      <a:r>
+                        <a:rPr lang="en-US" sz="1800" kern="1200" baseline="0" dirty="0" smtClean="0">
+                          <a:solidFill>
+                            <a:schemeClr val="dk1"/>
+                          </a:solidFill>
+                          <a:latin typeface="+mn-lt"/>
+                          <a:ea typeface="+mn-ea"/>
+                          <a:cs typeface="+mn-cs"/>
+                        </a:rPr>
+                        <a:t>1 = PSP is the current stack pointer.</a:t>
+                      </a:r>
+                      <a:endParaRPr lang="en-US" dirty="0"/>
+                    </a:p>
+                  </a:txBody>
+                  <a:tcPr/>
+                </a:tc>
+              </a:tr>
+              <a:tr h="624840">
+                <a:tc>
+                  <a:txBody>
+                    <a:bodyPr/>
+                    <a:lstStyle/>
+                    <a:p>
+                      <a:pPr algn="ctr"/>
+                      <a:r>
+                        <a:rPr lang="en-US" dirty="0" smtClean="0"/>
+                        <a:t>0</a:t>
+                      </a:r>
+                      <a:endParaRPr lang="en-US" dirty="0"/>
+                    </a:p>
+                  </a:txBody>
+                  <a:tcPr/>
+                </a:tc>
+                <a:tc>
+                  <a:txBody>
+                    <a:bodyPr/>
+                    <a:lstStyle/>
+                    <a:p>
+                      <a:pPr algn="ctr"/>
+                      <a:r>
+                        <a:rPr lang="en-US" dirty="0" err="1" smtClean="0"/>
+                        <a:t>nPRIV</a:t>
+                      </a:r>
+                      <a:endParaRPr lang="en-US" dirty="0"/>
+                    </a:p>
+                  </a:txBody>
+                  <a:tcPr/>
+                </a:tc>
+                <a:tc>
+                  <a:txBody>
+                    <a:bodyPr/>
+                    <a:lstStyle/>
+                    <a:p>
+                      <a:r>
+                        <a:rPr lang="en-US" sz="1800" kern="1200" baseline="0" dirty="0" smtClean="0">
+                          <a:solidFill>
+                            <a:schemeClr val="dk1"/>
+                          </a:solidFill>
+                          <a:latin typeface="+mn-lt"/>
+                          <a:ea typeface="+mn-ea"/>
+                          <a:cs typeface="+mn-cs"/>
+                        </a:rPr>
+                        <a:t>Defines the Thread mode privilege level:</a:t>
+                      </a:r>
+                    </a:p>
+                    <a:p>
+                      <a:r>
+                        <a:rPr lang="en-US" sz="1800" kern="1200" baseline="0" dirty="0" smtClean="0">
+                          <a:solidFill>
+                            <a:schemeClr val="dk1"/>
+                          </a:solidFill>
+                          <a:latin typeface="+mn-lt"/>
+                          <a:ea typeface="+mn-ea"/>
+                          <a:cs typeface="+mn-cs"/>
+                        </a:rPr>
+                        <a:t>0 = privileged</a:t>
+                      </a:r>
+                    </a:p>
+                    <a:p>
+                      <a:r>
+                        <a:rPr lang="en-US" sz="1800" kern="1200" baseline="0" dirty="0" smtClean="0">
+                          <a:solidFill>
+                            <a:schemeClr val="dk1"/>
+                          </a:solidFill>
+                          <a:latin typeface="+mn-lt"/>
+                          <a:ea typeface="+mn-ea"/>
+                          <a:cs typeface="+mn-cs"/>
+                        </a:rPr>
+                        <a:t>1 = unprivileged.</a:t>
+                      </a:r>
+                      <a:endParaRPr lang="en-US" dirty="0"/>
+                    </a:p>
+                  </a:txBody>
+                  <a:tcPr/>
+                </a:tc>
+              </a:tr>
+            </a:tbl>
+          </a:graphicData>
+        </a:graphic>
+      </p:graphicFrame>
     </p:spTree>
   </p:cSld>
   <p:clrMapOvr>
@@ -7493,6 +7949,1351 @@
           </a:p>
         </p:txBody>
       </p:sp>
+      <p:graphicFrame>
+        <p:nvGraphicFramePr>
+          <p:cNvPr id="9" name="Table 8"/>
+          <p:cNvGraphicFramePr>
+            <a:graphicFrameLocks noGrp="1"/>
+          </p:cNvGraphicFramePr>
+          <p:nvPr/>
+        </p:nvGraphicFramePr>
+        <p:xfrm>
+          <a:off x="441954" y="3352800"/>
+          <a:ext cx="8610624" cy="1483360"/>
+        </p:xfrm>
+        <a:graphic>
+          <a:graphicData uri="http://schemas.openxmlformats.org/drawingml/2006/table">
+            <a:tbl>
+              <a:tblPr firstRow="1" bandRow="1">
+                <a:tableStyleId>{5C22544A-7EE6-4342-B048-85BDC9FD1C3A}</a:tableStyleId>
+              </a:tblPr>
+              <a:tblGrid>
+                <a:gridCol w="358776"/>
+                <a:gridCol w="358776"/>
+                <a:gridCol w="358776"/>
+                <a:gridCol w="358776"/>
+                <a:gridCol w="358776"/>
+                <a:gridCol w="358776"/>
+                <a:gridCol w="358776"/>
+                <a:gridCol w="358776"/>
+                <a:gridCol w="358776"/>
+                <a:gridCol w="358776"/>
+                <a:gridCol w="358776"/>
+                <a:gridCol w="358776"/>
+                <a:gridCol w="358776"/>
+                <a:gridCol w="358776"/>
+                <a:gridCol w="358776"/>
+                <a:gridCol w="358776"/>
+                <a:gridCol w="358776"/>
+                <a:gridCol w="358776"/>
+                <a:gridCol w="358776"/>
+                <a:gridCol w="358776"/>
+                <a:gridCol w="358776"/>
+                <a:gridCol w="358776"/>
+                <a:gridCol w="358776"/>
+                <a:gridCol w="358776"/>
+              </a:tblGrid>
+              <a:tr h="370840">
+                <a:tc>
+                  <a:txBody>
+                    <a:bodyPr/>
+                    <a:lstStyle/>
+                    <a:p>
+                      <a:r>
+                        <a:rPr lang="en-US" sz="1200" dirty="0" smtClean="0"/>
+                        <a:t>31</a:t>
+                      </a:r>
+                      <a:endParaRPr lang="en-US" sz="1200" dirty="0"/>
+                    </a:p>
+                  </a:txBody>
+                  <a:tcPr/>
+                </a:tc>
+                <a:tc>
+                  <a:txBody>
+                    <a:bodyPr/>
+                    <a:lstStyle/>
+                    <a:p>
+                      <a:r>
+                        <a:rPr lang="en-US" sz="1200" dirty="0" smtClean="0"/>
+                        <a:t>30</a:t>
+                      </a:r>
+                      <a:endParaRPr lang="en-US" sz="1200" dirty="0"/>
+                    </a:p>
+                  </a:txBody>
+                  <a:tcPr/>
+                </a:tc>
+                <a:tc>
+                  <a:txBody>
+                    <a:bodyPr/>
+                    <a:lstStyle/>
+                    <a:p>
+                      <a:r>
+                        <a:rPr lang="en-US" sz="1200" dirty="0" smtClean="0"/>
+                        <a:t>29</a:t>
+                      </a:r>
+                      <a:endParaRPr lang="en-US" sz="1200" dirty="0"/>
+                    </a:p>
+                  </a:txBody>
+                  <a:tcPr/>
+                </a:tc>
+                <a:tc>
+                  <a:txBody>
+                    <a:bodyPr/>
+                    <a:lstStyle/>
+                    <a:p>
+                      <a:r>
+                        <a:rPr lang="en-US" sz="1200" dirty="0" smtClean="0"/>
+                        <a:t>28</a:t>
+                      </a:r>
+                      <a:endParaRPr lang="en-US" sz="1200" dirty="0"/>
+                    </a:p>
+                  </a:txBody>
+                  <a:tcPr/>
+                </a:tc>
+                <a:tc>
+                  <a:txBody>
+                    <a:bodyPr/>
+                    <a:lstStyle/>
+                    <a:p>
+                      <a:r>
+                        <a:rPr lang="en-US" sz="1200" dirty="0" smtClean="0"/>
+                        <a:t>27</a:t>
+                      </a:r>
+                      <a:endParaRPr lang="en-US" sz="1200" dirty="0"/>
+                    </a:p>
+                  </a:txBody>
+                  <a:tcPr/>
+                </a:tc>
+                <a:tc>
+                  <a:txBody>
+                    <a:bodyPr/>
+                    <a:lstStyle/>
+                    <a:p>
+                      <a:r>
+                        <a:rPr lang="en-US" sz="1200" dirty="0" smtClean="0"/>
+                        <a:t>26</a:t>
+                      </a:r>
+                      <a:endParaRPr lang="en-US" sz="1200" dirty="0"/>
+                    </a:p>
+                  </a:txBody>
+                  <a:tcPr/>
+                </a:tc>
+                <a:tc>
+                  <a:txBody>
+                    <a:bodyPr/>
+                    <a:lstStyle/>
+                    <a:p>
+                      <a:r>
+                        <a:rPr lang="en-US" sz="1200" dirty="0" smtClean="0"/>
+                        <a:t>25</a:t>
+                      </a:r>
+                      <a:endParaRPr lang="en-US" sz="1200" dirty="0"/>
+                    </a:p>
+                  </a:txBody>
+                  <a:tcPr/>
+                </a:tc>
+                <a:tc>
+                  <a:txBody>
+                    <a:bodyPr/>
+                    <a:lstStyle/>
+                    <a:p>
+                      <a:r>
+                        <a:rPr lang="en-US" sz="1200" dirty="0" smtClean="0"/>
+                        <a:t>24</a:t>
+                      </a:r>
+                      <a:endParaRPr lang="en-US" sz="1200" dirty="0"/>
+                    </a:p>
+                  </a:txBody>
+                  <a:tcPr/>
+                </a:tc>
+                <a:tc>
+                  <a:txBody>
+                    <a:bodyPr/>
+                    <a:lstStyle/>
+                    <a:p>
+                      <a:r>
+                        <a:rPr lang="en-US" sz="1200" dirty="0" smtClean="0"/>
+                        <a:t>23</a:t>
+                      </a:r>
+                      <a:endParaRPr lang="en-US" sz="1200" dirty="0"/>
+                    </a:p>
+                  </a:txBody>
+                  <a:tcPr/>
+                </a:tc>
+                <a:tc>
+                  <a:txBody>
+                    <a:bodyPr/>
+                    <a:lstStyle/>
+                    <a:p>
+                      <a:r>
+                        <a:rPr lang="en-US" sz="1200" dirty="0" smtClean="0"/>
+                        <a:t>20</a:t>
+                      </a:r>
+                      <a:endParaRPr lang="en-US" sz="1200" dirty="0"/>
+                    </a:p>
+                  </a:txBody>
+                  <a:tcPr/>
+                </a:tc>
+                <a:tc>
+                  <a:txBody>
+                    <a:bodyPr/>
+                    <a:lstStyle/>
+                    <a:p>
+                      <a:r>
+                        <a:rPr lang="en-US" sz="1200" dirty="0" smtClean="0"/>
+                        <a:t>19</a:t>
+                      </a:r>
+                      <a:endParaRPr lang="en-US" sz="1200" dirty="0"/>
+                    </a:p>
+                  </a:txBody>
+                  <a:tcPr/>
+                </a:tc>
+                <a:tc>
+                  <a:txBody>
+                    <a:bodyPr/>
+                    <a:lstStyle/>
+                    <a:p>
+                      <a:r>
+                        <a:rPr lang="en-US" sz="1200" dirty="0" smtClean="0"/>
+                        <a:t>16</a:t>
+                      </a:r>
+                      <a:endParaRPr lang="en-US" sz="1200" dirty="0"/>
+                    </a:p>
+                  </a:txBody>
+                  <a:tcPr/>
+                </a:tc>
+                <a:tc>
+                  <a:txBody>
+                    <a:bodyPr/>
+                    <a:lstStyle/>
+                    <a:p>
+                      <a:r>
+                        <a:rPr lang="en-US" sz="1200" dirty="0" smtClean="0"/>
+                        <a:t>15</a:t>
+                      </a:r>
+                      <a:endParaRPr lang="en-US" sz="1200" dirty="0"/>
+                    </a:p>
+                  </a:txBody>
+                  <a:tcPr/>
+                </a:tc>
+                <a:tc>
+                  <a:txBody>
+                    <a:bodyPr/>
+                    <a:lstStyle/>
+                    <a:p>
+                      <a:r>
+                        <a:rPr lang="en-US" sz="1200" dirty="0" smtClean="0"/>
+                        <a:t>10</a:t>
+                      </a:r>
+                      <a:endParaRPr lang="en-US" sz="1200" dirty="0"/>
+                    </a:p>
+                  </a:txBody>
+                  <a:tcPr/>
+                </a:tc>
+                <a:tc>
+                  <a:txBody>
+                    <a:bodyPr/>
+                    <a:lstStyle/>
+                    <a:p>
+                      <a:r>
+                        <a:rPr lang="en-US" sz="1200" dirty="0" smtClean="0"/>
+                        <a:t>9</a:t>
+                      </a:r>
+                      <a:endParaRPr lang="en-US" sz="1200" dirty="0"/>
+                    </a:p>
+                  </a:txBody>
+                  <a:tcPr/>
+                </a:tc>
+                <a:tc>
+                  <a:txBody>
+                    <a:bodyPr/>
+                    <a:lstStyle/>
+                    <a:p>
+                      <a:r>
+                        <a:rPr lang="en-US" sz="1200" dirty="0" smtClean="0"/>
+                        <a:t>8</a:t>
+                      </a:r>
+                      <a:endParaRPr lang="en-US" sz="1200" dirty="0"/>
+                    </a:p>
+                  </a:txBody>
+                  <a:tcPr/>
+                </a:tc>
+                <a:tc>
+                  <a:txBody>
+                    <a:bodyPr/>
+                    <a:lstStyle/>
+                    <a:p>
+                      <a:r>
+                        <a:rPr lang="en-US" sz="1200" dirty="0" smtClean="0"/>
+                        <a:t>7</a:t>
+                      </a:r>
+                      <a:endParaRPr lang="en-US" sz="1200" dirty="0"/>
+                    </a:p>
+                  </a:txBody>
+                  <a:tcPr/>
+                </a:tc>
+                <a:tc>
+                  <a:txBody>
+                    <a:bodyPr/>
+                    <a:lstStyle/>
+                    <a:p>
+                      <a:r>
+                        <a:rPr lang="en-US" sz="1200" dirty="0" smtClean="0"/>
+                        <a:t>6</a:t>
+                      </a:r>
+                      <a:endParaRPr lang="en-US" sz="1200" dirty="0"/>
+                    </a:p>
+                  </a:txBody>
+                  <a:tcPr/>
+                </a:tc>
+                <a:tc>
+                  <a:txBody>
+                    <a:bodyPr/>
+                    <a:lstStyle/>
+                    <a:p>
+                      <a:r>
+                        <a:rPr lang="en-US" sz="1400" dirty="0" smtClean="0"/>
+                        <a:t>5</a:t>
+                      </a:r>
+                      <a:endParaRPr lang="en-US" sz="1400" dirty="0"/>
+                    </a:p>
+                  </a:txBody>
+                  <a:tcPr/>
+                </a:tc>
+                <a:tc>
+                  <a:txBody>
+                    <a:bodyPr/>
+                    <a:lstStyle/>
+                    <a:p>
+                      <a:r>
+                        <a:rPr lang="en-US" sz="1400" dirty="0" smtClean="0"/>
+                        <a:t>4</a:t>
+                      </a:r>
+                      <a:endParaRPr lang="en-US" sz="1400" dirty="0"/>
+                    </a:p>
+                  </a:txBody>
+                  <a:tcPr/>
+                </a:tc>
+                <a:tc>
+                  <a:txBody>
+                    <a:bodyPr/>
+                    <a:lstStyle/>
+                    <a:p>
+                      <a:r>
+                        <a:rPr lang="en-US" sz="1400" dirty="0" smtClean="0"/>
+                        <a:t>3</a:t>
+                      </a:r>
+                      <a:endParaRPr lang="en-US" sz="1400" dirty="0"/>
+                    </a:p>
+                  </a:txBody>
+                  <a:tcPr/>
+                </a:tc>
+                <a:tc>
+                  <a:txBody>
+                    <a:bodyPr/>
+                    <a:lstStyle/>
+                    <a:p>
+                      <a:r>
+                        <a:rPr lang="en-US" sz="1400" dirty="0" smtClean="0"/>
+                        <a:t>2</a:t>
+                      </a:r>
+                      <a:endParaRPr lang="en-US" sz="1400" dirty="0"/>
+                    </a:p>
+                  </a:txBody>
+                  <a:tcPr/>
+                </a:tc>
+                <a:tc>
+                  <a:txBody>
+                    <a:bodyPr/>
+                    <a:lstStyle/>
+                    <a:p>
+                      <a:r>
+                        <a:rPr lang="en-US" sz="1400" dirty="0" smtClean="0"/>
+                        <a:t>1</a:t>
+                      </a:r>
+                      <a:endParaRPr lang="en-US" sz="1400" dirty="0"/>
+                    </a:p>
+                  </a:txBody>
+                  <a:tcPr/>
+                </a:tc>
+                <a:tc>
+                  <a:txBody>
+                    <a:bodyPr/>
+                    <a:lstStyle/>
+                    <a:p>
+                      <a:r>
+                        <a:rPr lang="en-US" sz="1400" dirty="0" smtClean="0"/>
+                        <a:t>0</a:t>
+                      </a:r>
+                      <a:endParaRPr lang="en-US" sz="1400" dirty="0"/>
+                    </a:p>
+                  </a:txBody>
+                  <a:tcPr/>
+                </a:tc>
+              </a:tr>
+              <a:tr h="370840">
+                <a:tc>
+                  <a:txBody>
+                    <a:bodyPr/>
+                    <a:lstStyle/>
+                    <a:p>
+                      <a:r>
+                        <a:rPr lang="en-US" dirty="0" smtClean="0"/>
+                        <a:t>N</a:t>
+                      </a:r>
+                      <a:endParaRPr lang="en-US" dirty="0"/>
+                    </a:p>
+                  </a:txBody>
+                  <a:tcPr/>
+                </a:tc>
+                <a:tc>
+                  <a:txBody>
+                    <a:bodyPr/>
+                    <a:lstStyle/>
+                    <a:p>
+                      <a:r>
+                        <a:rPr lang="en-US" dirty="0" smtClean="0"/>
+                        <a:t>Z</a:t>
+                      </a:r>
+                      <a:endParaRPr lang="en-US" dirty="0"/>
+                    </a:p>
+                  </a:txBody>
+                  <a:tcPr/>
+                </a:tc>
+                <a:tc>
+                  <a:txBody>
+                    <a:bodyPr/>
+                    <a:lstStyle/>
+                    <a:p>
+                      <a:r>
+                        <a:rPr lang="en-US" dirty="0" smtClean="0"/>
+                        <a:t>C</a:t>
+                      </a:r>
+                      <a:endParaRPr lang="en-US" dirty="0"/>
+                    </a:p>
+                  </a:txBody>
+                  <a:tcPr/>
+                </a:tc>
+                <a:tc>
+                  <a:txBody>
+                    <a:bodyPr/>
+                    <a:lstStyle/>
+                    <a:p>
+                      <a:r>
+                        <a:rPr lang="en-US" dirty="0" smtClean="0"/>
+                        <a:t>V</a:t>
+                      </a:r>
+                      <a:endParaRPr lang="en-US" dirty="0"/>
+                    </a:p>
+                  </a:txBody>
+                  <a:tcPr/>
+                </a:tc>
+                <a:tc>
+                  <a:txBody>
+                    <a:bodyPr/>
+                    <a:lstStyle/>
+                    <a:p>
+                      <a:r>
+                        <a:rPr lang="en-US" dirty="0" smtClean="0"/>
+                        <a:t>Q</a:t>
+                      </a:r>
+                      <a:endParaRPr lang="en-US" dirty="0"/>
+                    </a:p>
+                  </a:txBody>
+                  <a:tcPr/>
+                </a:tc>
+                <a:tc>
+                  <a:txBody>
+                    <a:bodyPr/>
+                    <a:lstStyle/>
+                    <a:p>
+                      <a:endParaRPr lang="en-US"/>
+                    </a:p>
+                  </a:txBody>
+                  <a:tcPr/>
+                </a:tc>
+                <a:tc>
+                  <a:txBody>
+                    <a:bodyPr/>
+                    <a:lstStyle/>
+                    <a:p>
+                      <a:endParaRPr lang="en-US"/>
+                    </a:p>
+                  </a:txBody>
+                  <a:tcPr/>
+                </a:tc>
+                <a:tc>
+                  <a:txBody>
+                    <a:bodyPr/>
+                    <a:lstStyle/>
+                    <a:p>
+                      <a:endParaRPr lang="en-US"/>
+                    </a:p>
+                  </a:txBody>
+                  <a:tcPr/>
+                </a:tc>
+                <a:tc>
+                  <a:txBody>
+                    <a:bodyPr/>
+                    <a:lstStyle/>
+                    <a:p>
+                      <a:endParaRPr lang="en-US"/>
+                    </a:p>
+                  </a:txBody>
+                  <a:tcPr/>
+                </a:tc>
+                <a:tc>
+                  <a:txBody>
+                    <a:bodyPr/>
+                    <a:lstStyle/>
+                    <a:p>
+                      <a:endParaRPr lang="en-US"/>
+                    </a:p>
+                  </a:txBody>
+                  <a:tcPr/>
+                </a:tc>
+                <a:tc>
+                  <a:txBody>
+                    <a:bodyPr/>
+                    <a:lstStyle/>
+                    <a:p>
+                      <a:r>
+                        <a:rPr lang="en-US" sz="1200" dirty="0" smtClean="0"/>
+                        <a:t>G..</a:t>
+                      </a:r>
+                      <a:endParaRPr lang="en-US" sz="1200" dirty="0"/>
+                    </a:p>
+                  </a:txBody>
+                  <a:tcPr/>
+                </a:tc>
+                <a:tc>
+                  <a:txBody>
+                    <a:bodyPr/>
+                    <a:lstStyle/>
+                    <a:p>
+                      <a:r>
+                        <a:rPr lang="en-US" sz="1200" dirty="0" smtClean="0"/>
+                        <a:t>..E</a:t>
+                      </a:r>
+                      <a:endParaRPr lang="en-US" sz="1200" dirty="0"/>
+                    </a:p>
+                  </a:txBody>
+                  <a:tcPr/>
+                </a:tc>
+                <a:tc>
+                  <a:txBody>
+                    <a:bodyPr/>
+                    <a:lstStyle/>
+                    <a:p>
+                      <a:endParaRPr lang="en-US"/>
+                    </a:p>
+                  </a:txBody>
+                  <a:tcPr/>
+                </a:tc>
+                <a:tc>
+                  <a:txBody>
+                    <a:bodyPr/>
+                    <a:lstStyle/>
+                    <a:p>
+                      <a:endParaRPr lang="en-US"/>
+                    </a:p>
+                  </a:txBody>
+                  <a:tcPr/>
+                </a:tc>
+                <a:tc>
+                  <a:txBody>
+                    <a:bodyPr/>
+                    <a:lstStyle/>
+                    <a:p>
+                      <a:endParaRPr lang="en-US"/>
+                    </a:p>
+                  </a:txBody>
+                  <a:tcPr/>
+                </a:tc>
+                <a:tc>
+                  <a:txBody>
+                    <a:bodyPr/>
+                    <a:lstStyle/>
+                    <a:p>
+                      <a:endParaRPr lang="en-US"/>
+                    </a:p>
+                  </a:txBody>
+                  <a:tcPr/>
+                </a:tc>
+                <a:tc>
+                  <a:txBody>
+                    <a:bodyPr/>
+                    <a:lstStyle/>
+                    <a:p>
+                      <a:endParaRPr lang="en-US"/>
+                    </a:p>
+                  </a:txBody>
+                  <a:tcPr/>
+                </a:tc>
+                <a:tc>
+                  <a:txBody>
+                    <a:bodyPr/>
+                    <a:lstStyle/>
+                    <a:p>
+                      <a:endParaRPr lang="en-US" dirty="0"/>
+                    </a:p>
+                  </a:txBody>
+                  <a:tcPr/>
+                </a:tc>
+                <a:tc>
+                  <a:txBody>
+                    <a:bodyPr/>
+                    <a:lstStyle/>
+                    <a:p>
+                      <a:endParaRPr lang="en-US" dirty="0"/>
+                    </a:p>
+                  </a:txBody>
+                  <a:tcPr/>
+                </a:tc>
+                <a:tc>
+                  <a:txBody>
+                    <a:bodyPr/>
+                    <a:lstStyle/>
+                    <a:p>
+                      <a:endParaRPr lang="en-US" dirty="0"/>
+                    </a:p>
+                  </a:txBody>
+                  <a:tcPr/>
+                </a:tc>
+                <a:tc>
+                  <a:txBody>
+                    <a:bodyPr/>
+                    <a:lstStyle/>
+                    <a:p>
+                      <a:endParaRPr lang="en-US" dirty="0"/>
+                    </a:p>
+                  </a:txBody>
+                  <a:tcPr/>
+                </a:tc>
+                <a:tc>
+                  <a:txBody>
+                    <a:bodyPr/>
+                    <a:lstStyle/>
+                    <a:p>
+                      <a:endParaRPr lang="en-US" dirty="0"/>
+                    </a:p>
+                  </a:txBody>
+                  <a:tcPr/>
+                </a:tc>
+                <a:tc>
+                  <a:txBody>
+                    <a:bodyPr/>
+                    <a:lstStyle/>
+                    <a:p>
+                      <a:endParaRPr lang="en-US" dirty="0"/>
+                    </a:p>
+                  </a:txBody>
+                  <a:tcPr/>
+                </a:tc>
+                <a:tc>
+                  <a:txBody>
+                    <a:bodyPr/>
+                    <a:lstStyle/>
+                    <a:p>
+                      <a:endParaRPr lang="en-US" dirty="0"/>
+                    </a:p>
+                  </a:txBody>
+                  <a:tcPr/>
+                </a:tc>
+              </a:tr>
+              <a:tr h="370840">
+                <a:tc>
+                  <a:txBody>
+                    <a:bodyPr/>
+                    <a:lstStyle/>
+                    <a:p>
+                      <a:endParaRPr lang="en-US"/>
+                    </a:p>
+                  </a:txBody>
+                  <a:tcPr/>
+                </a:tc>
+                <a:tc>
+                  <a:txBody>
+                    <a:bodyPr/>
+                    <a:lstStyle/>
+                    <a:p>
+                      <a:endParaRPr lang="en-US"/>
+                    </a:p>
+                  </a:txBody>
+                  <a:tcPr/>
+                </a:tc>
+                <a:tc>
+                  <a:txBody>
+                    <a:bodyPr/>
+                    <a:lstStyle/>
+                    <a:p>
+                      <a:endParaRPr lang="en-US"/>
+                    </a:p>
+                  </a:txBody>
+                  <a:tcPr/>
+                </a:tc>
+                <a:tc>
+                  <a:txBody>
+                    <a:bodyPr/>
+                    <a:lstStyle/>
+                    <a:p>
+                      <a:endParaRPr lang="en-US"/>
+                    </a:p>
+                  </a:txBody>
+                  <a:tcPr/>
+                </a:tc>
+                <a:tc>
+                  <a:txBody>
+                    <a:bodyPr/>
+                    <a:lstStyle/>
+                    <a:p>
+                      <a:endParaRPr lang="en-US"/>
+                    </a:p>
+                  </a:txBody>
+                  <a:tcPr/>
+                </a:tc>
+                <a:tc>
+                  <a:txBody>
+                    <a:bodyPr/>
+                    <a:lstStyle/>
+                    <a:p>
+                      <a:endParaRPr lang="en-US"/>
+                    </a:p>
+                  </a:txBody>
+                  <a:tcPr/>
+                </a:tc>
+                <a:tc gridSpan="2">
+                  <a:txBody>
+                    <a:bodyPr/>
+                    <a:lstStyle/>
+                    <a:p>
+                      <a:r>
+                        <a:rPr lang="en-US" dirty="0" smtClean="0"/>
+                        <a:t>ICI/IT</a:t>
+                      </a:r>
+                      <a:endParaRPr lang="en-US" dirty="0"/>
+                    </a:p>
+                  </a:txBody>
+                  <a:tcPr/>
+                </a:tc>
+                <a:tc hMerge="1">
+                  <a:txBody>
+                    <a:bodyPr/>
+                    <a:lstStyle/>
+                    <a:p>
+                      <a:endParaRPr lang="en-US" dirty="0"/>
+                    </a:p>
+                  </a:txBody>
+                  <a:tcPr/>
+                </a:tc>
+                <a:tc>
+                  <a:txBody>
+                    <a:bodyPr/>
+                    <a:lstStyle/>
+                    <a:p>
+                      <a:r>
+                        <a:rPr lang="en-US" dirty="0" smtClean="0"/>
+                        <a:t>T</a:t>
+                      </a:r>
+                      <a:endParaRPr lang="en-US" dirty="0"/>
+                    </a:p>
+                  </a:txBody>
+                  <a:tcPr/>
+                </a:tc>
+                <a:tc>
+                  <a:txBody>
+                    <a:bodyPr/>
+                    <a:lstStyle/>
+                    <a:p>
+                      <a:endParaRPr lang="en-US"/>
+                    </a:p>
+                  </a:txBody>
+                  <a:tcPr/>
+                </a:tc>
+                <a:tc>
+                  <a:txBody>
+                    <a:bodyPr/>
+                    <a:lstStyle/>
+                    <a:p>
+                      <a:endParaRPr lang="en-US"/>
+                    </a:p>
+                  </a:txBody>
+                  <a:tcPr/>
+                </a:tc>
+                <a:tc>
+                  <a:txBody>
+                    <a:bodyPr/>
+                    <a:lstStyle/>
+                    <a:p>
+                      <a:endParaRPr lang="en-US"/>
+                    </a:p>
+                  </a:txBody>
+                  <a:tcPr/>
+                </a:tc>
+                <a:tc gridSpan="2">
+                  <a:txBody>
+                    <a:bodyPr/>
+                    <a:lstStyle/>
+                    <a:p>
+                      <a:r>
+                        <a:rPr lang="en-US" dirty="0" smtClean="0"/>
+                        <a:t>ICI/IT</a:t>
+                      </a:r>
+                      <a:endParaRPr lang="en-US" dirty="0"/>
+                    </a:p>
+                  </a:txBody>
+                  <a:tcPr/>
+                </a:tc>
+                <a:tc hMerge="1">
+                  <a:txBody>
+                    <a:bodyPr/>
+                    <a:lstStyle/>
+                    <a:p>
+                      <a:endParaRPr lang="en-US" dirty="0"/>
+                    </a:p>
+                  </a:txBody>
+                  <a:tcPr/>
+                </a:tc>
+                <a:tc>
+                  <a:txBody>
+                    <a:bodyPr/>
+                    <a:lstStyle/>
+                    <a:p>
+                      <a:endParaRPr lang="en-US" dirty="0"/>
+                    </a:p>
+                  </a:txBody>
+                  <a:tcPr/>
+                </a:tc>
+                <a:tc>
+                  <a:txBody>
+                    <a:bodyPr/>
+                    <a:lstStyle/>
+                    <a:p>
+                      <a:endParaRPr lang="en-US"/>
+                    </a:p>
+                  </a:txBody>
+                  <a:tcPr/>
+                </a:tc>
+                <a:tc>
+                  <a:txBody>
+                    <a:bodyPr/>
+                    <a:lstStyle/>
+                    <a:p>
+                      <a:endParaRPr lang="en-US"/>
+                    </a:p>
+                  </a:txBody>
+                  <a:tcPr/>
+                </a:tc>
+                <a:tc>
+                  <a:txBody>
+                    <a:bodyPr/>
+                    <a:lstStyle/>
+                    <a:p>
+                      <a:endParaRPr lang="en-US" dirty="0"/>
+                    </a:p>
+                  </a:txBody>
+                  <a:tcPr/>
+                </a:tc>
+                <a:tc>
+                  <a:txBody>
+                    <a:bodyPr/>
+                    <a:lstStyle/>
+                    <a:p>
+                      <a:endParaRPr lang="en-US" dirty="0"/>
+                    </a:p>
+                  </a:txBody>
+                  <a:tcPr/>
+                </a:tc>
+                <a:tc>
+                  <a:txBody>
+                    <a:bodyPr/>
+                    <a:lstStyle/>
+                    <a:p>
+                      <a:endParaRPr lang="en-US" dirty="0"/>
+                    </a:p>
+                  </a:txBody>
+                  <a:tcPr/>
+                </a:tc>
+                <a:tc>
+                  <a:txBody>
+                    <a:bodyPr/>
+                    <a:lstStyle/>
+                    <a:p>
+                      <a:endParaRPr lang="en-US" dirty="0"/>
+                    </a:p>
+                  </a:txBody>
+                  <a:tcPr/>
+                </a:tc>
+                <a:tc>
+                  <a:txBody>
+                    <a:bodyPr/>
+                    <a:lstStyle/>
+                    <a:p>
+                      <a:endParaRPr lang="en-US" dirty="0"/>
+                    </a:p>
+                  </a:txBody>
+                  <a:tcPr/>
+                </a:tc>
+                <a:tc>
+                  <a:txBody>
+                    <a:bodyPr/>
+                    <a:lstStyle/>
+                    <a:p>
+                      <a:endParaRPr lang="en-US" dirty="0"/>
+                    </a:p>
+                  </a:txBody>
+                  <a:tcPr/>
+                </a:tc>
+                <a:tc>
+                  <a:txBody>
+                    <a:bodyPr/>
+                    <a:lstStyle/>
+                    <a:p>
+                      <a:endParaRPr lang="en-US" dirty="0"/>
+                    </a:p>
+                  </a:txBody>
+                  <a:tcPr/>
+                </a:tc>
+              </a:tr>
+              <a:tr h="370840">
+                <a:tc gridSpan="16">
+                  <a:txBody>
+                    <a:bodyPr/>
+                    <a:lstStyle/>
+                    <a:p>
+                      <a:endParaRPr lang="en-US" dirty="0"/>
+                    </a:p>
+                  </a:txBody>
+                  <a:tcPr/>
+                </a:tc>
+                <a:tc hMerge="1">
+                  <a:txBody>
+                    <a:bodyPr/>
+                    <a:lstStyle/>
+                    <a:p>
+                      <a:endParaRPr lang="en-US" dirty="0"/>
+                    </a:p>
+                  </a:txBody>
+                  <a:tcPr/>
+                </a:tc>
+                <a:tc hMerge="1">
+                  <a:txBody>
+                    <a:bodyPr/>
+                    <a:lstStyle/>
+                    <a:p>
+                      <a:endParaRPr lang="en-US" dirty="0"/>
+                    </a:p>
+                  </a:txBody>
+                  <a:tcPr/>
+                </a:tc>
+                <a:tc hMerge="1">
+                  <a:txBody>
+                    <a:bodyPr/>
+                    <a:lstStyle/>
+                    <a:p>
+                      <a:endParaRPr lang="en-US" dirty="0"/>
+                    </a:p>
+                  </a:txBody>
+                  <a:tcPr/>
+                </a:tc>
+                <a:tc hMerge="1">
+                  <a:txBody>
+                    <a:bodyPr/>
+                    <a:lstStyle/>
+                    <a:p>
+                      <a:endParaRPr lang="en-US" dirty="0"/>
+                    </a:p>
+                  </a:txBody>
+                  <a:tcPr/>
+                </a:tc>
+                <a:tc hMerge="1">
+                  <a:txBody>
+                    <a:bodyPr/>
+                    <a:lstStyle/>
+                    <a:p>
+                      <a:endParaRPr lang="en-US" dirty="0"/>
+                    </a:p>
+                  </a:txBody>
+                  <a:tcPr/>
+                </a:tc>
+                <a:tc hMerge="1">
+                  <a:txBody>
+                    <a:bodyPr/>
+                    <a:lstStyle/>
+                    <a:p>
+                      <a:endParaRPr lang="en-US" dirty="0"/>
+                    </a:p>
+                  </a:txBody>
+                  <a:tcPr/>
+                </a:tc>
+                <a:tc hMerge="1">
+                  <a:txBody>
+                    <a:bodyPr/>
+                    <a:lstStyle/>
+                    <a:p>
+                      <a:endParaRPr lang="en-US" dirty="0"/>
+                    </a:p>
+                  </a:txBody>
+                  <a:tcPr/>
+                </a:tc>
+                <a:tc hMerge="1">
+                  <a:txBody>
+                    <a:bodyPr/>
+                    <a:lstStyle/>
+                    <a:p>
+                      <a:endParaRPr lang="en-US" dirty="0"/>
+                    </a:p>
+                  </a:txBody>
+                  <a:tcPr/>
+                </a:tc>
+                <a:tc hMerge="1">
+                  <a:txBody>
+                    <a:bodyPr/>
+                    <a:lstStyle/>
+                    <a:p>
+                      <a:endParaRPr lang="en-US" dirty="0"/>
+                    </a:p>
+                  </a:txBody>
+                  <a:tcPr/>
+                </a:tc>
+                <a:tc hMerge="1">
+                  <a:txBody>
+                    <a:bodyPr/>
+                    <a:lstStyle/>
+                    <a:p>
+                      <a:endParaRPr lang="en-US" dirty="0"/>
+                    </a:p>
+                  </a:txBody>
+                  <a:tcPr/>
+                </a:tc>
+                <a:tc hMerge="1">
+                  <a:txBody>
+                    <a:bodyPr/>
+                    <a:lstStyle/>
+                    <a:p>
+                      <a:endParaRPr lang="en-US" dirty="0"/>
+                    </a:p>
+                  </a:txBody>
+                  <a:tcPr/>
+                </a:tc>
+                <a:tc hMerge="1">
+                  <a:txBody>
+                    <a:bodyPr/>
+                    <a:lstStyle/>
+                    <a:p>
+                      <a:endParaRPr lang="en-US" dirty="0"/>
+                    </a:p>
+                  </a:txBody>
+                  <a:tcPr/>
+                </a:tc>
+                <a:tc hMerge="1">
+                  <a:txBody>
+                    <a:bodyPr/>
+                    <a:lstStyle/>
+                    <a:p>
+                      <a:endParaRPr lang="en-US" dirty="0"/>
+                    </a:p>
+                  </a:txBody>
+                  <a:tcPr/>
+                </a:tc>
+                <a:tc hMerge="1">
+                  <a:txBody>
+                    <a:bodyPr/>
+                    <a:lstStyle/>
+                    <a:p>
+                      <a:endParaRPr lang="en-US" dirty="0"/>
+                    </a:p>
+                  </a:txBody>
+                  <a:tcPr/>
+                </a:tc>
+                <a:tc hMerge="1">
+                  <a:txBody>
+                    <a:bodyPr/>
+                    <a:lstStyle/>
+                    <a:p>
+                      <a:endParaRPr lang="en-US" dirty="0"/>
+                    </a:p>
+                  </a:txBody>
+                  <a:tcPr/>
+                </a:tc>
+                <a:tc gridSpan="8">
+                  <a:txBody>
+                    <a:bodyPr/>
+                    <a:lstStyle/>
+                    <a:p>
+                      <a:pPr algn="ctr"/>
+                      <a:r>
+                        <a:rPr lang="en-US" dirty="0" smtClean="0"/>
+                        <a:t>ISR</a:t>
+                      </a:r>
+                      <a:r>
+                        <a:rPr lang="en-US" baseline="0" dirty="0" smtClean="0"/>
+                        <a:t> NUMBER</a:t>
+                      </a:r>
+                      <a:endParaRPr lang="en-US" dirty="0"/>
+                    </a:p>
+                  </a:txBody>
+                  <a:tcPr/>
+                </a:tc>
+                <a:tc hMerge="1">
+                  <a:txBody>
+                    <a:bodyPr/>
+                    <a:lstStyle/>
+                    <a:p>
+                      <a:endParaRPr lang="en-US" dirty="0"/>
+                    </a:p>
+                  </a:txBody>
+                  <a:tcPr/>
+                </a:tc>
+                <a:tc hMerge="1">
+                  <a:txBody>
+                    <a:bodyPr/>
+                    <a:lstStyle/>
+                    <a:p>
+                      <a:endParaRPr lang="en-US" dirty="0"/>
+                    </a:p>
+                  </a:txBody>
+                  <a:tcPr/>
+                </a:tc>
+                <a:tc hMerge="1">
+                  <a:txBody>
+                    <a:bodyPr/>
+                    <a:lstStyle/>
+                    <a:p>
+                      <a:endParaRPr lang="en-US" dirty="0"/>
+                    </a:p>
+                  </a:txBody>
+                  <a:tcPr/>
+                </a:tc>
+                <a:tc hMerge="1">
+                  <a:txBody>
+                    <a:bodyPr/>
+                    <a:lstStyle/>
+                    <a:p>
+                      <a:endParaRPr lang="en-US" dirty="0"/>
+                    </a:p>
+                  </a:txBody>
+                  <a:tcPr/>
+                </a:tc>
+                <a:tc hMerge="1">
+                  <a:txBody>
+                    <a:bodyPr/>
+                    <a:lstStyle/>
+                    <a:p>
+                      <a:endParaRPr lang="en-US" dirty="0"/>
+                    </a:p>
+                  </a:txBody>
+                  <a:tcPr/>
+                </a:tc>
+                <a:tc hMerge="1">
+                  <a:txBody>
+                    <a:bodyPr/>
+                    <a:lstStyle/>
+                    <a:p>
+                      <a:endParaRPr lang="en-US" dirty="0"/>
+                    </a:p>
+                  </a:txBody>
+                  <a:tcPr/>
+                </a:tc>
+                <a:tc hMerge="1">
+                  <a:txBody>
+                    <a:bodyPr/>
+                    <a:lstStyle/>
+                    <a:p>
+                      <a:endParaRPr lang="en-US" dirty="0"/>
+                    </a:p>
+                  </a:txBody>
+                  <a:tcPr/>
+                </a:tc>
+              </a:tr>
+            </a:tbl>
+          </a:graphicData>
+        </a:graphic>
+      </p:graphicFrame>
+      <p:sp>
+        <p:nvSpPr>
+          <p:cNvPr id="10" name="TextBox 9"/>
+          <p:cNvSpPr txBox="1"/>
+          <p:nvPr/>
+        </p:nvSpPr>
+        <p:spPr>
+          <a:xfrm>
+            <a:off x="-60960" y="3779520"/>
+            <a:ext cx="570990" cy="261610"/>
+          </a:xfrm>
+          <a:prstGeom prst="rect">
+            <a:avLst/>
+          </a:prstGeom>
+          <a:noFill/>
+        </p:spPr>
+        <p:txBody>
+          <a:bodyPr wrap="none" rtlCol="0">
+            <a:spAutoFit/>
+          </a:bodyPr>
+          <a:lstStyle/>
+          <a:p>
+            <a:r>
+              <a:rPr lang="en-US" sz="1050" dirty="0" smtClean="0"/>
+              <a:t>APSR</a:t>
+            </a:r>
+            <a:endParaRPr lang="en-US" sz="1050" dirty="0"/>
+          </a:p>
+        </p:txBody>
+      </p:sp>
+      <p:sp>
+        <p:nvSpPr>
+          <p:cNvPr id="11" name="TextBox 10"/>
+          <p:cNvSpPr txBox="1"/>
+          <p:nvPr/>
+        </p:nvSpPr>
+        <p:spPr>
+          <a:xfrm>
+            <a:off x="-52830" y="4191000"/>
+            <a:ext cx="551754" cy="253916"/>
+          </a:xfrm>
+          <a:prstGeom prst="rect">
+            <a:avLst/>
+          </a:prstGeom>
+          <a:noFill/>
+        </p:spPr>
+        <p:txBody>
+          <a:bodyPr wrap="none" rtlCol="0">
+            <a:spAutoFit/>
+          </a:bodyPr>
+          <a:lstStyle/>
+          <a:p>
+            <a:r>
+              <a:rPr lang="en-US" sz="1050" dirty="0" smtClean="0"/>
+              <a:t>E</a:t>
+            </a:r>
+            <a:r>
+              <a:rPr lang="en-US" sz="1050" dirty="0" smtClean="0"/>
+              <a:t>PSR</a:t>
+            </a:r>
+            <a:endParaRPr lang="en-US" sz="1050" dirty="0"/>
+          </a:p>
+        </p:txBody>
+      </p:sp>
+      <p:sp>
+        <p:nvSpPr>
+          <p:cNvPr id="12" name="TextBox 11"/>
+          <p:cNvSpPr txBox="1"/>
+          <p:nvPr/>
+        </p:nvSpPr>
+        <p:spPr>
+          <a:xfrm>
+            <a:off x="-60960" y="4546684"/>
+            <a:ext cx="498855" cy="253916"/>
+          </a:xfrm>
+          <a:prstGeom prst="rect">
+            <a:avLst/>
+          </a:prstGeom>
+          <a:noFill/>
+        </p:spPr>
+        <p:txBody>
+          <a:bodyPr wrap="none" rtlCol="0">
+            <a:spAutoFit/>
+          </a:bodyPr>
+          <a:lstStyle/>
+          <a:p>
+            <a:r>
+              <a:rPr lang="en-US" sz="1050" dirty="0" smtClean="0"/>
+              <a:t>IPSR</a:t>
+            </a:r>
+            <a:endParaRPr lang="en-US" sz="1050" dirty="0"/>
+          </a:p>
+        </p:txBody>
+      </p:sp>
+      <p:cxnSp>
+        <p:nvCxnSpPr>
+          <p:cNvPr id="14" name="Straight Connector 13"/>
+          <p:cNvCxnSpPr/>
+          <p:nvPr/>
+        </p:nvCxnSpPr>
+        <p:spPr>
+          <a:xfrm>
+            <a:off x="3962400" y="2743200"/>
+            <a:ext cx="0" cy="457200"/>
+          </a:xfrm>
+          <a:prstGeom prst="line">
+            <a:avLst/>
+          </a:prstGeom>
+        </p:spPr>
+        <p:style>
+          <a:lnRef idx="1">
+            <a:schemeClr val="accent1"/>
+          </a:lnRef>
+          <a:fillRef idx="0">
+            <a:schemeClr val="accent1"/>
+          </a:fillRef>
+          <a:effectRef idx="0">
+            <a:schemeClr val="accent1"/>
+          </a:effectRef>
+          <a:fontRef idx="minor">
+            <a:schemeClr val="tx1"/>
+          </a:fontRef>
+        </p:style>
+      </p:cxnSp>
+      <p:cxnSp>
+        <p:nvCxnSpPr>
+          <p:cNvPr id="15" name="Straight Connector 14"/>
+          <p:cNvCxnSpPr/>
+          <p:nvPr/>
+        </p:nvCxnSpPr>
+        <p:spPr>
+          <a:xfrm>
+            <a:off x="4724400" y="2743200"/>
+            <a:ext cx="0" cy="457200"/>
+          </a:xfrm>
+          <a:prstGeom prst="line">
+            <a:avLst/>
+          </a:prstGeom>
+        </p:spPr>
+        <p:style>
+          <a:lnRef idx="1">
+            <a:schemeClr val="accent1"/>
+          </a:lnRef>
+          <a:fillRef idx="0">
+            <a:schemeClr val="accent1"/>
+          </a:fillRef>
+          <a:effectRef idx="0">
+            <a:schemeClr val="accent1"/>
+          </a:effectRef>
+          <a:fontRef idx="minor">
+            <a:schemeClr val="tx1"/>
+          </a:fontRef>
+        </p:style>
+      </p:cxnSp>
+      <p:sp>
+        <p:nvSpPr>
+          <p:cNvPr id="16" name="TextBox 15"/>
+          <p:cNvSpPr txBox="1"/>
+          <p:nvPr/>
+        </p:nvSpPr>
+        <p:spPr>
+          <a:xfrm>
+            <a:off x="4038600" y="2819400"/>
+            <a:ext cx="569387" cy="276999"/>
+          </a:xfrm>
+          <a:prstGeom prst="rect">
+            <a:avLst/>
+          </a:prstGeom>
+          <a:noFill/>
+        </p:spPr>
+        <p:txBody>
+          <a:bodyPr wrap="none" rtlCol="0">
+            <a:spAutoFit/>
+          </a:bodyPr>
+          <a:lstStyle/>
+          <a:p>
+            <a:r>
+              <a:rPr lang="en-US" sz="1200" dirty="0" smtClean="0"/>
+              <a:t>4 Bits</a:t>
+            </a:r>
+            <a:endParaRPr lang="en-US" sz="1200" dirty="0"/>
+          </a:p>
+        </p:txBody>
+      </p:sp>
     </p:spTree>
   </p:cSld>
   <p:clrMapOvr>
@@ -7509,6 +9310,774 @@
 </file>
 
 <file path=ppt/slides/slide13.xml><?xml version="1.0" encoding="utf-8"?>
+<p:sld xmlns:a="http://schemas.openxmlformats.org/drawingml/2006/main" xmlns:r="http://schemas.openxmlformats.org/officeDocument/2006/relationships" xmlns:p="http://schemas.openxmlformats.org/presentationml/2006/main">
+  <p:cSld>
+    <p:spTree>
+      <p:nvGrpSpPr>
+        <p:cNvPr id="1" name=""/>
+        <p:cNvGrpSpPr/>
+        <p:nvPr/>
+      </p:nvGrpSpPr>
+      <p:grpSpPr>
+        <a:xfrm>
+          <a:off x="0" y="0"/>
+          <a:ext cx="0" cy="0"/>
+          <a:chOff x="0" y="0"/>
+          <a:chExt cx="0" cy="0"/>
+        </a:xfrm>
+      </p:grpSpPr>
+      <p:sp>
+        <p:nvSpPr>
+          <p:cNvPr id="2" name="Rectangle 1"/>
+          <p:cNvSpPr/>
+          <p:nvPr/>
+        </p:nvSpPr>
+        <p:spPr>
+          <a:xfrm>
+            <a:off x="457200" y="1167559"/>
+            <a:ext cx="8229600" cy="1200329"/>
+          </a:xfrm>
+          <a:prstGeom prst="rect">
+            <a:avLst/>
+          </a:prstGeom>
+          <a:ln>
+            <a:solidFill>
+              <a:schemeClr val="accent1">
+                <a:shade val="50000"/>
+              </a:schemeClr>
+            </a:solidFill>
+          </a:ln>
+        </p:spPr>
+        <p:txBody>
+          <a:bodyPr wrap="square">
+            <a:spAutoFit/>
+          </a:bodyPr>
+          <a:lstStyle/>
+          <a:p>
+            <a:r>
+              <a:rPr lang="en-US" dirty="0" smtClean="0"/>
+              <a:t>The APSR contains the status flags (</a:t>
+            </a:r>
+            <a:r>
+              <a:rPr lang="en-US" dirty="0" smtClean="0"/>
+              <a:t>N, C</a:t>
+            </a:r>
+            <a:r>
+              <a:rPr lang="en-US" dirty="0" smtClean="0"/>
+              <a:t>, V, and Z), the Greater Than or Equal flags (used by the SEL instruction), and </a:t>
+            </a:r>
+            <a:r>
+              <a:rPr lang="en-US" dirty="0" smtClean="0"/>
+              <a:t>an additional </a:t>
+            </a:r>
+            <a:r>
+              <a:rPr lang="en-US" dirty="0" smtClean="0"/>
+              <a:t>“sticky” Q flag used in saturation arithmetic, where sticky in this </a:t>
+            </a:r>
+            <a:r>
+              <a:rPr lang="en-US" dirty="0" smtClean="0"/>
+              <a:t>case means </a:t>
+            </a:r>
+            <a:r>
+              <a:rPr lang="en-US" dirty="0" smtClean="0"/>
+              <a:t>that the bit can only be cleared by explicitly writing a zero to it.</a:t>
+            </a:r>
+            <a:endParaRPr lang="en-US" dirty="0"/>
+          </a:p>
+        </p:txBody>
+      </p:sp>
+      <p:graphicFrame>
+        <p:nvGraphicFramePr>
+          <p:cNvPr id="5" name="Table 4"/>
+          <p:cNvGraphicFramePr>
+            <a:graphicFrameLocks noGrp="1"/>
+          </p:cNvGraphicFramePr>
+          <p:nvPr/>
+        </p:nvGraphicFramePr>
+        <p:xfrm>
+          <a:off x="762000" y="2743200"/>
+          <a:ext cx="8001000" cy="3337560"/>
+        </p:xfrm>
+        <a:graphic>
+          <a:graphicData uri="http://schemas.openxmlformats.org/drawingml/2006/table">
+            <a:tbl>
+              <a:tblPr firstRow="1" bandRow="1">
+                <a:tableStyleId>{5C22544A-7EE6-4342-B048-85BDC9FD1C3A}</a:tableStyleId>
+              </a:tblPr>
+              <a:tblGrid>
+                <a:gridCol w="1600200"/>
+                <a:gridCol w="1800225"/>
+                <a:gridCol w="4600575"/>
+              </a:tblGrid>
+              <a:tr h="370840">
+                <a:tc>
+                  <a:txBody>
+                    <a:bodyPr/>
+                    <a:lstStyle/>
+                    <a:p>
+                      <a:pPr algn="ctr"/>
+                      <a:r>
+                        <a:rPr lang="en-US" dirty="0" smtClean="0"/>
+                        <a:t>BITS</a:t>
+                      </a:r>
+                      <a:endParaRPr lang="en-US" dirty="0"/>
+                    </a:p>
+                  </a:txBody>
+                  <a:tcPr/>
+                </a:tc>
+                <a:tc>
+                  <a:txBody>
+                    <a:bodyPr/>
+                    <a:lstStyle/>
+                    <a:p>
+                      <a:pPr algn="ctr"/>
+                      <a:r>
+                        <a:rPr lang="en-US" dirty="0" smtClean="0"/>
+                        <a:t>NAME</a:t>
+                      </a:r>
+                      <a:endParaRPr lang="en-US" dirty="0"/>
+                    </a:p>
+                  </a:txBody>
+                  <a:tcPr/>
+                </a:tc>
+                <a:tc>
+                  <a:txBody>
+                    <a:bodyPr/>
+                    <a:lstStyle/>
+                    <a:p>
+                      <a:pPr algn="ctr"/>
+                      <a:r>
+                        <a:rPr lang="en-US" dirty="0" smtClean="0"/>
+                        <a:t>FUNCTION</a:t>
+                      </a:r>
+                      <a:endParaRPr lang="en-US" dirty="0"/>
+                    </a:p>
+                  </a:txBody>
+                  <a:tcPr/>
+                </a:tc>
+              </a:tr>
+              <a:tr h="370840">
+                <a:tc>
+                  <a:txBody>
+                    <a:bodyPr/>
+                    <a:lstStyle/>
+                    <a:p>
+                      <a:r>
+                        <a:rPr lang="en-US" dirty="0" smtClean="0"/>
+                        <a:t>31</a:t>
+                      </a:r>
+                      <a:endParaRPr lang="en-US" dirty="0"/>
+                    </a:p>
+                  </a:txBody>
+                  <a:tcPr/>
+                </a:tc>
+                <a:tc>
+                  <a:txBody>
+                    <a:bodyPr/>
+                    <a:lstStyle/>
+                    <a:p>
+                      <a:pPr algn="ctr"/>
+                      <a:r>
+                        <a:rPr lang="en-US" dirty="0" smtClean="0"/>
+                        <a:t>N</a:t>
+                      </a:r>
+                      <a:endParaRPr lang="en-US" dirty="0"/>
+                    </a:p>
+                  </a:txBody>
+                  <a:tcPr/>
+                </a:tc>
+                <a:tc>
+                  <a:txBody>
+                    <a:bodyPr/>
+                    <a:lstStyle/>
+                    <a:p>
+                      <a:r>
+                        <a:rPr lang="en-US" dirty="0" smtClean="0"/>
+                        <a:t>Negative</a:t>
+                      </a:r>
+                      <a:r>
+                        <a:rPr lang="en-US" baseline="0" dirty="0" smtClean="0"/>
+                        <a:t> Flag</a:t>
+                      </a:r>
+                      <a:endParaRPr lang="en-US" dirty="0"/>
+                    </a:p>
+                  </a:txBody>
+                  <a:tcPr/>
+                </a:tc>
+              </a:tr>
+              <a:tr h="370840">
+                <a:tc>
+                  <a:txBody>
+                    <a:bodyPr/>
+                    <a:lstStyle/>
+                    <a:p>
+                      <a:r>
+                        <a:rPr lang="en-US" dirty="0" smtClean="0"/>
+                        <a:t>30</a:t>
+                      </a:r>
+                      <a:endParaRPr lang="en-US" dirty="0"/>
+                    </a:p>
+                  </a:txBody>
+                  <a:tcPr/>
+                </a:tc>
+                <a:tc>
+                  <a:txBody>
+                    <a:bodyPr/>
+                    <a:lstStyle/>
+                    <a:p>
+                      <a:pPr algn="ctr"/>
+                      <a:r>
+                        <a:rPr lang="en-US" dirty="0" smtClean="0"/>
+                        <a:t>Z</a:t>
+                      </a:r>
+                      <a:endParaRPr lang="en-US" dirty="0"/>
+                    </a:p>
+                  </a:txBody>
+                  <a:tcPr/>
+                </a:tc>
+                <a:tc>
+                  <a:txBody>
+                    <a:bodyPr/>
+                    <a:lstStyle/>
+                    <a:p>
+                      <a:r>
+                        <a:rPr lang="en-US" dirty="0" smtClean="0"/>
+                        <a:t>Zero Flag</a:t>
+                      </a:r>
+                      <a:endParaRPr lang="en-US" dirty="0"/>
+                    </a:p>
+                  </a:txBody>
+                  <a:tcPr/>
+                </a:tc>
+              </a:tr>
+              <a:tr h="370840">
+                <a:tc>
+                  <a:txBody>
+                    <a:bodyPr/>
+                    <a:lstStyle/>
+                    <a:p>
+                      <a:r>
+                        <a:rPr lang="en-US" dirty="0" smtClean="0"/>
+                        <a:t>29</a:t>
+                      </a:r>
+                    </a:p>
+                  </a:txBody>
+                  <a:tcPr/>
+                </a:tc>
+                <a:tc>
+                  <a:txBody>
+                    <a:bodyPr/>
+                    <a:lstStyle/>
+                    <a:p>
+                      <a:pPr algn="ctr"/>
+                      <a:r>
+                        <a:rPr lang="en-US" dirty="0" smtClean="0"/>
+                        <a:t>C</a:t>
+                      </a:r>
+                      <a:endParaRPr lang="en-US" dirty="0"/>
+                    </a:p>
+                  </a:txBody>
+                  <a:tcPr/>
+                </a:tc>
+                <a:tc>
+                  <a:txBody>
+                    <a:bodyPr/>
+                    <a:lstStyle/>
+                    <a:p>
+                      <a:r>
+                        <a:rPr lang="en-US" dirty="0" smtClean="0"/>
+                        <a:t>Carry or  Borrow Flag</a:t>
+                      </a:r>
+                      <a:endParaRPr lang="en-US" dirty="0"/>
+                    </a:p>
+                  </a:txBody>
+                  <a:tcPr/>
+                </a:tc>
+              </a:tr>
+              <a:tr h="370840">
+                <a:tc>
+                  <a:txBody>
+                    <a:bodyPr/>
+                    <a:lstStyle/>
+                    <a:p>
+                      <a:r>
+                        <a:rPr lang="en-US" dirty="0" smtClean="0"/>
+                        <a:t>28</a:t>
+                      </a:r>
+                      <a:endParaRPr lang="en-US" dirty="0"/>
+                    </a:p>
+                  </a:txBody>
+                  <a:tcPr/>
+                </a:tc>
+                <a:tc>
+                  <a:txBody>
+                    <a:bodyPr/>
+                    <a:lstStyle/>
+                    <a:p>
+                      <a:pPr algn="ctr"/>
+                      <a:r>
+                        <a:rPr lang="en-US" dirty="0" smtClean="0"/>
+                        <a:t>V</a:t>
+                      </a:r>
+                      <a:endParaRPr lang="en-US" dirty="0"/>
+                    </a:p>
+                  </a:txBody>
+                  <a:tcPr/>
+                </a:tc>
+                <a:tc>
+                  <a:txBody>
+                    <a:bodyPr/>
+                    <a:lstStyle/>
+                    <a:p>
+                      <a:r>
+                        <a:rPr lang="en-US" dirty="0" smtClean="0"/>
+                        <a:t>Overflow</a:t>
+                      </a:r>
+                      <a:r>
+                        <a:rPr lang="en-US" baseline="0" dirty="0" smtClean="0"/>
+                        <a:t> Flag</a:t>
+                      </a:r>
+                      <a:endParaRPr lang="en-US" dirty="0"/>
+                    </a:p>
+                  </a:txBody>
+                  <a:tcPr/>
+                </a:tc>
+              </a:tr>
+              <a:tr h="370840">
+                <a:tc>
+                  <a:txBody>
+                    <a:bodyPr/>
+                    <a:lstStyle/>
+                    <a:p>
+                      <a:r>
+                        <a:rPr lang="en-US" dirty="0" smtClean="0"/>
+                        <a:t>27</a:t>
+                      </a:r>
+                      <a:endParaRPr lang="en-US" dirty="0"/>
+                    </a:p>
+                  </a:txBody>
+                  <a:tcPr/>
+                </a:tc>
+                <a:tc>
+                  <a:txBody>
+                    <a:bodyPr/>
+                    <a:lstStyle/>
+                    <a:p>
+                      <a:pPr algn="ctr"/>
+                      <a:r>
+                        <a:rPr lang="en-US" dirty="0" smtClean="0"/>
+                        <a:t>Q</a:t>
+                      </a:r>
+                      <a:endParaRPr lang="en-US" dirty="0"/>
+                    </a:p>
+                  </a:txBody>
+                  <a:tcPr/>
+                </a:tc>
+                <a:tc>
+                  <a:txBody>
+                    <a:bodyPr/>
+                    <a:lstStyle/>
+                    <a:p>
+                      <a:r>
+                        <a:rPr lang="en-US" dirty="0" smtClean="0"/>
+                        <a:t>DSP Overflow and Saturation Flag</a:t>
+                      </a:r>
+                      <a:endParaRPr lang="en-US" dirty="0"/>
+                    </a:p>
+                  </a:txBody>
+                  <a:tcPr/>
+                </a:tc>
+              </a:tr>
+              <a:tr h="370840">
+                <a:tc>
+                  <a:txBody>
+                    <a:bodyPr/>
+                    <a:lstStyle/>
+                    <a:p>
+                      <a:r>
+                        <a:rPr lang="en-US" dirty="0" smtClean="0"/>
+                        <a:t>26:20</a:t>
+                      </a:r>
+                      <a:endParaRPr lang="en-US" dirty="0"/>
+                    </a:p>
+                  </a:txBody>
+                  <a:tcPr/>
+                </a:tc>
+                <a:tc>
+                  <a:txBody>
+                    <a:bodyPr/>
+                    <a:lstStyle/>
+                    <a:p>
+                      <a:pPr algn="ctr"/>
+                      <a:r>
+                        <a:rPr lang="en-US" dirty="0" smtClean="0"/>
+                        <a:t>-</a:t>
+                      </a:r>
+                      <a:endParaRPr lang="en-US" dirty="0"/>
+                    </a:p>
+                  </a:txBody>
+                  <a:tcPr/>
+                </a:tc>
+                <a:tc>
+                  <a:txBody>
+                    <a:bodyPr/>
+                    <a:lstStyle/>
+                    <a:p>
+                      <a:r>
+                        <a:rPr lang="en-US" dirty="0" smtClean="0"/>
+                        <a:t>Reserved</a:t>
+                      </a:r>
+                      <a:endParaRPr lang="en-US" dirty="0"/>
+                    </a:p>
+                  </a:txBody>
+                  <a:tcPr/>
+                </a:tc>
+              </a:tr>
+              <a:tr h="370840">
+                <a:tc>
+                  <a:txBody>
+                    <a:bodyPr/>
+                    <a:lstStyle/>
+                    <a:p>
+                      <a:r>
+                        <a:rPr lang="en-US" dirty="0" smtClean="0"/>
+                        <a:t>19:16</a:t>
+                      </a:r>
+                      <a:endParaRPr lang="en-US" dirty="0"/>
+                    </a:p>
+                  </a:txBody>
+                  <a:tcPr/>
+                </a:tc>
+                <a:tc>
+                  <a:txBody>
+                    <a:bodyPr/>
+                    <a:lstStyle/>
+                    <a:p>
+                      <a:pPr algn="ctr"/>
+                      <a:r>
+                        <a:rPr lang="en-US" dirty="0" smtClean="0"/>
+                        <a:t>GE[3:0]</a:t>
+                      </a:r>
+                      <a:endParaRPr lang="en-US" dirty="0"/>
+                    </a:p>
+                  </a:txBody>
+                  <a:tcPr/>
+                </a:tc>
+                <a:tc>
+                  <a:txBody>
+                    <a:bodyPr/>
+                    <a:lstStyle/>
+                    <a:p>
+                      <a:r>
+                        <a:rPr lang="en-US" sz="1800" kern="1200" baseline="0" dirty="0" smtClean="0">
+                          <a:solidFill>
+                            <a:schemeClr val="dk1"/>
+                          </a:solidFill>
+                          <a:latin typeface="+mn-lt"/>
+                          <a:ea typeface="+mn-ea"/>
+                          <a:cs typeface="+mn-cs"/>
+                        </a:rPr>
+                        <a:t>Greater than or Equal flags  for </a:t>
+                      </a:r>
+                      <a:r>
+                        <a:rPr lang="en-US" sz="1800" b="1" kern="1200" baseline="0" dirty="0" smtClean="0">
+                          <a:solidFill>
+                            <a:schemeClr val="dk1"/>
+                          </a:solidFill>
+                          <a:latin typeface="+mn-lt"/>
+                          <a:ea typeface="+mn-ea"/>
+                          <a:cs typeface="+mn-cs"/>
+                        </a:rPr>
+                        <a:t>SEL</a:t>
+                      </a:r>
+                      <a:r>
+                        <a:rPr lang="en-US" sz="1800" kern="1200" baseline="0" dirty="0" smtClean="0">
+                          <a:solidFill>
+                            <a:schemeClr val="dk1"/>
+                          </a:solidFill>
+                          <a:latin typeface="+mn-lt"/>
+                          <a:ea typeface="+mn-ea"/>
+                          <a:cs typeface="+mn-cs"/>
+                        </a:rPr>
+                        <a:t> instruction </a:t>
+                      </a:r>
+                      <a:endParaRPr lang="en-US" dirty="0"/>
+                    </a:p>
+                  </a:txBody>
+                  <a:tcPr/>
+                </a:tc>
+              </a:tr>
+              <a:tr h="370840">
+                <a:tc>
+                  <a:txBody>
+                    <a:bodyPr/>
+                    <a:lstStyle/>
+                    <a:p>
+                      <a:r>
+                        <a:rPr lang="en-US" dirty="0" smtClean="0"/>
+                        <a:t>15:0</a:t>
+                      </a:r>
+                      <a:endParaRPr lang="en-US" dirty="0"/>
+                    </a:p>
+                  </a:txBody>
+                  <a:tcPr/>
+                </a:tc>
+                <a:tc>
+                  <a:txBody>
+                    <a:bodyPr/>
+                    <a:lstStyle/>
+                    <a:p>
+                      <a:pPr algn="ctr"/>
+                      <a:r>
+                        <a:rPr lang="en-US" dirty="0" smtClean="0"/>
+                        <a:t>-</a:t>
+                      </a:r>
+                      <a:endParaRPr lang="en-US" dirty="0"/>
+                    </a:p>
+                  </a:txBody>
+                  <a:tcPr/>
+                </a:tc>
+                <a:tc>
+                  <a:txBody>
+                    <a:bodyPr/>
+                    <a:lstStyle/>
+                    <a:p>
+                      <a:r>
+                        <a:rPr lang="en-US" dirty="0" smtClean="0"/>
+                        <a:t>Reserved</a:t>
+                      </a:r>
+                      <a:endParaRPr lang="en-US" dirty="0"/>
+                    </a:p>
+                  </a:txBody>
+                  <a:tcPr/>
+                </a:tc>
+              </a:tr>
+            </a:tbl>
+          </a:graphicData>
+        </a:graphic>
+      </p:graphicFrame>
+      <p:sp>
+        <p:nvSpPr>
+          <p:cNvPr id="6" name="Title 48"/>
+          <p:cNvSpPr txBox="1">
+            <a:spLocks/>
+          </p:cNvSpPr>
+          <p:nvPr/>
+        </p:nvSpPr>
+        <p:spPr>
+          <a:xfrm>
+            <a:off x="457200" y="213360"/>
+            <a:ext cx="8229600" cy="1143000"/>
+          </a:xfrm>
+          <a:prstGeom prst="rect">
+            <a:avLst/>
+          </a:prstGeom>
+        </p:spPr>
+        <p:txBody>
+          <a:bodyPr/>
+          <a:lstStyle/>
+          <a:p>
+            <a:pPr marL="0" marR="0" lvl="0" indent="0" algn="ctr" defTabSz="914400" rtl="0" eaLnBrk="1" fontAlgn="auto" latinLnBrk="0" hangingPunct="1">
+              <a:lnSpc>
+                <a:spcPct val="100000"/>
+              </a:lnSpc>
+              <a:spcBef>
+                <a:spcPct val="0"/>
+              </a:spcBef>
+              <a:spcAft>
+                <a:spcPts val="0"/>
+              </a:spcAft>
+              <a:buClrTx/>
+              <a:buSzTx/>
+              <a:buFontTx/>
+              <a:buNone/>
+              <a:tabLst/>
+              <a:defRPr/>
+            </a:pPr>
+            <a:r>
+              <a:rPr lang="en-US" sz="4400" dirty="0" smtClean="0">
+                <a:latin typeface="+mj-lt"/>
+                <a:ea typeface="+mj-ea"/>
+                <a:cs typeface="+mj-cs"/>
+              </a:rPr>
+              <a:t>APSR Bit assignments</a:t>
+            </a:r>
+            <a:endParaRPr kumimoji="0" lang="en-US" sz="4400" b="0" i="0" u="none" strike="noStrike" kern="1200" cap="none" spc="0" normalizeH="0" baseline="0" noProof="0" dirty="0">
+              <a:ln>
+                <a:noFill/>
+              </a:ln>
+              <a:solidFill>
+                <a:schemeClr val="tx1"/>
+              </a:solidFill>
+              <a:effectLst/>
+              <a:uLnTx/>
+              <a:uFillTx/>
+              <a:latin typeface="+mj-lt"/>
+              <a:ea typeface="+mj-ea"/>
+              <a:cs typeface="+mj-cs"/>
+            </a:endParaRPr>
+          </a:p>
+        </p:txBody>
+      </p:sp>
+    </p:spTree>
+  </p:cSld>
+  <p:clrMapOvr>
+    <a:masterClrMapping/>
+  </p:clrMapOvr>
+  <p:timing>
+    <p:tnLst>
+      <p:par>
+        <p:cTn id="1" dur="indefinite" restart="never" nodeType="tmRoot"/>
+      </p:par>
+    </p:tnLst>
+  </p:timing>
+</p:sld>
+</file>
+
+<file path=ppt/slides/slide14.xml><?xml version="1.0" encoding="utf-8"?>
+<p:sld xmlns:a="http://schemas.openxmlformats.org/drawingml/2006/main" xmlns:r="http://schemas.openxmlformats.org/officeDocument/2006/relationships" xmlns:p="http://schemas.openxmlformats.org/presentationml/2006/main">
+  <p:cSld>
+    <p:spTree>
+      <p:nvGrpSpPr>
+        <p:cNvPr id="1" name=""/>
+        <p:cNvGrpSpPr/>
+        <p:nvPr/>
+      </p:nvGrpSpPr>
+      <p:grpSpPr>
+        <a:xfrm>
+          <a:off x="0" y="0"/>
+          <a:ext cx="0" cy="0"/>
+          <a:chOff x="0" y="0"/>
+          <a:chExt cx="0" cy="0"/>
+        </a:xfrm>
+      </p:grpSpPr>
+      <p:sp>
+        <p:nvSpPr>
+          <p:cNvPr id="2" name="Rectangle 1"/>
+          <p:cNvSpPr/>
+          <p:nvPr/>
+        </p:nvSpPr>
+        <p:spPr>
+          <a:xfrm>
+            <a:off x="457200" y="2895600"/>
+            <a:ext cx="8077200" cy="646331"/>
+          </a:xfrm>
+          <a:prstGeom prst="rect">
+            <a:avLst/>
+          </a:prstGeom>
+          <a:ln>
+            <a:solidFill>
+              <a:schemeClr val="accent1">
+                <a:shade val="50000"/>
+              </a:schemeClr>
+            </a:solidFill>
+          </a:ln>
+        </p:spPr>
+        <p:txBody>
+          <a:bodyPr wrap="square">
+            <a:spAutoFit/>
+          </a:bodyPr>
+          <a:lstStyle/>
+          <a:p>
+            <a:r>
+              <a:rPr lang="en-US" dirty="0" smtClean="0"/>
+              <a:t>IPSR  contains </a:t>
+            </a:r>
+            <a:r>
+              <a:rPr lang="en-US" dirty="0" smtClean="0"/>
+              <a:t>only an exception number that is used in handling faults and other </a:t>
+            </a:r>
+            <a:r>
+              <a:rPr lang="en-US" dirty="0" smtClean="0"/>
+              <a:t>types of </a:t>
+            </a:r>
+            <a:r>
+              <a:rPr lang="en-US" dirty="0" smtClean="0"/>
+              <a:t>exceptions.</a:t>
+            </a:r>
+            <a:endParaRPr lang="en-US" dirty="0"/>
+          </a:p>
+        </p:txBody>
+      </p:sp>
+      <p:sp>
+        <p:nvSpPr>
+          <p:cNvPr id="3" name="TextBox 2"/>
+          <p:cNvSpPr txBox="1"/>
+          <p:nvPr/>
+        </p:nvSpPr>
+        <p:spPr>
+          <a:xfrm>
+            <a:off x="457200" y="4267200"/>
+            <a:ext cx="8153400" cy="923330"/>
+          </a:xfrm>
+          <a:prstGeom prst="rect">
+            <a:avLst/>
+          </a:prstGeom>
+          <a:noFill/>
+          <a:ln>
+            <a:solidFill>
+              <a:schemeClr val="accent1">
+                <a:shade val="50000"/>
+              </a:schemeClr>
+            </a:solidFill>
+          </a:ln>
+        </p:spPr>
+        <p:txBody>
+          <a:bodyPr wrap="square" rtlCol="0">
+            <a:spAutoFit/>
+          </a:bodyPr>
+          <a:lstStyle/>
+          <a:p>
+            <a:r>
+              <a:rPr lang="en-US" dirty="0" smtClean="0"/>
+              <a:t>Two fields contain the IF-THEN instruction status bits </a:t>
+            </a:r>
+            <a:r>
+              <a:rPr lang="en-US" dirty="0" smtClean="0"/>
+              <a:t>overlapped with </a:t>
+            </a:r>
+            <a:r>
+              <a:rPr lang="en-US" dirty="0" smtClean="0"/>
+              <a:t>the </a:t>
+            </a:r>
+            <a:endParaRPr lang="en-US" dirty="0" smtClean="0"/>
+          </a:p>
+          <a:p>
+            <a:r>
+              <a:rPr lang="en-US" dirty="0" smtClean="0"/>
+              <a:t>Interrupt-</a:t>
+            </a:r>
+            <a:r>
+              <a:rPr lang="en-US" dirty="0" err="1" smtClean="0"/>
+              <a:t>Continuable</a:t>
+            </a:r>
+            <a:r>
+              <a:rPr lang="en-US" dirty="0" smtClean="0"/>
+              <a:t> </a:t>
+            </a:r>
+            <a:r>
+              <a:rPr lang="en-US" dirty="0" smtClean="0"/>
+              <a:t>Instruction (ICI) bits, and when combined with the</a:t>
+            </a:r>
+          </a:p>
+          <a:p>
+            <a:r>
+              <a:rPr lang="en-US" dirty="0" smtClean="0"/>
+              <a:t>Thumb (T) bit, produce the EPSR</a:t>
+            </a:r>
+            <a:endParaRPr lang="en-US" dirty="0"/>
+          </a:p>
+        </p:txBody>
+      </p:sp>
+    </p:spTree>
+  </p:cSld>
+  <p:clrMapOvr>
+    <a:masterClrMapping/>
+  </p:clrMapOvr>
+</p:sld>
+</file>
+
+<file path=ppt/slides/slide15.xml><?xml version="1.0" encoding="utf-8"?>
 <p:sld xmlns:a="http://schemas.openxmlformats.org/drawingml/2006/main" xmlns:r="http://schemas.openxmlformats.org/officeDocument/2006/relationships" xmlns:p="http://schemas.openxmlformats.org/presentationml/2006/main">
   <p:cSld>
     <p:spTree>
@@ -7965,7 +10534,7 @@
 </p:sld>
 </file>
 
-<file path=ppt/slides/slide14.xml><?xml version="1.0" encoding="utf-8"?>
+<file path=ppt/slides/slide16.xml><?xml version="1.0" encoding="utf-8"?>
 <p:sld xmlns:a="http://schemas.openxmlformats.org/drawingml/2006/main" xmlns:r="http://schemas.openxmlformats.org/officeDocument/2006/relationships" xmlns:p="http://schemas.openxmlformats.org/presentationml/2006/main">
   <p:cSld>
     <p:spTree>
@@ -8316,7 +10885,7 @@
 </p:sld>
 </file>
 
-<file path=ppt/slides/slide15.xml><?xml version="1.0" encoding="utf-8"?>
+<file path=ppt/slides/slide17.xml><?xml version="1.0" encoding="utf-8"?>
 <p:sld xmlns:a="http://schemas.openxmlformats.org/drawingml/2006/main" xmlns:r="http://schemas.openxmlformats.org/officeDocument/2006/relationships" xmlns:p="http://schemas.openxmlformats.org/presentationml/2006/main">
   <p:cSld>
     <p:spTree>
@@ -8665,7 +11234,7 @@
 </p:sld>
 </file>
 
-<file path=ppt/slides/slide16.xml><?xml version="1.0" encoding="utf-8"?>
+<file path=ppt/slides/slide18.xml><?xml version="1.0" encoding="utf-8"?>
 <p:sld xmlns:a="http://schemas.openxmlformats.org/drawingml/2006/main" xmlns:r="http://schemas.openxmlformats.org/officeDocument/2006/relationships" xmlns:p="http://schemas.openxmlformats.org/presentationml/2006/main">
   <p:cSld>
     <p:spTree>
@@ -9049,7 +11618,7 @@
 </p:sld>
 </file>
 
-<file path=ppt/slides/slide17.xml><?xml version="1.0" encoding="utf-8"?>
+<file path=ppt/slides/slide19.xml><?xml version="1.0" encoding="utf-8"?>
 <p:sld xmlns:a="http://schemas.openxmlformats.org/drawingml/2006/main" xmlns:r="http://schemas.openxmlformats.org/officeDocument/2006/relationships" xmlns:p="http://schemas.openxmlformats.org/presentationml/2006/main">
   <p:cSld>
     <p:spTree>
@@ -9126,112 +11695,6 @@
               <a:ea typeface="+mj-ea"/>
               <a:cs typeface="+mj-cs"/>
             </a:endParaRPr>
-          </a:p>
-        </p:txBody>
-      </p:sp>
-    </p:spTree>
-  </p:cSld>
-  <p:clrMapOvr>
-    <a:masterClrMapping/>
-  </p:clrMapOvr>
-  <p:timing>
-    <p:tnLst>
-      <p:par>
-        <p:cTn id="1" dur="indefinite" restart="never" nodeType="tmRoot"/>
-      </p:par>
-    </p:tnLst>
-  </p:timing>
-</p:sld>
-</file>
-
-<file path=ppt/slides/slide18.xml><?xml version="1.0" encoding="utf-8"?>
-<p:sld xmlns:a="http://schemas.openxmlformats.org/drawingml/2006/main" xmlns:r="http://schemas.openxmlformats.org/officeDocument/2006/relationships" xmlns:p="http://schemas.openxmlformats.org/presentationml/2006/main">
-  <p:cSld>
-    <p:spTree>
-      <p:nvGrpSpPr>
-        <p:cNvPr id="1" name=""/>
-        <p:cNvGrpSpPr/>
-        <p:nvPr/>
-      </p:nvGrpSpPr>
-      <p:grpSpPr>
-        <a:xfrm>
-          <a:off x="0" y="0"/>
-          <a:ext cx="0" cy="0"/>
-          <a:chOff x="0" y="0"/>
-          <a:chExt cx="0" cy="0"/>
-        </a:xfrm>
-      </p:grpSpPr>
-      <p:sp>
-        <p:nvSpPr>
-          <p:cNvPr id="4" name="Title 3"/>
-          <p:cNvSpPr>
-            <a:spLocks noGrp="1"/>
-          </p:cNvSpPr>
-          <p:nvPr>
-            <p:ph type="title"/>
-          </p:nvPr>
-        </p:nvSpPr>
-        <p:spPr/>
-        <p:txBody>
-          <a:bodyPr/>
-          <a:lstStyle/>
-          <a:p>
-            <a:r>
-              <a:rPr lang="en-US" dirty="0" smtClean="0"/>
-              <a:t>Vector Table</a:t>
-            </a:r>
-            <a:endParaRPr lang="en-US" dirty="0"/>
-          </a:p>
-        </p:txBody>
-      </p:sp>
-    </p:spTree>
-  </p:cSld>
-  <p:clrMapOvr>
-    <a:masterClrMapping/>
-  </p:clrMapOvr>
-  <p:timing>
-    <p:tnLst>
-      <p:par>
-        <p:cTn id="1" dur="indefinite" restart="never" nodeType="tmRoot"/>
-      </p:par>
-    </p:tnLst>
-  </p:timing>
-</p:sld>
-</file>
-
-<file path=ppt/slides/slide19.xml><?xml version="1.0" encoding="utf-8"?>
-<p:sld xmlns:a="http://schemas.openxmlformats.org/drawingml/2006/main" xmlns:r="http://schemas.openxmlformats.org/officeDocument/2006/relationships" xmlns:p="http://schemas.openxmlformats.org/presentationml/2006/main">
-  <p:cSld>
-    <p:spTree>
-      <p:nvGrpSpPr>
-        <p:cNvPr id="1" name=""/>
-        <p:cNvGrpSpPr/>
-        <p:nvPr/>
-      </p:nvGrpSpPr>
-      <p:grpSpPr>
-        <a:xfrm>
-          <a:off x="0" y="0"/>
-          <a:ext cx="0" cy="0"/>
-          <a:chOff x="0" y="0"/>
-          <a:chExt cx="0" cy="0"/>
-        </a:xfrm>
-      </p:grpSpPr>
-      <p:sp>
-        <p:nvSpPr>
-          <p:cNvPr id="5" name="Title 4"/>
-          <p:cNvSpPr>
-            <a:spLocks noGrp="1"/>
-          </p:cNvSpPr>
-          <p:nvPr>
-            <p:ph type="title"/>
-          </p:nvPr>
-        </p:nvSpPr>
-        <p:spPr/>
-        <p:txBody>
-          <a:bodyPr/>
-          <a:lstStyle/>
-          <a:p>
-            <a:endParaRPr lang="en-US"/>
           </a:p>
         </p:txBody>
       </p:sp>
@@ -9452,6 +11915,112 @@
 </file>
 
 <file path=ppt/slides/slide20.xml><?xml version="1.0" encoding="utf-8"?>
+<p:sld xmlns:a="http://schemas.openxmlformats.org/drawingml/2006/main" xmlns:r="http://schemas.openxmlformats.org/officeDocument/2006/relationships" xmlns:p="http://schemas.openxmlformats.org/presentationml/2006/main">
+  <p:cSld>
+    <p:spTree>
+      <p:nvGrpSpPr>
+        <p:cNvPr id="1" name=""/>
+        <p:cNvGrpSpPr/>
+        <p:nvPr/>
+      </p:nvGrpSpPr>
+      <p:grpSpPr>
+        <a:xfrm>
+          <a:off x="0" y="0"/>
+          <a:ext cx="0" cy="0"/>
+          <a:chOff x="0" y="0"/>
+          <a:chExt cx="0" cy="0"/>
+        </a:xfrm>
+      </p:grpSpPr>
+      <p:sp>
+        <p:nvSpPr>
+          <p:cNvPr id="4" name="Title 3"/>
+          <p:cNvSpPr>
+            <a:spLocks noGrp="1"/>
+          </p:cNvSpPr>
+          <p:nvPr>
+            <p:ph type="title"/>
+          </p:nvPr>
+        </p:nvSpPr>
+        <p:spPr/>
+        <p:txBody>
+          <a:bodyPr/>
+          <a:lstStyle/>
+          <a:p>
+            <a:r>
+              <a:rPr lang="en-US" dirty="0" smtClean="0"/>
+              <a:t>Vector Table</a:t>
+            </a:r>
+            <a:endParaRPr lang="en-US" dirty="0"/>
+          </a:p>
+        </p:txBody>
+      </p:sp>
+    </p:spTree>
+  </p:cSld>
+  <p:clrMapOvr>
+    <a:masterClrMapping/>
+  </p:clrMapOvr>
+  <p:timing>
+    <p:tnLst>
+      <p:par>
+        <p:cTn id="1" dur="indefinite" restart="never" nodeType="tmRoot"/>
+      </p:par>
+    </p:tnLst>
+  </p:timing>
+</p:sld>
+</file>
+
+<file path=ppt/slides/slide21.xml><?xml version="1.0" encoding="utf-8"?>
+<p:sld xmlns:a="http://schemas.openxmlformats.org/drawingml/2006/main" xmlns:r="http://schemas.openxmlformats.org/officeDocument/2006/relationships" xmlns:p="http://schemas.openxmlformats.org/presentationml/2006/main">
+  <p:cSld>
+    <p:spTree>
+      <p:nvGrpSpPr>
+        <p:cNvPr id="1" name=""/>
+        <p:cNvGrpSpPr/>
+        <p:nvPr/>
+      </p:nvGrpSpPr>
+      <p:grpSpPr>
+        <a:xfrm>
+          <a:off x="0" y="0"/>
+          <a:ext cx="0" cy="0"/>
+          <a:chOff x="0" y="0"/>
+          <a:chExt cx="0" cy="0"/>
+        </a:xfrm>
+      </p:grpSpPr>
+      <p:sp>
+        <p:nvSpPr>
+          <p:cNvPr id="5" name="Title 4"/>
+          <p:cNvSpPr>
+            <a:spLocks noGrp="1"/>
+          </p:cNvSpPr>
+          <p:nvPr>
+            <p:ph type="title"/>
+          </p:nvPr>
+        </p:nvSpPr>
+        <p:spPr/>
+        <p:txBody>
+          <a:bodyPr/>
+          <a:lstStyle/>
+          <a:p>
+            <a:endParaRPr lang="en-US"/>
+          </a:p>
+        </p:txBody>
+      </p:sp>
+    </p:spTree>
+  </p:cSld>
+  <p:clrMapOvr>
+    <a:masterClrMapping/>
+  </p:clrMapOvr>
+  <p:timing>
+    <p:tnLst>
+      <p:par>
+        <p:cTn id="1" dur="indefinite" restart="never" nodeType="tmRoot"/>
+      </p:par>
+    </p:tnLst>
+  </p:timing>
+</p:sld>
+</file>
+
+<file path=ppt/slides/slide22.xml><?xml version="1.0" encoding="utf-8"?>
 <p:sld xmlns:a="http://schemas.openxmlformats.org/drawingml/2006/main" xmlns:r="http://schemas.openxmlformats.org/officeDocument/2006/relationships" xmlns:p="http://schemas.openxmlformats.org/presentationml/2006/main" showMasterSp="0">
   <p:cSld>
     <p:spTree>
@@ -9484,7 +12053,7 @@
 </p:sld>
 </file>
 
-<file path=ppt/slides/slide21.xml><?xml version="1.0" encoding="utf-8"?>
+<file path=ppt/slides/slide23.xml><?xml version="1.0" encoding="utf-8"?>
 <p:sld xmlns:a="http://schemas.openxmlformats.org/drawingml/2006/main" xmlns:r="http://schemas.openxmlformats.org/officeDocument/2006/relationships" xmlns:p="http://schemas.openxmlformats.org/presentationml/2006/main" showMasterSp="0">
   <p:cSld>
     <p:spTree>
@@ -9516,7 +12085,7 @@
 </p:sld>
 </file>
 
-<file path=ppt/slides/slide22.xml><?xml version="1.0" encoding="utf-8"?>
+<file path=ppt/slides/slide24.xml><?xml version="1.0" encoding="utf-8"?>
 <p:sld xmlns:a="http://schemas.openxmlformats.org/drawingml/2006/main" xmlns:r="http://schemas.openxmlformats.org/officeDocument/2006/relationships" xmlns:p="http://schemas.openxmlformats.org/presentationml/2006/main">
   <p:cSld>
     <p:spTree>
@@ -9567,7 +12136,7 @@
 </p:sld>
 </file>
 
-<file path=ppt/slides/slide23.xml><?xml version="1.0" encoding="utf-8"?>
+<file path=ppt/slides/slide25.xml><?xml version="1.0" encoding="utf-8"?>
 <p:sld xmlns:a="http://schemas.openxmlformats.org/drawingml/2006/main" xmlns:r="http://schemas.openxmlformats.org/officeDocument/2006/relationships" xmlns:p="http://schemas.openxmlformats.org/presentationml/2006/main">
   <p:cSld>
     <p:spTree>
@@ -9603,70 +12172,6 @@
           </a:p>
         </p:txBody>
       </p:sp>
-    </p:spTree>
-  </p:cSld>
-  <p:clrMapOvr>
-    <a:masterClrMapping/>
-  </p:clrMapOvr>
-  <p:timing>
-    <p:tnLst>
-      <p:par>
-        <p:cTn id="1" dur="indefinite" restart="never" nodeType="tmRoot"/>
-      </p:par>
-    </p:tnLst>
-  </p:timing>
-</p:sld>
-</file>
-
-<file path=ppt/slides/slide24.xml><?xml version="1.0" encoding="utf-8"?>
-<p:sld xmlns:a="http://schemas.openxmlformats.org/drawingml/2006/main" xmlns:r="http://schemas.openxmlformats.org/officeDocument/2006/relationships" xmlns:p="http://schemas.openxmlformats.org/presentationml/2006/main" showMasterSp="0">
-  <p:cSld>
-    <p:spTree>
-      <p:nvGrpSpPr>
-        <p:cNvPr id="1" name=""/>
-        <p:cNvGrpSpPr/>
-        <p:nvPr/>
-      </p:nvGrpSpPr>
-      <p:grpSpPr>
-        <a:xfrm>
-          <a:off x="0" y="0"/>
-          <a:ext cx="0" cy="0"/>
-          <a:chOff x="0" y="0"/>
-          <a:chExt cx="0" cy="0"/>
-        </a:xfrm>
-      </p:grpSpPr>
-    </p:spTree>
-  </p:cSld>
-  <p:clrMapOvr>
-    <a:masterClrMapping/>
-  </p:clrMapOvr>
-  <p:timing>
-    <p:tnLst>
-      <p:par>
-        <p:cTn id="1" dur="indefinite" restart="never" nodeType="tmRoot"/>
-      </p:par>
-    </p:tnLst>
-  </p:timing>
-</p:sld>
-</file>
-
-<file path=ppt/slides/slide25.xml><?xml version="1.0" encoding="utf-8"?>
-<p:sld xmlns:a="http://schemas.openxmlformats.org/drawingml/2006/main" xmlns:r="http://schemas.openxmlformats.org/officeDocument/2006/relationships" xmlns:p="http://schemas.openxmlformats.org/presentationml/2006/main" showMasterSp="0">
-  <p:cSld>
-    <p:spTree>
-      <p:nvGrpSpPr>
-        <p:cNvPr id="1" name=""/>
-        <p:cNvGrpSpPr/>
-        <p:nvPr/>
-      </p:nvGrpSpPr>
-      <p:grpSpPr>
-        <a:xfrm>
-          <a:off x="0" y="0"/>
-          <a:ext cx="0" cy="0"/>
-          <a:chOff x="0" y="0"/>
-          <a:chExt cx="0" cy="0"/>
-        </a:xfrm>
-      </p:grpSpPr>
     </p:spTree>
   </p:cSld>
   <p:clrMapOvr>
@@ -9704,7 +12209,6 @@
   <p:clrMapOvr>
     <a:masterClrMapping/>
   </p:clrMapOvr>
-  <p:transition advClick="0"/>
   <p:timing>
     <p:tnLst>
       <p:par>
@@ -9748,7 +12252,7 @@
 </file>
 
 <file path=ppt/slides/slide28.xml><?xml version="1.0" encoding="utf-8"?>
-<p:sld xmlns:a="http://schemas.openxmlformats.org/drawingml/2006/main" xmlns:r="http://schemas.openxmlformats.org/officeDocument/2006/relationships" xmlns:p="http://schemas.openxmlformats.org/presentationml/2006/main">
+<p:sld xmlns:a="http://schemas.openxmlformats.org/drawingml/2006/main" xmlns:r="http://schemas.openxmlformats.org/officeDocument/2006/relationships" xmlns:p="http://schemas.openxmlformats.org/presentationml/2006/main" showMasterSp="0">
   <p:cSld>
     <p:spTree>
       <p:nvGrpSpPr>
@@ -9769,6 +12273,7 @@
   <p:clrMapOvr>
     <a:masterClrMapping/>
   </p:clrMapOvr>
+  <p:transition advClick="0"/>
   <p:timing>
     <p:tnLst>
       <p:par>
@@ -9780,7 +12285,7 @@
 </file>
 
 <file path=ppt/slides/slide29.xml><?xml version="1.0" encoding="utf-8"?>
-<p:sld xmlns:a="http://schemas.openxmlformats.org/drawingml/2006/main" xmlns:r="http://schemas.openxmlformats.org/officeDocument/2006/relationships" xmlns:p="http://schemas.openxmlformats.org/presentationml/2006/main">
+<p:sld xmlns:a="http://schemas.openxmlformats.org/drawingml/2006/main" xmlns:r="http://schemas.openxmlformats.org/officeDocument/2006/relationships" xmlns:p="http://schemas.openxmlformats.org/presentationml/2006/main" showMasterSp="0">
   <p:cSld>
     <p:spTree>
       <p:nvGrpSpPr>
@@ -10220,7 +12725,7 @@
 </file>
 
 <file path=ppt/slides/slide30.xml><?xml version="1.0" encoding="utf-8"?>
-<p:sld xmlns:a="http://schemas.openxmlformats.org/drawingml/2006/main" xmlns:r="http://schemas.openxmlformats.org/officeDocument/2006/relationships" xmlns:p="http://schemas.openxmlformats.org/presentationml/2006/main" showMasterSp="0">
+<p:sld xmlns:a="http://schemas.openxmlformats.org/drawingml/2006/main" xmlns:r="http://schemas.openxmlformats.org/officeDocument/2006/relationships" xmlns:p="http://schemas.openxmlformats.org/presentationml/2006/main">
   <p:cSld>
     <p:spTree>
       <p:nvGrpSpPr>
@@ -10236,25 +12741,6 @@
           <a:chExt cx="0" cy="0"/>
         </a:xfrm>
       </p:grpSpPr>
-      <p:sp>
-        <p:nvSpPr>
-          <p:cNvPr id="4" name="Title 3"/>
-          <p:cNvSpPr>
-            <a:spLocks noGrp="1"/>
-          </p:cNvSpPr>
-          <p:nvPr>
-            <p:ph type="title"/>
-          </p:nvPr>
-        </p:nvSpPr>
-        <p:spPr/>
-        <p:txBody>
-          <a:bodyPr/>
-          <a:lstStyle/>
-          <a:p>
-            <a:endParaRPr lang="en-US"/>
-          </a:p>
-        </p:txBody>
-      </p:sp>
     </p:spTree>
   </p:cSld>
   <p:clrMapOvr>
@@ -10287,6 +12773,89 @@
           <a:chExt cx="0" cy="0"/>
         </a:xfrm>
       </p:grpSpPr>
+    </p:spTree>
+  </p:cSld>
+  <p:clrMapOvr>
+    <a:masterClrMapping/>
+  </p:clrMapOvr>
+  <p:timing>
+    <p:tnLst>
+      <p:par>
+        <p:cTn id="1" dur="indefinite" restart="never" nodeType="tmRoot"/>
+      </p:par>
+    </p:tnLst>
+  </p:timing>
+</p:sld>
+</file>
+
+<file path=ppt/slides/slide32.xml><?xml version="1.0" encoding="utf-8"?>
+<p:sld xmlns:a="http://schemas.openxmlformats.org/drawingml/2006/main" xmlns:r="http://schemas.openxmlformats.org/officeDocument/2006/relationships" xmlns:p="http://schemas.openxmlformats.org/presentationml/2006/main" showMasterSp="0">
+  <p:cSld>
+    <p:spTree>
+      <p:nvGrpSpPr>
+        <p:cNvPr id="1" name=""/>
+        <p:cNvGrpSpPr/>
+        <p:nvPr/>
+      </p:nvGrpSpPr>
+      <p:grpSpPr>
+        <a:xfrm>
+          <a:off x="0" y="0"/>
+          <a:ext cx="0" cy="0"/>
+          <a:chOff x="0" y="0"/>
+          <a:chExt cx="0" cy="0"/>
+        </a:xfrm>
+      </p:grpSpPr>
+      <p:sp>
+        <p:nvSpPr>
+          <p:cNvPr id="4" name="Title 3"/>
+          <p:cNvSpPr>
+            <a:spLocks noGrp="1"/>
+          </p:cNvSpPr>
+          <p:nvPr>
+            <p:ph type="title"/>
+          </p:nvPr>
+        </p:nvSpPr>
+        <p:spPr/>
+        <p:txBody>
+          <a:bodyPr/>
+          <a:lstStyle/>
+          <a:p>
+            <a:endParaRPr lang="en-US"/>
+          </a:p>
+        </p:txBody>
+      </p:sp>
+    </p:spTree>
+  </p:cSld>
+  <p:clrMapOvr>
+    <a:masterClrMapping/>
+  </p:clrMapOvr>
+  <p:timing>
+    <p:tnLst>
+      <p:par>
+        <p:cTn id="1" dur="indefinite" restart="never" nodeType="tmRoot"/>
+      </p:par>
+    </p:tnLst>
+  </p:timing>
+</p:sld>
+</file>
+
+<file path=ppt/slides/slide33.xml><?xml version="1.0" encoding="utf-8"?>
+<p:sld xmlns:a="http://schemas.openxmlformats.org/drawingml/2006/main" xmlns:r="http://schemas.openxmlformats.org/officeDocument/2006/relationships" xmlns:p="http://schemas.openxmlformats.org/presentationml/2006/main">
+  <p:cSld>
+    <p:spTree>
+      <p:nvGrpSpPr>
+        <p:cNvPr id="1" name=""/>
+        <p:cNvGrpSpPr/>
+        <p:nvPr/>
+      </p:nvGrpSpPr>
+      <p:grpSpPr>
+        <a:xfrm>
+          <a:off x="0" y="0"/>
+          <a:ext cx="0" cy="0"/>
+          <a:chOff x="0" y="0"/>
+          <a:chExt cx="0" cy="0"/>
+        </a:xfrm>
+      </p:grpSpPr>
       <p:sp>
         <p:nvSpPr>
           <p:cNvPr id="3" name="Title 1"/>
@@ -10465,56 +13034,6 @@
           </a:p>
         </p:txBody>
       </p:sp>
-    </p:spTree>
-  </p:cSld>
-  <p:clrMapOvr>
-    <a:masterClrMapping/>
-  </p:clrMapOvr>
-</p:sld>
-</file>
-
-<file path=ppt/slides/slide32.xml><?xml version="1.0" encoding="utf-8"?>
-<p:sld xmlns:a="http://schemas.openxmlformats.org/drawingml/2006/main" xmlns:r="http://schemas.openxmlformats.org/officeDocument/2006/relationships" xmlns:p="http://schemas.openxmlformats.org/presentationml/2006/main">
-  <p:cSld>
-    <p:spTree>
-      <p:nvGrpSpPr>
-        <p:cNvPr id="1" name=""/>
-        <p:cNvGrpSpPr/>
-        <p:nvPr/>
-      </p:nvGrpSpPr>
-      <p:grpSpPr>
-        <a:xfrm>
-          <a:off x="0" y="0"/>
-          <a:ext cx="0" cy="0"/>
-          <a:chOff x="0" y="0"/>
-          <a:chExt cx="0" cy="0"/>
-        </a:xfrm>
-      </p:grpSpPr>
-    </p:spTree>
-  </p:cSld>
-  <p:clrMapOvr>
-    <a:masterClrMapping/>
-  </p:clrMapOvr>
-</p:sld>
-</file>
-
-<file path=ppt/slides/slide33.xml><?xml version="1.0" encoding="utf-8"?>
-<p:sld xmlns:a="http://schemas.openxmlformats.org/drawingml/2006/main" xmlns:r="http://schemas.openxmlformats.org/officeDocument/2006/relationships" xmlns:p="http://schemas.openxmlformats.org/presentationml/2006/main">
-  <p:cSld>
-    <p:spTree>
-      <p:nvGrpSpPr>
-        <p:cNvPr id="1" name=""/>
-        <p:cNvGrpSpPr/>
-        <p:nvPr/>
-      </p:nvGrpSpPr>
-      <p:grpSpPr>
-        <a:xfrm>
-          <a:off x="0" y="0"/>
-          <a:ext cx="0" cy="0"/>
-          <a:chOff x="0" y="0"/>
-          <a:chExt cx="0" cy="0"/>
-        </a:xfrm>
-      </p:grpSpPr>
     </p:spTree>
   </p:cSld>
   <p:clrMapOvr>
@@ -10988,6 +13507,56 @@
           <a:chExt cx="0" cy="0"/>
         </a:xfrm>
       </p:grpSpPr>
+    </p:spTree>
+  </p:cSld>
+  <p:clrMapOvr>
+    <a:masterClrMapping/>
+  </p:clrMapOvr>
+</p:sld>
+</file>
+
+<file path=ppt/slides/slide41.xml><?xml version="1.0" encoding="utf-8"?>
+<p:sld xmlns:a="http://schemas.openxmlformats.org/drawingml/2006/main" xmlns:r="http://schemas.openxmlformats.org/officeDocument/2006/relationships" xmlns:p="http://schemas.openxmlformats.org/presentationml/2006/main">
+  <p:cSld>
+    <p:spTree>
+      <p:nvGrpSpPr>
+        <p:cNvPr id="1" name=""/>
+        <p:cNvGrpSpPr/>
+        <p:nvPr/>
+      </p:nvGrpSpPr>
+      <p:grpSpPr>
+        <a:xfrm>
+          <a:off x="0" y="0"/>
+          <a:ext cx="0" cy="0"/>
+          <a:chOff x="0" y="0"/>
+          <a:chExt cx="0" cy="0"/>
+        </a:xfrm>
+      </p:grpSpPr>
+    </p:spTree>
+  </p:cSld>
+  <p:clrMapOvr>
+    <a:masterClrMapping/>
+  </p:clrMapOvr>
+</p:sld>
+</file>
+
+<file path=ppt/slides/slide42.xml><?xml version="1.0" encoding="utf-8"?>
+<p:sld xmlns:a="http://schemas.openxmlformats.org/drawingml/2006/main" xmlns:r="http://schemas.openxmlformats.org/officeDocument/2006/relationships" xmlns:p="http://schemas.openxmlformats.org/presentationml/2006/main">
+  <p:cSld>
+    <p:spTree>
+      <p:nvGrpSpPr>
+        <p:cNvPr id="1" name=""/>
+        <p:cNvGrpSpPr/>
+        <p:nvPr/>
+      </p:nvGrpSpPr>
+      <p:grpSpPr>
+        <a:xfrm>
+          <a:off x="0" y="0"/>
+          <a:ext cx="0" cy="0"/>
+          <a:chOff x="0" y="0"/>
+          <a:chExt cx="0" cy="0"/>
+        </a:xfrm>
+      </p:grpSpPr>
       <p:sp>
         <p:nvSpPr>
           <p:cNvPr id="4" name="Title 3"/>
@@ -11022,7 +13591,7 @@
 </p:sld>
 </file>
 
-<file path=ppt/slides/slide41.xml><?xml version="1.0" encoding="utf-8"?>
+<file path=ppt/slides/slide43.xml><?xml version="1.0" encoding="utf-8"?>
 <p:sld xmlns:a="http://schemas.openxmlformats.org/drawingml/2006/main" xmlns:r="http://schemas.openxmlformats.org/officeDocument/2006/relationships" xmlns:p="http://schemas.openxmlformats.org/presentationml/2006/main">
   <p:cSld>
     <p:spTree>

--- a/Module-4.pptx
+++ b/Module-4.pptx
@@ -5,35 +5,49 @@
     <p:sldMasterId id="2147483923" r:id="rId1"/>
   </p:sldMasterIdLst>
   <p:notesMasterIdLst>
-    <p:notesMasterId r:id="rId28"/>
+    <p:notesMasterId r:id="rId42"/>
   </p:notesMasterIdLst>
   <p:sldIdLst>
     <p:sldId id="256" r:id="rId2"/>
     <p:sldId id="257" r:id="rId3"/>
-    <p:sldId id="271" r:id="rId4"/>
-    <p:sldId id="259" r:id="rId5"/>
-    <p:sldId id="258" r:id="rId6"/>
-    <p:sldId id="260" r:id="rId7"/>
-    <p:sldId id="272" r:id="rId8"/>
-    <p:sldId id="273" r:id="rId9"/>
-    <p:sldId id="264" r:id="rId10"/>
-    <p:sldId id="274" r:id="rId11"/>
-    <p:sldId id="275" r:id="rId12"/>
-    <p:sldId id="276" r:id="rId13"/>
-    <p:sldId id="301" r:id="rId14"/>
-    <p:sldId id="303" r:id="rId15"/>
-    <p:sldId id="302" r:id="rId16"/>
-    <p:sldId id="304" r:id="rId17"/>
-    <p:sldId id="305" r:id="rId18"/>
-    <p:sldId id="277" r:id="rId19"/>
-    <p:sldId id="268" r:id="rId20"/>
-    <p:sldId id="278" r:id="rId21"/>
-    <p:sldId id="279" r:id="rId22"/>
-    <p:sldId id="306" r:id="rId23"/>
-    <p:sldId id="280" r:id="rId24"/>
-    <p:sldId id="307" r:id="rId25"/>
-    <p:sldId id="261" r:id="rId26"/>
-    <p:sldId id="267" r:id="rId27"/>
+    <p:sldId id="310" r:id="rId4"/>
+    <p:sldId id="312" r:id="rId5"/>
+    <p:sldId id="271" r:id="rId6"/>
+    <p:sldId id="259" r:id="rId7"/>
+    <p:sldId id="258" r:id="rId8"/>
+    <p:sldId id="260" r:id="rId9"/>
+    <p:sldId id="272" r:id="rId10"/>
+    <p:sldId id="273" r:id="rId11"/>
+    <p:sldId id="264" r:id="rId12"/>
+    <p:sldId id="274" r:id="rId13"/>
+    <p:sldId id="275" r:id="rId14"/>
+    <p:sldId id="276" r:id="rId15"/>
+    <p:sldId id="301" r:id="rId16"/>
+    <p:sldId id="303" r:id="rId17"/>
+    <p:sldId id="302" r:id="rId18"/>
+    <p:sldId id="304" r:id="rId19"/>
+    <p:sldId id="305" r:id="rId20"/>
+    <p:sldId id="277" r:id="rId21"/>
+    <p:sldId id="268" r:id="rId22"/>
+    <p:sldId id="278" r:id="rId23"/>
+    <p:sldId id="279" r:id="rId24"/>
+    <p:sldId id="306" r:id="rId25"/>
+    <p:sldId id="307" r:id="rId26"/>
+    <p:sldId id="280" r:id="rId27"/>
+    <p:sldId id="313" r:id="rId28"/>
+    <p:sldId id="314" r:id="rId29"/>
+    <p:sldId id="308" r:id="rId30"/>
+    <p:sldId id="320" r:id="rId31"/>
+    <p:sldId id="323" r:id="rId32"/>
+    <p:sldId id="318" r:id="rId33"/>
+    <p:sldId id="315" r:id="rId34"/>
+    <p:sldId id="317" r:id="rId35"/>
+    <p:sldId id="319" r:id="rId36"/>
+    <p:sldId id="316" r:id="rId37"/>
+    <p:sldId id="322" r:id="rId38"/>
+    <p:sldId id="261" r:id="rId39"/>
+    <p:sldId id="311" r:id="rId40"/>
+    <p:sldId id="267" r:id="rId41"/>
   </p:sldIdLst>
   <p:sldSz cx="9144000" cy="6858000" type="screen4x3"/>
   <p:notesSz cx="6997700" cy="9283700"/>
@@ -827,7 +841,7 @@
             <a:fld id="{6D44AA03-DE27-41AB-989F-F9B42A3759F9}" type="slidenum">
               <a:rPr lang="en-US"/>
               <a:pPr/>
-              <a:t>4</a:t>
+              <a:t>6</a:t>
             </a:fld>
             <a:endParaRPr lang="en-US"/>
           </a:p>
@@ -914,7 +928,7 @@
             <a:fld id="{1AFAAA0F-1B12-4C67-81B1-8A913621699E}" type="slidenum">
               <a:rPr lang="en-US"/>
               <a:pPr/>
-              <a:t>5</a:t>
+              <a:t>7</a:t>
             </a:fld>
             <a:endParaRPr lang="en-US"/>
           </a:p>
@@ -1075,7 +1089,7 @@
             <a:fld id="{2934886E-53AA-4CEE-913A-D801D6ABEC5E}" type="slidenum">
               <a:rPr lang="en-US" smtClean="0"/>
               <a:pPr/>
-              <a:t>7</a:t>
+              <a:t>9</a:t>
             </a:fld>
             <a:endParaRPr lang="en-US"/>
           </a:p>
@@ -5448,6 +5462,910 @@
       </p:grpSpPr>
       <p:sp>
         <p:nvSpPr>
+          <p:cNvPr id="49" name="Title 48"/>
+          <p:cNvSpPr>
+            <a:spLocks noGrp="1"/>
+          </p:cNvSpPr>
+          <p:nvPr>
+            <p:ph type="title"/>
+          </p:nvPr>
+        </p:nvSpPr>
+        <p:spPr>
+          <a:xfrm>
+            <a:off x="533400" y="2438400"/>
+            <a:ext cx="8229600" cy="1143000"/>
+          </a:xfrm>
+        </p:spPr>
+        <p:txBody>
+          <a:bodyPr/>
+          <a:lstStyle/>
+          <a:p>
+            <a:r>
+              <a:rPr lang="en-US" dirty="0" smtClean="0"/>
+              <a:t>Stacks in ARM processor</a:t>
+            </a:r>
+            <a:endParaRPr lang="en-US" dirty="0"/>
+          </a:p>
+        </p:txBody>
+      </p:sp>
+    </p:spTree>
+  </p:cSld>
+  <p:clrMapOvr>
+    <a:masterClrMapping/>
+  </p:clrMapOvr>
+  <p:timing>
+    <p:tnLst>
+      <p:par>
+        <p:cTn id="1" dur="indefinite" restart="never" nodeType="tmRoot"/>
+      </p:par>
+    </p:tnLst>
+  </p:timing>
+</p:sld>
+</file>
+
+<file path=ppt/slides/slide11.xml><?xml version="1.0" encoding="utf-8"?>
+<p:sld xmlns:a="http://schemas.openxmlformats.org/drawingml/2006/main" xmlns:r="http://schemas.openxmlformats.org/officeDocument/2006/relationships" xmlns:p="http://schemas.openxmlformats.org/presentationml/2006/main">
+  <p:cSld>
+    <p:spTree>
+      <p:nvGrpSpPr>
+        <p:cNvPr id="1" name=""/>
+        <p:cNvGrpSpPr/>
+        <p:nvPr/>
+      </p:nvGrpSpPr>
+      <p:grpSpPr>
+        <a:xfrm>
+          <a:off x="0" y="0"/>
+          <a:ext cx="0" cy="0"/>
+          <a:chOff x="0" y="0"/>
+          <a:chExt cx="0" cy="0"/>
+        </a:xfrm>
+      </p:grpSpPr>
+      <p:sp>
+        <p:nvSpPr>
+          <p:cNvPr id="6" name="Title 5"/>
+          <p:cNvSpPr>
+            <a:spLocks noGrp="1"/>
+          </p:cNvSpPr>
+          <p:nvPr>
+            <p:ph type="title"/>
+          </p:nvPr>
+        </p:nvSpPr>
+        <p:spPr>
+          <a:gradFill flip="none" rotWithShape="1">
+            <a:gsLst>
+              <a:gs pos="0">
+                <a:schemeClr val="accent1">
+                  <a:tint val="66000"/>
+                  <a:satMod val="160000"/>
+                </a:schemeClr>
+              </a:gs>
+              <a:gs pos="50000">
+                <a:schemeClr val="accent1">
+                  <a:tint val="44500"/>
+                  <a:satMod val="160000"/>
+                </a:schemeClr>
+              </a:gs>
+              <a:gs pos="100000">
+                <a:schemeClr val="accent1">
+                  <a:tint val="23500"/>
+                  <a:satMod val="160000"/>
+                </a:schemeClr>
+              </a:gs>
+            </a:gsLst>
+            <a:lin ang="5400000" scaled="1"/>
+            <a:tileRect/>
+          </a:gradFill>
+          <a:ln>
+            <a:solidFill>
+              <a:schemeClr val="accent1">
+                <a:shade val="50000"/>
+              </a:schemeClr>
+            </a:solidFill>
+          </a:ln>
+        </p:spPr>
+        <p:txBody>
+          <a:bodyPr/>
+          <a:lstStyle/>
+          <a:p>
+            <a:r>
+              <a:rPr lang="en-US" dirty="0" smtClean="0"/>
+              <a:t>Types of Stack</a:t>
+            </a:r>
+            <a:endParaRPr lang="en-US" dirty="0"/>
+          </a:p>
+        </p:txBody>
+      </p:sp>
+      <p:sp>
+        <p:nvSpPr>
+          <p:cNvPr id="3" name="Rectangle 2"/>
+          <p:cNvSpPr/>
+          <p:nvPr/>
+        </p:nvSpPr>
+        <p:spPr>
+          <a:xfrm>
+            <a:off x="609600" y="2133600"/>
+            <a:ext cx="3657600" cy="1447800"/>
+          </a:xfrm>
+          <a:prstGeom prst="rect">
+            <a:avLst/>
+          </a:prstGeom>
+          <a:gradFill flip="none" rotWithShape="1">
+            <a:gsLst>
+              <a:gs pos="0">
+                <a:schemeClr val="accent1">
+                  <a:tint val="66000"/>
+                  <a:satMod val="160000"/>
+                </a:schemeClr>
+              </a:gs>
+              <a:gs pos="50000">
+                <a:schemeClr val="accent1">
+                  <a:tint val="44500"/>
+                  <a:satMod val="160000"/>
+                </a:schemeClr>
+              </a:gs>
+              <a:gs pos="100000">
+                <a:schemeClr val="accent1">
+                  <a:tint val="23500"/>
+                  <a:satMod val="160000"/>
+                </a:schemeClr>
+              </a:gs>
+            </a:gsLst>
+            <a:lin ang="5400000" scaled="1"/>
+            <a:tileRect/>
+          </a:gradFill>
+        </p:spPr>
+        <p:style>
+          <a:lnRef idx="2">
+            <a:schemeClr val="accent1">
+              <a:shade val="50000"/>
+            </a:schemeClr>
+          </a:lnRef>
+          <a:fillRef idx="1">
+            <a:schemeClr val="accent1"/>
+          </a:fillRef>
+          <a:effectRef idx="0">
+            <a:schemeClr val="accent1"/>
+          </a:effectRef>
+          <a:fontRef idx="minor">
+            <a:schemeClr val="lt1"/>
+          </a:fontRef>
+        </p:style>
+        <p:txBody>
+          <a:bodyPr rtlCol="0" anchor="ctr"/>
+          <a:lstStyle/>
+          <a:p>
+            <a:pPr algn="ctr"/>
+            <a:r>
+              <a:rPr lang="en-US" b="1" u="sng" dirty="0" smtClean="0">
+                <a:solidFill>
+                  <a:schemeClr val="tx1"/>
+                </a:solidFill>
+              </a:rPr>
+              <a:t>Ascending Stack:</a:t>
+            </a:r>
+          </a:p>
+          <a:p>
+            <a:pPr algn="ctr"/>
+            <a:r>
+              <a:rPr lang="en-US" dirty="0" smtClean="0">
+                <a:solidFill>
+                  <a:schemeClr val="tx1"/>
+                </a:solidFill>
+              </a:rPr>
+              <a:t>In a push the stack pointer is incremented, </a:t>
+            </a:r>
+            <a:r>
+              <a:rPr lang="en-US" dirty="0" err="1" smtClean="0">
+                <a:solidFill>
+                  <a:schemeClr val="tx1"/>
+                </a:solidFill>
+              </a:rPr>
+              <a:t>i.e</a:t>
+            </a:r>
+            <a:r>
+              <a:rPr lang="en-US" dirty="0" smtClean="0">
+                <a:solidFill>
+                  <a:schemeClr val="tx1"/>
+                </a:solidFill>
+              </a:rPr>
+              <a:t> the stack grows towards higher address.</a:t>
+            </a:r>
+            <a:endParaRPr lang="en-US" dirty="0">
+              <a:solidFill>
+                <a:schemeClr val="tx1"/>
+              </a:solidFill>
+            </a:endParaRPr>
+          </a:p>
+        </p:txBody>
+      </p:sp>
+      <p:sp>
+        <p:nvSpPr>
+          <p:cNvPr id="4" name="Rectangle 3"/>
+          <p:cNvSpPr/>
+          <p:nvPr/>
+        </p:nvSpPr>
+        <p:spPr>
+          <a:xfrm>
+            <a:off x="4876800" y="2133600"/>
+            <a:ext cx="3657600" cy="1447800"/>
+          </a:xfrm>
+          <a:prstGeom prst="rect">
+            <a:avLst/>
+          </a:prstGeom>
+          <a:gradFill flip="none" rotWithShape="1">
+            <a:gsLst>
+              <a:gs pos="0">
+                <a:schemeClr val="accent1">
+                  <a:tint val="66000"/>
+                  <a:satMod val="160000"/>
+                </a:schemeClr>
+              </a:gs>
+              <a:gs pos="50000">
+                <a:schemeClr val="accent1">
+                  <a:tint val="44500"/>
+                  <a:satMod val="160000"/>
+                </a:schemeClr>
+              </a:gs>
+              <a:gs pos="100000">
+                <a:schemeClr val="accent1">
+                  <a:tint val="23500"/>
+                  <a:satMod val="160000"/>
+                </a:schemeClr>
+              </a:gs>
+            </a:gsLst>
+            <a:lin ang="5400000" scaled="1"/>
+            <a:tileRect/>
+          </a:gradFill>
+        </p:spPr>
+        <p:style>
+          <a:lnRef idx="2">
+            <a:schemeClr val="accent1">
+              <a:shade val="50000"/>
+            </a:schemeClr>
+          </a:lnRef>
+          <a:fillRef idx="1">
+            <a:schemeClr val="accent1"/>
+          </a:fillRef>
+          <a:effectRef idx="0">
+            <a:schemeClr val="accent1"/>
+          </a:effectRef>
+          <a:fontRef idx="minor">
+            <a:schemeClr val="lt1"/>
+          </a:fontRef>
+        </p:style>
+        <p:txBody>
+          <a:bodyPr rtlCol="0" anchor="ctr"/>
+          <a:lstStyle/>
+          <a:p>
+            <a:pPr algn="ctr"/>
+            <a:r>
+              <a:rPr lang="en-US" b="1" u="sng" dirty="0" smtClean="0">
+                <a:solidFill>
+                  <a:schemeClr val="tx1"/>
+                </a:solidFill>
+              </a:rPr>
+              <a:t>Descending Stack:</a:t>
+            </a:r>
+          </a:p>
+          <a:p>
+            <a:pPr algn="ctr"/>
+            <a:r>
+              <a:rPr lang="en-US" dirty="0" smtClean="0">
+                <a:solidFill>
+                  <a:schemeClr val="tx1"/>
+                </a:solidFill>
+              </a:rPr>
+              <a:t>In a push the stack pointer is decremented, </a:t>
+            </a:r>
+            <a:r>
+              <a:rPr lang="en-US" dirty="0" err="1" smtClean="0">
+                <a:solidFill>
+                  <a:schemeClr val="tx1"/>
+                </a:solidFill>
+              </a:rPr>
+              <a:t>i.e</a:t>
+            </a:r>
+            <a:r>
+              <a:rPr lang="en-US" dirty="0" smtClean="0">
+                <a:solidFill>
+                  <a:schemeClr val="tx1"/>
+                </a:solidFill>
+              </a:rPr>
+              <a:t> the stack grows towards lower address.</a:t>
+            </a:r>
+          </a:p>
+          <a:p>
+            <a:pPr algn="ctr"/>
+            <a:endParaRPr lang="en-US" dirty="0"/>
+          </a:p>
+        </p:txBody>
+      </p:sp>
+      <p:cxnSp>
+        <p:nvCxnSpPr>
+          <p:cNvPr id="7" name="Straight Arrow Connector 6"/>
+          <p:cNvCxnSpPr>
+            <a:stCxn id="6" idx="2"/>
+            <a:endCxn id="3" idx="0"/>
+          </p:cNvCxnSpPr>
+          <p:nvPr/>
+        </p:nvCxnSpPr>
+        <p:spPr>
+          <a:xfrm flipH="1">
+            <a:off x="2438400" y="1417638"/>
+            <a:ext cx="2133600" cy="715962"/>
+          </a:xfrm>
+          <a:prstGeom prst="straightConnector1">
+            <a:avLst/>
+          </a:prstGeom>
+          <a:ln>
+            <a:tailEnd type="arrow"/>
+          </a:ln>
+        </p:spPr>
+        <p:style>
+          <a:lnRef idx="1">
+            <a:schemeClr val="accent1"/>
+          </a:lnRef>
+          <a:fillRef idx="0">
+            <a:schemeClr val="accent1"/>
+          </a:fillRef>
+          <a:effectRef idx="0">
+            <a:schemeClr val="accent1"/>
+          </a:effectRef>
+          <a:fontRef idx="minor">
+            <a:schemeClr val="tx1"/>
+          </a:fontRef>
+        </p:style>
+      </p:cxnSp>
+      <p:cxnSp>
+        <p:nvCxnSpPr>
+          <p:cNvPr id="9" name="Straight Arrow Connector 8"/>
+          <p:cNvCxnSpPr>
+            <a:stCxn id="6" idx="2"/>
+            <a:endCxn id="4" idx="0"/>
+          </p:cNvCxnSpPr>
+          <p:nvPr/>
+        </p:nvCxnSpPr>
+        <p:spPr>
+          <a:xfrm>
+            <a:off x="4572000" y="1417638"/>
+            <a:ext cx="2133600" cy="715962"/>
+          </a:xfrm>
+          <a:prstGeom prst="straightConnector1">
+            <a:avLst/>
+          </a:prstGeom>
+          <a:ln>
+            <a:tailEnd type="arrow"/>
+          </a:ln>
+        </p:spPr>
+        <p:style>
+          <a:lnRef idx="1">
+            <a:schemeClr val="accent1"/>
+          </a:lnRef>
+          <a:fillRef idx="0">
+            <a:schemeClr val="accent1"/>
+          </a:fillRef>
+          <a:effectRef idx="0">
+            <a:schemeClr val="accent1"/>
+          </a:effectRef>
+          <a:fontRef idx="minor">
+            <a:schemeClr val="tx1"/>
+          </a:fontRef>
+        </p:style>
+      </p:cxnSp>
+      <p:sp>
+        <p:nvSpPr>
+          <p:cNvPr id="10" name="Rectangle 9"/>
+          <p:cNvSpPr/>
+          <p:nvPr/>
+        </p:nvSpPr>
+        <p:spPr>
+          <a:xfrm>
+            <a:off x="381000" y="4038600"/>
+            <a:ext cx="1752600" cy="2590800"/>
+          </a:xfrm>
+          <a:prstGeom prst="rect">
+            <a:avLst/>
+          </a:prstGeom>
+          <a:gradFill flip="none" rotWithShape="1">
+            <a:gsLst>
+              <a:gs pos="29000">
+                <a:srgbClr val="FFFF00"/>
+              </a:gs>
+              <a:gs pos="68000">
+                <a:schemeClr val="accent1">
+                  <a:lumMod val="60000"/>
+                  <a:lumOff val="40000"/>
+                </a:schemeClr>
+              </a:gs>
+              <a:gs pos="100000">
+                <a:schemeClr val="accent1">
+                  <a:tint val="23500"/>
+                  <a:satMod val="160000"/>
+                </a:schemeClr>
+              </a:gs>
+            </a:gsLst>
+            <a:lin ang="5400000" scaled="1"/>
+            <a:tileRect/>
+          </a:gradFill>
+        </p:spPr>
+        <p:style>
+          <a:lnRef idx="2">
+            <a:schemeClr val="accent1">
+              <a:shade val="50000"/>
+            </a:schemeClr>
+          </a:lnRef>
+          <a:fillRef idx="1">
+            <a:schemeClr val="accent1"/>
+          </a:fillRef>
+          <a:effectRef idx="0">
+            <a:schemeClr val="accent1"/>
+          </a:effectRef>
+          <a:fontRef idx="minor">
+            <a:schemeClr val="lt1"/>
+          </a:fontRef>
+        </p:style>
+        <p:txBody>
+          <a:bodyPr rtlCol="0" anchor="ctr"/>
+          <a:lstStyle/>
+          <a:p>
+            <a:pPr algn="ctr"/>
+            <a:r>
+              <a:rPr lang="en-US" sz="1400" b="1" u="sng" dirty="0" smtClean="0">
+                <a:solidFill>
+                  <a:schemeClr val="tx1"/>
+                </a:solidFill>
+              </a:rPr>
+              <a:t>Ascending Empty stack</a:t>
+            </a:r>
+          </a:p>
+          <a:p>
+            <a:pPr algn="ctr"/>
+            <a:r>
+              <a:rPr lang="en-US" sz="1400" dirty="0" smtClean="0">
+                <a:solidFill>
+                  <a:schemeClr val="tx1"/>
+                </a:solidFill>
+              </a:rPr>
+              <a:t>Stack pointer points to the location in which the next item will be stored. A push will store the value, and increment the stack pointer.</a:t>
+            </a:r>
+          </a:p>
+          <a:p>
+            <a:pPr algn="ctr"/>
+            <a:endParaRPr lang="en-US" sz="1400" dirty="0" smtClean="0">
+              <a:solidFill>
+                <a:schemeClr val="tx1"/>
+              </a:solidFill>
+            </a:endParaRPr>
+          </a:p>
+        </p:txBody>
+      </p:sp>
+      <p:sp>
+        <p:nvSpPr>
+          <p:cNvPr id="11" name="Rectangle 10"/>
+          <p:cNvSpPr/>
+          <p:nvPr/>
+        </p:nvSpPr>
+        <p:spPr>
+          <a:xfrm>
+            <a:off x="2514600" y="4038600"/>
+            <a:ext cx="1752600" cy="2590800"/>
+          </a:xfrm>
+          <a:prstGeom prst="rect">
+            <a:avLst/>
+          </a:prstGeom>
+          <a:gradFill flip="none" rotWithShape="1">
+            <a:gsLst>
+              <a:gs pos="43000">
+                <a:schemeClr val="accent6">
+                  <a:lumMod val="40000"/>
+                  <a:lumOff val="60000"/>
+                  <a:alpha val="62000"/>
+                </a:schemeClr>
+              </a:gs>
+              <a:gs pos="50000">
+                <a:schemeClr val="accent1">
+                  <a:tint val="44500"/>
+                  <a:satMod val="160000"/>
+                </a:schemeClr>
+              </a:gs>
+              <a:gs pos="100000">
+                <a:schemeClr val="accent1">
+                  <a:tint val="23500"/>
+                  <a:satMod val="160000"/>
+                </a:schemeClr>
+              </a:gs>
+            </a:gsLst>
+            <a:lin ang="5400000" scaled="1"/>
+            <a:tileRect/>
+          </a:gradFill>
+        </p:spPr>
+        <p:style>
+          <a:lnRef idx="2">
+            <a:schemeClr val="accent1">
+              <a:shade val="50000"/>
+            </a:schemeClr>
+          </a:lnRef>
+          <a:fillRef idx="1">
+            <a:schemeClr val="accent1"/>
+          </a:fillRef>
+          <a:effectRef idx="0">
+            <a:schemeClr val="accent1"/>
+          </a:effectRef>
+          <a:fontRef idx="minor">
+            <a:schemeClr val="lt1"/>
+          </a:fontRef>
+        </p:style>
+        <p:txBody>
+          <a:bodyPr rtlCol="0" anchor="ctr"/>
+          <a:lstStyle/>
+          <a:p>
+            <a:pPr algn="ctr"/>
+            <a:r>
+              <a:rPr lang="en-US" sz="1600" b="1" u="sng" dirty="0" smtClean="0">
+                <a:solidFill>
+                  <a:schemeClr val="tx1"/>
+                </a:solidFill>
+              </a:rPr>
+              <a:t>Ascending Full Stack</a:t>
+            </a:r>
+          </a:p>
+          <a:p>
+            <a:pPr algn="ctr"/>
+            <a:r>
+              <a:rPr lang="en-US" sz="1600" dirty="0" smtClean="0">
+                <a:solidFill>
+                  <a:schemeClr val="tx1"/>
+                </a:solidFill>
+              </a:rPr>
+              <a:t>Stack pointer points to the location in which the last item was stored. A push will increment the stack pointer and store the value.</a:t>
+            </a:r>
+          </a:p>
+        </p:txBody>
+      </p:sp>
+      <p:sp>
+        <p:nvSpPr>
+          <p:cNvPr id="12" name="Rectangle 11"/>
+          <p:cNvSpPr/>
+          <p:nvPr/>
+        </p:nvSpPr>
+        <p:spPr>
+          <a:xfrm>
+            <a:off x="4953000" y="4038600"/>
+            <a:ext cx="1752600" cy="2590800"/>
+          </a:xfrm>
+          <a:prstGeom prst="rect">
+            <a:avLst/>
+          </a:prstGeom>
+          <a:gradFill flip="none" rotWithShape="1">
+            <a:gsLst>
+              <a:gs pos="29000">
+                <a:srgbClr val="FFFF00"/>
+              </a:gs>
+              <a:gs pos="68000">
+                <a:schemeClr val="accent1">
+                  <a:lumMod val="60000"/>
+                  <a:lumOff val="40000"/>
+                </a:schemeClr>
+              </a:gs>
+              <a:gs pos="100000">
+                <a:schemeClr val="accent1">
+                  <a:tint val="23500"/>
+                  <a:satMod val="160000"/>
+                </a:schemeClr>
+              </a:gs>
+            </a:gsLst>
+            <a:lin ang="5400000" scaled="1"/>
+            <a:tileRect/>
+          </a:gradFill>
+        </p:spPr>
+        <p:style>
+          <a:lnRef idx="2">
+            <a:schemeClr val="accent1">
+              <a:shade val="50000"/>
+            </a:schemeClr>
+          </a:lnRef>
+          <a:fillRef idx="1">
+            <a:schemeClr val="accent1"/>
+          </a:fillRef>
+          <a:effectRef idx="0">
+            <a:schemeClr val="accent1"/>
+          </a:effectRef>
+          <a:fontRef idx="minor">
+            <a:schemeClr val="lt1"/>
+          </a:fontRef>
+        </p:style>
+        <p:txBody>
+          <a:bodyPr rtlCol="0" anchor="ctr"/>
+          <a:lstStyle/>
+          <a:p>
+            <a:pPr algn="ctr"/>
+            <a:r>
+              <a:rPr lang="en-US" sz="1400" b="1" u="sng" dirty="0" smtClean="0">
+                <a:solidFill>
+                  <a:srgbClr val="FF0000"/>
+                </a:solidFill>
+              </a:rPr>
+              <a:t>Descending  Empty stack</a:t>
+            </a:r>
+          </a:p>
+          <a:p>
+            <a:pPr algn="ctr"/>
+            <a:r>
+              <a:rPr lang="en-US" sz="1400" dirty="0" smtClean="0">
+                <a:solidFill>
+                  <a:schemeClr val="tx1"/>
+                </a:solidFill>
+              </a:rPr>
+              <a:t>Stack pointer points to the location in which the next item will be stored. A push will store the value, and increment the stack pointer.</a:t>
+            </a:r>
+          </a:p>
+          <a:p>
+            <a:pPr algn="ctr"/>
+            <a:r>
+              <a:rPr lang="en-US" sz="1400" dirty="0" smtClean="0">
+                <a:solidFill>
+                  <a:schemeClr val="tx1"/>
+                </a:solidFill>
+              </a:rPr>
+              <a:t>Full stack</a:t>
+            </a:r>
+          </a:p>
+        </p:txBody>
+      </p:sp>
+      <p:sp>
+        <p:nvSpPr>
+          <p:cNvPr id="13" name="Rectangle 12"/>
+          <p:cNvSpPr/>
+          <p:nvPr/>
+        </p:nvSpPr>
+        <p:spPr>
+          <a:xfrm>
+            <a:off x="7010400" y="4038600"/>
+            <a:ext cx="1752600" cy="2590800"/>
+          </a:xfrm>
+          <a:prstGeom prst="rect">
+            <a:avLst/>
+          </a:prstGeom>
+          <a:gradFill flip="none" rotWithShape="1">
+            <a:gsLst>
+              <a:gs pos="43000">
+                <a:schemeClr val="accent6">
+                  <a:lumMod val="40000"/>
+                  <a:lumOff val="60000"/>
+                  <a:alpha val="62000"/>
+                </a:schemeClr>
+              </a:gs>
+              <a:gs pos="50000">
+                <a:schemeClr val="accent1">
+                  <a:tint val="44500"/>
+                  <a:satMod val="160000"/>
+                </a:schemeClr>
+              </a:gs>
+              <a:gs pos="100000">
+                <a:schemeClr val="accent1">
+                  <a:tint val="23500"/>
+                  <a:satMod val="160000"/>
+                </a:schemeClr>
+              </a:gs>
+            </a:gsLst>
+            <a:lin ang="5400000" scaled="1"/>
+            <a:tileRect/>
+          </a:gradFill>
+        </p:spPr>
+        <p:style>
+          <a:lnRef idx="2">
+            <a:schemeClr val="accent1">
+              <a:shade val="50000"/>
+            </a:schemeClr>
+          </a:lnRef>
+          <a:fillRef idx="1">
+            <a:schemeClr val="accent1"/>
+          </a:fillRef>
+          <a:effectRef idx="0">
+            <a:schemeClr val="accent1"/>
+          </a:effectRef>
+          <a:fontRef idx="minor">
+            <a:schemeClr val="lt1"/>
+          </a:fontRef>
+        </p:style>
+        <p:txBody>
+          <a:bodyPr rtlCol="0" anchor="ctr"/>
+          <a:lstStyle/>
+          <a:p>
+            <a:pPr algn="ctr"/>
+            <a:r>
+              <a:rPr lang="en-US" sz="1600" b="1" u="sng" dirty="0" smtClean="0">
+                <a:solidFill>
+                  <a:schemeClr val="tx1"/>
+                </a:solidFill>
+              </a:rPr>
+              <a:t>Descending Full Stack</a:t>
+            </a:r>
+          </a:p>
+          <a:p>
+            <a:pPr algn="ctr"/>
+            <a:r>
+              <a:rPr lang="en-US" sz="1600" dirty="0" smtClean="0">
+                <a:solidFill>
+                  <a:schemeClr val="tx1"/>
+                </a:solidFill>
+              </a:rPr>
+              <a:t>Stack pointer points to the location in which the last item was stored. A push will increment the stack pointer and store the value</a:t>
+            </a:r>
+            <a:endParaRPr lang="en-US" sz="1600" b="1" u="sng" dirty="0" smtClean="0"/>
+          </a:p>
+        </p:txBody>
+      </p:sp>
+      <p:cxnSp>
+        <p:nvCxnSpPr>
+          <p:cNvPr id="15" name="Straight Arrow Connector 14"/>
+          <p:cNvCxnSpPr>
+            <a:stCxn id="3" idx="2"/>
+          </p:cNvCxnSpPr>
+          <p:nvPr/>
+        </p:nvCxnSpPr>
+        <p:spPr>
+          <a:xfrm flipH="1">
+            <a:off x="1295400" y="3581400"/>
+            <a:ext cx="1143000" cy="381000"/>
+          </a:xfrm>
+          <a:prstGeom prst="straightConnector1">
+            <a:avLst/>
+          </a:prstGeom>
+          <a:ln>
+            <a:tailEnd type="arrow"/>
+          </a:ln>
+        </p:spPr>
+        <p:style>
+          <a:lnRef idx="1">
+            <a:schemeClr val="accent1"/>
+          </a:lnRef>
+          <a:fillRef idx="0">
+            <a:schemeClr val="accent1"/>
+          </a:fillRef>
+          <a:effectRef idx="0">
+            <a:schemeClr val="accent1"/>
+          </a:effectRef>
+          <a:fontRef idx="minor">
+            <a:schemeClr val="tx1"/>
+          </a:fontRef>
+        </p:style>
+      </p:cxnSp>
+      <p:cxnSp>
+        <p:nvCxnSpPr>
+          <p:cNvPr id="18" name="Straight Arrow Connector 17"/>
+          <p:cNvCxnSpPr/>
+          <p:nvPr/>
+        </p:nvCxnSpPr>
+        <p:spPr>
+          <a:xfrm flipH="1">
+            <a:off x="5562600" y="3581400"/>
+            <a:ext cx="1143000" cy="381000"/>
+          </a:xfrm>
+          <a:prstGeom prst="straightConnector1">
+            <a:avLst/>
+          </a:prstGeom>
+          <a:ln>
+            <a:tailEnd type="arrow"/>
+          </a:ln>
+        </p:spPr>
+        <p:style>
+          <a:lnRef idx="1">
+            <a:schemeClr val="accent1"/>
+          </a:lnRef>
+          <a:fillRef idx="0">
+            <a:schemeClr val="accent1"/>
+          </a:fillRef>
+          <a:effectRef idx="0">
+            <a:schemeClr val="accent1"/>
+          </a:effectRef>
+          <a:fontRef idx="minor">
+            <a:schemeClr val="tx1"/>
+          </a:fontRef>
+        </p:style>
+      </p:cxnSp>
+      <p:cxnSp>
+        <p:nvCxnSpPr>
+          <p:cNvPr id="20" name="Straight Arrow Connector 19"/>
+          <p:cNvCxnSpPr>
+            <a:stCxn id="3" idx="2"/>
+          </p:cNvCxnSpPr>
+          <p:nvPr/>
+        </p:nvCxnSpPr>
+        <p:spPr>
+          <a:xfrm>
+            <a:off x="2438400" y="3581400"/>
+            <a:ext cx="914400" cy="381000"/>
+          </a:xfrm>
+          <a:prstGeom prst="straightConnector1">
+            <a:avLst/>
+          </a:prstGeom>
+          <a:ln>
+            <a:tailEnd type="arrow"/>
+          </a:ln>
+        </p:spPr>
+        <p:style>
+          <a:lnRef idx="1">
+            <a:schemeClr val="accent1"/>
+          </a:lnRef>
+          <a:fillRef idx="0">
+            <a:schemeClr val="accent1"/>
+          </a:fillRef>
+          <a:effectRef idx="0">
+            <a:schemeClr val="accent1"/>
+          </a:effectRef>
+          <a:fontRef idx="minor">
+            <a:schemeClr val="tx1"/>
+          </a:fontRef>
+        </p:style>
+      </p:cxnSp>
+      <p:cxnSp>
+        <p:nvCxnSpPr>
+          <p:cNvPr id="21" name="Straight Arrow Connector 20"/>
+          <p:cNvCxnSpPr/>
+          <p:nvPr/>
+        </p:nvCxnSpPr>
+        <p:spPr>
+          <a:xfrm>
+            <a:off x="6858000" y="3581400"/>
+            <a:ext cx="914400" cy="381000"/>
+          </a:xfrm>
+          <a:prstGeom prst="straightConnector1">
+            <a:avLst/>
+          </a:prstGeom>
+          <a:ln>
+            <a:tailEnd type="arrow"/>
+          </a:ln>
+        </p:spPr>
+        <p:style>
+          <a:lnRef idx="1">
+            <a:schemeClr val="accent1"/>
+          </a:lnRef>
+          <a:fillRef idx="0">
+            <a:schemeClr val="accent1"/>
+          </a:fillRef>
+          <a:effectRef idx="0">
+            <a:schemeClr val="accent1"/>
+          </a:effectRef>
+          <a:fontRef idx="minor">
+            <a:schemeClr val="tx1"/>
+          </a:fontRef>
+        </p:style>
+      </p:cxnSp>
+    </p:spTree>
+  </p:cSld>
+  <p:clrMapOvr>
+    <a:masterClrMapping/>
+  </p:clrMapOvr>
+  <p:timing>
+    <p:tnLst>
+      <p:par>
+        <p:cTn id="1" dur="indefinite" restart="never" nodeType="tmRoot"/>
+      </p:par>
+    </p:tnLst>
+  </p:timing>
+</p:sld>
+</file>
+
+<file path=ppt/slides/slide12.xml><?xml version="1.0" encoding="utf-8"?>
+<p:sld xmlns:a="http://schemas.openxmlformats.org/drawingml/2006/main" xmlns:r="http://schemas.openxmlformats.org/officeDocument/2006/relationships" xmlns:p="http://schemas.openxmlformats.org/presentationml/2006/main">
+  <p:cSld>
+    <p:spTree>
+      <p:nvGrpSpPr>
+        <p:cNvPr id="1" name=""/>
+        <p:cNvGrpSpPr/>
+        <p:nvPr/>
+      </p:nvGrpSpPr>
+      <p:grpSpPr>
+        <a:xfrm>
+          <a:off x="0" y="0"/>
+          <a:ext cx="0" cy="0"/>
+          <a:chOff x="0" y="0"/>
+          <a:chExt cx="0" cy="0"/>
+        </a:xfrm>
+      </p:grpSpPr>
+      <p:sp>
+        <p:nvSpPr>
           <p:cNvPr id="2" name="TextBox 1"/>
           <p:cNvSpPr txBox="1"/>
           <p:nvPr/>
@@ -5474,28 +6392,14 @@
             </a:pPr>
             <a:r>
               <a:rPr lang="en-US" dirty="0" smtClean="0"/>
-              <a:t>The </a:t>
-            </a:r>
+              <a:t>The Cortex M4 uses a full descending stack. This means the stack pointer holds the </a:t>
+            </a:r>
+          </a:p>
+          <a:p>
             <a:r>
               <a:rPr lang="en-US" dirty="0" smtClean="0"/>
-              <a:t>Cortex M4 uses </a:t>
-            </a:r>
-            <a:r>
-              <a:rPr lang="en-US" dirty="0" smtClean="0"/>
-              <a:t>a full descending stack. This means the stack pointer holds the </a:t>
-            </a:r>
-            <a:endParaRPr lang="en-US" dirty="0" smtClean="0"/>
-          </a:p>
-          <a:p>
-            <a:r>
-              <a:rPr lang="en-US" dirty="0" smtClean="0"/>
-              <a:t>  address of the </a:t>
-            </a:r>
-            <a:r>
-              <a:rPr lang="en-US" dirty="0" smtClean="0"/>
-              <a:t>last stacked item in memory. </a:t>
-            </a:r>
-            <a:endParaRPr lang="en-US" dirty="0" smtClean="0"/>
+              <a:t>  address of the last stacked item in memory. </a:t>
+            </a:r>
           </a:p>
           <a:p>
             <a:pPr>
@@ -5517,36 +6421,16 @@
               <a:rPr lang="en-US" i="1" dirty="0" smtClean="0"/>
               <a:t>main stack and the process </a:t>
             </a:r>
-            <a:r>
-              <a:rPr lang="en-US" i="1" dirty="0" smtClean="0"/>
-              <a:t/>
-            </a:r>
             <a:br>
               <a:rPr lang="en-US" i="1" dirty="0" smtClean="0"/>
             </a:br>
             <a:r>
               <a:rPr lang="en-US" i="1" dirty="0" smtClean="0"/>
-              <a:t>stack</a:t>
-            </a:r>
-            <a:r>
-              <a:rPr lang="en-US" i="1" dirty="0" smtClean="0"/>
-              <a:t>, with a pointer for </a:t>
-            </a:r>
-            <a:r>
-              <a:rPr lang="en-US" i="1" dirty="0" smtClean="0"/>
-              <a:t>each </a:t>
+              <a:t>stack, with a pointer for each </a:t>
             </a:r>
             <a:r>
               <a:rPr lang="en-US" dirty="0" smtClean="0"/>
-              <a:t>held </a:t>
-            </a:r>
-            <a:r>
-              <a:rPr lang="en-US" dirty="0" smtClean="0"/>
-              <a:t>in independent registers</a:t>
-            </a:r>
-            <a:r>
-              <a:rPr lang="en-US" dirty="0" smtClean="0"/>
-              <a:t>,</a:t>
+              <a:t>held in independent registers,</a:t>
             </a:r>
           </a:p>
           <a:p>
@@ -6627,7 +7511,7 @@
 </p:sld>
 </file>
 
-<file path=ppt/slides/slide11.xml><?xml version="1.0" encoding="utf-8"?>
+<file path=ppt/slides/slide13.xml><?xml version="1.0" encoding="utf-8"?>
 <p:sld xmlns:a="http://schemas.openxmlformats.org/drawingml/2006/main" xmlns:r="http://schemas.openxmlformats.org/officeDocument/2006/relationships" xmlns:p="http://schemas.openxmlformats.org/presentationml/2006/main">
   <p:cSld>
     <p:spTree>
@@ -7026,15 +7910,7 @@
           <a:p>
             <a:r>
               <a:rPr lang="en-US" b="1" dirty="0" smtClean="0"/>
-              <a:t>The </a:t>
-            </a:r>
-            <a:r>
-              <a:rPr lang="en-US" b="1" dirty="0" smtClean="0"/>
-              <a:t>CONTROL is a 32 bit  register, that  </a:t>
-            </a:r>
-            <a:r>
-              <a:rPr lang="en-US" b="1" dirty="0" smtClean="0"/>
-              <a:t>controls the </a:t>
+              <a:t>The CONTROL is a 32 bit  register, that  controls the </a:t>
             </a:r>
           </a:p>
           <a:p>
@@ -7044,15 +7920,7 @@
             </a:pPr>
             <a:r>
               <a:rPr lang="en-US" dirty="0" smtClean="0"/>
-              <a:t>Which stack </a:t>
-            </a:r>
-            <a:r>
-              <a:rPr lang="en-US" dirty="0" smtClean="0"/>
-              <a:t>used </a:t>
-            </a:r>
-            <a:r>
-              <a:rPr lang="en-US" dirty="0" smtClean="0"/>
-              <a:t> at a given time</a:t>
+              <a:t>Which stack used  at a given time</a:t>
             </a:r>
           </a:p>
           <a:p>
@@ -7062,23 +7930,7 @@
             </a:pPr>
             <a:r>
               <a:rPr lang="en-US" dirty="0" smtClean="0"/>
-              <a:t>When </a:t>
-            </a:r>
-            <a:r>
-              <a:rPr lang="en-US" dirty="0" smtClean="0"/>
-              <a:t>the processor is in Thread mode </a:t>
-            </a:r>
-            <a:r>
-              <a:rPr lang="en-US" dirty="0" smtClean="0"/>
-              <a:t> it decides the </a:t>
-            </a:r>
-            <a:r>
-              <a:rPr lang="en-US" dirty="0" smtClean="0"/>
-              <a:t>privilege </a:t>
-            </a:r>
-            <a:r>
-              <a:rPr lang="en-US" dirty="0" smtClean="0"/>
-              <a:t>level</a:t>
+              <a:t>When the processor is in Thread mode  it decides the privilege level</a:t>
             </a:r>
           </a:p>
           <a:p>
@@ -7088,19 +7940,7 @@
             </a:pPr>
             <a:r>
               <a:rPr lang="en-US" dirty="0" smtClean="0"/>
-              <a:t>I</a:t>
-            </a:r>
-            <a:r>
-              <a:rPr lang="en-US" dirty="0" smtClean="0"/>
-              <a:t>ndicates </a:t>
-            </a:r>
-            <a:r>
-              <a:rPr lang="en-US" dirty="0" smtClean="0"/>
-              <a:t>whether the </a:t>
-            </a:r>
-            <a:r>
-              <a:rPr lang="en-US" dirty="0" smtClean="0"/>
-              <a:t>Floating point Unit  is  active</a:t>
+              <a:t>Indicates whether the Floating point Unit  is  active</a:t>
             </a:r>
             <a:endParaRPr lang="en-US" dirty="0"/>
           </a:p>
@@ -7464,7 +8304,7 @@
 </p:sld>
 </file>
 
-<file path=ppt/slides/slide12.xml><?xml version="1.0" encoding="utf-8"?>
+<file path=ppt/slides/slide14.xml><?xml version="1.0" encoding="utf-8"?>
 <p:sld xmlns:a="http://schemas.openxmlformats.org/drawingml/2006/main" xmlns:r="http://schemas.openxmlformats.org/officeDocument/2006/relationships" xmlns:p="http://schemas.openxmlformats.org/presentationml/2006/main">
   <p:cSld>
     <p:spTree>
@@ -9064,11 +9904,7 @@
           <a:p>
             <a:r>
               <a:rPr lang="en-US" sz="1050" dirty="0" smtClean="0"/>
-              <a:t>E</a:t>
-            </a:r>
-            <a:r>
-              <a:rPr lang="en-US" sz="1050" dirty="0" smtClean="0"/>
-              <a:t>PSR</a:t>
+              <a:t>EPSR</a:t>
             </a:r>
             <a:endParaRPr lang="en-US" sz="1050" dirty="0"/>
           </a:p>
@@ -9209,7 +10045,7 @@
 </p:sld>
 </file>
 
-<file path=ppt/slides/slide13.xml><?xml version="1.0" encoding="utf-8"?>
+<file path=ppt/slides/slide15.xml><?xml version="1.0" encoding="utf-8"?>
 <p:sld xmlns:a="http://schemas.openxmlformats.org/drawingml/2006/main" xmlns:r="http://schemas.openxmlformats.org/officeDocument/2006/relationships" xmlns:p="http://schemas.openxmlformats.org/presentationml/2006/main">
   <p:cSld>
     <p:spTree>
@@ -9256,31 +10092,7 @@
           <a:p>
             <a:r>
               <a:rPr lang="en-US" dirty="0" smtClean="0"/>
-              <a:t>The APSR contains the status flags (</a:t>
-            </a:r>
-            <a:r>
-              <a:rPr lang="en-US" dirty="0" smtClean="0"/>
-              <a:t>N, C</a:t>
-            </a:r>
-            <a:r>
-              <a:rPr lang="en-US" dirty="0" smtClean="0"/>
-              <a:t>, V, and Z), the Greater Than or Equal flags (used by the SEL instruction), and </a:t>
-            </a:r>
-            <a:r>
-              <a:rPr lang="en-US" dirty="0" smtClean="0"/>
-              <a:t>an additional </a:t>
-            </a:r>
-            <a:r>
-              <a:rPr lang="en-US" dirty="0" smtClean="0"/>
-              <a:t>“sticky” Q flag used in saturation arithmetic, where sticky in this </a:t>
-            </a:r>
-            <a:r>
-              <a:rPr lang="en-US" dirty="0" smtClean="0"/>
-              <a:t>case means </a:t>
-            </a:r>
-            <a:r>
-              <a:rPr lang="en-US" dirty="0" smtClean="0"/>
-              <a:t>that the bit can only be cleared by explicitly writing a zero to it.</a:t>
+              <a:t>The APSR contains the status flags (N, C, V, and Z), the Greater Than or Equal flags (used by the SEL instruction), and an additional “sticky” Q flag used in saturation arithmetic, where sticky in this case means that the bit can only be cleared by explicitly writing a zero to it.</a:t>
             </a:r>
             <a:endParaRPr lang="en-US" dirty="0"/>
           </a:p>
@@ -9871,7 +10683,7 @@
 </p:sld>
 </file>
 
-<file path=ppt/slides/slide14.xml><?xml version="1.0" encoding="utf-8"?>
+<file path=ppt/slides/slide16.xml><?xml version="1.0" encoding="utf-8"?>
 <p:sld xmlns:a="http://schemas.openxmlformats.org/drawingml/2006/main" xmlns:r="http://schemas.openxmlformats.org/officeDocument/2006/relationships" xmlns:p="http://schemas.openxmlformats.org/presentationml/2006/main">
   <p:cSld>
     <p:spTree>
@@ -9987,21 +10799,13 @@
           <a:p>
             <a:r>
               <a:rPr lang="en-US" dirty="0" smtClean="0"/>
-              <a:t>2. Depending on the value of APSR.GE, assigns the destination register the value </a:t>
-            </a:r>
+              <a:t>2. Depending on the value of APSR.GE, assigns the destination register the value of</a:t>
+            </a:r>
+          </a:p>
+          <a:p>
             <a:r>
               <a:rPr lang="en-US" dirty="0" smtClean="0"/>
-              <a:t>of</a:t>
-            </a:r>
-          </a:p>
-          <a:p>
-            <a:r>
-              <a:rPr lang="en-US" dirty="0" smtClean="0"/>
-              <a:t> either  the </a:t>
-            </a:r>
-            <a:r>
-              <a:rPr lang="en-US" dirty="0" smtClean="0"/>
-              <a:t>first or second operand register.</a:t>
+              <a:t> either  the first or second operand register.</a:t>
             </a:r>
             <a:endParaRPr lang="en-US" dirty="0"/>
           </a:p>
@@ -10043,23 +10847,11 @@
           <a:p>
             <a:r>
               <a:rPr lang="en-US" dirty="0" smtClean="0"/>
-              <a:t>SEL </a:t>
-            </a:r>
-            <a:r>
-              <a:rPr lang="en-US" dirty="0" smtClean="0"/>
-              <a:t>R1, </a:t>
-            </a:r>
-            <a:r>
-              <a:rPr lang="en-US" dirty="0" smtClean="0"/>
-              <a:t>R0, R3 ; </a:t>
+              <a:t>SEL R1, R0, R3 ; </a:t>
             </a:r>
             <a:r>
               <a:rPr lang="en-US" sz="1600" dirty="0" smtClean="0"/>
-              <a:t>Select bytes from R0 or </a:t>
-            </a:r>
-            <a:r>
-              <a:rPr lang="en-US" sz="1600" dirty="0" smtClean="0"/>
-              <a:t>R3 and assign to </a:t>
+              <a:t>Select bytes from R0 or R3 and assign to </a:t>
             </a:r>
             <a:r>
               <a:rPr lang="en-US" sz="1600" dirty="0" err="1" smtClean="0"/>
@@ -10067,11 +10859,7 @@
             </a:r>
             <a:r>
               <a:rPr lang="en-US" sz="1600" dirty="0" smtClean="0"/>
-              <a:t> R1, </a:t>
-            </a:r>
-            <a:r>
-              <a:rPr lang="en-US" sz="1600" dirty="0" smtClean="0"/>
-              <a:t>based on GE.</a:t>
+              <a:t> R1, based on GE.</a:t>
             </a:r>
             <a:endParaRPr lang="en-US" sz="1600" dirty="0"/>
           </a:p>
@@ -10085,7 +10873,7 @@
 </p:sld>
 </file>
 
-<file path=ppt/slides/slide15.xml><?xml version="1.0" encoding="utf-8"?>
+<file path=ppt/slides/slide17.xml><?xml version="1.0" encoding="utf-8"?>
 <p:sld xmlns:a="http://schemas.openxmlformats.org/drawingml/2006/main" xmlns:r="http://schemas.openxmlformats.org/officeDocument/2006/relationships" xmlns:p="http://schemas.openxmlformats.org/presentationml/2006/main">
   <p:cSld>
     <p:spTree>
@@ -10132,19 +10920,7 @@
           <a:p>
             <a:r>
               <a:rPr lang="en-US" dirty="0" smtClean="0"/>
-              <a:t>IPSR  contains </a:t>
-            </a:r>
-            <a:r>
-              <a:rPr lang="en-US" dirty="0" smtClean="0"/>
-              <a:t>only an exception number that is used in handling faults and other </a:t>
-            </a:r>
-            <a:r>
-              <a:rPr lang="en-US" dirty="0" smtClean="0"/>
-              <a:t>types of </a:t>
-            </a:r>
-            <a:r>
-              <a:rPr lang="en-US" dirty="0" smtClean="0"/>
-              <a:t>exceptions.</a:t>
+              <a:t>IPSR  contains only an exception number that is used in handling faults and other types of exceptions.</a:t>
             </a:r>
             <a:endParaRPr lang="en-US" dirty="0"/>
           </a:p>
@@ -10174,19 +10950,7 @@
             <a:pPr algn="ctr"/>
             <a:r>
               <a:rPr lang="en-US" sz="3600" dirty="0" smtClean="0"/>
-              <a:t>Interrupt </a:t>
-            </a:r>
-            <a:r>
-              <a:rPr lang="en-US" sz="3600" dirty="0" smtClean="0"/>
-              <a:t>Program Status </a:t>
-            </a:r>
-            <a:r>
-              <a:rPr lang="en-US" sz="3600" dirty="0" smtClean="0"/>
-              <a:t>Register (</a:t>
-            </a:r>
-            <a:r>
-              <a:rPr lang="en-US" sz="3600" dirty="0" smtClean="0"/>
-              <a:t>IPSR)</a:t>
+              <a:t>Interrupt Program Status Register (IPSR)</a:t>
             </a:r>
             <a:endParaRPr lang="en-US" sz="6600" dirty="0" smtClean="0"/>
           </a:p>
@@ -10771,7 +11535,7 @@
 </p:sld>
 </file>
 
-<file path=ppt/slides/slide16.xml><?xml version="1.0" encoding="utf-8"?>
+<file path=ppt/slides/slide18.xml><?xml version="1.0" encoding="utf-8"?>
 <p:sld xmlns:a="http://schemas.openxmlformats.org/drawingml/2006/main" xmlns:r="http://schemas.openxmlformats.org/officeDocument/2006/relationships" xmlns:p="http://schemas.openxmlformats.org/presentationml/2006/main">
   <p:cSld>
     <p:spTree>
@@ -10819,17 +11583,8 @@
           <a:p>
             <a:r>
               <a:rPr lang="en-US" dirty="0" smtClean="0"/>
-              <a:t>Two fields contain the IF-THEN instruction status bits </a:t>
-            </a:r>
-            <a:r>
-              <a:rPr lang="en-US" dirty="0" smtClean="0"/>
-              <a:t>overlapped with </a:t>
-            </a:r>
-            <a:r>
-              <a:rPr lang="en-US" dirty="0" smtClean="0"/>
-              <a:t>the </a:t>
-            </a:r>
-            <a:endParaRPr lang="en-US" dirty="0" smtClean="0"/>
+              <a:t>Two fields contain the IF-THEN instruction status bits overlapped with the </a:t>
+            </a:r>
           </a:p>
           <a:p>
             <a:r>
@@ -10842,17 +11597,8 @@
             </a:r>
             <a:r>
               <a:rPr lang="en-US" dirty="0" smtClean="0"/>
-              <a:t> </a:t>
-            </a:r>
-            <a:r>
-              <a:rPr lang="en-US" dirty="0" smtClean="0"/>
-              <a:t>Instruction (ICI) bits,  </a:t>
-            </a:r>
-            <a:r>
-              <a:rPr lang="en-US" dirty="0" smtClean="0"/>
-              <a:t>PLUS the Thumb (T) bit</a:t>
-            </a:r>
-            <a:endParaRPr lang="en-US" dirty="0" smtClean="0"/>
+              <a:t> Instruction (ICI) bits,  PLUS the Thumb (T) bit</a:t>
+            </a:r>
           </a:p>
         </p:txBody>
       </p:sp>
@@ -10880,23 +11626,7 @@
             <a:pPr algn="ctr"/>
             <a:r>
               <a:rPr lang="en-US" sz="3600" dirty="0" smtClean="0"/>
-              <a:t>Execution Program Status </a:t>
-            </a:r>
-            <a:r>
-              <a:rPr lang="en-US" sz="3600" dirty="0" smtClean="0"/>
-              <a:t>Register </a:t>
-            </a:r>
-            <a:r>
-              <a:rPr lang="en-US" sz="3600" dirty="0" smtClean="0"/>
-              <a:t>(</a:t>
-            </a:r>
-            <a:r>
-              <a:rPr lang="en-US" sz="3600" dirty="0" smtClean="0"/>
-              <a:t>E</a:t>
-            </a:r>
-            <a:r>
-              <a:rPr lang="en-US" sz="3600" dirty="0" smtClean="0"/>
-              <a:t>PSR)</a:t>
+              <a:t>Execution Program Status Register (EPSR)</a:t>
             </a:r>
             <a:endParaRPr lang="en-US" sz="6600" dirty="0" smtClean="0"/>
           </a:p>
@@ -11388,7 +12118,7 @@
 </p:sld>
 </file>
 
-<file path=ppt/slides/slide17.xml><?xml version="1.0" encoding="utf-8"?>
+<file path=ppt/slides/slide19.xml><?xml version="1.0" encoding="utf-8"?>
 <p:sld xmlns:a="http://schemas.openxmlformats.org/drawingml/2006/main" xmlns:r="http://schemas.openxmlformats.org/officeDocument/2006/relationships" xmlns:p="http://schemas.openxmlformats.org/presentationml/2006/main">
   <p:cSld>
     <p:spTree>
@@ -11429,21 +12159,13 @@
           <a:p>
             <a:r>
               <a:rPr lang="en-US" sz="1400" dirty="0" smtClean="0"/>
-              <a:t>When </a:t>
-            </a:r>
+              <a:t>When an interrupt occurs during the execution of an LDM, STM, PUSH, or POP instruction, and when</a:t>
+            </a:r>
+          </a:p>
+          <a:p>
             <a:r>
               <a:rPr lang="en-US" sz="1400" dirty="0" smtClean="0"/>
-              <a:t>an interrupt occurs during the execution of an LDM, STM, PUSH, or POP instruction, and when</a:t>
-            </a:r>
-          </a:p>
-          <a:p>
-            <a:r>
-              <a:rPr lang="en-US" sz="1400" dirty="0" smtClean="0"/>
-              <a:t>an FPU is implemented an VLDM, VSTM, VPUSH, or VPOP instruction, the processor</a:t>
-            </a:r>
-            <a:r>
-              <a:rPr lang="en-US" sz="1400" dirty="0" smtClean="0"/>
-              <a:t>:</a:t>
+              <a:t>an FPU is implemented an VLDM, VSTM, VPUSH, or VPOP instruction, the processor:</a:t>
             </a:r>
           </a:p>
           <a:p>
@@ -11458,11 +12180,7 @@
           <a:p>
             <a:r>
               <a:rPr lang="en-US" sz="1400" dirty="0" smtClean="0"/>
-              <a:t>• stores the next register operand in the multiple operation to EPSR bits[15:12</a:t>
-            </a:r>
-            <a:r>
-              <a:rPr lang="en-US" sz="1400" dirty="0" smtClean="0"/>
-              <a:t>].</a:t>
+              <a:t>• stores the next register operand in the multiple operation to EPSR bits[15:12].</a:t>
             </a:r>
           </a:p>
           <a:p>
@@ -11483,11 +12201,7 @@
           <a:p>
             <a:r>
               <a:rPr lang="en-US" sz="1400" dirty="0" smtClean="0"/>
-              <a:t>• resumes execution of the multiple load or store instruction</a:t>
-            </a:r>
-            <a:r>
-              <a:rPr lang="en-US" sz="1400" dirty="0" smtClean="0"/>
-              <a:t>.</a:t>
+              <a:t>• resumes execution of the multiple load or store instruction.</a:t>
             </a:r>
           </a:p>
           <a:p>
@@ -11592,7 +12306,208 @@
 </p:sld>
 </file>
 
-<file path=ppt/slides/slide18.xml><?xml version="1.0" encoding="utf-8"?>
+<file path=ppt/slides/slide2.xml><?xml version="1.0" encoding="utf-8"?>
+<p:sld xmlns:a="http://schemas.openxmlformats.org/drawingml/2006/main" xmlns:r="http://schemas.openxmlformats.org/officeDocument/2006/relationships" xmlns:p="http://schemas.openxmlformats.org/presentationml/2006/main">
+  <p:cSld>
+    <p:bg>
+      <p:bgPr>
+        <a:gradFill>
+          <a:gsLst>
+            <a:gs pos="0">
+              <a:srgbClr val="FFEFD1"/>
+            </a:gs>
+            <a:gs pos="64999">
+              <a:srgbClr val="F0EBD5"/>
+            </a:gs>
+            <a:gs pos="100000">
+              <a:srgbClr val="D1C39F"/>
+            </a:gs>
+          </a:gsLst>
+          <a:lin ang="5400000" scaled="0"/>
+        </a:gradFill>
+        <a:effectLst/>
+      </p:bgPr>
+    </p:bg>
+    <p:spTree>
+      <p:nvGrpSpPr>
+        <p:cNvPr id="1" name=""/>
+        <p:cNvGrpSpPr/>
+        <p:nvPr/>
+      </p:nvGrpSpPr>
+      <p:grpSpPr>
+        <a:xfrm>
+          <a:off x="0" y="0"/>
+          <a:ext cx="0" cy="0"/>
+          <a:chOff x="0" y="0"/>
+          <a:chExt cx="0" cy="0"/>
+        </a:xfrm>
+      </p:grpSpPr>
+      <p:sp>
+        <p:nvSpPr>
+          <p:cNvPr id="6" name="Title 5"/>
+          <p:cNvSpPr>
+            <a:spLocks noGrp="1"/>
+          </p:cNvSpPr>
+          <p:nvPr>
+            <p:ph type="title"/>
+          </p:nvPr>
+        </p:nvSpPr>
+        <p:spPr/>
+        <p:txBody>
+          <a:bodyPr/>
+          <a:lstStyle/>
+          <a:p>
+            <a:r>
+              <a:rPr lang="en-US" dirty="0" smtClean="0"/>
+              <a:t>Cortex M4 General View</a:t>
+            </a:r>
+            <a:endParaRPr lang="en-US" dirty="0"/>
+          </a:p>
+        </p:txBody>
+      </p:sp>
+      <p:sp>
+        <p:nvSpPr>
+          <p:cNvPr id="7" name="Content Placeholder 6"/>
+          <p:cNvSpPr>
+            <a:spLocks noGrp="1"/>
+          </p:cNvSpPr>
+          <p:nvPr>
+            <p:ph idx="1"/>
+          </p:nvPr>
+        </p:nvSpPr>
+        <p:spPr>
+          <a:ln>
+            <a:solidFill>
+              <a:schemeClr val="tx2">
+                <a:lumMod val="60000"/>
+                <a:lumOff val="40000"/>
+              </a:schemeClr>
+            </a:solidFill>
+          </a:ln>
+        </p:spPr>
+        <p:txBody>
+          <a:bodyPr/>
+          <a:lstStyle/>
+          <a:p>
+            <a:pPr>
+              <a:buNone/>
+            </a:pPr>
+            <a:r>
+              <a:rPr lang="en-US" dirty="0" smtClean="0">
+                <a:solidFill>
+                  <a:srgbClr val="002060"/>
+                </a:solidFill>
+              </a:rPr>
+              <a:t>A 32 Bit microcontroller </a:t>
+            </a:r>
+          </a:p>
+          <a:p>
+            <a:r>
+              <a:rPr lang="en-US" sz="2800" dirty="0" smtClean="0">
+                <a:solidFill>
+                  <a:srgbClr val="002060"/>
+                </a:solidFill>
+              </a:rPr>
+              <a:t>It is designed to achieve</a:t>
+            </a:r>
+          </a:p>
+          <a:p>
+            <a:pPr lvl="2"/>
+            <a:r>
+              <a:rPr lang="en-US" sz="2100" dirty="0" smtClean="0">
+                <a:solidFill>
+                  <a:srgbClr val="002060"/>
+                </a:solidFill>
+              </a:rPr>
+              <a:t>High code density, </a:t>
+            </a:r>
+          </a:p>
+          <a:p>
+            <a:pPr lvl="2"/>
+            <a:r>
+              <a:rPr lang="en-US" sz="2100" dirty="0" smtClean="0">
+                <a:solidFill>
+                  <a:srgbClr val="002060"/>
+                </a:solidFill>
+              </a:rPr>
+              <a:t>Fast interrupt response times</a:t>
+            </a:r>
+          </a:p>
+          <a:p>
+            <a:pPr lvl="2"/>
+            <a:r>
+              <a:rPr lang="en-US" sz="2100" dirty="0" smtClean="0">
+                <a:solidFill>
+                  <a:srgbClr val="002060"/>
+                </a:solidFill>
+              </a:rPr>
+              <a:t>Signal processing Algorithms</a:t>
+            </a:r>
+          </a:p>
+          <a:p>
+            <a:pPr lvl="2"/>
+            <a:r>
+              <a:rPr lang="en-US" sz="2000" dirty="0" smtClean="0">
+                <a:solidFill>
+                  <a:srgbClr val="002060"/>
+                </a:solidFill>
+              </a:rPr>
+              <a:t>IEEE floating-point units</a:t>
+            </a:r>
+          </a:p>
+          <a:p>
+            <a:pPr lvl="2"/>
+            <a:r>
+              <a:rPr lang="en-US" sz="2000" dirty="0" smtClean="0">
+                <a:solidFill>
+                  <a:srgbClr val="002060"/>
+                </a:solidFill>
+              </a:rPr>
+              <a:t>Real time Operating System support</a:t>
+            </a:r>
+          </a:p>
+          <a:p>
+            <a:pPr lvl="2"/>
+            <a:r>
+              <a:rPr lang="en-US" sz="2000" dirty="0" smtClean="0">
+                <a:solidFill>
+                  <a:srgbClr val="002060"/>
+                </a:solidFill>
+              </a:rPr>
+              <a:t>Advance Trace Capabilities</a:t>
+            </a:r>
+            <a:endParaRPr lang="en-US" sz="2100" dirty="0" smtClean="0">
+              <a:solidFill>
+                <a:srgbClr val="002060"/>
+              </a:solidFill>
+            </a:endParaRPr>
+          </a:p>
+          <a:p>
+            <a:pPr lvl="2"/>
+            <a:endParaRPr lang="en-US" sz="2100" dirty="0" smtClean="0"/>
+          </a:p>
+          <a:p>
+            <a:pPr lvl="2"/>
+            <a:endParaRPr lang="en-US" sz="2100" dirty="0"/>
+          </a:p>
+        </p:txBody>
+      </p:sp>
+    </p:spTree>
+  </p:cSld>
+  <p:clrMapOvr>
+    <a:masterClrMapping/>
+  </p:clrMapOvr>
+  <p:timing>
+    <p:tnLst>
+      <p:par>
+        <p:cTn id="1" dur="indefinite" restart="never" nodeType="tmRoot"/>
+      </p:par>
+    </p:tnLst>
+  </p:timing>
+</p:sld>
+</file>
+
+<file path=ppt/slides/slide20.xml><?xml version="1.0" encoding="utf-8"?>
 <p:sld xmlns:a="http://schemas.openxmlformats.org/drawingml/2006/main" xmlns:r="http://schemas.openxmlformats.org/officeDocument/2006/relationships" xmlns:p="http://schemas.openxmlformats.org/presentationml/2006/main">
   <p:cSld>
     <p:spTree>
@@ -12049,7 +12964,7 @@
 </p:sld>
 </file>
 
-<file path=ppt/slides/slide19.xml><?xml version="1.0" encoding="utf-8"?>
+<file path=ppt/slides/slide21.xml><?xml version="1.0" encoding="utf-8"?>
 <p:sld xmlns:a="http://schemas.openxmlformats.org/drawingml/2006/main" xmlns:r="http://schemas.openxmlformats.org/officeDocument/2006/relationships" xmlns:p="http://schemas.openxmlformats.org/presentationml/2006/main">
   <p:cSld>
     <p:spTree>
@@ -12615,208 +13530,7 @@
 </p:sld>
 </file>
 
-<file path=ppt/slides/slide2.xml><?xml version="1.0" encoding="utf-8"?>
-<p:sld xmlns:a="http://schemas.openxmlformats.org/drawingml/2006/main" xmlns:r="http://schemas.openxmlformats.org/officeDocument/2006/relationships" xmlns:p="http://schemas.openxmlformats.org/presentationml/2006/main">
-  <p:cSld>
-    <p:bg>
-      <p:bgPr>
-        <a:gradFill>
-          <a:gsLst>
-            <a:gs pos="0">
-              <a:srgbClr val="FFEFD1"/>
-            </a:gs>
-            <a:gs pos="64999">
-              <a:srgbClr val="F0EBD5"/>
-            </a:gs>
-            <a:gs pos="100000">
-              <a:srgbClr val="D1C39F"/>
-            </a:gs>
-          </a:gsLst>
-          <a:lin ang="5400000" scaled="0"/>
-        </a:gradFill>
-        <a:effectLst/>
-      </p:bgPr>
-    </p:bg>
-    <p:spTree>
-      <p:nvGrpSpPr>
-        <p:cNvPr id="1" name=""/>
-        <p:cNvGrpSpPr/>
-        <p:nvPr/>
-      </p:nvGrpSpPr>
-      <p:grpSpPr>
-        <a:xfrm>
-          <a:off x="0" y="0"/>
-          <a:ext cx="0" cy="0"/>
-          <a:chOff x="0" y="0"/>
-          <a:chExt cx="0" cy="0"/>
-        </a:xfrm>
-      </p:grpSpPr>
-      <p:sp>
-        <p:nvSpPr>
-          <p:cNvPr id="6" name="Title 5"/>
-          <p:cNvSpPr>
-            <a:spLocks noGrp="1"/>
-          </p:cNvSpPr>
-          <p:nvPr>
-            <p:ph type="title"/>
-          </p:nvPr>
-        </p:nvSpPr>
-        <p:spPr/>
-        <p:txBody>
-          <a:bodyPr/>
-          <a:lstStyle/>
-          <a:p>
-            <a:r>
-              <a:rPr lang="en-US" dirty="0" smtClean="0"/>
-              <a:t>Cortex M4 General View</a:t>
-            </a:r>
-            <a:endParaRPr lang="en-US" dirty="0"/>
-          </a:p>
-        </p:txBody>
-      </p:sp>
-      <p:sp>
-        <p:nvSpPr>
-          <p:cNvPr id="7" name="Content Placeholder 6"/>
-          <p:cNvSpPr>
-            <a:spLocks noGrp="1"/>
-          </p:cNvSpPr>
-          <p:nvPr>
-            <p:ph idx="1"/>
-          </p:nvPr>
-        </p:nvSpPr>
-        <p:spPr>
-          <a:ln>
-            <a:solidFill>
-              <a:schemeClr val="tx2">
-                <a:lumMod val="60000"/>
-                <a:lumOff val="40000"/>
-              </a:schemeClr>
-            </a:solidFill>
-          </a:ln>
-        </p:spPr>
-        <p:txBody>
-          <a:bodyPr/>
-          <a:lstStyle/>
-          <a:p>
-            <a:pPr>
-              <a:buNone/>
-            </a:pPr>
-            <a:r>
-              <a:rPr lang="en-US" dirty="0" smtClean="0">
-                <a:solidFill>
-                  <a:srgbClr val="002060"/>
-                </a:solidFill>
-              </a:rPr>
-              <a:t>A 32 Bit microcontroller </a:t>
-            </a:r>
-          </a:p>
-          <a:p>
-            <a:r>
-              <a:rPr lang="en-US" sz="2800" dirty="0" smtClean="0">
-                <a:solidFill>
-                  <a:srgbClr val="002060"/>
-                </a:solidFill>
-              </a:rPr>
-              <a:t>It is designed to achieve</a:t>
-            </a:r>
-          </a:p>
-          <a:p>
-            <a:pPr lvl="2"/>
-            <a:r>
-              <a:rPr lang="en-US" sz="2100" dirty="0" smtClean="0">
-                <a:solidFill>
-                  <a:srgbClr val="002060"/>
-                </a:solidFill>
-              </a:rPr>
-              <a:t>High code density, </a:t>
-            </a:r>
-          </a:p>
-          <a:p>
-            <a:pPr lvl="2"/>
-            <a:r>
-              <a:rPr lang="en-US" sz="2100" dirty="0" smtClean="0">
-                <a:solidFill>
-                  <a:srgbClr val="002060"/>
-                </a:solidFill>
-              </a:rPr>
-              <a:t>Fast interrupt response times</a:t>
-            </a:r>
-          </a:p>
-          <a:p>
-            <a:pPr lvl="2"/>
-            <a:r>
-              <a:rPr lang="en-US" sz="2100" dirty="0" smtClean="0">
-                <a:solidFill>
-                  <a:srgbClr val="002060"/>
-                </a:solidFill>
-              </a:rPr>
-              <a:t>Signal processing Algorithms</a:t>
-            </a:r>
-          </a:p>
-          <a:p>
-            <a:pPr lvl="2"/>
-            <a:r>
-              <a:rPr lang="en-US" sz="2000" dirty="0" smtClean="0">
-                <a:solidFill>
-                  <a:srgbClr val="002060"/>
-                </a:solidFill>
-              </a:rPr>
-              <a:t>IEEE floating-point units</a:t>
-            </a:r>
-          </a:p>
-          <a:p>
-            <a:pPr lvl="2"/>
-            <a:r>
-              <a:rPr lang="en-US" sz="2000" dirty="0" smtClean="0">
-                <a:solidFill>
-                  <a:srgbClr val="002060"/>
-                </a:solidFill>
-              </a:rPr>
-              <a:t>Real time Operating System support</a:t>
-            </a:r>
-          </a:p>
-          <a:p>
-            <a:pPr lvl="2"/>
-            <a:r>
-              <a:rPr lang="en-US" sz="2000" dirty="0" smtClean="0">
-                <a:solidFill>
-                  <a:srgbClr val="002060"/>
-                </a:solidFill>
-              </a:rPr>
-              <a:t>Advance Trace Capabilities</a:t>
-            </a:r>
-            <a:endParaRPr lang="en-US" sz="2100" dirty="0" smtClean="0">
-              <a:solidFill>
-                <a:srgbClr val="002060"/>
-              </a:solidFill>
-            </a:endParaRPr>
-          </a:p>
-          <a:p>
-            <a:pPr lvl="2"/>
-            <a:endParaRPr lang="en-US" sz="2100" dirty="0" smtClean="0"/>
-          </a:p>
-          <a:p>
-            <a:pPr lvl="2"/>
-            <a:endParaRPr lang="en-US" sz="2100" dirty="0"/>
-          </a:p>
-        </p:txBody>
-      </p:sp>
-    </p:spTree>
-  </p:cSld>
-  <p:clrMapOvr>
-    <a:masterClrMapping/>
-  </p:clrMapOvr>
-  <p:timing>
-    <p:tnLst>
-      <p:par>
-        <p:cTn id="1" dur="indefinite" restart="never" nodeType="tmRoot"/>
-      </p:par>
-    </p:tnLst>
-  </p:timing>
-</p:sld>
-</file>
-
-<file path=ppt/slides/slide20.xml><?xml version="1.0" encoding="utf-8"?>
+<file path=ppt/slides/slide22.xml><?xml version="1.0" encoding="utf-8"?>
 <p:sld xmlns:a="http://schemas.openxmlformats.org/drawingml/2006/main" xmlns:r="http://schemas.openxmlformats.org/officeDocument/2006/relationships" xmlns:p="http://schemas.openxmlformats.org/presentationml/2006/main">
   <p:cSld>
     <p:spTree>
@@ -13192,11 +13906,7 @@
             </a:r>
             <a:r>
               <a:rPr lang="en-US" i="1" dirty="0" smtClean="0"/>
-              <a:t>  Interrupt </a:t>
-            </a:r>
-            <a:r>
-              <a:rPr lang="en-US" i="1" dirty="0" smtClean="0"/>
-              <a:t>(NMI).</a:t>
+              <a:t>  Interrupt (NMI).</a:t>
             </a:r>
             <a:endParaRPr lang="en-US" dirty="0"/>
           </a:p>
@@ -13403,7 +14113,7 @@
 </p:sld>
 </file>
 
-<file path=ppt/slides/slide21.xml><?xml version="1.0" encoding="utf-8"?>
+<file path=ppt/slides/slide23.xml><?xml version="1.0" encoding="utf-8"?>
 <p:sld xmlns:a="http://schemas.openxmlformats.org/drawingml/2006/main" xmlns:r="http://schemas.openxmlformats.org/officeDocument/2006/relationships" xmlns:p="http://schemas.openxmlformats.org/presentationml/2006/main">
   <p:cSld>
     <p:spTree>
@@ -13802,23 +14512,7 @@
           <a:p>
             <a:r>
               <a:rPr lang="en-US" dirty="0" smtClean="0"/>
-              <a:t>The BASEPRI register defines the minimum priority for exception processing. When </a:t>
-            </a:r>
-            <a:r>
-              <a:rPr lang="en-US" dirty="0" smtClean="0"/>
-              <a:t>BASEPRI  is </a:t>
-            </a:r>
-            <a:r>
-              <a:rPr lang="en-US" dirty="0" smtClean="0"/>
-              <a:t>set to a nonzero value, it prevents the activation of all exceptions with the same or </a:t>
-            </a:r>
-            <a:r>
-              <a:rPr lang="en-US" dirty="0" smtClean="0"/>
-              <a:t>lower priority </a:t>
-            </a:r>
-            <a:r>
-              <a:rPr lang="en-US" dirty="0" smtClean="0"/>
-              <a:t>level as the BASEPRI value</a:t>
+              <a:t>The BASEPRI register defines the minimum priority for exception processing. When BASEPRI  is set to a nonzero value, it prevents the activation of all exceptions with the same or lower priority level as the BASEPRI value</a:t>
             </a:r>
             <a:endParaRPr lang="en-US" dirty="0"/>
           </a:p>
@@ -14051,7 +14745,7 @@
 </p:sld>
 </file>
 
-<file path=ppt/slides/slide22.xml><?xml version="1.0" encoding="utf-8"?>
+<file path=ppt/slides/slide24.xml><?xml version="1.0" encoding="utf-8"?>
 <p:sld xmlns:a="http://schemas.openxmlformats.org/drawingml/2006/main" xmlns:r="http://schemas.openxmlformats.org/officeDocument/2006/relationships" xmlns:p="http://schemas.openxmlformats.org/presentationml/2006/main">
   <p:cSld>
     <p:spTree>
@@ -14859,7 +15553,303 @@
 </p:sld>
 </file>
 
-<file path=ppt/slides/slide23.xml><?xml version="1.0" encoding="utf-8"?>
+<file path=ppt/slides/slide25.xml><?xml version="1.0" encoding="utf-8"?>
+<p:sld xmlns:a="http://schemas.openxmlformats.org/drawingml/2006/main" xmlns:r="http://schemas.openxmlformats.org/officeDocument/2006/relationships" xmlns:p="http://schemas.openxmlformats.org/presentationml/2006/main">
+  <p:cSld>
+    <p:spTree>
+      <p:nvGrpSpPr>
+        <p:cNvPr id="1" name=""/>
+        <p:cNvGrpSpPr/>
+        <p:nvPr/>
+      </p:nvGrpSpPr>
+      <p:grpSpPr>
+        <a:xfrm>
+          <a:off x="0" y="0"/>
+          <a:ext cx="0" cy="0"/>
+          <a:chOff x="0" y="0"/>
+          <a:chExt cx="0" cy="0"/>
+        </a:xfrm>
+      </p:grpSpPr>
+      <p:sp>
+        <p:nvSpPr>
+          <p:cNvPr id="3" name="Title 3"/>
+          <p:cNvSpPr txBox="1">
+            <a:spLocks/>
+          </p:cNvSpPr>
+          <p:nvPr/>
+        </p:nvSpPr>
+        <p:spPr>
+          <a:xfrm>
+            <a:off x="457200" y="228600"/>
+            <a:ext cx="7543800" cy="1295400"/>
+          </a:xfrm>
+          <a:prstGeom prst="rect">
+            <a:avLst/>
+          </a:prstGeom>
+        </p:spPr>
+        <p:txBody>
+          <a:bodyPr/>
+          <a:lstStyle/>
+          <a:p>
+            <a:pPr marL="0" marR="0" lvl="0" indent="0" algn="ctr" defTabSz="914400" rtl="0" eaLnBrk="1" fontAlgn="auto" latinLnBrk="0" hangingPunct="1">
+              <a:lnSpc>
+                <a:spcPct val="100000"/>
+              </a:lnSpc>
+              <a:spcBef>
+                <a:spcPct val="0"/>
+              </a:spcBef>
+              <a:spcAft>
+                <a:spcPts val="0"/>
+              </a:spcAft>
+              <a:buClrTx/>
+              <a:buSzTx/>
+              <a:buFontTx/>
+              <a:buNone/>
+              <a:tabLst/>
+              <a:defRPr/>
+            </a:pPr>
+            <a:r>
+              <a:rPr lang="en-US" sz="4400" dirty="0" smtClean="0">
+                <a:latin typeface="+mj-lt"/>
+                <a:ea typeface="+mj-ea"/>
+                <a:cs typeface="+mj-cs"/>
+              </a:rPr>
+              <a:t>What is IEEE Single Precision and Double Precision ?</a:t>
+            </a:r>
+            <a:endParaRPr kumimoji="0" lang="en-US" sz="4400" b="0" i="0" u="none" strike="noStrike" kern="1200" cap="none" spc="0" normalizeH="0" baseline="0" noProof="0" dirty="0">
+              <a:ln>
+                <a:noFill/>
+              </a:ln>
+              <a:solidFill>
+                <a:schemeClr val="tx1"/>
+              </a:solidFill>
+              <a:effectLst/>
+              <a:uLnTx/>
+              <a:uFillTx/>
+              <a:latin typeface="+mj-lt"/>
+              <a:ea typeface="+mj-ea"/>
+              <a:cs typeface="+mj-cs"/>
+            </a:endParaRPr>
+          </a:p>
+        </p:txBody>
+      </p:sp>
+      <p:sp>
+        <p:nvSpPr>
+          <p:cNvPr id="4" name="TextBox 3"/>
+          <p:cNvSpPr txBox="1"/>
+          <p:nvPr/>
+        </p:nvSpPr>
+        <p:spPr>
+          <a:xfrm>
+            <a:off x="152400" y="1752600"/>
+            <a:ext cx="8981946" cy="1754326"/>
+          </a:xfrm>
+          <a:prstGeom prst="rect">
+            <a:avLst/>
+          </a:prstGeom>
+          <a:noFill/>
+          <a:ln>
+            <a:solidFill>
+              <a:schemeClr val="accent1">
+                <a:shade val="95000"/>
+                <a:satMod val="105000"/>
+              </a:schemeClr>
+            </a:solidFill>
+          </a:ln>
+        </p:spPr>
+        <p:txBody>
+          <a:bodyPr wrap="none" rtlCol="0">
+            <a:spAutoFit/>
+          </a:bodyPr>
+          <a:lstStyle/>
+          <a:p>
+            <a:r>
+              <a:rPr lang="en-US" dirty="0" smtClean="0"/>
+              <a:t>The IEEE single precision floating point standard representation requires a 32 bit word</a:t>
+            </a:r>
+          </a:p>
+          <a:p>
+            <a:r>
+              <a:rPr lang="en-US" dirty="0" smtClean="0"/>
+              <a:t>which may be represented as numbered from 0 to 31, left to right.</a:t>
+            </a:r>
+          </a:p>
+          <a:p>
+            <a:pPr>
+              <a:buFont typeface="Arial" pitchFamily="34" charset="0"/>
+              <a:buChar char="•"/>
+            </a:pPr>
+            <a:r>
+              <a:rPr lang="en-US" dirty="0" smtClean="0"/>
+              <a:t>The  0</a:t>
+            </a:r>
+            <a:r>
+              <a:rPr lang="en-US" baseline="30000" dirty="0" smtClean="0"/>
+              <a:t>th</a:t>
+            </a:r>
+            <a:r>
+              <a:rPr lang="en-US" dirty="0" smtClean="0"/>
+              <a:t>  is the </a:t>
+            </a:r>
+            <a:r>
+              <a:rPr lang="en-US" b="1" dirty="0" smtClean="0"/>
+              <a:t>sign</a:t>
+            </a:r>
+            <a:r>
+              <a:rPr lang="en-US" dirty="0" smtClean="0"/>
+              <a:t> bit, S,</a:t>
+            </a:r>
+          </a:p>
+          <a:p>
+            <a:pPr>
+              <a:buFont typeface="Arial" pitchFamily="34" charset="0"/>
+              <a:buChar char="•"/>
+            </a:pPr>
+            <a:r>
+              <a:rPr lang="en-US" dirty="0" smtClean="0"/>
+              <a:t>the next eight bits [1:8]  are the </a:t>
+            </a:r>
+            <a:r>
+              <a:rPr lang="en-US" b="1" dirty="0" smtClean="0"/>
+              <a:t>exponent</a:t>
+            </a:r>
+            <a:r>
+              <a:rPr lang="en-US" dirty="0" smtClean="0"/>
+              <a:t> bits, 'E', and</a:t>
+            </a:r>
+          </a:p>
+          <a:p>
+            <a:pPr>
+              <a:buFont typeface="Arial" pitchFamily="34" charset="0"/>
+              <a:buChar char="•"/>
+            </a:pPr>
+            <a:r>
+              <a:rPr lang="en-US" dirty="0" smtClean="0"/>
+              <a:t>the final 23 bits are the </a:t>
+            </a:r>
+            <a:r>
+              <a:rPr lang="en-US" b="1" dirty="0" smtClean="0"/>
+              <a:t>fraction</a:t>
+            </a:r>
+            <a:r>
+              <a:rPr lang="en-US" dirty="0" smtClean="0"/>
+              <a:t> 'F':</a:t>
+            </a:r>
+          </a:p>
+          <a:p>
+            <a:endParaRPr lang="en-US" dirty="0"/>
+          </a:p>
+        </p:txBody>
+      </p:sp>
+      <p:sp>
+        <p:nvSpPr>
+          <p:cNvPr id="5" name="TextBox 4"/>
+          <p:cNvSpPr txBox="1"/>
+          <p:nvPr/>
+        </p:nvSpPr>
+        <p:spPr>
+          <a:xfrm>
+            <a:off x="78472" y="4038600"/>
+            <a:ext cx="9071714" cy="1754326"/>
+          </a:xfrm>
+          <a:prstGeom prst="rect">
+            <a:avLst/>
+          </a:prstGeom>
+          <a:noFill/>
+          <a:ln>
+            <a:solidFill>
+              <a:schemeClr val="accent1">
+                <a:shade val="95000"/>
+                <a:satMod val="105000"/>
+              </a:schemeClr>
+            </a:solidFill>
+          </a:ln>
+        </p:spPr>
+        <p:txBody>
+          <a:bodyPr wrap="none" rtlCol="0">
+            <a:spAutoFit/>
+          </a:bodyPr>
+          <a:lstStyle/>
+          <a:p>
+            <a:r>
+              <a:rPr lang="en-US" dirty="0" smtClean="0"/>
+              <a:t>The IEEE double precision floating point standard representation requires a 64 bit word</a:t>
+            </a:r>
+          </a:p>
+          <a:p>
+            <a:r>
+              <a:rPr lang="en-US" dirty="0" smtClean="0"/>
+              <a:t>which may be represented as numbered from 0 to 63, left to right.</a:t>
+            </a:r>
+          </a:p>
+          <a:p>
+            <a:pPr>
+              <a:buFont typeface="Arial" pitchFamily="34" charset="0"/>
+              <a:buChar char="•"/>
+            </a:pPr>
+            <a:r>
+              <a:rPr lang="en-US" dirty="0" smtClean="0"/>
+              <a:t>The first bit is the </a:t>
+            </a:r>
+            <a:r>
+              <a:rPr lang="en-US" b="1" dirty="0" smtClean="0"/>
+              <a:t>sign</a:t>
+            </a:r>
+            <a:r>
+              <a:rPr lang="en-US" dirty="0" smtClean="0"/>
+              <a:t> bit, S,</a:t>
+            </a:r>
+          </a:p>
+          <a:p>
+            <a:pPr>
+              <a:buFont typeface="Arial" pitchFamily="34" charset="0"/>
+              <a:buChar char="•"/>
+            </a:pPr>
+            <a:r>
+              <a:rPr lang="en-US" dirty="0" smtClean="0"/>
+              <a:t>The next eleven bits are the </a:t>
+            </a:r>
+            <a:r>
+              <a:rPr lang="en-US" b="1" dirty="0" smtClean="0"/>
+              <a:t>exponent</a:t>
+            </a:r>
+            <a:r>
+              <a:rPr lang="en-US" dirty="0" smtClean="0"/>
+              <a:t> bits, 'E', and</a:t>
+            </a:r>
+          </a:p>
+          <a:p>
+            <a:pPr>
+              <a:buFont typeface="Arial" pitchFamily="34" charset="0"/>
+              <a:buChar char="•"/>
+            </a:pPr>
+            <a:r>
+              <a:rPr lang="en-US" dirty="0" smtClean="0"/>
+              <a:t>The final 52 bits are the </a:t>
+            </a:r>
+            <a:r>
+              <a:rPr lang="en-US" b="1" dirty="0" smtClean="0"/>
+              <a:t>fraction</a:t>
+            </a:r>
+            <a:r>
+              <a:rPr lang="en-US" dirty="0" smtClean="0"/>
+              <a:t> 'F':</a:t>
+            </a:r>
+          </a:p>
+          <a:p>
+            <a:endParaRPr lang="en-US" dirty="0"/>
+          </a:p>
+        </p:txBody>
+      </p:sp>
+    </p:spTree>
+  </p:cSld>
+  <p:clrMapOvr>
+    <a:masterClrMapping/>
+  </p:clrMapOvr>
+</p:sld>
+</file>
+
+<file path=ppt/slides/slide26.xml><?xml version="1.0" encoding="utf-8"?>
 <p:sld xmlns:a="http://schemas.openxmlformats.org/drawingml/2006/main" xmlns:r="http://schemas.openxmlformats.org/officeDocument/2006/relationships" xmlns:p="http://schemas.openxmlformats.org/presentationml/2006/main">
   <p:cSld>
     <p:spTree>
@@ -16863,11 +17853,7 @@
           <a:p>
             <a:r>
               <a:rPr lang="en-US" sz="1200" dirty="0" smtClean="0"/>
-              <a:t> </a:t>
-            </a:r>
-            <a:r>
-              <a:rPr lang="en-US" sz="1200" dirty="0" smtClean="0"/>
-              <a:t> Exception  Register</a:t>
+              <a:t>  Exception  Register</a:t>
             </a:r>
             <a:endParaRPr lang="en-US" sz="1200" dirty="0"/>
           </a:p>
@@ -19794,7 +20780,7 @@
 </p:sld>
 </file>
 
-<file path=ppt/slides/slide24.xml><?xml version="1.0" encoding="utf-8"?>
+<file path=ppt/slides/slide27.xml><?xml version="1.0" encoding="utf-8"?>
 <p:sld xmlns:a="http://schemas.openxmlformats.org/drawingml/2006/main" xmlns:r="http://schemas.openxmlformats.org/officeDocument/2006/relationships" xmlns:p="http://schemas.openxmlformats.org/presentationml/2006/main">
   <p:cSld>
     <p:spTree>
@@ -19813,7 +20799,7 @@
       </p:grpSpPr>
       <p:sp>
         <p:nvSpPr>
-          <p:cNvPr id="3" name="Title 3"/>
+          <p:cNvPr id="3" name="Title 1"/>
           <p:cNvSpPr txBox="1">
             <a:spLocks/>
           </p:cNvSpPr>
@@ -19821,15 +20807,17 @@
         </p:nvSpPr>
         <p:spPr>
           <a:xfrm>
-            <a:off x="457200" y="228600"/>
-            <a:ext cx="7543800" cy="1295400"/>
+            <a:off x="457200" y="274638"/>
+            <a:ext cx="8229600" cy="868362"/>
           </a:xfrm>
           <a:prstGeom prst="rect">
             <a:avLst/>
           </a:prstGeom>
         </p:spPr>
         <p:txBody>
-          <a:bodyPr/>
+          <a:bodyPr vert="horz" lIns="91440" tIns="45720" rIns="91440" bIns="45720" rtlCol="0" anchor="ctr">
+            <a:normAutofit/>
+          </a:bodyPr>
           <a:lstStyle/>
           <a:p>
             <a:pPr marL="0" marR="0" lvl="0" indent="0" algn="ctr" defTabSz="914400" rtl="0" eaLnBrk="1" fontAlgn="auto" latinLnBrk="0" hangingPunct="1">
@@ -19850,12 +20838,21 @@
               <a:defRPr/>
             </a:pPr>
             <a:r>
-              <a:rPr lang="en-US" sz="4400" dirty="0" smtClean="0">
+              <a:rPr kumimoji="0" lang="en-US" sz="4400" b="0" i="0" u="none" strike="noStrike" kern="1200" cap="none" spc="0" normalizeH="0" baseline="0" noProof="0" smtClean="0">
+                <a:ln>
+                  <a:noFill/>
+                </a:ln>
+                <a:solidFill>
+                  <a:schemeClr val="tx1"/>
+                </a:solidFill>
+                <a:effectLst/>
+                <a:uLnTx/>
+                <a:uFillTx/>
                 <a:latin typeface="+mj-lt"/>
                 <a:ea typeface="+mj-ea"/>
                 <a:cs typeface="+mj-cs"/>
               </a:rPr>
-              <a:t>What is IEEE Single Precision and Double Precision ?</a:t>
+              <a:t>Cortex M4 - Architecture</a:t>
             </a:r>
             <a:endParaRPr kumimoji="0" lang="en-US" sz="4400" b="0" i="0" u="none" strike="noStrike" kern="1200" cap="none" spc="0" normalizeH="0" baseline="0" noProof="0" dirty="0">
               <a:ln>
@@ -19882,243 +20879,817 @@
         </p:nvSpPr>
         <p:spPr>
           <a:xfrm>
-            <a:off x="152400" y="1752600"/>
-            <a:ext cx="8981946" cy="1754326"/>
+            <a:off x="304800" y="1905000"/>
+            <a:ext cx="7924800" cy="2554545"/>
+          </a:xfrm>
+          <a:prstGeom prst="rect">
+            <a:avLst/>
+          </a:prstGeom>
+        </p:spPr>
+        <p:style>
+          <a:lnRef idx="0">
+            <a:schemeClr val="accent5"/>
+          </a:lnRef>
+          <a:fillRef idx="3">
+            <a:schemeClr val="accent5"/>
+          </a:fillRef>
+          <a:effectRef idx="3">
+            <a:schemeClr val="accent5"/>
+          </a:effectRef>
+          <a:fontRef idx="minor">
+            <a:schemeClr val="lt1"/>
+          </a:fontRef>
+        </p:style>
+        <p:txBody>
+          <a:bodyPr wrap="square" rtlCol="0">
+            <a:spAutoFit/>
+          </a:bodyPr>
+          <a:lstStyle/>
+          <a:p>
+            <a:pPr>
+              <a:buFont typeface="Wingdings" pitchFamily="2" charset="2"/>
+              <a:buChar char="ü"/>
+            </a:pPr>
+            <a:r>
+              <a:rPr lang="en-US" sz="4000" dirty="0" smtClean="0"/>
+              <a:t>Programmer View</a:t>
+            </a:r>
+          </a:p>
+          <a:p>
+            <a:pPr>
+              <a:buFont typeface="Wingdings" pitchFamily="2" charset="2"/>
+              <a:buChar char="Ø"/>
+            </a:pPr>
+            <a:r>
+              <a:rPr lang="en-US" sz="4000" dirty="0" smtClean="0">
+                <a:solidFill>
+                  <a:srgbClr val="FFFF00"/>
+                </a:solidFill>
+              </a:rPr>
+              <a:t>Memory architecture.</a:t>
+            </a:r>
+          </a:p>
+          <a:p>
+            <a:pPr>
+              <a:buFont typeface="Wingdings" pitchFamily="2" charset="2"/>
+              <a:buChar char="v"/>
+            </a:pPr>
+            <a:r>
+              <a:rPr lang="en-US" sz="4000" dirty="0" smtClean="0">
+                <a:solidFill>
+                  <a:schemeClr val="tx1">
+                    <a:lumMod val="65000"/>
+                    <a:lumOff val="35000"/>
+                  </a:schemeClr>
+                </a:solidFill>
+              </a:rPr>
+              <a:t>Nested Vectored Interrupt Control.</a:t>
+            </a:r>
+          </a:p>
+          <a:p>
+            <a:pPr>
+              <a:buFont typeface="Wingdings" pitchFamily="2" charset="2"/>
+              <a:buChar char="v"/>
+            </a:pPr>
+            <a:r>
+              <a:rPr lang="en-US" sz="4000" dirty="0" smtClean="0">
+                <a:solidFill>
+                  <a:schemeClr val="tx1">
+                    <a:lumMod val="65000"/>
+                    <a:lumOff val="35000"/>
+                  </a:schemeClr>
+                </a:solidFill>
+              </a:rPr>
+              <a:t>Debug architecture</a:t>
+            </a:r>
+            <a:r>
+              <a:rPr lang="en-US" sz="4000" dirty="0" smtClean="0"/>
+              <a:t>.</a:t>
+            </a:r>
+            <a:endParaRPr lang="en-US" sz="4000" dirty="0"/>
+          </a:p>
+        </p:txBody>
+      </p:sp>
+    </p:spTree>
+  </p:cSld>
+  <p:clrMapOvr>
+    <a:masterClrMapping/>
+  </p:clrMapOvr>
+  <p:timing>
+    <p:tnLst>
+      <p:par>
+        <p:cTn id="1" dur="indefinite" restart="never" nodeType="tmRoot"/>
+      </p:par>
+    </p:tnLst>
+  </p:timing>
+</p:sld>
+</file>
+
+<file path=ppt/slides/slide28.xml><?xml version="1.0" encoding="utf-8"?>
+<p:sld xmlns:a="http://schemas.openxmlformats.org/drawingml/2006/main" xmlns:r="http://schemas.openxmlformats.org/officeDocument/2006/relationships" xmlns:p="http://schemas.openxmlformats.org/presentationml/2006/main">
+  <p:cSld>
+    <p:spTree>
+      <p:nvGrpSpPr>
+        <p:cNvPr id="1" name=""/>
+        <p:cNvGrpSpPr/>
+        <p:nvPr/>
+      </p:nvGrpSpPr>
+      <p:grpSpPr>
+        <a:xfrm>
+          <a:off x="0" y="0"/>
+          <a:ext cx="0" cy="0"/>
+          <a:chOff x="0" y="0"/>
+          <a:chExt cx="0" cy="0"/>
+        </a:xfrm>
+      </p:grpSpPr>
+      <p:sp>
+        <p:nvSpPr>
+          <p:cNvPr id="2" name="Title 1"/>
+          <p:cNvSpPr>
+            <a:spLocks noGrp="1"/>
+          </p:cNvSpPr>
+          <p:nvPr>
+            <p:ph type="title"/>
+          </p:nvPr>
+        </p:nvSpPr>
+        <p:spPr>
+          <a:xfrm>
+            <a:off x="457200" y="0"/>
+            <a:ext cx="8229600" cy="792162"/>
+          </a:xfrm>
+        </p:spPr>
+        <p:txBody>
+          <a:bodyPr/>
+          <a:lstStyle/>
+          <a:p>
+            <a:r>
+              <a:rPr lang="en-US" dirty="0" smtClean="0"/>
+              <a:t>Memory Architecture</a:t>
+            </a:r>
+            <a:endParaRPr lang="en-US" dirty="0"/>
+          </a:p>
+        </p:txBody>
+      </p:sp>
+      <p:sp>
+        <p:nvSpPr>
+          <p:cNvPr id="3" name="TextBox 2"/>
+          <p:cNvSpPr txBox="1"/>
+          <p:nvPr/>
+        </p:nvSpPr>
+        <p:spPr>
+          <a:xfrm>
+            <a:off x="76200" y="1045488"/>
+            <a:ext cx="8915400" cy="5355312"/>
           </a:xfrm>
           <a:prstGeom prst="rect">
             <a:avLst/>
           </a:prstGeom>
           <a:noFill/>
+        </p:spPr>
+        <p:txBody>
+          <a:bodyPr wrap="square" rtlCol="0">
+            <a:spAutoFit/>
+          </a:bodyPr>
+          <a:lstStyle/>
+          <a:p>
+            <a:r>
+              <a:rPr lang="en-US" dirty="0" smtClean="0"/>
+              <a:t>The maximum searchable memory capacity in the Cortex -M4 system can be up to </a:t>
+            </a:r>
+          </a:p>
+          <a:p>
+            <a:r>
+              <a:rPr lang="en-US" dirty="0" smtClean="0"/>
+              <a:t>4 GB. The bus interface between the MCU and external memory is the</a:t>
+            </a:r>
+          </a:p>
+          <a:p>
+            <a:r>
+              <a:rPr lang="en-US" dirty="0" smtClean="0"/>
+              <a:t>Advanced High-performance Bus (AHB), which provides interfaces and connections to</a:t>
+            </a:r>
+          </a:p>
+          <a:p>
+            <a:r>
+              <a:rPr lang="en-US" dirty="0" smtClean="0"/>
+              <a:t>various 32/16/8-bit memory devices.</a:t>
+            </a:r>
+          </a:p>
+          <a:p>
+            <a:endParaRPr lang="en-US" dirty="0" smtClean="0"/>
+          </a:p>
+          <a:p>
+            <a:endParaRPr lang="en-US" dirty="0" smtClean="0"/>
+          </a:p>
+          <a:p>
+            <a:r>
+              <a:rPr lang="en-US" dirty="0" smtClean="0"/>
+              <a:t>To make memory access more effective he entire 4GB memory space  is divided into </a:t>
+            </a:r>
+          </a:p>
+          <a:p>
+            <a:r>
+              <a:rPr lang="en-US" dirty="0" smtClean="0"/>
+              <a:t>the different regions </a:t>
+            </a:r>
+            <a:r>
+              <a:rPr lang="en-US" dirty="0" err="1" smtClean="0"/>
+              <a:t>ith</a:t>
+            </a:r>
+            <a:r>
+              <a:rPr lang="en-US" dirty="0" smtClean="0"/>
+              <a:t> the help of the multiple bus interfaces processor can access </a:t>
+            </a:r>
+          </a:p>
+          <a:p>
+            <a:r>
+              <a:rPr lang="en-US" dirty="0" smtClean="0"/>
+              <a:t>different memory regions, such as from the  CODE region stored program codes to </a:t>
+            </a:r>
+          </a:p>
+          <a:p>
+            <a:r>
+              <a:rPr lang="en-US" dirty="0" smtClean="0"/>
+              <a:t>DATA region in the SRAM  or peripheral regions, simultaneously or at the same time</a:t>
+            </a:r>
+          </a:p>
+          <a:p>
+            <a:endParaRPr lang="en-US" dirty="0" smtClean="0"/>
+          </a:p>
+          <a:p>
+            <a:endParaRPr lang="en-US" dirty="0" smtClean="0"/>
+          </a:p>
+          <a:p>
+            <a:r>
+              <a:rPr lang="en-US" dirty="0" smtClean="0"/>
+              <a:t>In the ARM Cortex-M4 MCU, an optional unit, Memory Protection Unit (MPU), is</a:t>
+            </a:r>
+          </a:p>
+          <a:p>
+            <a:r>
+              <a:rPr lang="en-US" dirty="0" smtClean="0"/>
+              <a:t>provided to enable users to access different memory regions with certain permissions. The MPU is a programmable unit that defines access permissions for different regions. The MPU supports eight programmable regions. (</a:t>
+            </a:r>
+            <a:r>
+              <a:rPr lang="en-US" b="1" dirty="0" smtClean="0"/>
+              <a:t>Implementation Specific</a:t>
+            </a:r>
+            <a:r>
+              <a:rPr lang="en-US" dirty="0" smtClean="0"/>
+              <a:t>)</a:t>
+            </a:r>
+          </a:p>
+          <a:p>
+            <a:endParaRPr lang="en-US" dirty="0" smtClean="0"/>
+          </a:p>
+          <a:p>
+            <a:endParaRPr lang="en-US" dirty="0" smtClean="0"/>
+          </a:p>
+          <a:p>
+            <a:endParaRPr lang="en-US" dirty="0"/>
+          </a:p>
+        </p:txBody>
+      </p:sp>
+    </p:spTree>
+  </p:cSld>
+  <p:clrMapOvr>
+    <a:masterClrMapping/>
+  </p:clrMapOvr>
+  <p:timing>
+    <p:tnLst>
+      <p:par>
+        <p:cTn id="1" dur="indefinite" restart="never" nodeType="tmRoot"/>
+      </p:par>
+    </p:tnLst>
+  </p:timing>
+</p:sld>
+</file>
+
+<file path=ppt/slides/slide29.xml><?xml version="1.0" encoding="utf-8"?>
+<p:sld xmlns:a="http://schemas.openxmlformats.org/drawingml/2006/main" xmlns:r="http://schemas.openxmlformats.org/officeDocument/2006/relationships" xmlns:p="http://schemas.openxmlformats.org/presentationml/2006/main">
+  <p:cSld>
+    <p:spTree>
+      <p:nvGrpSpPr>
+        <p:cNvPr id="1" name=""/>
+        <p:cNvGrpSpPr/>
+        <p:nvPr/>
+      </p:nvGrpSpPr>
+      <p:grpSpPr>
+        <a:xfrm>
+          <a:off x="0" y="0"/>
+          <a:ext cx="0" cy="0"/>
+          <a:chOff x="0" y="0"/>
+          <a:chExt cx="0" cy="0"/>
+        </a:xfrm>
+      </p:grpSpPr>
+      <p:pic>
+        <p:nvPicPr>
+          <p:cNvPr id="1028" name="Picture 4"/>
+          <p:cNvPicPr>
+            <a:picLocks noChangeAspect="1" noChangeArrowheads="1"/>
+          </p:cNvPicPr>
+          <p:nvPr/>
+        </p:nvPicPr>
+        <p:blipFill>
+          <a:blip r:embed="rId2" cstate="print"/>
+          <a:srcRect/>
+          <a:stretch>
+            <a:fillRect/>
+          </a:stretch>
+        </p:blipFill>
+        <p:spPr bwMode="auto">
+          <a:xfrm>
+            <a:off x="1300163" y="1066800"/>
+            <a:ext cx="6543675" cy="5534025"/>
+          </a:xfrm>
+          <a:prstGeom prst="rect">
+            <a:avLst/>
+          </a:prstGeom>
+          <a:noFill/>
+          <a:ln w="9525">
+            <a:noFill/>
+            <a:miter lim="800000"/>
+            <a:headEnd/>
+            <a:tailEnd/>
+          </a:ln>
+        </p:spPr>
+      </p:pic>
+      <p:sp>
+        <p:nvSpPr>
+          <p:cNvPr id="5" name="Title 3"/>
+          <p:cNvSpPr txBox="1">
+            <a:spLocks/>
+          </p:cNvSpPr>
+          <p:nvPr/>
+        </p:nvSpPr>
+        <p:spPr>
+          <a:xfrm>
+            <a:off x="457200" y="0"/>
+            <a:ext cx="7543800" cy="914400"/>
+          </a:xfrm>
+          <a:prstGeom prst="rect">
+            <a:avLst/>
+          </a:prstGeom>
+        </p:spPr>
+        <p:txBody>
+          <a:bodyPr/>
+          <a:lstStyle/>
+          <a:p>
+            <a:pPr marL="0" marR="0" lvl="0" indent="0" algn="ctr" defTabSz="914400" rtl="0" eaLnBrk="1" fontAlgn="auto" latinLnBrk="0" hangingPunct="1">
+              <a:lnSpc>
+                <a:spcPct val="100000"/>
+              </a:lnSpc>
+              <a:spcBef>
+                <a:spcPct val="0"/>
+              </a:spcBef>
+              <a:spcAft>
+                <a:spcPts val="0"/>
+              </a:spcAft>
+              <a:buClrTx/>
+              <a:buSzTx/>
+              <a:buFontTx/>
+              <a:buNone/>
+              <a:tabLst/>
+              <a:defRPr/>
+            </a:pPr>
+            <a:r>
+              <a:rPr lang="en-US" sz="4400" dirty="0" smtClean="0">
+                <a:latin typeface="+mj-lt"/>
+                <a:ea typeface="+mj-ea"/>
+                <a:cs typeface="+mj-cs"/>
+              </a:rPr>
+              <a:t>Memory Map</a:t>
+            </a:r>
+            <a:endParaRPr kumimoji="0" lang="en-US" sz="4400" b="0" i="0" u="none" strike="noStrike" kern="1200" cap="none" spc="0" normalizeH="0" baseline="0" noProof="0" dirty="0">
+              <a:ln>
+                <a:noFill/>
+              </a:ln>
+              <a:solidFill>
+                <a:schemeClr val="tx1"/>
+              </a:solidFill>
+              <a:effectLst/>
+              <a:uLnTx/>
+              <a:uFillTx/>
+              <a:latin typeface="+mj-lt"/>
+              <a:ea typeface="+mj-ea"/>
+              <a:cs typeface="+mj-cs"/>
+            </a:endParaRPr>
+          </a:p>
+        </p:txBody>
+      </p:sp>
+    </p:spTree>
+  </p:cSld>
+  <p:clrMapOvr>
+    <a:masterClrMapping/>
+  </p:clrMapOvr>
+  <p:timing>
+    <p:tnLst>
+      <p:par>
+        <p:cTn id="1" dur="indefinite" restart="never" nodeType="tmRoot"/>
+      </p:par>
+    </p:tnLst>
+  </p:timing>
+</p:sld>
+</file>
+
+<file path=ppt/slides/slide3.xml><?xml version="1.0" encoding="utf-8"?>
+<p:sld xmlns:a="http://schemas.openxmlformats.org/drawingml/2006/main" xmlns:r="http://schemas.openxmlformats.org/officeDocument/2006/relationships" xmlns:p="http://schemas.openxmlformats.org/presentationml/2006/main">
+  <p:cSld>
+    <p:spTree>
+      <p:nvGrpSpPr>
+        <p:cNvPr id="1" name=""/>
+        <p:cNvGrpSpPr/>
+        <p:nvPr/>
+      </p:nvGrpSpPr>
+      <p:grpSpPr>
+        <a:xfrm>
+          <a:off x="0" y="0"/>
+          <a:ext cx="0" cy="0"/>
+          <a:chOff x="0" y="0"/>
+          <a:chExt cx="0" cy="0"/>
+        </a:xfrm>
+      </p:grpSpPr>
+      <p:sp>
+        <p:nvSpPr>
+          <p:cNvPr id="2" name="Title 1"/>
+          <p:cNvSpPr>
+            <a:spLocks noGrp="1"/>
+          </p:cNvSpPr>
+          <p:nvPr>
+            <p:ph type="title"/>
+          </p:nvPr>
+        </p:nvSpPr>
+        <p:spPr>
+          <a:xfrm>
+            <a:off x="457200" y="0"/>
+            <a:ext cx="8229600" cy="914400"/>
+          </a:xfrm>
+        </p:spPr>
+        <p:txBody>
+          <a:bodyPr>
+            <a:normAutofit/>
+          </a:bodyPr>
+          <a:lstStyle/>
+          <a:p>
+            <a:r>
+              <a:rPr lang="en-US" sz="4000" dirty="0" smtClean="0"/>
+              <a:t>Cortex-M4 Details</a:t>
+            </a:r>
+            <a:endParaRPr lang="en-US" sz="4000" dirty="0"/>
+          </a:p>
+        </p:txBody>
+      </p:sp>
+      <p:sp>
+        <p:nvSpPr>
+          <p:cNvPr id="3" name="Content Placeholder 6"/>
+          <p:cNvSpPr txBox="1">
+            <a:spLocks/>
+          </p:cNvSpPr>
+          <p:nvPr/>
+        </p:nvSpPr>
+        <p:spPr>
+          <a:xfrm>
+            <a:off x="457200" y="838200"/>
+            <a:ext cx="8229600" cy="5562600"/>
+          </a:xfrm>
+          <a:prstGeom prst="rect">
+            <a:avLst/>
+          </a:prstGeom>
           <a:ln>
             <a:solidFill>
-              <a:schemeClr val="accent1">
-                <a:shade val="95000"/>
-                <a:satMod val="105000"/>
+              <a:schemeClr val="tx2">
+                <a:lumMod val="60000"/>
+                <a:lumOff val="40000"/>
               </a:schemeClr>
             </a:solidFill>
           </a:ln>
         </p:spPr>
         <p:txBody>
-          <a:bodyPr wrap="none" rtlCol="0">
-            <a:spAutoFit/>
-          </a:bodyPr>
+          <a:bodyPr/>
           <a:lstStyle/>
           <a:p>
-            <a:r>
-              <a:rPr lang="en-US" dirty="0" smtClean="0"/>
-              <a:t>The IEEE single precision floating point standard representation requires a 32 bit </a:t>
-            </a:r>
-            <a:r>
-              <a:rPr lang="en-US" dirty="0" smtClean="0"/>
-              <a:t>word</a:t>
-            </a:r>
-          </a:p>
-          <a:p>
-            <a:r>
-              <a:rPr lang="en-US" dirty="0" smtClean="0"/>
-              <a:t>which </a:t>
-            </a:r>
-            <a:r>
-              <a:rPr lang="en-US" dirty="0" smtClean="0"/>
-              <a:t>may be represented as numbered from 0 to 31, left to right.</a:t>
-            </a:r>
-          </a:p>
-          <a:p>
-            <a:pPr>
+            <a:pPr marL="342900" marR="0" lvl="0" indent="-342900" algn="l" defTabSz="914400" rtl="0" eaLnBrk="1" fontAlgn="auto" latinLnBrk="0" hangingPunct="1">
+              <a:lnSpc>
+                <a:spcPct val="100000"/>
+              </a:lnSpc>
+              <a:spcBef>
+                <a:spcPct val="20000"/>
+              </a:spcBef>
+              <a:spcAft>
+                <a:spcPts val="0"/>
+              </a:spcAft>
+              <a:buClrTx/>
+              <a:buSzTx/>
+              <a:buFont typeface="Arial" pitchFamily="34" charset="0"/>
+              <a:buNone/>
+              <a:tabLst/>
+              <a:defRPr/>
+            </a:pPr>
+            <a:r>
+              <a:rPr kumimoji="0" lang="en-US" sz="3200" b="0" i="0" u="none" strike="noStrike" kern="1200" cap="none" spc="0" normalizeH="0" baseline="0" noProof="0" dirty="0" smtClean="0">
+                <a:ln>
+                  <a:noFill/>
+                </a:ln>
+                <a:solidFill>
+                  <a:srgbClr val="002060"/>
+                </a:solidFill>
+                <a:effectLst/>
+                <a:uLnTx/>
+                <a:uFillTx/>
+                <a:latin typeface="+mn-lt"/>
+                <a:ea typeface="+mn-ea"/>
+                <a:cs typeface="+mn-cs"/>
+              </a:rPr>
+              <a:t>A 32 Bit microcontroller </a:t>
+            </a:r>
+          </a:p>
+          <a:p>
+            <a:pPr marL="342900" marR="0" lvl="0" indent="-342900" algn="l" defTabSz="914400" rtl="0" eaLnBrk="1" fontAlgn="auto" latinLnBrk="0" hangingPunct="1">
+              <a:lnSpc>
+                <a:spcPct val="100000"/>
+              </a:lnSpc>
+              <a:spcBef>
+                <a:spcPct val="20000"/>
+              </a:spcBef>
+              <a:spcAft>
+                <a:spcPts val="0"/>
+              </a:spcAft>
+              <a:buClrTx/>
+              <a:buSzTx/>
+              <a:buFont typeface="Arial" pitchFamily="34" charset="0"/>
+              <a:buChar char="•"/>
+              <a:tabLst/>
+              <a:defRPr/>
+            </a:pPr>
+            <a:r>
+              <a:rPr lang="en-US" sz="2000" dirty="0" smtClean="0">
+                <a:solidFill>
+                  <a:srgbClr val="002060"/>
+                </a:solidFill>
+                <a:latin typeface="+mn-lt"/>
+              </a:rPr>
+              <a:t>Can handle 32 bit, 16 bit and 8 –bit data effectively</a:t>
+            </a:r>
+          </a:p>
+          <a:p>
+            <a:pPr marL="342900" marR="0" lvl="0" indent="-342900" algn="l" defTabSz="914400" rtl="0" eaLnBrk="1" fontAlgn="auto" latinLnBrk="0" hangingPunct="1">
+              <a:lnSpc>
+                <a:spcPct val="100000"/>
+              </a:lnSpc>
+              <a:spcBef>
+                <a:spcPct val="20000"/>
+              </a:spcBef>
+              <a:spcAft>
+                <a:spcPts val="0"/>
+              </a:spcAft>
+              <a:buClrTx/>
+              <a:buSzTx/>
+              <a:buFont typeface="Arial" pitchFamily="34" charset="0"/>
+              <a:buChar char="•"/>
+              <a:tabLst/>
+              <a:defRPr/>
+            </a:pPr>
+            <a:r>
+              <a:rPr lang="en-US" sz="2000" dirty="0" smtClean="0">
+                <a:solidFill>
+                  <a:srgbClr val="002060"/>
+                </a:solidFill>
+                <a:latin typeface="+mn-lt"/>
+              </a:rPr>
+              <a:t>Cortex-M4 does not include any memory but provides interfaces to external Flash and SRAMs</a:t>
+            </a:r>
+          </a:p>
+          <a:p>
+            <a:pPr marL="342900" marR="0" lvl="0" indent="-342900" algn="l" defTabSz="914400" rtl="0" eaLnBrk="1" fontAlgn="auto" latinLnBrk="0" hangingPunct="1">
+              <a:lnSpc>
+                <a:spcPct val="100000"/>
+              </a:lnSpc>
+              <a:spcBef>
+                <a:spcPct val="20000"/>
+              </a:spcBef>
+              <a:spcAft>
+                <a:spcPts val="0"/>
+              </a:spcAft>
+              <a:buClrTx/>
+              <a:buSzTx/>
+              <a:buFont typeface="Arial" pitchFamily="34" charset="0"/>
+              <a:buChar char="•"/>
+              <a:tabLst/>
+              <a:defRPr/>
+            </a:pPr>
+            <a:r>
+              <a:rPr kumimoji="0" lang="en-US" sz="2000" b="0" i="0" u="none" strike="noStrike" kern="1200" cap="none" spc="0" normalizeH="0" baseline="0" noProof="0" dirty="0" smtClean="0">
+                <a:ln>
+                  <a:noFill/>
+                </a:ln>
+                <a:solidFill>
+                  <a:srgbClr val="002060"/>
+                </a:solidFill>
+                <a:effectLst/>
+                <a:uLnTx/>
+                <a:uFillTx/>
+                <a:latin typeface="+mn-lt"/>
+                <a:ea typeface="+mn-ea"/>
+                <a:cs typeface="+mn-cs"/>
+              </a:rPr>
+              <a:t>32</a:t>
+            </a:r>
+            <a:r>
+              <a:rPr kumimoji="0" lang="en-US" sz="2000" b="0" i="0" u="none" strike="noStrike" kern="1200" cap="none" spc="0" normalizeH="0" noProof="0" dirty="0" smtClean="0">
+                <a:ln>
+                  <a:noFill/>
+                </a:ln>
+                <a:solidFill>
+                  <a:srgbClr val="002060"/>
+                </a:solidFill>
+                <a:effectLst/>
+                <a:uLnTx/>
+                <a:uFillTx/>
+                <a:latin typeface="+mn-lt"/>
+                <a:ea typeface="+mn-ea"/>
+                <a:cs typeface="+mn-cs"/>
+              </a:rPr>
+              <a:t> bit address bus lets us address 4GB of Memory</a:t>
+            </a:r>
+          </a:p>
+          <a:p>
+            <a:pPr marL="342900" lvl="0" indent="-342900" eaLnBrk="1" fontAlgn="auto" hangingPunct="1">
+              <a:spcBef>
+                <a:spcPct val="20000"/>
+              </a:spcBef>
+              <a:spcAft>
+                <a:spcPts val="0"/>
+              </a:spcAft>
               <a:buFont typeface="Arial" pitchFamily="34" charset="0"/>
               <a:buChar char="•"/>
             </a:pPr>
             <a:r>
-              <a:rPr lang="en-US" dirty="0" smtClean="0"/>
-              <a:t>The  </a:t>
-            </a:r>
-            <a:r>
-              <a:rPr lang="en-US" dirty="0" smtClean="0"/>
-              <a:t>0</a:t>
-            </a:r>
-            <a:r>
-              <a:rPr lang="en-US" baseline="30000" dirty="0" smtClean="0"/>
-              <a:t>th</a:t>
-            </a:r>
-            <a:r>
-              <a:rPr lang="en-US" dirty="0" smtClean="0"/>
-              <a:t>  </a:t>
-            </a:r>
-            <a:r>
-              <a:rPr lang="en-US" dirty="0" smtClean="0"/>
-              <a:t>is the </a:t>
-            </a:r>
-            <a:r>
-              <a:rPr lang="en-US" b="1" dirty="0" smtClean="0"/>
-              <a:t>sign</a:t>
-            </a:r>
-            <a:r>
-              <a:rPr lang="en-US" dirty="0" smtClean="0"/>
-              <a:t> bit, S,</a:t>
-            </a:r>
-          </a:p>
-          <a:p>
-            <a:pPr>
+              <a:rPr lang="en-US" sz="2000" dirty="0" smtClean="0">
+                <a:solidFill>
+                  <a:srgbClr val="002060"/>
+                </a:solidFill>
+                <a:latin typeface="+mn-lt"/>
+              </a:rPr>
+              <a:t> Different regions are created memory space to  store system instructions and data, users instructions, data, and mapped peripheral device registers and related interfaces.</a:t>
+            </a:r>
+          </a:p>
+          <a:p>
+            <a:pPr marL="342900" lvl="0" indent="-342900" eaLnBrk="1" fontAlgn="auto" hangingPunct="1">
+              <a:spcBef>
+                <a:spcPct val="20000"/>
+              </a:spcBef>
+              <a:spcAft>
+                <a:spcPts val="0"/>
+              </a:spcAft>
               <a:buFont typeface="Arial" pitchFamily="34" charset="0"/>
               <a:buChar char="•"/>
             </a:pPr>
             <a:r>
-              <a:rPr lang="en-US" dirty="0" smtClean="0"/>
-              <a:t>the next eight bits </a:t>
-            </a:r>
-            <a:r>
-              <a:rPr lang="en-US" dirty="0" smtClean="0"/>
-              <a:t>[1:8]  are </a:t>
-            </a:r>
-            <a:r>
-              <a:rPr lang="en-US" dirty="0" smtClean="0"/>
-              <a:t>the </a:t>
-            </a:r>
-            <a:r>
-              <a:rPr lang="en-US" b="1" dirty="0" smtClean="0"/>
-              <a:t>exponent</a:t>
-            </a:r>
-            <a:r>
-              <a:rPr lang="en-US" dirty="0" smtClean="0"/>
-              <a:t> bits, 'E', and</a:t>
-            </a:r>
-          </a:p>
-          <a:p>
-            <a:pPr>
+              <a:rPr lang="en-US" sz="2000" dirty="0" smtClean="0">
+                <a:solidFill>
+                  <a:srgbClr val="002060"/>
+                </a:solidFill>
+                <a:latin typeface="+mn-lt"/>
+              </a:rPr>
+              <a:t>Cortex -M4 internally uses a 32 But bus based on AMBA standard, Advanced Microcontroller Bus Architecture</a:t>
+            </a:r>
+          </a:p>
+          <a:p>
+            <a:pPr marL="342900" lvl="0" indent="-342900" eaLnBrk="1" fontAlgn="auto" hangingPunct="1">
+              <a:spcBef>
+                <a:spcPct val="20000"/>
+              </a:spcBef>
+              <a:spcAft>
+                <a:spcPts val="0"/>
+              </a:spcAft>
               <a:buFont typeface="Arial" pitchFamily="34" charset="0"/>
               <a:buChar char="•"/>
             </a:pPr>
             <a:r>
-              <a:rPr lang="en-US" dirty="0" smtClean="0"/>
-              <a:t>the final 23 bits are the </a:t>
-            </a:r>
-            <a:r>
-              <a:rPr lang="en-US" b="1" dirty="0" smtClean="0"/>
-              <a:t>fraction</a:t>
-            </a:r>
-            <a:r>
-              <a:rPr lang="en-US" dirty="0" smtClean="0"/>
-              <a:t> 'F':</a:t>
-            </a:r>
-          </a:p>
-          <a:p>
-            <a:endParaRPr lang="en-US" dirty="0"/>
-          </a:p>
-        </p:txBody>
-      </p:sp>
-      <p:sp>
-        <p:nvSpPr>
-          <p:cNvPr id="5" name="TextBox 4"/>
-          <p:cNvSpPr txBox="1"/>
-          <p:nvPr/>
-        </p:nvSpPr>
-        <p:spPr>
-          <a:xfrm>
-            <a:off x="78472" y="4038600"/>
-            <a:ext cx="9071714" cy="1754326"/>
-          </a:xfrm>
-          <a:prstGeom prst="rect">
-            <a:avLst/>
-          </a:prstGeom>
-          <a:noFill/>
-          <a:ln>
-            <a:solidFill>
-              <a:schemeClr val="accent1">
-                <a:shade val="95000"/>
-                <a:satMod val="105000"/>
-              </a:schemeClr>
-            </a:solidFill>
-          </a:ln>
-        </p:spPr>
-        <p:txBody>
-          <a:bodyPr wrap="none" rtlCol="0">
-            <a:spAutoFit/>
-          </a:bodyPr>
-          <a:lstStyle/>
-          <a:p>
-            <a:r>
-              <a:rPr lang="en-US" dirty="0" smtClean="0"/>
-              <a:t>The IEEE double precision floating point standard representation requires a 64 bit </a:t>
-            </a:r>
-            <a:r>
-              <a:rPr lang="en-US" dirty="0" smtClean="0"/>
-              <a:t>word</a:t>
-            </a:r>
-          </a:p>
-          <a:p>
-            <a:r>
-              <a:rPr lang="en-US" dirty="0" smtClean="0"/>
-              <a:t>which </a:t>
-            </a:r>
-            <a:r>
-              <a:rPr lang="en-US" dirty="0" smtClean="0"/>
-              <a:t>may be represented as numbered from 0 to 63, left to right.</a:t>
-            </a:r>
-          </a:p>
-          <a:p>
-            <a:pPr>
+              <a:rPr lang="en-US" sz="2000" dirty="0" smtClean="0">
+                <a:solidFill>
+                  <a:srgbClr val="002060"/>
+                </a:solidFill>
+                <a:latin typeface="+mn-lt"/>
+              </a:rPr>
+              <a:t>The main bus interface between the MCU and external components is the Advanced </a:t>
+            </a:r>
+            <a:r>
+              <a:rPr lang="en-US" sz="2000" dirty="0" err="1" smtClean="0">
+                <a:solidFill>
+                  <a:srgbClr val="002060"/>
+                </a:solidFill>
+                <a:latin typeface="+mn-lt"/>
+              </a:rPr>
+              <a:t>Highperformance</a:t>
+            </a:r>
+            <a:r>
+              <a:rPr lang="en-US" sz="2000" dirty="0" smtClean="0">
+                <a:solidFill>
+                  <a:srgbClr val="002060"/>
+                </a:solidFill>
+                <a:latin typeface="+mn-lt"/>
+              </a:rPr>
+              <a:t> Bus (AHB), which provides interfaces for memory and system bus as well as for peripheral devices.</a:t>
+            </a:r>
+          </a:p>
+          <a:p>
+            <a:pPr marL="342900" lvl="0" indent="-342900" eaLnBrk="1" fontAlgn="auto" hangingPunct="1">
+              <a:spcBef>
+                <a:spcPct val="20000"/>
+              </a:spcBef>
+              <a:spcAft>
+                <a:spcPts val="0"/>
+              </a:spcAft>
               <a:buFont typeface="Arial" pitchFamily="34" charset="0"/>
               <a:buChar char="•"/>
             </a:pPr>
             <a:r>
-              <a:rPr lang="en-US" dirty="0" smtClean="0"/>
-              <a:t>The first bit is the </a:t>
-            </a:r>
-            <a:r>
-              <a:rPr lang="en-US" b="1" dirty="0" smtClean="0"/>
-              <a:t>sign</a:t>
-            </a:r>
-            <a:r>
-              <a:rPr lang="en-US" dirty="0" smtClean="0"/>
-              <a:t> bit, S,</a:t>
-            </a:r>
-          </a:p>
-          <a:p>
-            <a:pPr>
+              <a:rPr lang="en-US" sz="2000" dirty="0" smtClean="0">
+                <a:solidFill>
+                  <a:srgbClr val="002060"/>
+                </a:solidFill>
+                <a:latin typeface="+mn-lt"/>
+              </a:rPr>
+              <a:t>A Nested Vectored Interrupt Controller (NVIC) is used to provide all supports and managements to the interrupts</a:t>
+            </a:r>
+          </a:p>
+          <a:p>
+            <a:pPr marL="342900" lvl="0" indent="-342900" eaLnBrk="1" fontAlgn="auto" hangingPunct="1">
+              <a:spcBef>
+                <a:spcPct val="20000"/>
+              </a:spcBef>
+              <a:spcAft>
+                <a:spcPts val="0"/>
+              </a:spcAft>
               <a:buFont typeface="Arial" pitchFamily="34" charset="0"/>
               <a:buChar char="•"/>
             </a:pPr>
-            <a:r>
-              <a:rPr lang="en-US" dirty="0" smtClean="0"/>
-              <a:t>The </a:t>
-            </a:r>
-            <a:r>
-              <a:rPr lang="en-US" dirty="0" smtClean="0"/>
-              <a:t>next eleven bits are the </a:t>
-            </a:r>
-            <a:r>
-              <a:rPr lang="en-US" b="1" dirty="0" smtClean="0"/>
-              <a:t>exponent</a:t>
-            </a:r>
-            <a:r>
-              <a:rPr lang="en-US" dirty="0" smtClean="0"/>
-              <a:t> bits, 'E', and</a:t>
-            </a:r>
-          </a:p>
-          <a:p>
-            <a:pPr>
+            <a:endParaRPr lang="en-US" sz="2000" dirty="0" smtClean="0">
+              <a:solidFill>
+                <a:srgbClr val="002060"/>
+              </a:solidFill>
+              <a:latin typeface="+mn-lt"/>
+            </a:endParaRPr>
+          </a:p>
+          <a:p>
+            <a:pPr marL="342900" lvl="0" indent="-342900" eaLnBrk="1" fontAlgn="auto" hangingPunct="1">
+              <a:spcBef>
+                <a:spcPct val="20000"/>
+              </a:spcBef>
+              <a:spcAft>
+                <a:spcPts val="0"/>
+              </a:spcAft>
               <a:buFont typeface="Arial" pitchFamily="34" charset="0"/>
               <a:buChar char="•"/>
             </a:pPr>
-            <a:r>
-              <a:rPr lang="en-US" dirty="0" smtClean="0"/>
-              <a:t>The </a:t>
-            </a:r>
-            <a:r>
-              <a:rPr lang="en-US" dirty="0" smtClean="0"/>
-              <a:t>final 52 bits are the </a:t>
-            </a:r>
-            <a:r>
-              <a:rPr lang="en-US" b="1" dirty="0" smtClean="0"/>
-              <a:t>fraction</a:t>
-            </a:r>
-            <a:r>
-              <a:rPr lang="en-US" dirty="0" smtClean="0"/>
-              <a:t> 'F':</a:t>
-            </a:r>
-          </a:p>
-          <a:p>
-            <a:endParaRPr lang="en-US" dirty="0"/>
+            <a:endParaRPr kumimoji="0" lang="en-US" sz="2100" b="0" i="0" u="none" strike="noStrike" kern="1200" cap="none" spc="0" normalizeH="0" baseline="0" noProof="0" dirty="0" smtClean="0">
+              <a:ln>
+                <a:noFill/>
+              </a:ln>
+              <a:solidFill>
+                <a:schemeClr val="tx1"/>
+              </a:solidFill>
+              <a:effectLst/>
+              <a:uLnTx/>
+              <a:uFillTx/>
+              <a:latin typeface="+mn-lt"/>
+              <a:ea typeface="+mn-ea"/>
+              <a:cs typeface="+mn-cs"/>
+            </a:endParaRPr>
+          </a:p>
+          <a:p>
+            <a:pPr marL="1143000" marR="0" lvl="2" indent="-228600" algn="l" defTabSz="914400" rtl="0" eaLnBrk="1" fontAlgn="auto" latinLnBrk="0" hangingPunct="1">
+              <a:lnSpc>
+                <a:spcPct val="100000"/>
+              </a:lnSpc>
+              <a:spcBef>
+                <a:spcPct val="20000"/>
+              </a:spcBef>
+              <a:spcAft>
+                <a:spcPts val="0"/>
+              </a:spcAft>
+              <a:buClrTx/>
+              <a:buSzTx/>
+              <a:buFont typeface="Arial" pitchFamily="34" charset="0"/>
+              <a:buChar char="•"/>
+              <a:tabLst/>
+              <a:defRPr/>
+            </a:pPr>
+            <a:endParaRPr kumimoji="0" lang="en-US" sz="2100" b="0" i="0" u="none" strike="noStrike" kern="1200" cap="none" spc="0" normalizeH="0" baseline="0" noProof="0" dirty="0">
+              <a:ln>
+                <a:noFill/>
+              </a:ln>
+              <a:solidFill>
+                <a:schemeClr val="tx1"/>
+              </a:solidFill>
+              <a:effectLst/>
+              <a:uLnTx/>
+              <a:uFillTx/>
+              <a:latin typeface="+mn-lt"/>
+              <a:ea typeface="+mn-ea"/>
+              <a:cs typeface="+mn-cs"/>
+            </a:endParaRPr>
           </a:p>
         </p:txBody>
       </p:sp>
@@ -20130,7 +21701,1327 @@
 </p:sld>
 </file>
 
-<file path=ppt/slides/slide25.xml><?xml version="1.0" encoding="utf-8"?>
+<file path=ppt/slides/slide30.xml><?xml version="1.0" encoding="utf-8"?>
+<p:sld xmlns:a="http://schemas.openxmlformats.org/drawingml/2006/main" xmlns:r="http://schemas.openxmlformats.org/officeDocument/2006/relationships" xmlns:p="http://schemas.openxmlformats.org/presentationml/2006/main">
+  <p:cSld>
+    <p:spTree>
+      <p:nvGrpSpPr>
+        <p:cNvPr id="1" name=""/>
+        <p:cNvGrpSpPr/>
+        <p:nvPr/>
+      </p:nvGrpSpPr>
+      <p:grpSpPr>
+        <a:xfrm>
+          <a:off x="0" y="0"/>
+          <a:ext cx="0" cy="0"/>
+          <a:chOff x="0" y="0"/>
+          <a:chExt cx="0" cy="0"/>
+        </a:xfrm>
+      </p:grpSpPr>
+      <p:pic>
+        <p:nvPicPr>
+          <p:cNvPr id="1027" name="Picture 3"/>
+          <p:cNvPicPr>
+            <a:picLocks noChangeAspect="1" noChangeArrowheads="1"/>
+          </p:cNvPicPr>
+          <p:nvPr/>
+        </p:nvPicPr>
+        <p:blipFill>
+          <a:blip r:embed="rId2" cstate="print"/>
+          <a:srcRect/>
+          <a:stretch>
+            <a:fillRect/>
+          </a:stretch>
+        </p:blipFill>
+        <p:spPr bwMode="auto">
+          <a:xfrm>
+            <a:off x="3320329" y="0"/>
+            <a:ext cx="2470872" cy="6769040"/>
+          </a:xfrm>
+          <a:prstGeom prst="rect">
+            <a:avLst/>
+          </a:prstGeom>
+          <a:noFill/>
+          <a:ln w="9525">
+            <a:noFill/>
+            <a:miter lim="800000"/>
+            <a:headEnd/>
+            <a:tailEnd/>
+          </a:ln>
+        </p:spPr>
+      </p:pic>
+    </p:spTree>
+  </p:cSld>
+  <p:clrMapOvr>
+    <a:masterClrMapping/>
+  </p:clrMapOvr>
+  <p:timing>
+    <p:tnLst>
+      <p:par>
+        <p:cTn id="1" dur="indefinite" restart="never" nodeType="tmRoot"/>
+      </p:par>
+    </p:tnLst>
+  </p:timing>
+</p:sld>
+</file>
+
+<file path=ppt/slides/slide31.xml><?xml version="1.0" encoding="utf-8"?>
+<p:sld xmlns:a="http://schemas.openxmlformats.org/drawingml/2006/main" xmlns:r="http://schemas.openxmlformats.org/officeDocument/2006/relationships" xmlns:p="http://schemas.openxmlformats.org/presentationml/2006/main">
+  <p:cSld>
+    <p:spTree>
+      <p:nvGrpSpPr>
+        <p:cNvPr id="1" name=""/>
+        <p:cNvGrpSpPr/>
+        <p:nvPr/>
+      </p:nvGrpSpPr>
+      <p:grpSpPr>
+        <a:xfrm>
+          <a:off x="0" y="0"/>
+          <a:ext cx="0" cy="0"/>
+          <a:chOff x="0" y="0"/>
+          <a:chExt cx="0" cy="0"/>
+        </a:xfrm>
+      </p:grpSpPr>
+      <p:pic>
+        <p:nvPicPr>
+          <p:cNvPr id="1026" name="Picture 2"/>
+          <p:cNvPicPr>
+            <a:picLocks noChangeAspect="1" noChangeArrowheads="1"/>
+          </p:cNvPicPr>
+          <p:nvPr/>
+        </p:nvPicPr>
+        <p:blipFill>
+          <a:blip r:embed="rId2" cstate="print"/>
+          <a:srcRect/>
+          <a:stretch>
+            <a:fillRect/>
+          </a:stretch>
+        </p:blipFill>
+        <p:spPr bwMode="auto">
+          <a:xfrm>
+            <a:off x="862013" y="966788"/>
+            <a:ext cx="7419975" cy="4924425"/>
+          </a:xfrm>
+          <a:prstGeom prst="rect">
+            <a:avLst/>
+          </a:prstGeom>
+          <a:noFill/>
+          <a:ln w="9525">
+            <a:noFill/>
+            <a:miter lim="800000"/>
+            <a:headEnd/>
+            <a:tailEnd/>
+          </a:ln>
+        </p:spPr>
+      </p:pic>
+    </p:spTree>
+  </p:cSld>
+  <p:clrMapOvr>
+    <a:masterClrMapping/>
+  </p:clrMapOvr>
+</p:sld>
+</file>
+
+<file path=ppt/slides/slide32.xml><?xml version="1.0" encoding="utf-8"?>
+<p:sld xmlns:a="http://schemas.openxmlformats.org/drawingml/2006/main" xmlns:r="http://schemas.openxmlformats.org/officeDocument/2006/relationships" xmlns:p="http://schemas.openxmlformats.org/presentationml/2006/main">
+  <p:cSld>
+    <p:spTree>
+      <p:nvGrpSpPr>
+        <p:cNvPr id="1" name=""/>
+        <p:cNvGrpSpPr/>
+        <p:nvPr/>
+      </p:nvGrpSpPr>
+      <p:grpSpPr>
+        <a:xfrm>
+          <a:off x="0" y="0"/>
+          <a:ext cx="0" cy="0"/>
+          <a:chOff x="0" y="0"/>
+          <a:chExt cx="0" cy="0"/>
+        </a:xfrm>
+      </p:grpSpPr>
+      <p:sp>
+        <p:nvSpPr>
+          <p:cNvPr id="2" name="Title 1"/>
+          <p:cNvSpPr txBox="1">
+            <a:spLocks/>
+          </p:cNvSpPr>
+          <p:nvPr/>
+        </p:nvSpPr>
+        <p:spPr>
+          <a:xfrm>
+            <a:off x="457200" y="274638"/>
+            <a:ext cx="8229600" cy="868362"/>
+          </a:xfrm>
+          <a:prstGeom prst="rect">
+            <a:avLst/>
+          </a:prstGeom>
+        </p:spPr>
+        <p:txBody>
+          <a:bodyPr vert="horz" lIns="91440" tIns="45720" rIns="91440" bIns="45720" rtlCol="0" anchor="ctr">
+            <a:normAutofit/>
+          </a:bodyPr>
+          <a:lstStyle/>
+          <a:p>
+            <a:pPr marL="0" marR="0" lvl="0" indent="0" algn="ctr" defTabSz="914400" rtl="0" eaLnBrk="1" fontAlgn="auto" latinLnBrk="0" hangingPunct="1">
+              <a:lnSpc>
+                <a:spcPct val="100000"/>
+              </a:lnSpc>
+              <a:spcBef>
+                <a:spcPct val="0"/>
+              </a:spcBef>
+              <a:spcAft>
+                <a:spcPts val="0"/>
+              </a:spcAft>
+              <a:buClrTx/>
+              <a:buSzTx/>
+              <a:buFontTx/>
+              <a:buNone/>
+              <a:tabLst/>
+              <a:defRPr/>
+            </a:pPr>
+            <a:r>
+              <a:rPr kumimoji="0" lang="en-US" sz="4400" b="0" i="0" u="none" strike="noStrike" kern="1200" cap="none" spc="0" normalizeH="0" baseline="0" noProof="0" smtClean="0">
+                <a:ln>
+                  <a:noFill/>
+                </a:ln>
+                <a:solidFill>
+                  <a:schemeClr val="tx1"/>
+                </a:solidFill>
+                <a:effectLst/>
+                <a:uLnTx/>
+                <a:uFillTx/>
+                <a:latin typeface="+mj-lt"/>
+                <a:ea typeface="+mj-ea"/>
+                <a:cs typeface="+mj-cs"/>
+              </a:rPr>
+              <a:t>Cortex M4 - Architecture</a:t>
+            </a:r>
+            <a:endParaRPr kumimoji="0" lang="en-US" sz="4400" b="0" i="0" u="none" strike="noStrike" kern="1200" cap="none" spc="0" normalizeH="0" baseline="0" noProof="0" dirty="0">
+              <a:ln>
+                <a:noFill/>
+              </a:ln>
+              <a:solidFill>
+                <a:schemeClr val="tx1"/>
+              </a:solidFill>
+              <a:effectLst/>
+              <a:uLnTx/>
+              <a:uFillTx/>
+              <a:latin typeface="+mj-lt"/>
+              <a:ea typeface="+mj-ea"/>
+              <a:cs typeface="+mj-cs"/>
+            </a:endParaRPr>
+          </a:p>
+        </p:txBody>
+      </p:sp>
+      <p:sp>
+        <p:nvSpPr>
+          <p:cNvPr id="3" name="TextBox 2"/>
+          <p:cNvSpPr txBox="1"/>
+          <p:nvPr/>
+        </p:nvSpPr>
+        <p:spPr>
+          <a:xfrm>
+            <a:off x="304800" y="1905000"/>
+            <a:ext cx="7924800" cy="2554545"/>
+          </a:xfrm>
+          <a:prstGeom prst="rect">
+            <a:avLst/>
+          </a:prstGeom>
+        </p:spPr>
+        <p:style>
+          <a:lnRef idx="0">
+            <a:schemeClr val="accent5"/>
+          </a:lnRef>
+          <a:fillRef idx="3">
+            <a:schemeClr val="accent5"/>
+          </a:fillRef>
+          <a:effectRef idx="3">
+            <a:schemeClr val="accent5"/>
+          </a:effectRef>
+          <a:fontRef idx="minor">
+            <a:schemeClr val="lt1"/>
+          </a:fontRef>
+        </p:style>
+        <p:txBody>
+          <a:bodyPr wrap="square" rtlCol="0">
+            <a:spAutoFit/>
+          </a:bodyPr>
+          <a:lstStyle/>
+          <a:p>
+            <a:pPr>
+              <a:buFont typeface="Wingdings" pitchFamily="2" charset="2"/>
+              <a:buChar char="ü"/>
+            </a:pPr>
+            <a:r>
+              <a:rPr lang="en-US" sz="4000" dirty="0" smtClean="0"/>
+              <a:t>Programmer View</a:t>
+            </a:r>
+          </a:p>
+          <a:p>
+            <a:pPr>
+              <a:buFont typeface="Wingdings" pitchFamily="2" charset="2"/>
+              <a:buChar char="ü"/>
+            </a:pPr>
+            <a:r>
+              <a:rPr lang="en-US" sz="4000" dirty="0" smtClean="0">
+                <a:solidFill>
+                  <a:schemeClr val="bg1"/>
+                </a:solidFill>
+              </a:rPr>
+              <a:t>Memory architecture.</a:t>
+            </a:r>
+          </a:p>
+          <a:p>
+            <a:pPr>
+              <a:buFont typeface="Wingdings" pitchFamily="2" charset="2"/>
+              <a:buChar char="Ø"/>
+            </a:pPr>
+            <a:r>
+              <a:rPr lang="en-US" sz="4000" dirty="0" smtClean="0">
+                <a:solidFill>
+                  <a:srgbClr val="FFFF00"/>
+                </a:solidFill>
+              </a:rPr>
+              <a:t>Nested Vectored Interrupt Control.</a:t>
+            </a:r>
+          </a:p>
+          <a:p>
+            <a:pPr>
+              <a:buFont typeface="Wingdings" pitchFamily="2" charset="2"/>
+              <a:buChar char="v"/>
+            </a:pPr>
+            <a:r>
+              <a:rPr lang="en-US" sz="4000" dirty="0" smtClean="0">
+                <a:solidFill>
+                  <a:schemeClr val="tx1">
+                    <a:lumMod val="65000"/>
+                    <a:lumOff val="35000"/>
+                  </a:schemeClr>
+                </a:solidFill>
+              </a:rPr>
+              <a:t>Debug architecture</a:t>
+            </a:r>
+            <a:r>
+              <a:rPr lang="en-US" sz="4000" dirty="0" smtClean="0"/>
+              <a:t>.</a:t>
+            </a:r>
+            <a:endParaRPr lang="en-US" sz="4000" dirty="0"/>
+          </a:p>
+        </p:txBody>
+      </p:sp>
+    </p:spTree>
+  </p:cSld>
+  <p:clrMapOvr>
+    <a:masterClrMapping/>
+  </p:clrMapOvr>
+  <p:timing>
+    <p:tnLst>
+      <p:par>
+        <p:cTn id="1" dur="indefinite" restart="never" nodeType="tmRoot"/>
+      </p:par>
+    </p:tnLst>
+  </p:timing>
+</p:sld>
+</file>
+
+<file path=ppt/slides/slide33.xml><?xml version="1.0" encoding="utf-8"?>
+<p:sld xmlns:a="http://schemas.openxmlformats.org/drawingml/2006/main" xmlns:r="http://schemas.openxmlformats.org/officeDocument/2006/relationships" xmlns:p="http://schemas.openxmlformats.org/presentationml/2006/main">
+  <p:cSld>
+    <p:spTree>
+      <p:nvGrpSpPr>
+        <p:cNvPr id="1" name=""/>
+        <p:cNvGrpSpPr/>
+        <p:nvPr/>
+      </p:nvGrpSpPr>
+      <p:grpSpPr>
+        <a:xfrm>
+          <a:off x="0" y="0"/>
+          <a:ext cx="0" cy="0"/>
+          <a:chOff x="0" y="0"/>
+          <a:chExt cx="0" cy="0"/>
+        </a:xfrm>
+      </p:grpSpPr>
+      <p:sp>
+        <p:nvSpPr>
+          <p:cNvPr id="2" name="Title 1"/>
+          <p:cNvSpPr>
+            <a:spLocks noGrp="1"/>
+          </p:cNvSpPr>
+          <p:nvPr>
+            <p:ph type="title"/>
+          </p:nvPr>
+        </p:nvSpPr>
+        <p:spPr>
+          <a:xfrm>
+            <a:off x="457200" y="0"/>
+            <a:ext cx="8229600" cy="1143000"/>
+          </a:xfrm>
+        </p:spPr>
+        <p:txBody>
+          <a:bodyPr>
+            <a:normAutofit/>
+          </a:bodyPr>
+          <a:lstStyle/>
+          <a:p>
+            <a:r>
+              <a:rPr lang="en-US" sz="4000" dirty="0" smtClean="0">
+                <a:solidFill>
+                  <a:schemeClr val="tx1">
+                    <a:lumMod val="65000"/>
+                    <a:lumOff val="35000"/>
+                  </a:schemeClr>
+                </a:solidFill>
+              </a:rPr>
+              <a:t>Nested Vectored Interrupt Control.</a:t>
+            </a:r>
+            <a:endParaRPr lang="en-US" sz="4000" dirty="0"/>
+          </a:p>
+        </p:txBody>
+      </p:sp>
+      <p:sp>
+        <p:nvSpPr>
+          <p:cNvPr id="3" name="TextBox 2"/>
+          <p:cNvSpPr txBox="1"/>
+          <p:nvPr/>
+        </p:nvSpPr>
+        <p:spPr>
+          <a:xfrm>
+            <a:off x="304800" y="1066800"/>
+            <a:ext cx="8534400" cy="5355312"/>
+          </a:xfrm>
+          <a:prstGeom prst="rect">
+            <a:avLst/>
+          </a:prstGeom>
+          <a:noFill/>
+          <a:ln>
+            <a:solidFill>
+              <a:schemeClr val="accent1"/>
+            </a:solidFill>
+          </a:ln>
+        </p:spPr>
+        <p:txBody>
+          <a:bodyPr wrap="square" rtlCol="0">
+            <a:spAutoFit/>
+          </a:bodyPr>
+          <a:lstStyle/>
+          <a:p>
+            <a:r>
+              <a:rPr lang="en-US" b="1" dirty="0" smtClean="0"/>
+              <a:t>The Nested Vectored Interrupt Controller (NVIC is used to handle and pre-process all  exceptions and interrupts, including makeable and unmask able interrupts,</a:t>
+            </a:r>
+          </a:p>
+          <a:p>
+            <a:endParaRPr lang="en-US" dirty="0" smtClean="0"/>
+          </a:p>
+          <a:p>
+            <a:pPr marL="342900" indent="-342900" algn="just">
+              <a:buFont typeface="+mj-lt"/>
+              <a:buAutoNum type="arabicPeriod"/>
+            </a:pPr>
+            <a:r>
+              <a:rPr lang="en-US" dirty="0" smtClean="0"/>
+              <a:t>An exception or interrupt is first created by an interrupt source and sent to processor</a:t>
+            </a:r>
+          </a:p>
+          <a:p>
+            <a:pPr marL="342900" indent="-342900" algn="just">
+              <a:buFont typeface="+mj-lt"/>
+              <a:buAutoNum type="arabicPeriod"/>
+            </a:pPr>
+            <a:endParaRPr lang="en-US" dirty="0" smtClean="0"/>
+          </a:p>
+          <a:p>
+            <a:pPr marL="342900" indent="-342900" algn="just">
+              <a:buFont typeface="+mj-lt"/>
+              <a:buAutoNum type="arabicPeriod"/>
+            </a:pPr>
+            <a:r>
+              <a:rPr lang="en-US" dirty="0" smtClean="0"/>
+              <a:t>Based on the mask register’s content and the interrupt priority level, CPU will  </a:t>
+            </a:r>
+          </a:p>
+          <a:p>
+            <a:pPr marL="342900" indent="-342900" algn="just"/>
+            <a:r>
+              <a:rPr lang="en-US" dirty="0" smtClean="0"/>
+              <a:t>determine whether to response or process the interrupt request.</a:t>
+            </a:r>
+          </a:p>
+          <a:p>
+            <a:pPr marL="342900" indent="-342900" algn="just"/>
+            <a:endParaRPr lang="en-US" dirty="0" smtClean="0"/>
+          </a:p>
+          <a:p>
+            <a:pPr marL="342900" indent="-342900" algn="just">
+              <a:buAutoNum type="arabicPeriod" startAt="3"/>
+            </a:pPr>
+            <a:r>
+              <a:rPr lang="en-US" dirty="0" smtClean="0"/>
+              <a:t>If the interrupt request is accepted, the associated hardware  will provide</a:t>
+            </a:r>
+          </a:p>
+          <a:p>
+            <a:pPr marL="342900" indent="-342900" algn="just"/>
+            <a:r>
+              <a:rPr lang="en-US" dirty="0" smtClean="0"/>
+              <a:t>interrupt  related information, such as the interrupt source  and related Interrupt</a:t>
+            </a:r>
+          </a:p>
+          <a:p>
+            <a:pPr marL="342900" indent="-342900" algn="just"/>
+            <a:r>
+              <a:rPr lang="en-US" dirty="0" smtClean="0"/>
+              <a:t> Service Routine  (ISR) entry point, in a Vector Table format.</a:t>
+            </a:r>
+          </a:p>
+          <a:p>
+            <a:pPr marL="342900" indent="-342900" algn="just">
+              <a:buFont typeface="+mj-lt"/>
+              <a:buAutoNum type="arabicPeriod"/>
+            </a:pPr>
+            <a:endParaRPr lang="en-US" dirty="0" smtClean="0"/>
+          </a:p>
+          <a:p>
+            <a:pPr marL="342900" indent="-342900" algn="just"/>
+            <a:r>
+              <a:rPr lang="en-US" dirty="0" smtClean="0"/>
+              <a:t>4. Before the control can be transferred to the ISR, all related registers are pushed</a:t>
+            </a:r>
+          </a:p>
+          <a:p>
+            <a:pPr marL="342900" indent="-342900" algn="just"/>
+            <a:r>
+              <a:rPr lang="en-US" dirty="0" smtClean="0"/>
+              <a:t> into   the stack to reserve their contents</a:t>
+            </a:r>
+          </a:p>
+          <a:p>
+            <a:pPr marL="342900" indent="-342900" algn="just">
+              <a:buFont typeface="+mj-lt"/>
+              <a:buAutoNum type="arabicPeriod"/>
+            </a:pPr>
+            <a:endParaRPr lang="en-US" dirty="0" smtClean="0"/>
+          </a:p>
+          <a:p>
+            <a:pPr marL="342900" indent="-342900" algn="just"/>
+            <a:r>
+              <a:rPr lang="en-US" dirty="0" smtClean="0"/>
+              <a:t>5. Then the control will be directed to the entry point (entry address of the ISR) to</a:t>
+            </a:r>
+          </a:p>
+          <a:p>
+            <a:pPr marL="342900" indent="-342900" algn="just"/>
+            <a:r>
+              <a:rPr lang="en-US" dirty="0" smtClean="0"/>
+              <a:t> run  the ISR to perform the required interrupt service.</a:t>
+            </a:r>
+          </a:p>
+        </p:txBody>
+      </p:sp>
+    </p:spTree>
+  </p:cSld>
+  <p:clrMapOvr>
+    <a:masterClrMapping/>
+  </p:clrMapOvr>
+  <p:timing>
+    <p:tnLst>
+      <p:par>
+        <p:cTn id="1" dur="indefinite" restart="never" nodeType="tmRoot"/>
+      </p:par>
+    </p:tnLst>
+  </p:timing>
+</p:sld>
+</file>
+
+<file path=ppt/slides/slide34.xml><?xml version="1.0" encoding="utf-8"?>
+<p:sld xmlns:a="http://schemas.openxmlformats.org/drawingml/2006/main" xmlns:r="http://schemas.openxmlformats.org/officeDocument/2006/relationships" xmlns:p="http://schemas.openxmlformats.org/presentationml/2006/main">
+  <p:cSld>
+    <p:spTree>
+      <p:nvGrpSpPr>
+        <p:cNvPr id="1" name=""/>
+        <p:cNvGrpSpPr/>
+        <p:nvPr/>
+      </p:nvGrpSpPr>
+      <p:grpSpPr>
+        <a:xfrm>
+          <a:off x="0" y="0"/>
+          <a:ext cx="0" cy="0"/>
+          <a:chOff x="0" y="0"/>
+          <a:chExt cx="0" cy="0"/>
+        </a:xfrm>
+      </p:grpSpPr>
+      <p:sp>
+        <p:nvSpPr>
+          <p:cNvPr id="2" name="Title 1"/>
+          <p:cNvSpPr>
+            <a:spLocks noGrp="1"/>
+          </p:cNvSpPr>
+          <p:nvPr>
+            <p:ph type="title"/>
+          </p:nvPr>
+        </p:nvSpPr>
+        <p:spPr/>
+        <p:txBody>
+          <a:bodyPr/>
+          <a:lstStyle/>
+          <a:p>
+            <a:r>
+              <a:rPr lang="en-US" dirty="0" smtClean="0">
+                <a:solidFill>
+                  <a:schemeClr val="tx1">
+                    <a:lumMod val="65000"/>
+                    <a:lumOff val="35000"/>
+                  </a:schemeClr>
+                </a:solidFill>
+              </a:rPr>
+              <a:t>Nested Vectored Interrupt Control.</a:t>
+            </a:r>
+            <a:endParaRPr lang="en-US" dirty="0"/>
+          </a:p>
+        </p:txBody>
+      </p:sp>
+      <p:sp>
+        <p:nvSpPr>
+          <p:cNvPr id="3" name="TextBox 2"/>
+          <p:cNvSpPr txBox="1"/>
+          <p:nvPr/>
+        </p:nvSpPr>
+        <p:spPr>
+          <a:xfrm>
+            <a:off x="304800" y="1905000"/>
+            <a:ext cx="8382000" cy="2862322"/>
+          </a:xfrm>
+          <a:prstGeom prst="rect">
+            <a:avLst/>
+          </a:prstGeom>
+          <a:noFill/>
+          <a:ln>
+            <a:solidFill>
+              <a:schemeClr val="accent1"/>
+            </a:solidFill>
+          </a:ln>
+        </p:spPr>
+        <p:txBody>
+          <a:bodyPr wrap="square" rtlCol="0">
+            <a:spAutoFit/>
+          </a:bodyPr>
+          <a:lstStyle/>
+          <a:p>
+            <a:r>
+              <a:rPr lang="en-US" dirty="0" smtClean="0"/>
+              <a:t>5. After the ISR is done and before the control can be transferred back to the main  Program</a:t>
+            </a:r>
+          </a:p>
+          <a:p>
+            <a:endParaRPr lang="en-US" dirty="0" smtClean="0"/>
+          </a:p>
+          <a:p>
+            <a:r>
+              <a:rPr lang="en-US" dirty="0" smtClean="0"/>
+              <a:t>6. All related registers pushed on to start , including the PC, are recovered by popping them back to the related registers</a:t>
+            </a:r>
+          </a:p>
+          <a:p>
+            <a:endParaRPr lang="en-US" dirty="0" smtClean="0"/>
+          </a:p>
+          <a:p>
+            <a:r>
+              <a:rPr lang="en-US" dirty="0" smtClean="0"/>
+              <a:t>7. Then the control can be directed to the main program to continue executing the normal application codes based on the old PC content.</a:t>
+            </a:r>
+          </a:p>
+          <a:p>
+            <a:endParaRPr lang="en-US" dirty="0" smtClean="0"/>
+          </a:p>
+          <a:p>
+            <a:endParaRPr lang="en-US" dirty="0"/>
+          </a:p>
+        </p:txBody>
+      </p:sp>
+    </p:spTree>
+  </p:cSld>
+  <p:clrMapOvr>
+    <a:masterClrMapping/>
+  </p:clrMapOvr>
+</p:sld>
+</file>
+
+<file path=ppt/slides/slide35.xml><?xml version="1.0" encoding="utf-8"?>
+<p:sld xmlns:a="http://schemas.openxmlformats.org/drawingml/2006/main" xmlns:r="http://schemas.openxmlformats.org/officeDocument/2006/relationships" xmlns:p="http://schemas.openxmlformats.org/presentationml/2006/main">
+  <p:cSld>
+    <p:spTree>
+      <p:nvGrpSpPr>
+        <p:cNvPr id="1" name=""/>
+        <p:cNvGrpSpPr/>
+        <p:nvPr/>
+      </p:nvGrpSpPr>
+      <p:grpSpPr>
+        <a:xfrm>
+          <a:off x="0" y="0"/>
+          <a:ext cx="0" cy="0"/>
+          <a:chOff x="0" y="0"/>
+          <a:chExt cx="0" cy="0"/>
+        </a:xfrm>
+      </p:grpSpPr>
+      <p:sp>
+        <p:nvSpPr>
+          <p:cNvPr id="2" name="Title 1"/>
+          <p:cNvSpPr txBox="1">
+            <a:spLocks/>
+          </p:cNvSpPr>
+          <p:nvPr/>
+        </p:nvSpPr>
+        <p:spPr>
+          <a:xfrm>
+            <a:off x="457200" y="274638"/>
+            <a:ext cx="8229600" cy="868362"/>
+          </a:xfrm>
+          <a:prstGeom prst="rect">
+            <a:avLst/>
+          </a:prstGeom>
+        </p:spPr>
+        <p:txBody>
+          <a:bodyPr vert="horz" lIns="91440" tIns="45720" rIns="91440" bIns="45720" rtlCol="0" anchor="ctr">
+            <a:normAutofit/>
+          </a:bodyPr>
+          <a:lstStyle/>
+          <a:p>
+            <a:pPr marL="0" marR="0" lvl="0" indent="0" algn="ctr" defTabSz="914400" rtl="0" eaLnBrk="1" fontAlgn="auto" latinLnBrk="0" hangingPunct="1">
+              <a:lnSpc>
+                <a:spcPct val="100000"/>
+              </a:lnSpc>
+              <a:spcBef>
+                <a:spcPct val="0"/>
+              </a:spcBef>
+              <a:spcAft>
+                <a:spcPts val="0"/>
+              </a:spcAft>
+              <a:buClrTx/>
+              <a:buSzTx/>
+              <a:buFontTx/>
+              <a:buNone/>
+              <a:tabLst/>
+              <a:defRPr/>
+            </a:pPr>
+            <a:r>
+              <a:rPr kumimoji="0" lang="en-US" sz="4400" b="0" i="0" u="none" strike="noStrike" kern="1200" cap="none" spc="0" normalizeH="0" baseline="0" noProof="0" smtClean="0">
+                <a:ln>
+                  <a:noFill/>
+                </a:ln>
+                <a:solidFill>
+                  <a:schemeClr val="tx1"/>
+                </a:solidFill>
+                <a:effectLst/>
+                <a:uLnTx/>
+                <a:uFillTx/>
+                <a:latin typeface="+mj-lt"/>
+                <a:ea typeface="+mj-ea"/>
+                <a:cs typeface="+mj-cs"/>
+              </a:rPr>
+              <a:t>Cortex M4 - Architecture</a:t>
+            </a:r>
+            <a:endParaRPr kumimoji="0" lang="en-US" sz="4400" b="0" i="0" u="none" strike="noStrike" kern="1200" cap="none" spc="0" normalizeH="0" baseline="0" noProof="0" dirty="0">
+              <a:ln>
+                <a:noFill/>
+              </a:ln>
+              <a:solidFill>
+                <a:schemeClr val="tx1"/>
+              </a:solidFill>
+              <a:effectLst/>
+              <a:uLnTx/>
+              <a:uFillTx/>
+              <a:latin typeface="+mj-lt"/>
+              <a:ea typeface="+mj-ea"/>
+              <a:cs typeface="+mj-cs"/>
+            </a:endParaRPr>
+          </a:p>
+        </p:txBody>
+      </p:sp>
+      <p:sp>
+        <p:nvSpPr>
+          <p:cNvPr id="3" name="TextBox 2"/>
+          <p:cNvSpPr txBox="1"/>
+          <p:nvPr/>
+        </p:nvSpPr>
+        <p:spPr>
+          <a:xfrm>
+            <a:off x="304800" y="1905000"/>
+            <a:ext cx="7924800" cy="2554545"/>
+          </a:xfrm>
+          <a:prstGeom prst="rect">
+            <a:avLst/>
+          </a:prstGeom>
+        </p:spPr>
+        <p:style>
+          <a:lnRef idx="0">
+            <a:schemeClr val="accent5"/>
+          </a:lnRef>
+          <a:fillRef idx="3">
+            <a:schemeClr val="accent5"/>
+          </a:fillRef>
+          <a:effectRef idx="3">
+            <a:schemeClr val="accent5"/>
+          </a:effectRef>
+          <a:fontRef idx="minor">
+            <a:schemeClr val="lt1"/>
+          </a:fontRef>
+        </p:style>
+        <p:txBody>
+          <a:bodyPr wrap="square" rtlCol="0">
+            <a:spAutoFit/>
+          </a:bodyPr>
+          <a:lstStyle/>
+          <a:p>
+            <a:pPr>
+              <a:buFont typeface="Wingdings" pitchFamily="2" charset="2"/>
+              <a:buChar char="ü"/>
+            </a:pPr>
+            <a:r>
+              <a:rPr lang="en-US" sz="4000" dirty="0" smtClean="0"/>
+              <a:t>Programmer View</a:t>
+            </a:r>
+          </a:p>
+          <a:p>
+            <a:pPr>
+              <a:buFont typeface="Wingdings" pitchFamily="2" charset="2"/>
+              <a:buChar char="ü"/>
+            </a:pPr>
+            <a:r>
+              <a:rPr lang="en-US" sz="4000" dirty="0" smtClean="0">
+                <a:solidFill>
+                  <a:schemeClr val="bg1"/>
+                </a:solidFill>
+              </a:rPr>
+              <a:t>Memory architecture.</a:t>
+            </a:r>
+          </a:p>
+          <a:p>
+            <a:pPr>
+              <a:buFont typeface="Wingdings" pitchFamily="2" charset="2"/>
+              <a:buChar char="ü"/>
+            </a:pPr>
+            <a:r>
+              <a:rPr lang="en-US" sz="4000" dirty="0" smtClean="0">
+                <a:solidFill>
+                  <a:schemeClr val="bg1"/>
+                </a:solidFill>
+              </a:rPr>
+              <a:t>Nested Vectored Interrupt Control.</a:t>
+            </a:r>
+          </a:p>
+          <a:p>
+            <a:pPr>
+              <a:buFont typeface="Wingdings" pitchFamily="2" charset="2"/>
+              <a:buChar char="Ø"/>
+            </a:pPr>
+            <a:r>
+              <a:rPr lang="en-US" sz="4000" dirty="0" smtClean="0">
+                <a:solidFill>
+                  <a:srgbClr val="FFFF00"/>
+                </a:solidFill>
+              </a:rPr>
+              <a:t>Debug architecture.</a:t>
+            </a:r>
+            <a:endParaRPr lang="en-US" sz="4000" dirty="0">
+              <a:solidFill>
+                <a:srgbClr val="FFFF00"/>
+              </a:solidFill>
+            </a:endParaRPr>
+          </a:p>
+        </p:txBody>
+      </p:sp>
+    </p:spTree>
+  </p:cSld>
+  <p:clrMapOvr>
+    <a:masterClrMapping/>
+  </p:clrMapOvr>
+</p:sld>
+</file>
+
+<file path=ppt/slides/slide36.xml><?xml version="1.0" encoding="utf-8"?>
+<p:sld xmlns:a="http://schemas.openxmlformats.org/drawingml/2006/main" xmlns:r="http://schemas.openxmlformats.org/officeDocument/2006/relationships" xmlns:p="http://schemas.openxmlformats.org/presentationml/2006/main">
+  <p:cSld>
+    <p:spTree>
+      <p:nvGrpSpPr>
+        <p:cNvPr id="1" name=""/>
+        <p:cNvGrpSpPr/>
+        <p:nvPr/>
+      </p:nvGrpSpPr>
+      <p:grpSpPr>
+        <a:xfrm>
+          <a:off x="0" y="0"/>
+          <a:ext cx="0" cy="0"/>
+          <a:chOff x="0" y="0"/>
+          <a:chExt cx="0" cy="0"/>
+        </a:xfrm>
+      </p:grpSpPr>
+      <p:sp>
+        <p:nvSpPr>
+          <p:cNvPr id="2" name="Title 1"/>
+          <p:cNvSpPr>
+            <a:spLocks noGrp="1"/>
+          </p:cNvSpPr>
+          <p:nvPr>
+            <p:ph type="title"/>
+          </p:nvPr>
+        </p:nvSpPr>
+        <p:spPr>
+          <a:xfrm>
+            <a:off x="457200" y="0"/>
+            <a:ext cx="8229600" cy="914400"/>
+          </a:xfrm>
+        </p:spPr>
+        <p:txBody>
+          <a:bodyPr/>
+          <a:lstStyle/>
+          <a:p>
+            <a:r>
+              <a:rPr lang="en-US" dirty="0" smtClean="0"/>
+              <a:t>Debug Architecture</a:t>
+            </a:r>
+            <a:endParaRPr lang="en-US" dirty="0"/>
+          </a:p>
+        </p:txBody>
+      </p:sp>
+      <p:sp>
+        <p:nvSpPr>
+          <p:cNvPr id="3" name="TextBox 2"/>
+          <p:cNvSpPr txBox="1"/>
+          <p:nvPr/>
+        </p:nvSpPr>
+        <p:spPr>
+          <a:xfrm>
+            <a:off x="383783" y="914400"/>
+            <a:ext cx="8020144" cy="4985980"/>
+          </a:xfrm>
+          <a:prstGeom prst="rect">
+            <a:avLst/>
+          </a:prstGeom>
+          <a:noFill/>
+          <a:ln>
+            <a:solidFill>
+              <a:schemeClr val="accent1"/>
+            </a:solidFill>
+          </a:ln>
+        </p:spPr>
+        <p:txBody>
+          <a:bodyPr wrap="none" rtlCol="0">
+            <a:spAutoFit/>
+          </a:bodyPr>
+          <a:lstStyle/>
+          <a:p>
+            <a:r>
+              <a:rPr lang="en-US" dirty="0" smtClean="0"/>
+              <a:t>In </a:t>
+            </a:r>
+            <a:r>
+              <a:rPr lang="en-US" dirty="0" err="1" smtClean="0"/>
+              <a:t>theARM</a:t>
+            </a:r>
+            <a:r>
+              <a:rPr lang="en-US" dirty="0" smtClean="0"/>
+              <a:t> Cortex-M4 system, two types of  interfaces to understand </a:t>
+            </a:r>
+          </a:p>
+          <a:p>
+            <a:r>
+              <a:rPr lang="en-US" dirty="0" smtClean="0"/>
+              <a:t>“WHAT IS HAPPENING INSIDE” </a:t>
+            </a:r>
+          </a:p>
+          <a:p>
+            <a:pPr lvl="1"/>
+            <a:r>
+              <a:rPr lang="en-US" sz="2400" b="1" dirty="0" smtClean="0">
+                <a:solidFill>
+                  <a:srgbClr val="C00000"/>
+                </a:solidFill>
+              </a:rPr>
+              <a:t>Debug</a:t>
+            </a:r>
+          </a:p>
+          <a:p>
+            <a:pPr lvl="1"/>
+            <a:r>
+              <a:rPr lang="en-US" sz="2400" b="1" dirty="0" smtClean="0">
+                <a:solidFill>
+                  <a:srgbClr val="C00000"/>
+                </a:solidFill>
+              </a:rPr>
+              <a:t>Trace.</a:t>
+            </a:r>
+          </a:p>
+          <a:p>
+            <a:r>
+              <a:rPr lang="en-US" dirty="0" smtClean="0"/>
+              <a:t>The </a:t>
+            </a:r>
+            <a:r>
+              <a:rPr lang="en-US" b="1" u="sng" dirty="0" smtClean="0">
+                <a:solidFill>
+                  <a:srgbClr val="C00000"/>
+                </a:solidFill>
+              </a:rPr>
+              <a:t>debug interface </a:t>
+            </a:r>
+            <a:r>
+              <a:rPr lang="en-US" b="1" dirty="0" smtClean="0">
+                <a:solidFill>
+                  <a:srgbClr val="C00000"/>
+                </a:solidFill>
+              </a:rPr>
+              <a:t>    </a:t>
+            </a:r>
+            <a:r>
+              <a:rPr lang="en-US" dirty="0" smtClean="0"/>
+              <a:t>to perform the </a:t>
+            </a:r>
+            <a:r>
+              <a:rPr lang="en-US" b="1" u="sng" dirty="0" smtClean="0"/>
+              <a:t>debug functions</a:t>
+            </a:r>
+            <a:r>
+              <a:rPr lang="en-US" dirty="0" smtClean="0"/>
+              <a:t>,</a:t>
+            </a:r>
+          </a:p>
+          <a:p>
+            <a:endParaRPr lang="en-US" dirty="0" smtClean="0"/>
+          </a:p>
+          <a:p>
+            <a:pPr>
+              <a:buFont typeface="Wingdings" pitchFamily="2" charset="2"/>
+              <a:buChar char="§"/>
+            </a:pPr>
+            <a:r>
+              <a:rPr lang="en-US" dirty="0" smtClean="0"/>
+              <a:t> </a:t>
+            </a:r>
+            <a:r>
+              <a:rPr lang="en-US" dirty="0" smtClean="0">
+                <a:solidFill>
+                  <a:srgbClr val="FF0000"/>
+                </a:solidFill>
+              </a:rPr>
+              <a:t>Run Control of the processor allowing you to start and stop programs</a:t>
+            </a:r>
+          </a:p>
+          <a:p>
+            <a:pPr>
+              <a:buFont typeface="Wingdings" pitchFamily="2" charset="2"/>
+              <a:buChar char="§"/>
+            </a:pPr>
+            <a:r>
+              <a:rPr lang="en-US" dirty="0" smtClean="0">
+                <a:solidFill>
+                  <a:srgbClr val="FF0000"/>
+                </a:solidFill>
+              </a:rPr>
+              <a:t> Single Step one source or assembler line</a:t>
+            </a:r>
+          </a:p>
+          <a:p>
+            <a:pPr>
+              <a:buFont typeface="Wingdings" pitchFamily="2" charset="2"/>
+              <a:buChar char="§"/>
+            </a:pPr>
+            <a:r>
+              <a:rPr lang="en-US" dirty="0" smtClean="0">
+                <a:solidFill>
+                  <a:srgbClr val="FF0000"/>
+                </a:solidFill>
+              </a:rPr>
+              <a:t> Set breakpoints while the processor is running</a:t>
+            </a:r>
+          </a:p>
+          <a:p>
+            <a:pPr>
+              <a:buFont typeface="Wingdings" pitchFamily="2" charset="2"/>
+              <a:buChar char="§"/>
+            </a:pPr>
+            <a:r>
+              <a:rPr lang="en-US" dirty="0" smtClean="0">
+                <a:solidFill>
+                  <a:srgbClr val="FF0000"/>
+                </a:solidFill>
+              </a:rPr>
+              <a:t> Read/write memory contents and peripheral registers on-the-fly</a:t>
+            </a:r>
+          </a:p>
+          <a:p>
+            <a:pPr>
+              <a:buFont typeface="Wingdings" pitchFamily="2" charset="2"/>
+              <a:buChar char="§"/>
+            </a:pPr>
+            <a:r>
+              <a:rPr lang="en-US" dirty="0" smtClean="0">
+                <a:solidFill>
+                  <a:srgbClr val="FF0000"/>
+                </a:solidFill>
+              </a:rPr>
+              <a:t> Program internal and external Flash memory</a:t>
+            </a:r>
+          </a:p>
+          <a:p>
+            <a:endParaRPr lang="en-US" dirty="0" smtClean="0"/>
+          </a:p>
+          <a:p>
+            <a:r>
+              <a:rPr lang="en-US" dirty="0" smtClean="0"/>
+              <a:t>The </a:t>
+            </a:r>
+            <a:r>
+              <a:rPr lang="en-US" b="1" u="sng" dirty="0" smtClean="0"/>
+              <a:t>trace interface </a:t>
+            </a:r>
+            <a:r>
+              <a:rPr lang="en-US" dirty="0" smtClean="0"/>
+              <a:t>is </a:t>
+            </a:r>
+            <a:r>
+              <a:rPr lang="en-US" b="1" u="sng" dirty="0" smtClean="0"/>
+              <a:t>to collect dynamic information </a:t>
+            </a:r>
+            <a:r>
+              <a:rPr lang="en-US" dirty="0" smtClean="0"/>
+              <a:t>from the CPU as the</a:t>
+            </a:r>
+          </a:p>
+          <a:p>
+            <a:r>
+              <a:rPr lang="en-US" dirty="0" smtClean="0"/>
+              <a:t>system is running,</a:t>
+            </a:r>
+          </a:p>
+          <a:p>
+            <a:pPr>
+              <a:buFont typeface="Wingdings" pitchFamily="2" charset="2"/>
+              <a:buChar char="§"/>
+            </a:pPr>
+            <a:r>
+              <a:rPr lang="en-US" dirty="0" smtClean="0">
+                <a:solidFill>
+                  <a:srgbClr val="FF0000"/>
+                </a:solidFill>
+              </a:rPr>
+              <a:t>Data, </a:t>
+            </a:r>
+          </a:p>
+          <a:p>
+            <a:pPr>
+              <a:buFont typeface="Wingdings" pitchFamily="2" charset="2"/>
+              <a:buChar char="§"/>
+            </a:pPr>
+            <a:r>
+              <a:rPr lang="en-US" dirty="0" smtClean="0">
+                <a:solidFill>
+                  <a:srgbClr val="FF0000"/>
+                </a:solidFill>
+              </a:rPr>
+              <a:t>Event, </a:t>
+            </a:r>
+          </a:p>
+          <a:p>
+            <a:pPr>
+              <a:buFont typeface="Wingdings" pitchFamily="2" charset="2"/>
+              <a:buChar char="§"/>
+            </a:pPr>
+            <a:r>
+              <a:rPr lang="en-US" dirty="0" smtClean="0">
+                <a:solidFill>
+                  <a:srgbClr val="FF0000"/>
+                </a:solidFill>
+              </a:rPr>
+              <a:t>profiling or complete details of a user’s application program</a:t>
+            </a:r>
+            <a:r>
+              <a:rPr lang="en-US" dirty="0" smtClean="0"/>
+              <a:t>.</a:t>
+            </a:r>
+            <a:endParaRPr lang="en-US" dirty="0"/>
+          </a:p>
+        </p:txBody>
+      </p:sp>
+    </p:spTree>
+  </p:cSld>
+  <p:clrMapOvr>
+    <a:masterClrMapping/>
+  </p:clrMapOvr>
+</p:sld>
+</file>
+
+<file path=ppt/slides/slide37.xml><?xml version="1.0" encoding="utf-8"?>
+<p:sld xmlns:a="http://schemas.openxmlformats.org/drawingml/2006/main" xmlns:r="http://schemas.openxmlformats.org/officeDocument/2006/relationships" xmlns:p="http://schemas.openxmlformats.org/presentationml/2006/main">
+  <p:cSld>
+    <p:spTree>
+      <p:nvGrpSpPr>
+        <p:cNvPr id="1" name=""/>
+        <p:cNvGrpSpPr/>
+        <p:nvPr/>
+      </p:nvGrpSpPr>
+      <p:grpSpPr>
+        <a:xfrm>
+          <a:off x="0" y="0"/>
+          <a:ext cx="0" cy="0"/>
+          <a:chOff x="0" y="0"/>
+          <a:chExt cx="0" cy="0"/>
+        </a:xfrm>
+      </p:grpSpPr>
+      <p:sp>
+        <p:nvSpPr>
+          <p:cNvPr id="2" name="TextBox 1"/>
+          <p:cNvSpPr txBox="1"/>
+          <p:nvPr/>
+        </p:nvSpPr>
+        <p:spPr>
+          <a:xfrm>
+            <a:off x="457200" y="1600200"/>
+            <a:ext cx="8077200" cy="3970318"/>
+          </a:xfrm>
+          <a:prstGeom prst="rect">
+            <a:avLst/>
+          </a:prstGeom>
+          <a:noFill/>
+        </p:spPr>
+        <p:txBody>
+          <a:bodyPr wrap="square" rtlCol="0">
+            <a:spAutoFit/>
+          </a:bodyPr>
+          <a:lstStyle/>
+          <a:p>
+            <a:endParaRPr lang="en-US" dirty="0" smtClean="0"/>
+          </a:p>
+          <a:p>
+            <a:r>
+              <a:rPr lang="en-US" dirty="0" smtClean="0"/>
+              <a:t>All Cortex-M3 and Cortex-M4 devices provide data and event trace.</a:t>
+            </a:r>
+          </a:p>
+          <a:p>
+            <a:endParaRPr lang="en-US" dirty="0" smtClean="0"/>
+          </a:p>
+          <a:p>
+            <a:r>
+              <a:rPr lang="en-US" dirty="0" smtClean="0"/>
+              <a:t>Trace Window - Displays program flow by capturing timestamps, PC samples, exceptions, and Read/Write accesses.</a:t>
+            </a:r>
+          </a:p>
+          <a:p>
+            <a:r>
+              <a:rPr lang="en-US" dirty="0" smtClean="0"/>
+              <a:t>Debug Viewer - Displays the </a:t>
+            </a:r>
+            <a:r>
+              <a:rPr lang="en-US" dirty="0" err="1" smtClean="0"/>
+              <a:t>printf</a:t>
+            </a:r>
+            <a:r>
+              <a:rPr lang="en-US" dirty="0" smtClean="0"/>
+              <a:t>-style output of the Instrumented Trace (ITM) in a terminal window.</a:t>
+            </a:r>
+          </a:p>
+          <a:p>
+            <a:r>
+              <a:rPr lang="en-US" dirty="0" smtClean="0"/>
+              <a:t>Exceptions window - Displays statistical information about program exceptions and interrupts.</a:t>
+            </a:r>
+          </a:p>
+          <a:p>
+            <a:r>
+              <a:rPr lang="en-US" dirty="0" smtClean="0"/>
+              <a:t>Event Counters - Display real-time values of specific event counters providing performance indications.</a:t>
+            </a:r>
+          </a:p>
+          <a:p>
+            <a:r>
+              <a:rPr lang="en-US" dirty="0" smtClean="0"/>
+              <a:t>Logic Analyzer - Graphically displays variable changes in captured data trace.</a:t>
+            </a:r>
+          </a:p>
+          <a:p>
+            <a:r>
+              <a:rPr lang="en-US" dirty="0" smtClean="0"/>
+              <a:t>RTX Event Viewer - display RTX Kernel task switching events and statistics on a time scale.</a:t>
+            </a:r>
+            <a:endParaRPr lang="en-US" dirty="0"/>
+          </a:p>
+        </p:txBody>
+      </p:sp>
+      <p:sp>
+        <p:nvSpPr>
+          <p:cNvPr id="3" name="Title 1"/>
+          <p:cNvSpPr txBox="1">
+            <a:spLocks/>
+          </p:cNvSpPr>
+          <p:nvPr/>
+        </p:nvSpPr>
+        <p:spPr>
+          <a:xfrm>
+            <a:off x="457200" y="0"/>
+            <a:ext cx="8229600" cy="1447800"/>
+          </a:xfrm>
+          <a:prstGeom prst="rect">
+            <a:avLst/>
+          </a:prstGeom>
+        </p:spPr>
+        <p:txBody>
+          <a:bodyPr/>
+          <a:lstStyle/>
+          <a:p>
+            <a:pPr algn="ctr" eaLnBrk="1" fontAlgn="auto" hangingPunct="1">
+              <a:spcAft>
+                <a:spcPts val="0"/>
+              </a:spcAft>
+            </a:pPr>
+            <a:r>
+              <a:rPr lang="en-US" sz="4400" dirty="0" smtClean="0"/>
+              <a:t>KEIL Real-Time Trace and Analysis</a:t>
+            </a:r>
+          </a:p>
+          <a:p>
+            <a:pPr marL="0" marR="0" lvl="0" indent="0" algn="ctr" defTabSz="914400" rtl="0" eaLnBrk="1" fontAlgn="auto" latinLnBrk="0" hangingPunct="1">
+              <a:lnSpc>
+                <a:spcPct val="100000"/>
+              </a:lnSpc>
+              <a:spcBef>
+                <a:spcPct val="0"/>
+              </a:spcBef>
+              <a:spcAft>
+                <a:spcPts val="0"/>
+              </a:spcAft>
+              <a:buClrTx/>
+              <a:buSzTx/>
+              <a:buFontTx/>
+              <a:buNone/>
+              <a:tabLst/>
+              <a:defRPr/>
+            </a:pPr>
+            <a:endParaRPr kumimoji="0" lang="en-US" sz="4400" b="0" i="0" u="none" strike="noStrike" kern="1200" cap="none" spc="0" normalizeH="0" baseline="0" noProof="0" dirty="0">
+              <a:ln>
+                <a:noFill/>
+              </a:ln>
+              <a:solidFill>
+                <a:schemeClr val="tx1"/>
+              </a:solidFill>
+              <a:effectLst/>
+              <a:uLnTx/>
+              <a:uFillTx/>
+              <a:latin typeface="+mj-lt"/>
+              <a:ea typeface="+mj-ea"/>
+              <a:cs typeface="+mj-cs"/>
+            </a:endParaRPr>
+          </a:p>
+        </p:txBody>
+      </p:sp>
+    </p:spTree>
+  </p:cSld>
+  <p:clrMapOvr>
+    <a:masterClrMapping/>
+  </p:clrMapOvr>
+</p:sld>
+</file>
+
+<file path=ppt/slides/slide38.xml><?xml version="1.0" encoding="utf-8"?>
 <p:sld xmlns:a="http://schemas.openxmlformats.org/drawingml/2006/main" xmlns:r="http://schemas.openxmlformats.org/officeDocument/2006/relationships" xmlns:p="http://schemas.openxmlformats.org/presentationml/2006/main">
   <p:cSld>
     <p:spTree>
@@ -20206,31 +23097,15 @@
           <a:p>
             <a:r>
               <a:rPr lang="en-US" sz="1400" dirty="0" smtClean="0"/>
-              <a:t>The Cortex-M4 vector table is probably one of the larger departures from all </a:t>
+              <a:t>The Cortex-M4 vector table is probably one of the larger departures from all previous ARM processor designs. Returning to the idea that </a:t>
+            </a:r>
+            <a:r>
+              <a:rPr lang="en-US" sz="1400" i="1" dirty="0" smtClean="0"/>
+              <a:t>addresses are stored in the </a:t>
             </a:r>
             <a:r>
               <a:rPr lang="en-US" sz="1400" dirty="0" smtClean="0"/>
-              <a:t>previous ARM </a:t>
-            </a:r>
-            <a:r>
-              <a:rPr lang="en-US" sz="1400" dirty="0" smtClean="0"/>
-              <a:t>processor designs. Returning to the idea that </a:t>
-            </a:r>
-            <a:r>
-              <a:rPr lang="en-US" sz="1400" i="1" dirty="0" smtClean="0"/>
-              <a:t>addresses are stored in </a:t>
-            </a:r>
-            <a:r>
-              <a:rPr lang="en-US" sz="1400" i="1" dirty="0" smtClean="0"/>
-              <a:t>the </a:t>
-            </a:r>
-            <a:r>
-              <a:rPr lang="en-US" sz="1400" dirty="0" smtClean="0"/>
-              <a:t>vector </a:t>
-            </a:r>
-            <a:r>
-              <a:rPr lang="en-US" sz="1400" dirty="0" smtClean="0"/>
-              <a:t>table, rather than instructions,</a:t>
+              <a:t>vector table, rather than instructions,</a:t>
             </a:r>
             <a:endParaRPr lang="en-US" sz="1400" dirty="0"/>
           </a:p>
@@ -21021,7 +23896,289 @@
 </p:sld>
 </file>
 
-<file path=ppt/slides/slide26.xml><?xml version="1.0" encoding="utf-8"?>
+<file path=ppt/slides/slide39.xml><?xml version="1.0" encoding="utf-8"?>
+<p:sld xmlns:a="http://schemas.openxmlformats.org/drawingml/2006/main" xmlns:r="http://schemas.openxmlformats.org/officeDocument/2006/relationships" xmlns:p="http://schemas.openxmlformats.org/presentationml/2006/main">
+  <p:cSld>
+    <p:spTree>
+      <p:nvGrpSpPr>
+        <p:cNvPr id="1" name=""/>
+        <p:cNvGrpSpPr/>
+        <p:nvPr/>
+      </p:nvGrpSpPr>
+      <p:grpSpPr>
+        <a:xfrm>
+          <a:off x="0" y="0"/>
+          <a:ext cx="0" cy="0"/>
+          <a:chOff x="0" y="0"/>
+          <a:chExt cx="0" cy="0"/>
+        </a:xfrm>
+      </p:grpSpPr>
+      <p:sp>
+        <p:nvSpPr>
+          <p:cNvPr id="2" name="Title 1"/>
+          <p:cNvSpPr>
+            <a:spLocks noGrp="1"/>
+          </p:cNvSpPr>
+          <p:nvPr>
+            <p:ph type="title"/>
+          </p:nvPr>
+        </p:nvSpPr>
+        <p:spPr/>
+        <p:txBody>
+          <a:bodyPr/>
+          <a:lstStyle/>
+          <a:p>
+            <a:r>
+              <a:rPr lang="en-US" dirty="0" smtClean="0"/>
+              <a:t>Nested interrupt vector Controller</a:t>
+            </a:r>
+            <a:endParaRPr lang="en-US" dirty="0"/>
+          </a:p>
+        </p:txBody>
+      </p:sp>
+      <p:sp>
+        <p:nvSpPr>
+          <p:cNvPr id="3" name="TextBox 2"/>
+          <p:cNvSpPr txBox="1"/>
+          <p:nvPr/>
+        </p:nvSpPr>
+        <p:spPr>
+          <a:xfrm>
+            <a:off x="381000" y="1828800"/>
+            <a:ext cx="8712642" cy="1754326"/>
+          </a:xfrm>
+          <a:prstGeom prst="rect">
+            <a:avLst/>
+          </a:prstGeom>
+          <a:noFill/>
+        </p:spPr>
+        <p:txBody>
+          <a:bodyPr wrap="none" rtlCol="0">
+            <a:spAutoFit/>
+          </a:bodyPr>
+          <a:lstStyle/>
+          <a:p>
+            <a:r>
+              <a:rPr lang="en-US" dirty="0" smtClean="0"/>
+              <a:t>The NVIC supports nesting (stacking) of interrupts, allowing an interrupt to be </a:t>
+            </a:r>
+          </a:p>
+          <a:p>
+            <a:r>
+              <a:rPr lang="en-US" dirty="0" smtClean="0"/>
+              <a:t>serviced earlier by exerting higher priority. It also supports dynamic </a:t>
+            </a:r>
+            <a:r>
+              <a:rPr lang="en-US" dirty="0" err="1" smtClean="0"/>
+              <a:t>reprioritisation</a:t>
+            </a:r>
+            <a:r>
+              <a:rPr lang="en-US" dirty="0" smtClean="0"/>
+              <a:t> </a:t>
+            </a:r>
+          </a:p>
+          <a:p>
+            <a:r>
+              <a:rPr lang="en-US" dirty="0" smtClean="0"/>
+              <a:t>of interrupts. Priority levels can be changed by software during run time. Interrupts </a:t>
+            </a:r>
+          </a:p>
+          <a:p>
+            <a:r>
+              <a:rPr lang="en-US" dirty="0" smtClean="0"/>
+              <a:t>that are being serviced are blocked from further activation until the interrupt service </a:t>
+            </a:r>
+          </a:p>
+          <a:p>
+            <a:r>
+              <a:rPr lang="en-US" dirty="0" smtClean="0"/>
+              <a:t>routine is completed, so their priority can be changed without risk of accidental </a:t>
+            </a:r>
+          </a:p>
+          <a:p>
+            <a:r>
+              <a:rPr lang="en-US" dirty="0" smtClean="0"/>
+              <a:t>re-entry. </a:t>
+            </a:r>
+            <a:endParaRPr lang="en-US" dirty="0"/>
+          </a:p>
+        </p:txBody>
+      </p:sp>
+    </p:spTree>
+  </p:cSld>
+  <p:clrMapOvr>
+    <a:masterClrMapping/>
+  </p:clrMapOvr>
+  <p:timing>
+    <p:tnLst>
+      <p:par>
+        <p:cTn id="1" dur="indefinite" restart="never" nodeType="tmRoot"/>
+      </p:par>
+    </p:tnLst>
+  </p:timing>
+</p:sld>
+</file>
+
+<file path=ppt/slides/slide4.xml><?xml version="1.0" encoding="utf-8"?>
+<p:sld xmlns:a="http://schemas.openxmlformats.org/drawingml/2006/main" xmlns:r="http://schemas.openxmlformats.org/officeDocument/2006/relationships" xmlns:p="http://schemas.openxmlformats.org/presentationml/2006/main">
+  <p:cSld>
+    <p:spTree>
+      <p:nvGrpSpPr>
+        <p:cNvPr id="1" name=""/>
+        <p:cNvGrpSpPr/>
+        <p:nvPr/>
+      </p:nvGrpSpPr>
+      <p:grpSpPr>
+        <a:xfrm>
+          <a:off x="0" y="0"/>
+          <a:ext cx="0" cy="0"/>
+          <a:chOff x="0" y="0"/>
+          <a:chExt cx="0" cy="0"/>
+        </a:xfrm>
+      </p:grpSpPr>
+      <p:sp>
+        <p:nvSpPr>
+          <p:cNvPr id="2" name="Title 1"/>
+          <p:cNvSpPr>
+            <a:spLocks noGrp="1"/>
+          </p:cNvSpPr>
+          <p:nvPr>
+            <p:ph type="title"/>
+          </p:nvPr>
+        </p:nvSpPr>
+        <p:spPr>
+          <a:xfrm>
+            <a:off x="457200" y="274638"/>
+            <a:ext cx="8229600" cy="868362"/>
+          </a:xfrm>
+        </p:spPr>
+        <p:txBody>
+          <a:bodyPr/>
+          <a:lstStyle/>
+          <a:p>
+            <a:r>
+              <a:rPr lang="en-US" dirty="0" smtClean="0"/>
+              <a:t>Cortex M4 - Architecture</a:t>
+            </a:r>
+            <a:endParaRPr lang="en-US" dirty="0"/>
+          </a:p>
+        </p:txBody>
+      </p:sp>
+      <p:sp>
+        <p:nvSpPr>
+          <p:cNvPr id="3" name="TextBox 2"/>
+          <p:cNvSpPr txBox="1"/>
+          <p:nvPr/>
+        </p:nvSpPr>
+        <p:spPr>
+          <a:xfrm>
+            <a:off x="304800" y="1905000"/>
+            <a:ext cx="7924800" cy="2554545"/>
+          </a:xfrm>
+          <a:prstGeom prst="rect">
+            <a:avLst/>
+          </a:prstGeom>
+        </p:spPr>
+        <p:style>
+          <a:lnRef idx="0">
+            <a:schemeClr val="accent5"/>
+          </a:lnRef>
+          <a:fillRef idx="3">
+            <a:schemeClr val="accent5"/>
+          </a:fillRef>
+          <a:effectRef idx="3">
+            <a:schemeClr val="accent5"/>
+          </a:effectRef>
+          <a:fontRef idx="minor">
+            <a:schemeClr val="lt1"/>
+          </a:fontRef>
+        </p:style>
+        <p:txBody>
+          <a:bodyPr wrap="square" rtlCol="0">
+            <a:spAutoFit/>
+          </a:bodyPr>
+          <a:lstStyle/>
+          <a:p>
+            <a:pPr>
+              <a:buFont typeface="Wingdings" pitchFamily="2" charset="2"/>
+              <a:buChar char="Ø"/>
+            </a:pPr>
+            <a:r>
+              <a:rPr lang="en-US" sz="4000" dirty="0" smtClean="0">
+                <a:solidFill>
+                  <a:srgbClr val="FFFF00"/>
+                </a:solidFill>
+              </a:rPr>
+              <a:t>Programmer View</a:t>
+            </a:r>
+          </a:p>
+          <a:p>
+            <a:pPr>
+              <a:buFont typeface="Wingdings" pitchFamily="2" charset="2"/>
+              <a:buChar char="v"/>
+            </a:pPr>
+            <a:r>
+              <a:rPr lang="en-US" sz="4000" dirty="0" smtClean="0">
+                <a:solidFill>
+                  <a:schemeClr val="tx1">
+                    <a:lumMod val="65000"/>
+                    <a:lumOff val="35000"/>
+                  </a:schemeClr>
+                </a:solidFill>
+              </a:rPr>
+              <a:t>Memory architecture.</a:t>
+            </a:r>
+          </a:p>
+          <a:p>
+            <a:pPr>
+              <a:buFont typeface="Wingdings" pitchFamily="2" charset="2"/>
+              <a:buChar char="v"/>
+            </a:pPr>
+            <a:r>
+              <a:rPr lang="en-US" sz="4000" dirty="0" smtClean="0">
+                <a:solidFill>
+                  <a:schemeClr val="tx1">
+                    <a:lumMod val="65000"/>
+                    <a:lumOff val="35000"/>
+                  </a:schemeClr>
+                </a:solidFill>
+              </a:rPr>
+              <a:t>Nested Vectored Interrupt Control.</a:t>
+            </a:r>
+          </a:p>
+          <a:p>
+            <a:pPr>
+              <a:buFont typeface="Wingdings" pitchFamily="2" charset="2"/>
+              <a:buChar char="v"/>
+            </a:pPr>
+            <a:r>
+              <a:rPr lang="en-US" sz="4000" dirty="0" smtClean="0">
+                <a:solidFill>
+                  <a:schemeClr val="tx1">
+                    <a:lumMod val="65000"/>
+                    <a:lumOff val="35000"/>
+                  </a:schemeClr>
+                </a:solidFill>
+              </a:rPr>
+              <a:t>Debug architecture</a:t>
+            </a:r>
+            <a:r>
+              <a:rPr lang="en-US" sz="4000" dirty="0" smtClean="0"/>
+              <a:t>.</a:t>
+            </a:r>
+            <a:endParaRPr lang="en-US" sz="4000" dirty="0"/>
+          </a:p>
+        </p:txBody>
+      </p:sp>
+    </p:spTree>
+  </p:cSld>
+  <p:clrMapOvr>
+    <a:masterClrMapping/>
+  </p:clrMapOvr>
+</p:sld>
+</file>
+
+<file path=ppt/slides/slide40.xml><?xml version="1.0" encoding="utf-8"?>
 <p:sld xmlns:a="http://schemas.openxmlformats.org/drawingml/2006/main" xmlns:r="http://schemas.openxmlformats.org/officeDocument/2006/relationships" xmlns:p="http://schemas.openxmlformats.org/presentationml/2006/main">
   <p:cSld>
     <p:spTree>
@@ -21070,7 +24227,7 @@
         <p:spPr>
           <a:xfrm>
             <a:off x="838200" y="2438400"/>
-            <a:ext cx="7696200" cy="646331"/>
+            <a:ext cx="7696200" cy="1477328"/>
           </a:xfrm>
           <a:prstGeom prst="rect">
             <a:avLst/>
@@ -21083,9 +24240,30 @@
           <a:lstStyle/>
           <a:p>
             <a:r>
+              <a:rPr lang="en-US" dirty="0" smtClean="0">
+                <a:hlinkClick r:id="rId2"/>
+              </a:rPr>
+              <a:t>1. http://stackoverflow.com/questions/801117/whats-the-difference-between-a-single-precision-and-double-precision-floating-p\</a:t>
+            </a:r>
+            <a:endParaRPr lang="en-US" dirty="0" smtClean="0"/>
+          </a:p>
+          <a:p>
+            <a:endParaRPr lang="en-US" dirty="0" smtClean="0"/>
+          </a:p>
+          <a:p>
+            <a:r>
               <a:rPr lang="en-US" dirty="0" smtClean="0"/>
-              <a:t>http://stackoverflow.com/questions/801117/whats-the-difference-between-a-single-precision-and-double-precision-floating-p</a:t>
-            </a:r>
+              <a:t>2. NIVC :</a:t>
+            </a:r>
+            <a:r>
+              <a:rPr lang="en-US" dirty="0" smtClean="0">
+                <a:hlinkClick r:id="rId3"/>
+              </a:rPr>
+              <a:t>http://wiki.csie.ncku.edu.tw/embedded/arm-exceptions.pdf</a:t>
+            </a:r>
+            <a:endParaRPr lang="en-US" dirty="0" smtClean="0"/>
+          </a:p>
+          <a:p>
             <a:endParaRPr lang="en-US" dirty="0"/>
           </a:p>
         </p:txBody>
@@ -21105,7 +24283,7 @@
 </p:sld>
 </file>
 
-<file path=ppt/slides/slide3.xml><?xml version="1.0" encoding="utf-8"?>
+<file path=ppt/slides/slide5.xml><?xml version="1.0" encoding="utf-8"?>
 <p:sld xmlns:a="http://schemas.openxmlformats.org/drawingml/2006/main" xmlns:r="http://schemas.openxmlformats.org/officeDocument/2006/relationships" xmlns:p="http://schemas.openxmlformats.org/presentationml/2006/main">
   <p:cSld>
     <p:spTree>
@@ -21513,7 +24691,7 @@
 </p:sld>
 </file>
 
-<file path=ppt/slides/slide4.xml><?xml version="1.0" encoding="utf-8"?>
+<file path=ppt/slides/slide6.xml><?xml version="1.0" encoding="utf-8"?>
 <p:sld xmlns:a="http://schemas.openxmlformats.org/drawingml/2006/main" xmlns:r="http://schemas.openxmlformats.org/officeDocument/2006/relationships" xmlns:p="http://schemas.openxmlformats.org/presentationml/2006/main">
   <p:cSld>
     <p:spTree>
@@ -21811,7 +24989,7 @@
 </p:sld>
 </file>
 
-<file path=ppt/slides/slide5.xml><?xml version="1.0" encoding="utf-8"?>
+<file path=ppt/slides/slide7.xml><?xml version="1.0" encoding="utf-8"?>
 <p:sld xmlns:a="http://schemas.openxmlformats.org/drawingml/2006/main" xmlns:r="http://schemas.openxmlformats.org/officeDocument/2006/relationships" xmlns:p="http://schemas.openxmlformats.org/presentationml/2006/main">
   <p:cSld>
     <p:spTree>
@@ -23274,7 +26452,7 @@
 </p:sld>
 </file>
 
-<file path=ppt/slides/slide6.xml><?xml version="1.0" encoding="utf-8"?>
+<file path=ppt/slides/slide8.xml><?xml version="1.0" encoding="utf-8"?>
 <p:sld xmlns:a="http://schemas.openxmlformats.org/drawingml/2006/main" xmlns:r="http://schemas.openxmlformats.org/officeDocument/2006/relationships" xmlns:p="http://schemas.openxmlformats.org/presentationml/2006/main">
   <p:cSld>
     <p:spTree>
@@ -23334,7 +26512,7 @@
 </p:sld>
 </file>
 
-<file path=ppt/slides/slide7.xml><?xml version="1.0" encoding="utf-8"?>
+<file path=ppt/slides/slide9.xml><?xml version="1.0" encoding="utf-8"?>
 <p:sld xmlns:a="http://schemas.openxmlformats.org/drawingml/2006/main" xmlns:r="http://schemas.openxmlformats.org/officeDocument/2006/relationships" xmlns:p="http://schemas.openxmlformats.org/presentationml/2006/main">
   <p:cSld>
     <p:spTree>
@@ -25275,11 +28453,7 @@
           <a:p>
             <a:r>
               <a:rPr lang="en-US" sz="1200" dirty="0" smtClean="0"/>
-              <a:t> </a:t>
-            </a:r>
-            <a:r>
-              <a:rPr lang="en-US" sz="1200" dirty="0" smtClean="0"/>
-              <a:t> Exception  Register</a:t>
+              <a:t>  Exception  Register</a:t>
             </a:r>
             <a:endParaRPr lang="en-US" sz="1200" dirty="0"/>
           </a:p>
@@ -27246,968 +30420,6 @@
 </p:sld>
 </file>
 
-<file path=ppt/slides/slide8.xml><?xml version="1.0" encoding="utf-8"?>
-<p:sld xmlns:a="http://schemas.openxmlformats.org/drawingml/2006/main" xmlns:r="http://schemas.openxmlformats.org/officeDocument/2006/relationships" xmlns:p="http://schemas.openxmlformats.org/presentationml/2006/main">
-  <p:cSld>
-    <p:spTree>
-      <p:nvGrpSpPr>
-        <p:cNvPr id="1" name=""/>
-        <p:cNvGrpSpPr/>
-        <p:nvPr/>
-      </p:nvGrpSpPr>
-      <p:grpSpPr>
-        <a:xfrm>
-          <a:off x="0" y="0"/>
-          <a:ext cx="0" cy="0"/>
-          <a:chOff x="0" y="0"/>
-          <a:chExt cx="0" cy="0"/>
-        </a:xfrm>
-      </p:grpSpPr>
-      <p:sp>
-        <p:nvSpPr>
-          <p:cNvPr id="49" name="Title 48"/>
-          <p:cNvSpPr>
-            <a:spLocks noGrp="1"/>
-          </p:cNvSpPr>
-          <p:nvPr>
-            <p:ph type="title"/>
-          </p:nvPr>
-        </p:nvSpPr>
-        <p:spPr>
-          <a:xfrm>
-            <a:off x="533400" y="2438400"/>
-            <a:ext cx="8229600" cy="1143000"/>
-          </a:xfrm>
-        </p:spPr>
-        <p:txBody>
-          <a:bodyPr/>
-          <a:lstStyle/>
-          <a:p>
-            <a:r>
-              <a:rPr lang="en-US" dirty="0" smtClean="0"/>
-              <a:t>Stacks in ARM processor</a:t>
-            </a:r>
-            <a:endParaRPr lang="en-US" dirty="0"/>
-          </a:p>
-        </p:txBody>
-      </p:sp>
-    </p:spTree>
-  </p:cSld>
-  <p:clrMapOvr>
-    <a:masterClrMapping/>
-  </p:clrMapOvr>
-  <p:timing>
-    <p:tnLst>
-      <p:par>
-        <p:cTn id="1" dur="indefinite" restart="never" nodeType="tmRoot"/>
-      </p:par>
-    </p:tnLst>
-  </p:timing>
-</p:sld>
-</file>
-
-<file path=ppt/slides/slide9.xml><?xml version="1.0" encoding="utf-8"?>
-<p:sld xmlns:a="http://schemas.openxmlformats.org/drawingml/2006/main" xmlns:r="http://schemas.openxmlformats.org/officeDocument/2006/relationships" xmlns:p="http://schemas.openxmlformats.org/presentationml/2006/main">
-  <p:cSld>
-    <p:spTree>
-      <p:nvGrpSpPr>
-        <p:cNvPr id="1" name=""/>
-        <p:cNvGrpSpPr/>
-        <p:nvPr/>
-      </p:nvGrpSpPr>
-      <p:grpSpPr>
-        <a:xfrm>
-          <a:off x="0" y="0"/>
-          <a:ext cx="0" cy="0"/>
-          <a:chOff x="0" y="0"/>
-          <a:chExt cx="0" cy="0"/>
-        </a:xfrm>
-      </p:grpSpPr>
-      <p:sp>
-        <p:nvSpPr>
-          <p:cNvPr id="6" name="Title 5"/>
-          <p:cNvSpPr>
-            <a:spLocks noGrp="1"/>
-          </p:cNvSpPr>
-          <p:nvPr>
-            <p:ph type="title"/>
-          </p:nvPr>
-        </p:nvSpPr>
-        <p:spPr>
-          <a:gradFill flip="none" rotWithShape="1">
-            <a:gsLst>
-              <a:gs pos="0">
-                <a:schemeClr val="accent1">
-                  <a:tint val="66000"/>
-                  <a:satMod val="160000"/>
-                </a:schemeClr>
-              </a:gs>
-              <a:gs pos="50000">
-                <a:schemeClr val="accent1">
-                  <a:tint val="44500"/>
-                  <a:satMod val="160000"/>
-                </a:schemeClr>
-              </a:gs>
-              <a:gs pos="100000">
-                <a:schemeClr val="accent1">
-                  <a:tint val="23500"/>
-                  <a:satMod val="160000"/>
-                </a:schemeClr>
-              </a:gs>
-            </a:gsLst>
-            <a:lin ang="5400000" scaled="1"/>
-            <a:tileRect/>
-          </a:gradFill>
-          <a:ln>
-            <a:solidFill>
-              <a:schemeClr val="accent1">
-                <a:shade val="50000"/>
-              </a:schemeClr>
-            </a:solidFill>
-          </a:ln>
-        </p:spPr>
-        <p:txBody>
-          <a:bodyPr/>
-          <a:lstStyle/>
-          <a:p>
-            <a:r>
-              <a:rPr lang="en-US" dirty="0" smtClean="0"/>
-              <a:t>Types of Stack</a:t>
-            </a:r>
-            <a:endParaRPr lang="en-US" dirty="0"/>
-          </a:p>
-        </p:txBody>
-      </p:sp>
-      <p:sp>
-        <p:nvSpPr>
-          <p:cNvPr id="3" name="Rectangle 2"/>
-          <p:cNvSpPr/>
-          <p:nvPr/>
-        </p:nvSpPr>
-        <p:spPr>
-          <a:xfrm>
-            <a:off x="609600" y="2133600"/>
-            <a:ext cx="3657600" cy="1447800"/>
-          </a:xfrm>
-          <a:prstGeom prst="rect">
-            <a:avLst/>
-          </a:prstGeom>
-          <a:gradFill flip="none" rotWithShape="1">
-            <a:gsLst>
-              <a:gs pos="0">
-                <a:schemeClr val="accent1">
-                  <a:tint val="66000"/>
-                  <a:satMod val="160000"/>
-                </a:schemeClr>
-              </a:gs>
-              <a:gs pos="50000">
-                <a:schemeClr val="accent1">
-                  <a:tint val="44500"/>
-                  <a:satMod val="160000"/>
-                </a:schemeClr>
-              </a:gs>
-              <a:gs pos="100000">
-                <a:schemeClr val="accent1">
-                  <a:tint val="23500"/>
-                  <a:satMod val="160000"/>
-                </a:schemeClr>
-              </a:gs>
-            </a:gsLst>
-            <a:lin ang="5400000" scaled="1"/>
-            <a:tileRect/>
-          </a:gradFill>
-        </p:spPr>
-        <p:style>
-          <a:lnRef idx="2">
-            <a:schemeClr val="accent1">
-              <a:shade val="50000"/>
-            </a:schemeClr>
-          </a:lnRef>
-          <a:fillRef idx="1">
-            <a:schemeClr val="accent1"/>
-          </a:fillRef>
-          <a:effectRef idx="0">
-            <a:schemeClr val="accent1"/>
-          </a:effectRef>
-          <a:fontRef idx="minor">
-            <a:schemeClr val="lt1"/>
-          </a:fontRef>
-        </p:style>
-        <p:txBody>
-          <a:bodyPr rtlCol="0" anchor="ctr"/>
-          <a:lstStyle/>
-          <a:p>
-            <a:pPr algn="ctr"/>
-            <a:r>
-              <a:rPr lang="en-US" b="1" u="sng" dirty="0" smtClean="0">
-                <a:solidFill>
-                  <a:schemeClr val="tx1"/>
-                </a:solidFill>
-              </a:rPr>
-              <a:t>Ascending Stack:</a:t>
-            </a:r>
-          </a:p>
-          <a:p>
-            <a:pPr algn="ctr"/>
-            <a:r>
-              <a:rPr lang="en-US" dirty="0" smtClean="0">
-                <a:solidFill>
-                  <a:schemeClr val="tx1"/>
-                </a:solidFill>
-              </a:rPr>
-              <a:t>In a push the stack pointer is incremented, </a:t>
-            </a:r>
-            <a:r>
-              <a:rPr lang="en-US" dirty="0" err="1" smtClean="0">
-                <a:solidFill>
-                  <a:schemeClr val="tx1"/>
-                </a:solidFill>
-              </a:rPr>
-              <a:t>i.e</a:t>
-            </a:r>
-            <a:r>
-              <a:rPr lang="en-US" dirty="0" smtClean="0">
-                <a:solidFill>
-                  <a:schemeClr val="tx1"/>
-                </a:solidFill>
-              </a:rPr>
-              <a:t> the stack grows towards higher address.</a:t>
-            </a:r>
-            <a:endParaRPr lang="en-US" dirty="0">
-              <a:solidFill>
-                <a:schemeClr val="tx1"/>
-              </a:solidFill>
-            </a:endParaRPr>
-          </a:p>
-        </p:txBody>
-      </p:sp>
-      <p:sp>
-        <p:nvSpPr>
-          <p:cNvPr id="4" name="Rectangle 3"/>
-          <p:cNvSpPr/>
-          <p:nvPr/>
-        </p:nvSpPr>
-        <p:spPr>
-          <a:xfrm>
-            <a:off x="4876800" y="2133600"/>
-            <a:ext cx="3657600" cy="1447800"/>
-          </a:xfrm>
-          <a:prstGeom prst="rect">
-            <a:avLst/>
-          </a:prstGeom>
-          <a:gradFill flip="none" rotWithShape="1">
-            <a:gsLst>
-              <a:gs pos="0">
-                <a:schemeClr val="accent1">
-                  <a:tint val="66000"/>
-                  <a:satMod val="160000"/>
-                </a:schemeClr>
-              </a:gs>
-              <a:gs pos="50000">
-                <a:schemeClr val="accent1">
-                  <a:tint val="44500"/>
-                  <a:satMod val="160000"/>
-                </a:schemeClr>
-              </a:gs>
-              <a:gs pos="100000">
-                <a:schemeClr val="accent1">
-                  <a:tint val="23500"/>
-                  <a:satMod val="160000"/>
-                </a:schemeClr>
-              </a:gs>
-            </a:gsLst>
-            <a:lin ang="5400000" scaled="1"/>
-            <a:tileRect/>
-          </a:gradFill>
-        </p:spPr>
-        <p:style>
-          <a:lnRef idx="2">
-            <a:schemeClr val="accent1">
-              <a:shade val="50000"/>
-            </a:schemeClr>
-          </a:lnRef>
-          <a:fillRef idx="1">
-            <a:schemeClr val="accent1"/>
-          </a:fillRef>
-          <a:effectRef idx="0">
-            <a:schemeClr val="accent1"/>
-          </a:effectRef>
-          <a:fontRef idx="minor">
-            <a:schemeClr val="lt1"/>
-          </a:fontRef>
-        </p:style>
-        <p:txBody>
-          <a:bodyPr rtlCol="0" anchor="ctr"/>
-          <a:lstStyle/>
-          <a:p>
-            <a:pPr algn="ctr"/>
-            <a:r>
-              <a:rPr lang="en-US" b="1" u="sng" dirty="0" smtClean="0">
-                <a:solidFill>
-                  <a:schemeClr val="tx1"/>
-                </a:solidFill>
-              </a:rPr>
-              <a:t>Descending </a:t>
-            </a:r>
-            <a:r>
-              <a:rPr lang="en-US" b="1" u="sng" dirty="0" smtClean="0">
-                <a:solidFill>
-                  <a:schemeClr val="tx1"/>
-                </a:solidFill>
-              </a:rPr>
-              <a:t>Stack:</a:t>
-            </a:r>
-          </a:p>
-          <a:p>
-            <a:pPr algn="ctr"/>
-            <a:r>
-              <a:rPr lang="en-US" dirty="0" smtClean="0">
-                <a:solidFill>
-                  <a:schemeClr val="tx1"/>
-                </a:solidFill>
-              </a:rPr>
-              <a:t>In </a:t>
-            </a:r>
-            <a:r>
-              <a:rPr lang="en-US" dirty="0" smtClean="0">
-                <a:solidFill>
-                  <a:schemeClr val="tx1"/>
-                </a:solidFill>
-              </a:rPr>
-              <a:t>a push the stack pointer is decremented, </a:t>
-            </a:r>
-            <a:r>
-              <a:rPr lang="en-US" dirty="0" err="1" smtClean="0">
-                <a:solidFill>
-                  <a:schemeClr val="tx1"/>
-                </a:solidFill>
-              </a:rPr>
-              <a:t>i.e</a:t>
-            </a:r>
-            <a:r>
-              <a:rPr lang="en-US" dirty="0" smtClean="0">
-                <a:solidFill>
-                  <a:schemeClr val="tx1"/>
-                </a:solidFill>
-              </a:rPr>
-              <a:t> the stack grows towards lower address.</a:t>
-            </a:r>
-            <a:endParaRPr lang="en-US" dirty="0" smtClean="0">
-              <a:solidFill>
-                <a:schemeClr val="tx1"/>
-              </a:solidFill>
-            </a:endParaRPr>
-          </a:p>
-          <a:p>
-            <a:pPr algn="ctr"/>
-            <a:endParaRPr lang="en-US" dirty="0"/>
-          </a:p>
-        </p:txBody>
-      </p:sp>
-      <p:cxnSp>
-        <p:nvCxnSpPr>
-          <p:cNvPr id="7" name="Straight Arrow Connector 6"/>
-          <p:cNvCxnSpPr>
-            <a:stCxn id="6" idx="2"/>
-            <a:endCxn id="3" idx="0"/>
-          </p:cNvCxnSpPr>
-          <p:nvPr/>
-        </p:nvCxnSpPr>
-        <p:spPr>
-          <a:xfrm flipH="1">
-            <a:off x="2438400" y="1417638"/>
-            <a:ext cx="2133600" cy="715962"/>
-          </a:xfrm>
-          <a:prstGeom prst="straightConnector1">
-            <a:avLst/>
-          </a:prstGeom>
-          <a:ln>
-            <a:tailEnd type="arrow"/>
-          </a:ln>
-        </p:spPr>
-        <p:style>
-          <a:lnRef idx="1">
-            <a:schemeClr val="accent1"/>
-          </a:lnRef>
-          <a:fillRef idx="0">
-            <a:schemeClr val="accent1"/>
-          </a:fillRef>
-          <a:effectRef idx="0">
-            <a:schemeClr val="accent1"/>
-          </a:effectRef>
-          <a:fontRef idx="minor">
-            <a:schemeClr val="tx1"/>
-          </a:fontRef>
-        </p:style>
-      </p:cxnSp>
-      <p:cxnSp>
-        <p:nvCxnSpPr>
-          <p:cNvPr id="9" name="Straight Arrow Connector 8"/>
-          <p:cNvCxnSpPr>
-            <a:stCxn id="6" idx="2"/>
-            <a:endCxn id="4" idx="0"/>
-          </p:cNvCxnSpPr>
-          <p:nvPr/>
-        </p:nvCxnSpPr>
-        <p:spPr>
-          <a:xfrm>
-            <a:off x="4572000" y="1417638"/>
-            <a:ext cx="2133600" cy="715962"/>
-          </a:xfrm>
-          <a:prstGeom prst="straightConnector1">
-            <a:avLst/>
-          </a:prstGeom>
-          <a:ln>
-            <a:tailEnd type="arrow"/>
-          </a:ln>
-        </p:spPr>
-        <p:style>
-          <a:lnRef idx="1">
-            <a:schemeClr val="accent1"/>
-          </a:lnRef>
-          <a:fillRef idx="0">
-            <a:schemeClr val="accent1"/>
-          </a:fillRef>
-          <a:effectRef idx="0">
-            <a:schemeClr val="accent1"/>
-          </a:effectRef>
-          <a:fontRef idx="minor">
-            <a:schemeClr val="tx1"/>
-          </a:fontRef>
-        </p:style>
-      </p:cxnSp>
-      <p:sp>
-        <p:nvSpPr>
-          <p:cNvPr id="10" name="Rectangle 9"/>
-          <p:cNvSpPr/>
-          <p:nvPr/>
-        </p:nvSpPr>
-        <p:spPr>
-          <a:xfrm>
-            <a:off x="381000" y="4038600"/>
-            <a:ext cx="1752600" cy="2590800"/>
-          </a:xfrm>
-          <a:prstGeom prst="rect">
-            <a:avLst/>
-          </a:prstGeom>
-          <a:gradFill flip="none" rotWithShape="1">
-            <a:gsLst>
-              <a:gs pos="29000">
-                <a:srgbClr val="FFFF00"/>
-              </a:gs>
-              <a:gs pos="68000">
-                <a:schemeClr val="accent1">
-                  <a:lumMod val="60000"/>
-                  <a:lumOff val="40000"/>
-                </a:schemeClr>
-              </a:gs>
-              <a:gs pos="100000">
-                <a:schemeClr val="accent1">
-                  <a:tint val="23500"/>
-                  <a:satMod val="160000"/>
-                </a:schemeClr>
-              </a:gs>
-            </a:gsLst>
-            <a:lin ang="5400000" scaled="1"/>
-            <a:tileRect/>
-          </a:gradFill>
-        </p:spPr>
-        <p:style>
-          <a:lnRef idx="2">
-            <a:schemeClr val="accent1">
-              <a:shade val="50000"/>
-            </a:schemeClr>
-          </a:lnRef>
-          <a:fillRef idx="1">
-            <a:schemeClr val="accent1"/>
-          </a:fillRef>
-          <a:effectRef idx="0">
-            <a:schemeClr val="accent1"/>
-          </a:effectRef>
-          <a:fontRef idx="minor">
-            <a:schemeClr val="lt1"/>
-          </a:fontRef>
-        </p:style>
-        <p:txBody>
-          <a:bodyPr rtlCol="0" anchor="ctr"/>
-          <a:lstStyle/>
-          <a:p>
-            <a:pPr algn="ctr"/>
-            <a:r>
-              <a:rPr lang="en-US" sz="1400" b="1" u="sng" dirty="0" smtClean="0">
-                <a:solidFill>
-                  <a:schemeClr val="tx1"/>
-                </a:solidFill>
-              </a:rPr>
-              <a:t>Ascending Empty </a:t>
-            </a:r>
-            <a:r>
-              <a:rPr lang="en-US" sz="1400" b="1" u="sng" dirty="0" smtClean="0">
-                <a:solidFill>
-                  <a:schemeClr val="tx1"/>
-                </a:solidFill>
-              </a:rPr>
-              <a:t>stack</a:t>
-            </a:r>
-          </a:p>
-          <a:p>
-            <a:pPr algn="ctr"/>
-            <a:r>
-              <a:rPr lang="en-US" sz="1400" dirty="0" smtClean="0">
-                <a:solidFill>
-                  <a:schemeClr val="tx1"/>
-                </a:solidFill>
-              </a:rPr>
-              <a:t>Stack pointer points to the location in which the next item will be stored. A push will store the value, and increment the stack pointer.</a:t>
-            </a:r>
-          </a:p>
-          <a:p>
-            <a:pPr algn="ctr"/>
-            <a:endParaRPr lang="en-US" sz="1400" dirty="0" smtClean="0">
-              <a:solidFill>
-                <a:schemeClr val="tx1"/>
-              </a:solidFill>
-            </a:endParaRPr>
-          </a:p>
-        </p:txBody>
-      </p:sp>
-      <p:sp>
-        <p:nvSpPr>
-          <p:cNvPr id="11" name="Rectangle 10"/>
-          <p:cNvSpPr/>
-          <p:nvPr/>
-        </p:nvSpPr>
-        <p:spPr>
-          <a:xfrm>
-            <a:off x="2514600" y="4038600"/>
-            <a:ext cx="1752600" cy="2590800"/>
-          </a:xfrm>
-          <a:prstGeom prst="rect">
-            <a:avLst/>
-          </a:prstGeom>
-          <a:gradFill flip="none" rotWithShape="1">
-            <a:gsLst>
-              <a:gs pos="43000">
-                <a:schemeClr val="accent6">
-                  <a:lumMod val="40000"/>
-                  <a:lumOff val="60000"/>
-                  <a:alpha val="62000"/>
-                </a:schemeClr>
-              </a:gs>
-              <a:gs pos="50000">
-                <a:schemeClr val="accent1">
-                  <a:tint val="44500"/>
-                  <a:satMod val="160000"/>
-                </a:schemeClr>
-              </a:gs>
-              <a:gs pos="100000">
-                <a:schemeClr val="accent1">
-                  <a:tint val="23500"/>
-                  <a:satMod val="160000"/>
-                </a:schemeClr>
-              </a:gs>
-            </a:gsLst>
-            <a:lin ang="5400000" scaled="1"/>
-            <a:tileRect/>
-          </a:gradFill>
-        </p:spPr>
-        <p:style>
-          <a:lnRef idx="2">
-            <a:schemeClr val="accent1">
-              <a:shade val="50000"/>
-            </a:schemeClr>
-          </a:lnRef>
-          <a:fillRef idx="1">
-            <a:schemeClr val="accent1"/>
-          </a:fillRef>
-          <a:effectRef idx="0">
-            <a:schemeClr val="accent1"/>
-          </a:effectRef>
-          <a:fontRef idx="minor">
-            <a:schemeClr val="lt1"/>
-          </a:fontRef>
-        </p:style>
-        <p:txBody>
-          <a:bodyPr rtlCol="0" anchor="ctr"/>
-          <a:lstStyle/>
-          <a:p>
-            <a:pPr algn="ctr"/>
-            <a:r>
-              <a:rPr lang="en-US" sz="1600" b="1" u="sng" dirty="0" smtClean="0">
-                <a:solidFill>
-                  <a:schemeClr val="tx1"/>
-                </a:solidFill>
-              </a:rPr>
-              <a:t>Ascending Full Stack</a:t>
-            </a:r>
-          </a:p>
-          <a:p>
-            <a:pPr algn="ctr"/>
-            <a:r>
-              <a:rPr lang="en-US" sz="1600" dirty="0" smtClean="0">
-                <a:solidFill>
-                  <a:schemeClr val="tx1"/>
-                </a:solidFill>
-              </a:rPr>
-              <a:t>Stack </a:t>
-            </a:r>
-            <a:r>
-              <a:rPr lang="en-US" sz="1600" dirty="0" smtClean="0">
-                <a:solidFill>
-                  <a:schemeClr val="tx1"/>
-                </a:solidFill>
-              </a:rPr>
-              <a:t>pointer points to the location in which the last item was stored. A push will increment the stack pointer and store the value.</a:t>
-            </a:r>
-            <a:endParaRPr lang="en-US" sz="1600" dirty="0" smtClean="0">
-              <a:solidFill>
-                <a:schemeClr val="tx1"/>
-              </a:solidFill>
-            </a:endParaRPr>
-          </a:p>
-        </p:txBody>
-      </p:sp>
-      <p:sp>
-        <p:nvSpPr>
-          <p:cNvPr id="12" name="Rectangle 11"/>
-          <p:cNvSpPr/>
-          <p:nvPr/>
-        </p:nvSpPr>
-        <p:spPr>
-          <a:xfrm>
-            <a:off x="4953000" y="4038600"/>
-            <a:ext cx="1752600" cy="2590800"/>
-          </a:xfrm>
-          <a:prstGeom prst="rect">
-            <a:avLst/>
-          </a:prstGeom>
-          <a:gradFill flip="none" rotWithShape="1">
-            <a:gsLst>
-              <a:gs pos="29000">
-                <a:srgbClr val="FFFF00"/>
-              </a:gs>
-              <a:gs pos="68000">
-                <a:schemeClr val="accent1">
-                  <a:lumMod val="60000"/>
-                  <a:lumOff val="40000"/>
-                </a:schemeClr>
-              </a:gs>
-              <a:gs pos="100000">
-                <a:schemeClr val="accent1">
-                  <a:tint val="23500"/>
-                  <a:satMod val="160000"/>
-                </a:schemeClr>
-              </a:gs>
-            </a:gsLst>
-            <a:lin ang="5400000" scaled="1"/>
-            <a:tileRect/>
-          </a:gradFill>
-        </p:spPr>
-        <p:style>
-          <a:lnRef idx="2">
-            <a:schemeClr val="accent1">
-              <a:shade val="50000"/>
-            </a:schemeClr>
-          </a:lnRef>
-          <a:fillRef idx="1">
-            <a:schemeClr val="accent1"/>
-          </a:fillRef>
-          <a:effectRef idx="0">
-            <a:schemeClr val="accent1"/>
-          </a:effectRef>
-          <a:fontRef idx="minor">
-            <a:schemeClr val="lt1"/>
-          </a:fontRef>
-        </p:style>
-        <p:txBody>
-          <a:bodyPr rtlCol="0" anchor="ctr"/>
-          <a:lstStyle/>
-          <a:p>
-            <a:pPr algn="ctr"/>
-            <a:r>
-              <a:rPr lang="en-US" sz="1400" b="1" u="sng" dirty="0" smtClean="0">
-                <a:solidFill>
-                  <a:srgbClr val="FF0000"/>
-                </a:solidFill>
-              </a:rPr>
-              <a:t>Descending  </a:t>
-            </a:r>
-            <a:r>
-              <a:rPr lang="en-US" sz="1400" b="1" u="sng" dirty="0" smtClean="0">
-                <a:solidFill>
-                  <a:srgbClr val="FF0000"/>
-                </a:solidFill>
-              </a:rPr>
-              <a:t>Empty stack</a:t>
-            </a:r>
-          </a:p>
-          <a:p>
-            <a:pPr algn="ctr"/>
-            <a:r>
-              <a:rPr lang="en-US" sz="1400" dirty="0" smtClean="0">
-                <a:solidFill>
-                  <a:schemeClr val="tx1"/>
-                </a:solidFill>
-              </a:rPr>
-              <a:t>Stack pointer points to the location in which the next item will be stored. A push will store the value, and increment the stack pointer.</a:t>
-            </a:r>
-          </a:p>
-          <a:p>
-            <a:pPr algn="ctr"/>
-            <a:r>
-              <a:rPr lang="en-US" sz="1400" dirty="0" smtClean="0">
-                <a:solidFill>
-                  <a:schemeClr val="tx1"/>
-                </a:solidFill>
-              </a:rPr>
-              <a:t>Full stack</a:t>
-            </a:r>
-          </a:p>
-        </p:txBody>
-      </p:sp>
-      <p:sp>
-        <p:nvSpPr>
-          <p:cNvPr id="13" name="Rectangle 12"/>
-          <p:cNvSpPr/>
-          <p:nvPr/>
-        </p:nvSpPr>
-        <p:spPr>
-          <a:xfrm>
-            <a:off x="7010400" y="4038600"/>
-            <a:ext cx="1752600" cy="2590800"/>
-          </a:xfrm>
-          <a:prstGeom prst="rect">
-            <a:avLst/>
-          </a:prstGeom>
-          <a:gradFill flip="none" rotWithShape="1">
-            <a:gsLst>
-              <a:gs pos="43000">
-                <a:schemeClr val="accent6">
-                  <a:lumMod val="40000"/>
-                  <a:lumOff val="60000"/>
-                  <a:alpha val="62000"/>
-                </a:schemeClr>
-              </a:gs>
-              <a:gs pos="50000">
-                <a:schemeClr val="accent1">
-                  <a:tint val="44500"/>
-                  <a:satMod val="160000"/>
-                </a:schemeClr>
-              </a:gs>
-              <a:gs pos="100000">
-                <a:schemeClr val="accent1">
-                  <a:tint val="23500"/>
-                  <a:satMod val="160000"/>
-                </a:schemeClr>
-              </a:gs>
-            </a:gsLst>
-            <a:lin ang="5400000" scaled="1"/>
-            <a:tileRect/>
-          </a:gradFill>
-        </p:spPr>
-        <p:style>
-          <a:lnRef idx="2">
-            <a:schemeClr val="accent1">
-              <a:shade val="50000"/>
-            </a:schemeClr>
-          </a:lnRef>
-          <a:fillRef idx="1">
-            <a:schemeClr val="accent1"/>
-          </a:fillRef>
-          <a:effectRef idx="0">
-            <a:schemeClr val="accent1"/>
-          </a:effectRef>
-          <a:fontRef idx="minor">
-            <a:schemeClr val="lt1"/>
-          </a:fontRef>
-        </p:style>
-        <p:txBody>
-          <a:bodyPr rtlCol="0" anchor="ctr"/>
-          <a:lstStyle/>
-          <a:p>
-            <a:pPr algn="ctr"/>
-            <a:r>
-              <a:rPr lang="en-US" sz="1600" b="1" u="sng" dirty="0" smtClean="0">
-                <a:solidFill>
-                  <a:schemeClr val="tx1"/>
-                </a:solidFill>
-              </a:rPr>
-              <a:t>Descending </a:t>
-            </a:r>
-            <a:r>
-              <a:rPr lang="en-US" sz="1600" b="1" u="sng" dirty="0" smtClean="0">
-                <a:solidFill>
-                  <a:schemeClr val="tx1"/>
-                </a:solidFill>
-              </a:rPr>
-              <a:t>Full Stack</a:t>
-            </a:r>
-          </a:p>
-          <a:p>
-            <a:pPr algn="ctr"/>
-            <a:r>
-              <a:rPr lang="en-US" sz="1600" dirty="0" smtClean="0">
-                <a:solidFill>
-                  <a:schemeClr val="tx1"/>
-                </a:solidFill>
-              </a:rPr>
-              <a:t>Stack pointer points to the location in which the last item was stored. A push will increment the stack pointer and store the value</a:t>
-            </a:r>
-            <a:endParaRPr lang="en-US" sz="1600" b="1" u="sng" dirty="0" smtClean="0"/>
-          </a:p>
-        </p:txBody>
-      </p:sp>
-      <p:cxnSp>
-        <p:nvCxnSpPr>
-          <p:cNvPr id="15" name="Straight Arrow Connector 14"/>
-          <p:cNvCxnSpPr>
-            <a:stCxn id="3" idx="2"/>
-          </p:cNvCxnSpPr>
-          <p:nvPr/>
-        </p:nvCxnSpPr>
-        <p:spPr>
-          <a:xfrm flipH="1">
-            <a:off x="1295400" y="3581400"/>
-            <a:ext cx="1143000" cy="381000"/>
-          </a:xfrm>
-          <a:prstGeom prst="straightConnector1">
-            <a:avLst/>
-          </a:prstGeom>
-          <a:ln>
-            <a:tailEnd type="arrow"/>
-          </a:ln>
-        </p:spPr>
-        <p:style>
-          <a:lnRef idx="1">
-            <a:schemeClr val="accent1"/>
-          </a:lnRef>
-          <a:fillRef idx="0">
-            <a:schemeClr val="accent1"/>
-          </a:fillRef>
-          <a:effectRef idx="0">
-            <a:schemeClr val="accent1"/>
-          </a:effectRef>
-          <a:fontRef idx="minor">
-            <a:schemeClr val="tx1"/>
-          </a:fontRef>
-        </p:style>
-      </p:cxnSp>
-      <p:cxnSp>
-        <p:nvCxnSpPr>
-          <p:cNvPr id="18" name="Straight Arrow Connector 17"/>
-          <p:cNvCxnSpPr/>
-          <p:nvPr/>
-        </p:nvCxnSpPr>
-        <p:spPr>
-          <a:xfrm flipH="1">
-            <a:off x="5562600" y="3581400"/>
-            <a:ext cx="1143000" cy="381000"/>
-          </a:xfrm>
-          <a:prstGeom prst="straightConnector1">
-            <a:avLst/>
-          </a:prstGeom>
-          <a:ln>
-            <a:tailEnd type="arrow"/>
-          </a:ln>
-        </p:spPr>
-        <p:style>
-          <a:lnRef idx="1">
-            <a:schemeClr val="accent1"/>
-          </a:lnRef>
-          <a:fillRef idx="0">
-            <a:schemeClr val="accent1"/>
-          </a:fillRef>
-          <a:effectRef idx="0">
-            <a:schemeClr val="accent1"/>
-          </a:effectRef>
-          <a:fontRef idx="minor">
-            <a:schemeClr val="tx1"/>
-          </a:fontRef>
-        </p:style>
-      </p:cxnSp>
-      <p:cxnSp>
-        <p:nvCxnSpPr>
-          <p:cNvPr id="20" name="Straight Arrow Connector 19"/>
-          <p:cNvCxnSpPr>
-            <a:stCxn id="3" idx="2"/>
-          </p:cNvCxnSpPr>
-          <p:nvPr/>
-        </p:nvCxnSpPr>
-        <p:spPr>
-          <a:xfrm>
-            <a:off x="2438400" y="3581400"/>
-            <a:ext cx="914400" cy="381000"/>
-          </a:xfrm>
-          <a:prstGeom prst="straightConnector1">
-            <a:avLst/>
-          </a:prstGeom>
-          <a:ln>
-            <a:tailEnd type="arrow"/>
-          </a:ln>
-        </p:spPr>
-        <p:style>
-          <a:lnRef idx="1">
-            <a:schemeClr val="accent1"/>
-          </a:lnRef>
-          <a:fillRef idx="0">
-            <a:schemeClr val="accent1"/>
-          </a:fillRef>
-          <a:effectRef idx="0">
-            <a:schemeClr val="accent1"/>
-          </a:effectRef>
-          <a:fontRef idx="minor">
-            <a:schemeClr val="tx1"/>
-          </a:fontRef>
-        </p:style>
-      </p:cxnSp>
-      <p:cxnSp>
-        <p:nvCxnSpPr>
-          <p:cNvPr id="21" name="Straight Arrow Connector 20"/>
-          <p:cNvCxnSpPr/>
-          <p:nvPr/>
-        </p:nvCxnSpPr>
-        <p:spPr>
-          <a:xfrm>
-            <a:off x="6858000" y="3581400"/>
-            <a:ext cx="914400" cy="381000"/>
-          </a:xfrm>
-          <a:prstGeom prst="straightConnector1">
-            <a:avLst/>
-          </a:prstGeom>
-          <a:ln>
-            <a:tailEnd type="arrow"/>
-          </a:ln>
-        </p:spPr>
-        <p:style>
-          <a:lnRef idx="1">
-            <a:schemeClr val="accent1"/>
-          </a:lnRef>
-          <a:fillRef idx="0">
-            <a:schemeClr val="accent1"/>
-          </a:fillRef>
-          <a:effectRef idx="0">
-            <a:schemeClr val="accent1"/>
-          </a:effectRef>
-          <a:fontRef idx="minor">
-            <a:schemeClr val="tx1"/>
-          </a:fontRef>
-        </p:style>
-      </p:cxnSp>
-    </p:spTree>
-  </p:cSld>
-  <p:clrMapOvr>
-    <a:masterClrMapping/>
-  </p:clrMapOvr>
-  <p:timing>
-    <p:tnLst>
-      <p:par>
-        <p:cTn id="1" dur="indefinite" restart="never" nodeType="tmRoot"/>
-      </p:par>
-    </p:tnLst>
-  </p:timing>
-</p:sld>
-</file>
-
 <file path=ppt/theme/theme1.xml><?xml version="1.0" encoding="utf-8"?>
 <a:theme xmlns:a="http://schemas.openxmlformats.org/drawingml/2006/main" name="Office Theme">
   <a:themeElements>

--- a/Module-4.pptx
+++ b/Module-4.pptx
@@ -21199,8 +21199,8 @@
         </p:blipFill>
         <p:spPr bwMode="auto">
           <a:xfrm>
-            <a:off x="1300163" y="1066800"/>
-            <a:ext cx="6543675" cy="5534025"/>
+            <a:off x="533400" y="762000"/>
+            <a:ext cx="8077199" cy="5795823"/>
           </a:xfrm>
           <a:prstGeom prst="rect">
             <a:avLst/>
